--- a/memoria/images/diagrama intenciones.pptx
+++ b/memoria/images/diagrama intenciones.pptx
@@ -260,7 +260,7 @@
           <a:p>
             <a:fld id="{9C28449B-7E7F-4B22-B31C-7455ACE0523B}" type="datetimeFigureOut">
               <a:rPr lang="es-ES" smtClean="0"/>
-              <a:t>09/01/2018</a:t>
+              <a:t>13/01/2018</a:t>
             </a:fld>
             <a:endParaRPr lang="es-ES"/>
           </a:p>
@@ -430,7 +430,7 @@
           <a:p>
             <a:fld id="{9C28449B-7E7F-4B22-B31C-7455ACE0523B}" type="datetimeFigureOut">
               <a:rPr lang="es-ES" smtClean="0"/>
-              <a:t>09/01/2018</a:t>
+              <a:t>13/01/2018</a:t>
             </a:fld>
             <a:endParaRPr lang="es-ES"/>
           </a:p>
@@ -610,7 +610,7 @@
           <a:p>
             <a:fld id="{9C28449B-7E7F-4B22-B31C-7455ACE0523B}" type="datetimeFigureOut">
               <a:rPr lang="es-ES" smtClean="0"/>
-              <a:t>09/01/2018</a:t>
+              <a:t>13/01/2018</a:t>
             </a:fld>
             <a:endParaRPr lang="es-ES"/>
           </a:p>
@@ -780,7 +780,7 @@
           <a:p>
             <a:fld id="{9C28449B-7E7F-4B22-B31C-7455ACE0523B}" type="datetimeFigureOut">
               <a:rPr lang="es-ES" smtClean="0"/>
-              <a:t>09/01/2018</a:t>
+              <a:t>13/01/2018</a:t>
             </a:fld>
             <a:endParaRPr lang="es-ES"/>
           </a:p>
@@ -1026,7 +1026,7 @@
           <a:p>
             <a:fld id="{9C28449B-7E7F-4B22-B31C-7455ACE0523B}" type="datetimeFigureOut">
               <a:rPr lang="es-ES" smtClean="0"/>
-              <a:t>09/01/2018</a:t>
+              <a:t>13/01/2018</a:t>
             </a:fld>
             <a:endParaRPr lang="es-ES"/>
           </a:p>
@@ -1258,7 +1258,7 @@
           <a:p>
             <a:fld id="{9C28449B-7E7F-4B22-B31C-7455ACE0523B}" type="datetimeFigureOut">
               <a:rPr lang="es-ES" smtClean="0"/>
-              <a:t>09/01/2018</a:t>
+              <a:t>13/01/2018</a:t>
             </a:fld>
             <a:endParaRPr lang="es-ES"/>
           </a:p>
@@ -1625,7 +1625,7 @@
           <a:p>
             <a:fld id="{9C28449B-7E7F-4B22-B31C-7455ACE0523B}" type="datetimeFigureOut">
               <a:rPr lang="es-ES" smtClean="0"/>
-              <a:t>09/01/2018</a:t>
+              <a:t>13/01/2018</a:t>
             </a:fld>
             <a:endParaRPr lang="es-ES"/>
           </a:p>
@@ -1743,7 +1743,7 @@
           <a:p>
             <a:fld id="{9C28449B-7E7F-4B22-B31C-7455ACE0523B}" type="datetimeFigureOut">
               <a:rPr lang="es-ES" smtClean="0"/>
-              <a:t>09/01/2018</a:t>
+              <a:t>13/01/2018</a:t>
             </a:fld>
             <a:endParaRPr lang="es-ES"/>
           </a:p>
@@ -1838,7 +1838,7 @@
           <a:p>
             <a:fld id="{9C28449B-7E7F-4B22-B31C-7455ACE0523B}" type="datetimeFigureOut">
               <a:rPr lang="es-ES" smtClean="0"/>
-              <a:t>09/01/2018</a:t>
+              <a:t>13/01/2018</a:t>
             </a:fld>
             <a:endParaRPr lang="es-ES"/>
           </a:p>
@@ -2115,7 +2115,7 @@
           <a:p>
             <a:fld id="{9C28449B-7E7F-4B22-B31C-7455ACE0523B}" type="datetimeFigureOut">
               <a:rPr lang="es-ES" smtClean="0"/>
-              <a:t>09/01/2018</a:t>
+              <a:t>13/01/2018</a:t>
             </a:fld>
             <a:endParaRPr lang="es-ES"/>
           </a:p>
@@ -2368,7 +2368,7 @@
           <a:p>
             <a:fld id="{9C28449B-7E7F-4B22-B31C-7455ACE0523B}" type="datetimeFigureOut">
               <a:rPr lang="es-ES" smtClean="0"/>
-              <a:t>09/01/2018</a:t>
+              <a:t>13/01/2018</a:t>
             </a:fld>
             <a:endParaRPr lang="es-ES"/>
           </a:p>
@@ -2581,7 +2581,7 @@
           <a:p>
             <a:fld id="{9C28449B-7E7F-4B22-B31C-7455ACE0523B}" type="datetimeFigureOut">
               <a:rPr lang="es-ES" smtClean="0"/>
-              <a:t>09/01/2018</a:t>
+              <a:t>13/01/2018</a:t>
             </a:fld>
             <a:endParaRPr lang="es-ES"/>
           </a:p>
@@ -3515,31 +3515,8 @@
                     <a:latin typeface="+mj-lt"/>
                     <a:cs typeface="Aharoni" panose="02010803020104030203" pitchFamily="2" charset="-79"/>
                   </a:rPr>
-                  <a:t>Respuesta que se proporcionará al </a:t>
+                  <a:t>Respuesta que se proporcionará al usuario (no se espera input del usuario)</a:t>
                 </a:r>
-                <a:r>
-                  <a:rPr lang="es-ES" b="1" dirty="0" smtClean="0">
-                    <a:solidFill>
-                      <a:schemeClr val="tx1">
-                        <a:lumMod val="50000"/>
-                        <a:lumOff val="50000"/>
-                      </a:schemeClr>
-                    </a:solidFill>
-                    <a:latin typeface="+mj-lt"/>
-                    <a:cs typeface="Aharoni" panose="02010803020104030203" pitchFamily="2" charset="-79"/>
-                  </a:rPr>
-                  <a:t>usuario (no se espera input del usuario)</a:t>
-                </a:r>
-                <a:endParaRPr lang="es-ES" b="1" dirty="0" smtClean="0">
-                  <a:solidFill>
-                    <a:schemeClr val="tx1">
-                      <a:lumMod val="50000"/>
-                      <a:lumOff val="50000"/>
-                    </a:schemeClr>
-                  </a:solidFill>
-                  <a:latin typeface="+mj-lt"/>
-                  <a:cs typeface="Aharoni" panose="02010803020104030203" pitchFamily="2" charset="-79"/>
-                </a:endParaRPr>
               </a:p>
               <a:p>
                 <a:pPr>
@@ -8692,18 +8669,7 @@
                   </a:schemeClr>
                 </a:solidFill>
               </a:rPr>
-              <a:t>&gt; </a:t>
-            </a:r>
-            <a:r>
-              <a:rPr lang="en-US" sz="1400" dirty="0" smtClean="0">
-                <a:solidFill>
-                  <a:schemeClr val="tx1">
-                    <a:lumMod val="50000"/>
-                    <a:lumOff val="50000"/>
-                  </a:schemeClr>
-                </a:solidFill>
-              </a:rPr>
-              <a:t>products </a:t>
+              <a:t>&gt; products </a:t>
             </a:r>
             <a:r>
               <a:rPr lang="en-US" sz="1400" dirty="0">
@@ -8769,18 +8735,7 @@
                   </a:schemeClr>
                 </a:solidFill>
               </a:rPr>
-              <a:t>&gt; </a:t>
-            </a:r>
-            <a:r>
-              <a:rPr lang="en-US" sz="1400" dirty="0" smtClean="0">
-                <a:solidFill>
-                  <a:schemeClr val="tx1">
-                    <a:lumMod val="50000"/>
-                    <a:lumOff val="50000"/>
-                  </a:schemeClr>
-                </a:solidFill>
-              </a:rPr>
-              <a:t>products </a:t>
+              <a:t>&gt; products </a:t>
             </a:r>
             <a:r>
               <a:rPr lang="en-US" sz="1400" dirty="0">
@@ -8905,18 +8860,7 @@
                   </a:schemeClr>
                 </a:solidFill>
               </a:rPr>
-              <a:t>Already expired:  </a:t>
-            </a:r>
-            <a:r>
-              <a:rPr lang="en-US" sz="1400" dirty="0" smtClean="0">
-                <a:solidFill>
-                  <a:schemeClr val="tx1">
-                    <a:lumMod val="50000"/>
-                    <a:lumOff val="50000"/>
-                  </a:schemeClr>
-                </a:solidFill>
-              </a:rPr>
-              <a:t>&lt;</a:t>
+              <a:t>Already expired:  &lt;</a:t>
             </a:r>
             <a:r>
               <a:rPr lang="en-US" sz="1400" dirty="0" err="1" smtClean="0">
@@ -8984,14 +8928,6 @@
               </a:rPr>
               <a:t>&gt;</a:t>
             </a:r>
-            <a:endParaRPr lang="en-US" sz="1400" dirty="0" smtClean="0">
-              <a:solidFill>
-                <a:schemeClr val="tx1">
-                  <a:lumMod val="50000"/>
-                  <a:lumOff val="50000"/>
-                </a:schemeClr>
-              </a:solidFill>
-            </a:endParaRPr>
           </a:p>
           <a:p>
             <a:pPr>
@@ -9008,18 +8944,7 @@
                   </a:schemeClr>
                 </a:solidFill>
               </a:rPr>
-              <a:t>To expire:  </a:t>
-            </a:r>
-            <a:r>
-              <a:rPr lang="en-US" sz="1400" dirty="0" smtClean="0">
-                <a:solidFill>
-                  <a:schemeClr val="tx1">
-                    <a:lumMod val="50000"/>
-                    <a:lumOff val="50000"/>
-                  </a:schemeClr>
-                </a:solidFill>
-              </a:rPr>
-              <a:t>&lt;</a:t>
+              <a:t>To expire:  &lt;</a:t>
             </a:r>
             <a:r>
               <a:rPr lang="en-US" sz="1400" dirty="0" err="1" smtClean="0">
@@ -9109,14 +9034,6 @@
               </a:rPr>
               <a:t>&gt;</a:t>
             </a:r>
-            <a:endParaRPr lang="en-US" sz="1400" dirty="0" smtClean="0">
-              <a:solidFill>
-                <a:schemeClr val="tx1">
-                  <a:lumMod val="50000"/>
-                  <a:lumOff val="50000"/>
-                </a:schemeClr>
-              </a:solidFill>
-            </a:endParaRPr>
           </a:p>
           <a:p>
             <a:pPr>
@@ -9256,7 +9173,7 @@
       </p:grpSpPr>
       <p:grpSp>
         <p:nvGrpSpPr>
-          <p:cNvPr id="97" name="Grupo 96"/>
+          <p:cNvPr id="2" name="Grupo 1"/>
           <p:cNvGrpSpPr/>
           <p:nvPr/>
         </p:nvGrpSpPr>
@@ -9264,43 +9181,1481 @@
           <a:xfrm>
             <a:off x="-1684422" y="-1604212"/>
             <a:ext cx="20791572" cy="10919661"/>
-            <a:chOff x="-1684422" y="-1652338"/>
+            <a:chOff x="-1684422" y="-1604212"/>
             <a:chExt cx="20791572" cy="10919661"/>
           </a:xfrm>
         </p:grpSpPr>
         <p:grpSp>
           <p:nvGrpSpPr>
-            <p:cNvPr id="89" name="Grupo 88"/>
+            <p:cNvPr id="97" name="Grupo 96"/>
             <p:cNvGrpSpPr/>
             <p:nvPr/>
           </p:nvGrpSpPr>
           <p:grpSpPr>
             <a:xfrm>
-              <a:off x="-1684422" y="-1652338"/>
+              <a:off x="-1684422" y="-1604212"/>
               <a:ext cx="20791572" cy="10919661"/>
               <a:chOff x="-1684422" y="-1652338"/>
               <a:chExt cx="20791572" cy="10919661"/>
             </a:xfrm>
           </p:grpSpPr>
+          <p:grpSp>
+            <p:nvGrpSpPr>
+              <p:cNvPr id="89" name="Grupo 88"/>
+              <p:cNvGrpSpPr/>
+              <p:nvPr/>
+            </p:nvGrpSpPr>
+            <p:grpSpPr>
+              <a:xfrm>
+                <a:off x="-1684422" y="-1652338"/>
+                <a:ext cx="20791572" cy="10919661"/>
+                <a:chOff x="-1684422" y="-1652338"/>
+                <a:chExt cx="20791572" cy="10919661"/>
+              </a:xfrm>
+            </p:grpSpPr>
+            <p:sp>
+              <p:nvSpPr>
+                <p:cNvPr id="82" name="Rectángulo 81"/>
+                <p:cNvSpPr/>
+                <p:nvPr/>
+              </p:nvSpPr>
+              <p:spPr>
+                <a:xfrm>
+                  <a:off x="-1684422" y="-1652338"/>
+                  <a:ext cx="20791572" cy="10919661"/>
+                </a:xfrm>
+                <a:prstGeom prst="rect">
+                  <a:avLst/>
+                </a:prstGeom>
+                <a:solidFill>
+                  <a:schemeClr val="bg1"/>
+                </a:solidFill>
+                <a:ln>
+                  <a:noFill/>
+                </a:ln>
+              </p:spPr>
+              <p:style>
+                <a:lnRef idx="2">
+                  <a:schemeClr val="accent1">
+                    <a:shade val="50000"/>
+                  </a:schemeClr>
+                </a:lnRef>
+                <a:fillRef idx="1">
+                  <a:schemeClr val="accent1"/>
+                </a:fillRef>
+                <a:effectRef idx="0">
+                  <a:schemeClr val="accent1"/>
+                </a:effectRef>
+                <a:fontRef idx="minor">
+                  <a:schemeClr val="lt1"/>
+                </a:fontRef>
+              </p:style>
+              <p:txBody>
+                <a:bodyPr rtlCol="0" anchor="ctr"/>
+                <a:lstStyle/>
+                <a:p>
+                  <a:pPr algn="ctr"/>
+                  <a:endParaRPr lang="es-ES"/>
+                </a:p>
+              </p:txBody>
+            </p:sp>
+            <p:sp>
+              <p:nvSpPr>
+                <p:cNvPr id="5" name="Decisión 4"/>
+                <p:cNvSpPr/>
+                <p:nvPr/>
+              </p:nvSpPr>
+              <p:spPr>
+                <a:xfrm>
+                  <a:off x="2293372" y="1724085"/>
+                  <a:ext cx="2205200" cy="1581874"/>
+                </a:xfrm>
+                <a:prstGeom prst="flowChartDecision">
+                  <a:avLst/>
+                </a:prstGeom>
+                <a:noFill/>
+                <a:ln w="38100">
+                  <a:solidFill>
+                    <a:srgbClr val="46DACC"/>
+                  </a:solidFill>
+                  <a:prstDash val="sysDot"/>
+                </a:ln>
+              </p:spPr>
+              <p:style>
+                <a:lnRef idx="2">
+                  <a:schemeClr val="accent1">
+                    <a:shade val="50000"/>
+                  </a:schemeClr>
+                </a:lnRef>
+                <a:fillRef idx="1">
+                  <a:schemeClr val="accent1"/>
+                </a:fillRef>
+                <a:effectRef idx="0">
+                  <a:schemeClr val="accent1"/>
+                </a:effectRef>
+                <a:fontRef idx="minor">
+                  <a:schemeClr val="lt1"/>
+                </a:fontRef>
+              </p:style>
+              <p:txBody>
+                <a:bodyPr lIns="0" tIns="0" rIns="0" bIns="0" rtlCol="0" anchor="ctr"/>
+                <a:lstStyle/>
+                <a:p>
+                  <a:pPr algn="ctr"/>
+                  <a:r>
+                    <a:rPr lang="es-ES" sz="1200" dirty="0" smtClean="0">
+                      <a:solidFill>
+                        <a:schemeClr val="tx1">
+                          <a:lumMod val="65000"/>
+                          <a:lumOff val="35000"/>
+                        </a:schemeClr>
+                      </a:solidFill>
+                      <a:latin typeface="Arial Rounded MT Bold" panose="020F0704030504030204" pitchFamily="34" charset="0"/>
+                    </a:rPr>
+                    <a:t>CHECK</a:t>
+                  </a:r>
+                </a:p>
+                <a:p>
+                  <a:pPr algn="ctr"/>
+                  <a:r>
+                    <a:rPr lang="es-ES" sz="1200" dirty="0" smtClean="0">
+                      <a:solidFill>
+                        <a:schemeClr val="tx1">
+                          <a:lumMod val="65000"/>
+                          <a:lumOff val="35000"/>
+                        </a:schemeClr>
+                      </a:solidFill>
+                      <a:latin typeface="Arial Rounded MT Bold" panose="020F0704030504030204" pitchFamily="34" charset="0"/>
+                    </a:rPr>
+                    <a:t>#AVAILABLE_</a:t>
+                  </a:r>
+                </a:p>
+                <a:p>
+                  <a:pPr algn="ctr"/>
+                  <a:r>
+                    <a:rPr lang="es-ES" sz="1200" dirty="0" smtClean="0">
+                      <a:solidFill>
+                        <a:schemeClr val="tx1">
+                          <a:lumMod val="65000"/>
+                          <a:lumOff val="35000"/>
+                        </a:schemeClr>
+                      </a:solidFill>
+                      <a:latin typeface="Arial Rounded MT Bold" panose="020F0704030504030204" pitchFamily="34" charset="0"/>
+                    </a:rPr>
+                    <a:t>INGREDIENTS</a:t>
+                  </a:r>
+                  <a:endParaRPr lang="es-ES" sz="1200" dirty="0">
+                    <a:solidFill>
+                      <a:schemeClr val="tx1">
+                        <a:lumMod val="65000"/>
+                        <a:lumOff val="35000"/>
+                      </a:schemeClr>
+                    </a:solidFill>
+                    <a:latin typeface="Arial Rounded MT Bold" panose="020F0704030504030204" pitchFamily="34" charset="0"/>
+                  </a:endParaRPr>
+                </a:p>
+              </p:txBody>
+            </p:sp>
+            <p:sp>
+              <p:nvSpPr>
+                <p:cNvPr id="7" name="Rectángulo redondeado 6"/>
+                <p:cNvSpPr/>
+                <p:nvPr/>
+              </p:nvSpPr>
+              <p:spPr>
+                <a:xfrm>
+                  <a:off x="10614049" y="1951525"/>
+                  <a:ext cx="1440000" cy="1080000"/>
+                </a:xfrm>
+                <a:prstGeom prst="roundRect">
+                  <a:avLst/>
+                </a:prstGeom>
+                <a:noFill/>
+                <a:ln w="38100">
+                  <a:solidFill>
+                    <a:srgbClr val="FFC000"/>
+                  </a:solidFill>
+                </a:ln>
+              </p:spPr>
+              <p:style>
+                <a:lnRef idx="2">
+                  <a:schemeClr val="accent1">
+                    <a:shade val="50000"/>
+                  </a:schemeClr>
+                </a:lnRef>
+                <a:fillRef idx="1">
+                  <a:schemeClr val="accent1"/>
+                </a:fillRef>
+                <a:effectRef idx="0">
+                  <a:schemeClr val="accent1"/>
+                </a:effectRef>
+                <a:fontRef idx="minor">
+                  <a:schemeClr val="lt1"/>
+                </a:fontRef>
+              </p:style>
+              <p:txBody>
+                <a:bodyPr lIns="0" tIns="0" rIns="0" bIns="0" rtlCol="0" anchor="ctr"/>
+                <a:lstStyle/>
+                <a:p>
+                  <a:pPr algn="ctr"/>
+                  <a:r>
+                    <a:rPr lang="es-ES" sz="1200" dirty="0" smtClean="0">
+                      <a:solidFill>
+                        <a:schemeClr val="tx1">
+                          <a:lumMod val="75000"/>
+                          <a:lumOff val="25000"/>
+                        </a:schemeClr>
+                      </a:solidFill>
+                      <a:latin typeface="Arial Rounded MT Bold" panose="020F0704030504030204" pitchFamily="34" charset="0"/>
+                    </a:rPr>
+                    <a:t>GET</a:t>
+                  </a:r>
+                </a:p>
+                <a:p>
+                  <a:pPr algn="ctr"/>
+                  <a:r>
+                    <a:rPr lang="es-ES" sz="1200" dirty="0" smtClean="0">
+                      <a:solidFill>
+                        <a:schemeClr val="tx1">
+                          <a:lumMod val="75000"/>
+                          <a:lumOff val="25000"/>
+                        </a:schemeClr>
+                      </a:solidFill>
+                      <a:latin typeface="Arial Rounded MT Bold" panose="020F0704030504030204" pitchFamily="34" charset="0"/>
+                    </a:rPr>
+                    <a:t>INGREDIENTS</a:t>
+                  </a:r>
+                </a:p>
+                <a:p>
+                  <a:pPr algn="ctr"/>
+                  <a:r>
+                    <a:rPr lang="es-ES" sz="1200" dirty="0" smtClean="0">
+                      <a:solidFill>
+                        <a:schemeClr val="tx1">
+                          <a:lumMod val="75000"/>
+                          <a:lumOff val="25000"/>
+                        </a:schemeClr>
+                      </a:solidFill>
+                      <a:latin typeface="Arial Rounded MT Bold" panose="020F0704030504030204" pitchFamily="34" charset="0"/>
+                    </a:rPr>
+                    <a:t>INFORMATION</a:t>
+                  </a:r>
+                  <a:endParaRPr lang="es-ES" sz="1200" dirty="0">
+                    <a:solidFill>
+                      <a:schemeClr val="tx1">
+                        <a:lumMod val="75000"/>
+                        <a:lumOff val="25000"/>
+                      </a:schemeClr>
+                    </a:solidFill>
+                    <a:latin typeface="Arial Rounded MT Bold" panose="020F0704030504030204" pitchFamily="34" charset="0"/>
+                  </a:endParaRPr>
+                </a:p>
+              </p:txBody>
+            </p:sp>
+            <p:sp>
+              <p:nvSpPr>
+                <p:cNvPr id="10" name="Rectángulo redondeado 9"/>
+                <p:cNvSpPr/>
+                <p:nvPr/>
+              </p:nvSpPr>
+              <p:spPr>
+                <a:xfrm>
+                  <a:off x="10614049" y="6048605"/>
+                  <a:ext cx="1440000" cy="1080000"/>
+                </a:xfrm>
+                <a:prstGeom prst="roundRect">
+                  <a:avLst/>
+                </a:prstGeom>
+                <a:noFill/>
+                <a:ln w="38100">
+                  <a:solidFill>
+                    <a:srgbClr val="FFC000"/>
+                  </a:solidFill>
+                </a:ln>
+              </p:spPr>
+              <p:style>
+                <a:lnRef idx="2">
+                  <a:schemeClr val="accent1">
+                    <a:shade val="50000"/>
+                  </a:schemeClr>
+                </a:lnRef>
+                <a:fillRef idx="1">
+                  <a:schemeClr val="accent1"/>
+                </a:fillRef>
+                <a:effectRef idx="0">
+                  <a:schemeClr val="accent1"/>
+                </a:effectRef>
+                <a:fontRef idx="minor">
+                  <a:schemeClr val="lt1"/>
+                </a:fontRef>
+              </p:style>
+              <p:txBody>
+                <a:bodyPr lIns="0" tIns="0" rIns="0" bIns="0" rtlCol="0" anchor="ctr"/>
+                <a:lstStyle/>
+                <a:p>
+                  <a:pPr algn="ctr"/>
+                  <a:r>
+                    <a:rPr lang="es-ES" sz="1200" dirty="0" smtClean="0">
+                      <a:solidFill>
+                        <a:schemeClr val="tx1">
+                          <a:lumMod val="75000"/>
+                          <a:lumOff val="25000"/>
+                        </a:schemeClr>
+                      </a:solidFill>
+                      <a:latin typeface="Arial Rounded MT Bold" panose="020F0704030504030204" pitchFamily="34" charset="0"/>
+                    </a:rPr>
+                    <a:t>GET </a:t>
+                  </a:r>
+                </a:p>
+                <a:p>
+                  <a:pPr algn="ctr"/>
+                  <a:r>
+                    <a:rPr lang="es-ES" sz="1200" dirty="0" smtClean="0">
+                      <a:solidFill>
+                        <a:schemeClr val="tx1">
+                          <a:lumMod val="75000"/>
+                          <a:lumOff val="25000"/>
+                        </a:schemeClr>
+                      </a:solidFill>
+                      <a:latin typeface="Arial Rounded MT Bold" panose="020F0704030504030204" pitchFamily="34" charset="0"/>
+                    </a:rPr>
+                    <a:t>DATABASE </a:t>
+                  </a:r>
+                  <a:r>
+                    <a:rPr lang="es-ES" sz="1200" dirty="0">
+                      <a:solidFill>
+                        <a:schemeClr val="tx1">
+                          <a:lumMod val="75000"/>
+                          <a:lumOff val="25000"/>
+                        </a:schemeClr>
+                      </a:solidFill>
+                      <a:latin typeface="Arial Rounded MT Bold" panose="020F0704030504030204" pitchFamily="34" charset="0"/>
+                    </a:rPr>
+                    <a:t>S</a:t>
+                  </a:r>
+                  <a:r>
+                    <a:rPr lang="es-ES" sz="1200" dirty="0" smtClean="0">
+                      <a:solidFill>
+                        <a:schemeClr val="tx1">
+                          <a:lumMod val="75000"/>
+                          <a:lumOff val="25000"/>
+                        </a:schemeClr>
+                      </a:solidFill>
+                      <a:latin typeface="Arial Rounded MT Bold" panose="020F0704030504030204" pitchFamily="34" charset="0"/>
+                    </a:rPr>
+                    <a:t>UMMARY</a:t>
+                  </a:r>
+                  <a:endParaRPr lang="es-ES" sz="1200" dirty="0">
+                    <a:solidFill>
+                      <a:schemeClr val="tx1">
+                        <a:lumMod val="75000"/>
+                        <a:lumOff val="25000"/>
+                      </a:schemeClr>
+                    </a:solidFill>
+                    <a:latin typeface="Arial Rounded MT Bold" panose="020F0704030504030204" pitchFamily="34" charset="0"/>
+                  </a:endParaRPr>
+                </a:p>
+              </p:txBody>
+            </p:sp>
+            <p:cxnSp>
+              <p:nvCxnSpPr>
+                <p:cNvPr id="13" name="Conector recto de flecha 12"/>
+                <p:cNvCxnSpPr>
+                  <a:stCxn id="26" idx="6"/>
+                  <a:endCxn id="5" idx="1"/>
+                </p:cNvCxnSpPr>
+                <p:nvPr/>
+              </p:nvCxnSpPr>
+              <p:spPr>
+                <a:xfrm flipV="1">
+                  <a:off x="-144547" y="2515022"/>
+                  <a:ext cx="2437919" cy="36001"/>
+                </a:xfrm>
+                <a:prstGeom prst="straightConnector1">
+                  <a:avLst/>
+                </a:prstGeom>
+                <a:ln w="28575">
+                  <a:solidFill>
+                    <a:srgbClr val="7240F0"/>
+                  </a:solidFill>
+                  <a:tailEnd type="triangle" w="lg" len="lg"/>
+                </a:ln>
+              </p:spPr>
+              <p:style>
+                <a:lnRef idx="1">
+                  <a:schemeClr val="accent1"/>
+                </a:lnRef>
+                <a:fillRef idx="0">
+                  <a:schemeClr val="accent1"/>
+                </a:fillRef>
+                <a:effectRef idx="0">
+                  <a:schemeClr val="accent1"/>
+                </a:effectRef>
+                <a:fontRef idx="minor">
+                  <a:schemeClr val="tx1"/>
+                </a:fontRef>
+              </p:style>
+            </p:cxnSp>
+            <p:cxnSp>
+              <p:nvCxnSpPr>
+                <p:cNvPr id="15" name="Conector recto de flecha 14"/>
+                <p:cNvCxnSpPr>
+                  <a:stCxn id="5" idx="3"/>
+                  <a:endCxn id="24" idx="1"/>
+                </p:cNvCxnSpPr>
+                <p:nvPr/>
+              </p:nvCxnSpPr>
+              <p:spPr>
+                <a:xfrm flipV="1">
+                  <a:off x="4498572" y="2506076"/>
+                  <a:ext cx="1243686" cy="8946"/>
+                </a:xfrm>
+                <a:prstGeom prst="straightConnector1">
+                  <a:avLst/>
+                </a:prstGeom>
+                <a:ln w="28575" cmpd="sng">
+                  <a:solidFill>
+                    <a:srgbClr val="7240F0"/>
+                  </a:solidFill>
+                  <a:prstDash val="solid"/>
+                  <a:tailEnd type="triangle" w="lg" len="lg"/>
+                </a:ln>
+              </p:spPr>
+              <p:style>
+                <a:lnRef idx="1">
+                  <a:schemeClr val="accent1"/>
+                </a:lnRef>
+                <a:fillRef idx="0">
+                  <a:schemeClr val="accent1"/>
+                </a:fillRef>
+                <a:effectRef idx="0">
+                  <a:schemeClr val="accent1"/>
+                </a:effectRef>
+                <a:fontRef idx="minor">
+                  <a:schemeClr val="tx1"/>
+                </a:fontRef>
+              </p:style>
+            </p:cxnSp>
+            <p:cxnSp>
+              <p:nvCxnSpPr>
+                <p:cNvPr id="35" name="Conector recto de flecha 34"/>
+                <p:cNvCxnSpPr>
+                  <a:stCxn id="7" idx="3"/>
+                  <a:endCxn id="28" idx="2"/>
+                </p:cNvCxnSpPr>
+                <p:nvPr/>
+              </p:nvCxnSpPr>
+              <p:spPr>
+                <a:xfrm>
+                  <a:off x="12054049" y="2491525"/>
+                  <a:ext cx="1759088" cy="14963"/>
+                </a:xfrm>
+                <a:prstGeom prst="straightConnector1">
+                  <a:avLst/>
+                </a:prstGeom>
+                <a:ln w="28575">
+                  <a:solidFill>
+                    <a:srgbClr val="7240F0"/>
+                  </a:solidFill>
+                  <a:tailEnd type="triangle" w="lg" len="lg"/>
+                </a:ln>
+              </p:spPr>
+              <p:style>
+                <a:lnRef idx="1">
+                  <a:schemeClr val="accent1"/>
+                </a:lnRef>
+                <a:fillRef idx="0">
+                  <a:schemeClr val="accent1"/>
+                </a:fillRef>
+                <a:effectRef idx="0">
+                  <a:schemeClr val="accent1"/>
+                </a:effectRef>
+                <a:fontRef idx="minor">
+                  <a:schemeClr val="tx1"/>
+                </a:fontRef>
+              </p:style>
+            </p:cxnSp>
+            <p:sp>
+              <p:nvSpPr>
+                <p:cNvPr id="122" name="CuadroTexto 121"/>
+                <p:cNvSpPr txBox="1"/>
+                <p:nvPr/>
+              </p:nvSpPr>
+              <p:spPr>
+                <a:xfrm>
+                  <a:off x="4498572" y="2172744"/>
+                  <a:ext cx="475643" cy="369332"/>
+                </a:xfrm>
+                <a:prstGeom prst="rect">
+                  <a:avLst/>
+                </a:prstGeom>
+                <a:noFill/>
+              </p:spPr>
+              <p:txBody>
+                <a:bodyPr wrap="none" rtlCol="0">
+                  <a:spAutoFit/>
+                </a:bodyPr>
+                <a:lstStyle/>
+                <a:p>
+                  <a:r>
+                    <a:rPr lang="es-ES" b="1" dirty="0" smtClean="0">
+                      <a:solidFill>
+                        <a:srgbClr val="FF3300"/>
+                      </a:solidFill>
+                      <a:latin typeface="+mj-lt"/>
+                      <a:cs typeface="Aharoni" panose="02010803020104030203" pitchFamily="2" charset="-79"/>
+                    </a:rPr>
+                    <a:t>Yes</a:t>
+                  </a:r>
+                  <a:endParaRPr lang="es-ES" b="1" dirty="0">
+                    <a:solidFill>
+                      <a:srgbClr val="FF3300"/>
+                    </a:solidFill>
+                    <a:latin typeface="+mj-lt"/>
+                    <a:cs typeface="Aharoni" panose="02010803020104030203" pitchFamily="2" charset="-79"/>
+                  </a:endParaRPr>
+                </a:p>
+              </p:txBody>
+            </p:sp>
+            <p:sp>
+              <p:nvSpPr>
+                <p:cNvPr id="68" name="Rectángulo redondeado 67"/>
+                <p:cNvSpPr/>
+                <p:nvPr/>
+              </p:nvSpPr>
+              <p:spPr bwMode="auto">
+                <a:xfrm>
+                  <a:off x="10644350" y="3919994"/>
+                  <a:ext cx="1379397" cy="1304464"/>
+                </a:xfrm>
+                <a:prstGeom prst="roundRect">
+                  <a:avLst/>
+                </a:prstGeom>
+                <a:solidFill>
+                  <a:schemeClr val="bg1"/>
+                </a:solidFill>
+                <a:ln w="9525" cap="rnd" cmpd="sng" algn="ctr">
+                  <a:solidFill>
+                    <a:srgbClr val="00B050"/>
+                  </a:solidFill>
+                  <a:prstDash val="sysDot"/>
+                  <a:round/>
+                  <a:headEnd type="none" w="med" len="med"/>
+                  <a:tailEnd type="none" w="med" len="med"/>
+                </a:ln>
+                <a:effectLst/>
+                <a:extLst/>
+              </p:spPr>
+              <p:txBody>
+                <a:bodyPr vert="horz" wrap="none" lIns="45720" tIns="45720" rIns="45720" bIns="45720" numCol="1" rtlCol="0" anchor="ctr" anchorCtr="0" compatLnSpc="1">
+                  <a:prstTxWarp prst="textNoShape">
+                    <a:avLst/>
+                  </a:prstTxWarp>
+                </a:bodyPr>
+                <a:lstStyle/>
+                <a:p>
+                  <a:pPr marL="0" marR="0" indent="0" algn="ctr" defTabSz="914400" rtl="0" eaLnBrk="1" fontAlgn="base" latinLnBrk="0" hangingPunct="1">
+                    <a:lnSpc>
+                      <a:spcPct val="100000"/>
+                    </a:lnSpc>
+                    <a:spcBef>
+                      <a:spcPct val="50000"/>
+                    </a:spcBef>
+                    <a:spcAft>
+                      <a:spcPct val="0"/>
+                    </a:spcAft>
+                    <a:buClrTx/>
+                    <a:buSzTx/>
+                    <a:buFontTx/>
+                    <a:buNone/>
+                    <a:tabLst/>
+                  </a:pPr>
+                  <a:endParaRPr kumimoji="0" lang="es-ES" sz="2000" b="0" i="0" u="none" strike="noStrike" cap="none" normalizeH="0" baseline="0" dirty="0" smtClean="0">
+                    <a:ln>
+                      <a:noFill/>
+                    </a:ln>
+                    <a:solidFill>
+                      <a:srgbClr val="00B050"/>
+                    </a:solidFill>
+                    <a:effectLst/>
+                    <a:latin typeface="Verdana" pitchFamily="34" charset="0"/>
+                  </a:endParaRPr>
+                </a:p>
+              </p:txBody>
+            </p:sp>
+            <p:sp>
+              <p:nvSpPr>
+                <p:cNvPr id="69" name="CuadroTexto 68"/>
+                <p:cNvSpPr txBox="1"/>
+                <p:nvPr/>
+              </p:nvSpPr>
+              <p:spPr>
+                <a:xfrm>
+                  <a:off x="10958440" y="4036768"/>
+                  <a:ext cx="838443" cy="276999"/>
+                </a:xfrm>
+                <a:prstGeom prst="rect">
+                  <a:avLst/>
+                </a:prstGeom>
+                <a:noFill/>
+              </p:spPr>
+              <p:txBody>
+                <a:bodyPr wrap="square" rtlCol="0">
+                  <a:spAutoFit/>
+                </a:bodyPr>
+                <a:lstStyle/>
+                <a:p>
+                  <a:r>
+                    <a:rPr lang="es-ES" sz="1200" b="1" dirty="0" smtClean="0">
+                      <a:solidFill>
+                        <a:srgbClr val="00B050"/>
+                      </a:solidFill>
+                    </a:rPr>
+                    <a:t>DATABASE</a:t>
+                  </a:r>
+                  <a:endParaRPr lang="es-ES" sz="1200" b="1" dirty="0">
+                    <a:solidFill>
+                      <a:srgbClr val="00B050"/>
+                    </a:solidFill>
+                  </a:endParaRPr>
+                </a:p>
+              </p:txBody>
+            </p:sp>
+            <p:sp>
+              <p:nvSpPr>
+                <p:cNvPr id="71" name="Flecha izquierda y derecha 70"/>
+                <p:cNvSpPr/>
+                <p:nvPr/>
+              </p:nvSpPr>
+              <p:spPr>
+                <a:xfrm rot="16200000">
+                  <a:off x="10958645" y="3397888"/>
+                  <a:ext cx="720000" cy="212903"/>
+                </a:xfrm>
+                <a:prstGeom prst="leftRightArrow">
+                  <a:avLst/>
+                </a:prstGeom>
+                <a:solidFill>
+                  <a:schemeClr val="accent3">
+                    <a:lumMod val="60000"/>
+                    <a:lumOff val="40000"/>
+                  </a:schemeClr>
+                </a:solidFill>
+                <a:ln>
+                  <a:noFill/>
+                </a:ln>
+              </p:spPr>
+              <p:style>
+                <a:lnRef idx="2">
+                  <a:schemeClr val="accent1">
+                    <a:shade val="50000"/>
+                  </a:schemeClr>
+                </a:lnRef>
+                <a:fillRef idx="1">
+                  <a:schemeClr val="accent1"/>
+                </a:fillRef>
+                <a:effectRef idx="0">
+                  <a:schemeClr val="accent1"/>
+                </a:effectRef>
+                <a:fontRef idx="minor">
+                  <a:schemeClr val="lt1"/>
+                </a:fontRef>
+              </p:style>
+              <p:txBody>
+                <a:bodyPr rtlCol="0" anchor="ctr"/>
+                <a:lstStyle/>
+                <a:p>
+                  <a:pPr algn="ctr"/>
+                  <a:endParaRPr lang="es-ES"/>
+                </a:p>
+              </p:txBody>
+            </p:sp>
+            <p:pic>
+              <p:nvPicPr>
+                <p:cNvPr id="72" name="Imagen 71"/>
+                <p:cNvPicPr>
+                  <a:picLocks noChangeAspect="1"/>
+                </p:cNvPicPr>
+                <p:nvPr/>
+              </p:nvPicPr>
+              <p:blipFill>
+                <a:blip r:embed="rId2" cstate="print">
+                  <a:duotone>
+                    <a:schemeClr val="accent5">
+                      <a:shade val="45000"/>
+                      <a:satMod val="135000"/>
+                    </a:schemeClr>
+                    <a:prstClr val="white"/>
+                  </a:duotone>
+                  <a:extLst>
+                    <a:ext uri="{28A0092B-C50C-407E-A947-70E740481C1C}">
+                      <a14:useLocalDpi xmlns:a14="http://schemas.microsoft.com/office/drawing/2010/main" val="0"/>
+                    </a:ext>
+                  </a:extLst>
+                </a:blip>
+                <a:stretch>
+                  <a:fillRect/>
+                </a:stretch>
+              </p:blipFill>
+              <p:spPr>
+                <a:xfrm>
+                  <a:off x="11425096" y="4503922"/>
+                  <a:ext cx="444124" cy="445566"/>
+                </a:xfrm>
+                <a:prstGeom prst="rect">
+                  <a:avLst/>
+                </a:prstGeom>
+              </p:spPr>
+            </p:pic>
+            <p:pic>
+              <p:nvPicPr>
+                <p:cNvPr id="74" name="Imagen 73"/>
+                <p:cNvPicPr>
+                  <a:picLocks noChangeAspect="1"/>
+                </p:cNvPicPr>
+                <p:nvPr/>
+              </p:nvPicPr>
+              <p:blipFill>
+                <a:blip r:embed="rId3" cstate="print">
+                  <a:extLst>
+                    <a:ext uri="{28A0092B-C50C-407E-A947-70E740481C1C}">
+                      <a14:useLocalDpi xmlns:a14="http://schemas.microsoft.com/office/drawing/2010/main" val="0"/>
+                    </a:ext>
+                  </a:extLst>
+                </a:blip>
+                <a:stretch>
+                  <a:fillRect/>
+                </a:stretch>
+              </p:blipFill>
+              <p:spPr>
+                <a:xfrm>
+                  <a:off x="10796648" y="4478129"/>
+                  <a:ext cx="586509" cy="539588"/>
+                </a:xfrm>
+                <a:prstGeom prst="rect">
+                  <a:avLst/>
+                </a:prstGeom>
+              </p:spPr>
+            </p:pic>
+            <p:sp>
+              <p:nvSpPr>
+                <p:cNvPr id="18" name="CuadroTexto 17"/>
+                <p:cNvSpPr txBox="1"/>
+                <p:nvPr/>
+              </p:nvSpPr>
+              <p:spPr>
+                <a:xfrm>
+                  <a:off x="-94920" y="2588579"/>
+                  <a:ext cx="1761829" cy="338554"/>
+                </a:xfrm>
+                <a:prstGeom prst="rect">
+                  <a:avLst/>
+                </a:prstGeom>
+                <a:noFill/>
+              </p:spPr>
+              <p:txBody>
+                <a:bodyPr wrap="none" rtlCol="0">
+                  <a:spAutoFit/>
+                </a:bodyPr>
+                <a:lstStyle/>
+                <a:p>
+                  <a:r>
+                    <a:rPr lang="es-ES" sz="1600" dirty="0" smtClean="0">
+                      <a:solidFill>
+                        <a:schemeClr val="tx1">
+                          <a:lumMod val="50000"/>
+                          <a:lumOff val="50000"/>
+                        </a:schemeClr>
+                      </a:solidFill>
+                      <a:latin typeface="+mj-lt"/>
+                      <a:cs typeface="Aharoni" panose="02010803020104030203" pitchFamily="2" charset="-79"/>
+                    </a:rPr>
+                    <a:t>$</a:t>
+                  </a:r>
+                  <a:r>
+                    <a:rPr lang="es-ES" sz="1600" dirty="0" err="1" smtClean="0">
+                      <a:solidFill>
+                        <a:schemeClr val="tx1">
+                          <a:lumMod val="50000"/>
+                          <a:lumOff val="50000"/>
+                        </a:schemeClr>
+                      </a:solidFill>
+                      <a:latin typeface="+mj-lt"/>
+                      <a:cs typeface="Aharoni" panose="02010803020104030203" pitchFamily="2" charset="-79"/>
+                    </a:rPr>
+                    <a:t>ingredients</a:t>
+                  </a:r>
+                  <a:r>
+                    <a:rPr lang="es-ES" sz="1600" dirty="0" smtClean="0">
+                      <a:solidFill>
+                        <a:schemeClr val="tx1">
+                          <a:lumMod val="50000"/>
+                          <a:lumOff val="50000"/>
+                        </a:schemeClr>
+                      </a:solidFill>
+                      <a:latin typeface="+mj-lt"/>
+                      <a:cs typeface="Aharoni" panose="02010803020104030203" pitchFamily="2" charset="-79"/>
+                    </a:rPr>
+                    <a:t>=</a:t>
+                  </a:r>
+                  <a:r>
+                    <a:rPr lang="es-ES" sz="1600" dirty="0" err="1" smtClean="0">
+                      <a:solidFill>
+                        <a:schemeClr val="tx1">
+                          <a:lumMod val="50000"/>
+                          <a:lumOff val="50000"/>
+                        </a:schemeClr>
+                      </a:solidFill>
+                      <a:latin typeface="+mj-lt"/>
+                      <a:cs typeface="Aharoni" panose="02010803020104030203" pitchFamily="2" charset="-79"/>
+                    </a:rPr>
+                    <a:t>None</a:t>
+                  </a:r>
+                  <a:endParaRPr lang="es-ES" sz="1600" dirty="0">
+                    <a:solidFill>
+                      <a:schemeClr val="tx1">
+                        <a:lumMod val="50000"/>
+                        <a:lumOff val="50000"/>
+                      </a:schemeClr>
+                    </a:solidFill>
+                    <a:latin typeface="+mj-lt"/>
+                    <a:cs typeface="Aharoni" panose="02010803020104030203" pitchFamily="2" charset="-79"/>
+                  </a:endParaRPr>
+                </a:p>
+              </p:txBody>
+            </p:sp>
+            <p:sp>
+              <p:nvSpPr>
+                <p:cNvPr id="24" name="Decisión 23"/>
+                <p:cNvSpPr/>
+                <p:nvPr/>
+              </p:nvSpPr>
+              <p:spPr>
+                <a:xfrm>
+                  <a:off x="5742258" y="1683051"/>
+                  <a:ext cx="2444407" cy="1646050"/>
+                </a:xfrm>
+                <a:prstGeom prst="flowChartDecision">
+                  <a:avLst/>
+                </a:prstGeom>
+                <a:noFill/>
+                <a:ln w="38100">
+                  <a:solidFill>
+                    <a:srgbClr val="46DACC"/>
+                  </a:solidFill>
+                  <a:prstDash val="sysDot"/>
+                </a:ln>
+              </p:spPr>
+              <p:style>
+                <a:lnRef idx="2">
+                  <a:schemeClr val="accent1">
+                    <a:shade val="50000"/>
+                  </a:schemeClr>
+                </a:lnRef>
+                <a:fillRef idx="1">
+                  <a:schemeClr val="accent1"/>
+                </a:fillRef>
+                <a:effectRef idx="0">
+                  <a:schemeClr val="accent1"/>
+                </a:effectRef>
+                <a:fontRef idx="minor">
+                  <a:schemeClr val="lt1"/>
+                </a:fontRef>
+              </p:style>
+              <p:txBody>
+                <a:bodyPr lIns="0" tIns="0" rIns="0" bIns="0" rtlCol="0" anchor="ctr"/>
+                <a:lstStyle/>
+                <a:p>
+                  <a:pPr algn="ctr"/>
+                  <a:r>
+                    <a:rPr lang="es-ES" sz="1200" dirty="0" smtClean="0">
+                      <a:solidFill>
+                        <a:schemeClr val="tx1">
+                          <a:lumMod val="65000"/>
+                          <a:lumOff val="35000"/>
+                        </a:schemeClr>
+                      </a:solidFill>
+                      <a:latin typeface="Arial Rounded MT Bold" panose="020F0704030504030204" pitchFamily="34" charset="0"/>
+                    </a:rPr>
+                    <a:t>CHECK</a:t>
+                  </a:r>
+                </a:p>
+                <a:p>
+                  <a:pPr algn="ctr"/>
+                  <a:r>
+                    <a:rPr lang="es-ES" sz="1200" dirty="0" smtClean="0">
+                      <a:solidFill>
+                        <a:schemeClr val="tx1">
+                          <a:lumMod val="65000"/>
+                          <a:lumOff val="35000"/>
+                        </a:schemeClr>
+                      </a:solidFill>
+                      <a:latin typeface="Arial Rounded MT Bold" panose="020F0704030504030204" pitchFamily="34" charset="0"/>
+                    </a:rPr>
+                    <a:t>@INGREDIENTS</a:t>
+                  </a:r>
+                  <a:endParaRPr lang="es-ES" sz="1200" dirty="0">
+                    <a:solidFill>
+                      <a:schemeClr val="tx1">
+                        <a:lumMod val="65000"/>
+                        <a:lumOff val="35000"/>
+                      </a:schemeClr>
+                    </a:solidFill>
+                    <a:latin typeface="Arial Rounded MT Bold" panose="020F0704030504030204" pitchFamily="34" charset="0"/>
+                  </a:endParaRPr>
+                </a:p>
+              </p:txBody>
+            </p:sp>
+            <p:sp>
+              <p:nvSpPr>
+                <p:cNvPr id="26" name="Elipse 25"/>
+                <p:cNvSpPr/>
+                <p:nvPr/>
+              </p:nvSpPr>
+              <p:spPr>
+                <a:xfrm>
+                  <a:off x="-1404547" y="2047023"/>
+                  <a:ext cx="1260000" cy="1008000"/>
+                </a:xfrm>
+                <a:prstGeom prst="ellipse">
+                  <a:avLst/>
+                </a:prstGeom>
+                <a:noFill/>
+                <a:ln w="76200">
+                  <a:solidFill>
+                    <a:srgbClr val="46DACC"/>
+                  </a:solidFill>
+                </a:ln>
+              </p:spPr>
+              <p:style>
+                <a:lnRef idx="2">
+                  <a:schemeClr val="accent1">
+                    <a:shade val="50000"/>
+                  </a:schemeClr>
+                </a:lnRef>
+                <a:fillRef idx="1">
+                  <a:schemeClr val="accent1"/>
+                </a:fillRef>
+                <a:effectRef idx="0">
+                  <a:schemeClr val="accent1"/>
+                </a:effectRef>
+                <a:fontRef idx="minor">
+                  <a:schemeClr val="lt1"/>
+                </a:fontRef>
+              </p:style>
+              <p:txBody>
+                <a:bodyPr lIns="0" tIns="0" rIns="0" bIns="0" rtlCol="0" anchor="ctr"/>
+                <a:lstStyle/>
+                <a:p>
+                  <a:pPr algn="ctr"/>
+                  <a:r>
+                    <a:rPr lang="es-ES" sz="1200" dirty="0" smtClean="0">
+                      <a:solidFill>
+                        <a:schemeClr val="tx1">
+                          <a:lumMod val="75000"/>
+                          <a:lumOff val="25000"/>
+                        </a:schemeClr>
+                      </a:solidFill>
+                      <a:latin typeface="Arial Rounded MT Bold" panose="020F0704030504030204" pitchFamily="34" charset="0"/>
+                    </a:rPr>
+                    <a:t>START</a:t>
+                  </a:r>
+                  <a:endParaRPr lang="es-ES" sz="1200" dirty="0">
+                    <a:solidFill>
+                      <a:schemeClr val="tx1">
+                        <a:lumMod val="75000"/>
+                        <a:lumOff val="25000"/>
+                      </a:schemeClr>
+                    </a:solidFill>
+                    <a:latin typeface="Arial Rounded MT Bold" panose="020F0704030504030204" pitchFamily="34" charset="0"/>
+                  </a:endParaRPr>
+                </a:p>
+              </p:txBody>
+            </p:sp>
+            <p:sp>
+              <p:nvSpPr>
+                <p:cNvPr id="28" name="Elipse 27"/>
+                <p:cNvSpPr/>
+                <p:nvPr/>
+              </p:nvSpPr>
+              <p:spPr>
+                <a:xfrm>
+                  <a:off x="13813137" y="2002076"/>
+                  <a:ext cx="1260000" cy="1008823"/>
+                </a:xfrm>
+                <a:prstGeom prst="ellipse">
+                  <a:avLst/>
+                </a:prstGeom>
+                <a:noFill/>
+                <a:ln w="76200">
+                  <a:solidFill>
+                    <a:srgbClr val="46DACC"/>
+                  </a:solidFill>
+                </a:ln>
+              </p:spPr>
+              <p:style>
+                <a:lnRef idx="2">
+                  <a:schemeClr val="accent1">
+                    <a:shade val="50000"/>
+                  </a:schemeClr>
+                </a:lnRef>
+                <a:fillRef idx="1">
+                  <a:schemeClr val="accent1"/>
+                </a:fillRef>
+                <a:effectRef idx="0">
+                  <a:schemeClr val="accent1"/>
+                </a:effectRef>
+                <a:fontRef idx="minor">
+                  <a:schemeClr val="lt1"/>
+                </a:fontRef>
+              </p:style>
+              <p:txBody>
+                <a:bodyPr lIns="0" tIns="0" rIns="0" bIns="0" rtlCol="0" anchor="ctr"/>
+                <a:lstStyle/>
+                <a:p>
+                  <a:pPr algn="ctr"/>
+                  <a:r>
+                    <a:rPr lang="es-ES" sz="1200" dirty="0" smtClean="0">
+                      <a:solidFill>
+                        <a:schemeClr val="tx1">
+                          <a:lumMod val="75000"/>
+                          <a:lumOff val="25000"/>
+                        </a:schemeClr>
+                      </a:solidFill>
+                      <a:latin typeface="Arial Rounded MT Bold" panose="020F0704030504030204" pitchFamily="34" charset="0"/>
+                    </a:rPr>
+                    <a:t>END</a:t>
+                  </a:r>
+                  <a:endParaRPr lang="es-ES" sz="1200" dirty="0">
+                    <a:solidFill>
+                      <a:schemeClr val="tx1">
+                        <a:lumMod val="75000"/>
+                        <a:lumOff val="25000"/>
+                      </a:schemeClr>
+                    </a:solidFill>
+                    <a:latin typeface="Arial Rounded MT Bold" panose="020F0704030504030204" pitchFamily="34" charset="0"/>
+                  </a:endParaRPr>
+                </a:p>
+              </p:txBody>
+            </p:sp>
+            <p:cxnSp>
+              <p:nvCxnSpPr>
+                <p:cNvPr id="36" name="Conector recto de flecha 35"/>
+                <p:cNvCxnSpPr>
+                  <a:stCxn id="24" idx="3"/>
+                  <a:endCxn id="7" idx="1"/>
+                </p:cNvCxnSpPr>
+                <p:nvPr/>
+              </p:nvCxnSpPr>
+              <p:spPr>
+                <a:xfrm flipV="1">
+                  <a:off x="8186665" y="2491525"/>
+                  <a:ext cx="2427384" cy="14551"/>
+                </a:xfrm>
+                <a:prstGeom prst="straightConnector1">
+                  <a:avLst/>
+                </a:prstGeom>
+                <a:ln w="28575">
+                  <a:solidFill>
+                    <a:srgbClr val="7240F0"/>
+                  </a:solidFill>
+                  <a:tailEnd type="triangle" w="lg" len="lg"/>
+                </a:ln>
+              </p:spPr>
+              <p:style>
+                <a:lnRef idx="1">
+                  <a:schemeClr val="accent1"/>
+                </a:lnRef>
+                <a:fillRef idx="0">
+                  <a:schemeClr val="accent1"/>
+                </a:fillRef>
+                <a:effectRef idx="0">
+                  <a:schemeClr val="accent1"/>
+                </a:effectRef>
+                <a:fontRef idx="minor">
+                  <a:schemeClr val="tx1"/>
+                </a:fontRef>
+              </p:style>
+            </p:cxnSp>
+            <p:sp>
+              <p:nvSpPr>
+                <p:cNvPr id="37" name="CuadroTexto 36"/>
+                <p:cNvSpPr txBox="1"/>
+                <p:nvPr/>
+              </p:nvSpPr>
+              <p:spPr>
+                <a:xfrm>
+                  <a:off x="8186665" y="2116100"/>
+                  <a:ext cx="801823" cy="369332"/>
+                </a:xfrm>
+                <a:prstGeom prst="rect">
+                  <a:avLst/>
+                </a:prstGeom>
+                <a:noFill/>
+              </p:spPr>
+              <p:txBody>
+                <a:bodyPr wrap="none" rtlCol="0">
+                  <a:spAutoFit/>
+                </a:bodyPr>
+                <a:lstStyle/>
+                <a:p>
+                  <a:r>
+                    <a:rPr lang="es-ES" b="1" dirty="0" smtClean="0">
+                      <a:solidFill>
+                        <a:srgbClr val="FF3300"/>
+                      </a:solidFill>
+                      <a:latin typeface="+mj-lt"/>
+                      <a:cs typeface="Aharoni" panose="02010803020104030203" pitchFamily="2" charset="-79"/>
+                    </a:rPr>
+                    <a:t>! </a:t>
+                  </a:r>
+                  <a:r>
+                    <a:rPr lang="es-ES" b="1" dirty="0" err="1" smtClean="0">
+                      <a:solidFill>
+                        <a:srgbClr val="FF3300"/>
+                      </a:solidFill>
+                      <a:latin typeface="+mj-lt"/>
+                      <a:cs typeface="Aharoni" panose="02010803020104030203" pitchFamily="2" charset="-79"/>
+                    </a:rPr>
+                    <a:t>None</a:t>
+                  </a:r>
+                  <a:endParaRPr lang="es-ES" b="1" dirty="0">
+                    <a:solidFill>
+                      <a:srgbClr val="FF3300"/>
+                    </a:solidFill>
+                    <a:latin typeface="+mj-lt"/>
+                    <a:cs typeface="Aharoni" panose="02010803020104030203" pitchFamily="2" charset="-79"/>
+                  </a:endParaRPr>
+                </a:p>
+              </p:txBody>
+            </p:sp>
+            <p:sp>
+              <p:nvSpPr>
+                <p:cNvPr id="38" name="CuadroTexto 37"/>
+                <p:cNvSpPr txBox="1"/>
+                <p:nvPr/>
+              </p:nvSpPr>
+              <p:spPr>
+                <a:xfrm>
+                  <a:off x="6986002" y="3600134"/>
+                  <a:ext cx="676788" cy="369332"/>
+                </a:xfrm>
+                <a:prstGeom prst="rect">
+                  <a:avLst/>
+                </a:prstGeom>
+                <a:noFill/>
+              </p:spPr>
+              <p:txBody>
+                <a:bodyPr wrap="none" rtlCol="0">
+                  <a:spAutoFit/>
+                </a:bodyPr>
+                <a:lstStyle/>
+                <a:p>
+                  <a:r>
+                    <a:rPr lang="es-ES" b="1" dirty="0" err="1" smtClean="0">
+                      <a:solidFill>
+                        <a:srgbClr val="FF3300"/>
+                      </a:solidFill>
+                      <a:latin typeface="+mj-lt"/>
+                      <a:cs typeface="Aharoni" panose="02010803020104030203" pitchFamily="2" charset="-79"/>
+                    </a:rPr>
+                    <a:t>None</a:t>
+                  </a:r>
+                  <a:endParaRPr lang="es-ES" b="1" dirty="0">
+                    <a:solidFill>
+                      <a:srgbClr val="FF3300"/>
+                    </a:solidFill>
+                    <a:latin typeface="+mj-lt"/>
+                    <a:cs typeface="Aharoni" panose="02010803020104030203" pitchFamily="2" charset="-79"/>
+                  </a:endParaRPr>
+                </a:p>
+              </p:txBody>
+            </p:sp>
+            <p:cxnSp>
+              <p:nvCxnSpPr>
+                <p:cNvPr id="39" name="Conector recto de flecha 38"/>
+                <p:cNvCxnSpPr>
+                  <a:stCxn id="24" idx="2"/>
+                </p:cNvCxnSpPr>
+                <p:nvPr/>
+              </p:nvCxnSpPr>
+              <p:spPr>
+                <a:xfrm>
+                  <a:off x="6964462" y="3329101"/>
+                  <a:ext cx="21540" cy="3259504"/>
+                </a:xfrm>
+                <a:prstGeom prst="straightConnector1">
+                  <a:avLst/>
+                </a:prstGeom>
+                <a:ln w="28575">
+                  <a:solidFill>
+                    <a:srgbClr val="7240F0"/>
+                  </a:solidFill>
+                  <a:tailEnd type="triangle" w="lg" len="lg"/>
+                </a:ln>
+              </p:spPr>
+              <p:style>
+                <a:lnRef idx="1">
+                  <a:schemeClr val="accent1"/>
+                </a:lnRef>
+                <a:fillRef idx="0">
+                  <a:schemeClr val="accent1"/>
+                </a:fillRef>
+                <a:effectRef idx="0">
+                  <a:schemeClr val="accent1"/>
+                </a:effectRef>
+                <a:fontRef idx="minor">
+                  <a:schemeClr val="tx1"/>
+                </a:fontRef>
+              </p:style>
+            </p:cxnSp>
+            <p:sp>
+              <p:nvSpPr>
+                <p:cNvPr id="51" name="CuadroTexto 50"/>
+                <p:cNvSpPr txBox="1"/>
+                <p:nvPr/>
+              </p:nvSpPr>
+              <p:spPr>
+                <a:xfrm>
+                  <a:off x="8169642" y="2548179"/>
+                  <a:ext cx="1211998" cy="338554"/>
+                </a:xfrm>
+                <a:prstGeom prst="rect">
+                  <a:avLst/>
+                </a:prstGeom>
+                <a:noFill/>
+              </p:spPr>
+              <p:txBody>
+                <a:bodyPr wrap="none" rtlCol="0">
+                  <a:spAutoFit/>
+                </a:bodyPr>
+                <a:lstStyle/>
+                <a:p>
+                  <a:r>
+                    <a:rPr lang="es-ES" sz="1600" dirty="0" smtClean="0">
+                      <a:solidFill>
+                        <a:schemeClr val="tx1">
+                          <a:lumMod val="50000"/>
+                          <a:lumOff val="50000"/>
+                        </a:schemeClr>
+                      </a:solidFill>
+                      <a:latin typeface="+mj-lt"/>
+                      <a:cs typeface="Aharoni" panose="02010803020104030203" pitchFamily="2" charset="-79"/>
+                    </a:rPr>
+                    <a:t>$</a:t>
+                  </a:r>
+                  <a:r>
+                    <a:rPr lang="es-ES" sz="1600" dirty="0" err="1" smtClean="0">
+                      <a:solidFill>
+                        <a:schemeClr val="tx1">
+                          <a:lumMod val="50000"/>
+                          <a:lumOff val="50000"/>
+                        </a:schemeClr>
+                      </a:solidFill>
+                      <a:latin typeface="+mj-lt"/>
+                      <a:cs typeface="Aharoni" panose="02010803020104030203" pitchFamily="2" charset="-79"/>
+                    </a:rPr>
+                    <a:t>ingredients</a:t>
+                  </a:r>
+                  <a:endParaRPr lang="es-ES" sz="1600" dirty="0">
+                    <a:solidFill>
+                      <a:schemeClr val="tx1">
+                        <a:lumMod val="50000"/>
+                        <a:lumOff val="50000"/>
+                      </a:schemeClr>
+                    </a:solidFill>
+                    <a:latin typeface="+mj-lt"/>
+                    <a:cs typeface="Aharoni" panose="02010803020104030203" pitchFamily="2" charset="-79"/>
+                  </a:endParaRPr>
+                </a:p>
+              </p:txBody>
+            </p:sp>
+            <p:cxnSp>
+              <p:nvCxnSpPr>
+                <p:cNvPr id="53" name="Conector recto de flecha 52"/>
+                <p:cNvCxnSpPr>
+                  <a:stCxn id="10" idx="3"/>
+                </p:cNvCxnSpPr>
+                <p:nvPr/>
+              </p:nvCxnSpPr>
+              <p:spPr>
+                <a:xfrm>
+                  <a:off x="12054049" y="6588605"/>
+                  <a:ext cx="2434774" cy="0"/>
+                </a:xfrm>
+                <a:prstGeom prst="straightConnector1">
+                  <a:avLst/>
+                </a:prstGeom>
+                <a:ln w="28575">
+                  <a:solidFill>
+                    <a:srgbClr val="7240F0"/>
+                  </a:solidFill>
+                  <a:tailEnd type="triangle" w="lg" len="lg"/>
+                </a:ln>
+              </p:spPr>
+              <p:style>
+                <a:lnRef idx="1">
+                  <a:schemeClr val="accent1"/>
+                </a:lnRef>
+                <a:fillRef idx="0">
+                  <a:schemeClr val="accent1"/>
+                </a:fillRef>
+                <a:effectRef idx="0">
+                  <a:schemeClr val="accent1"/>
+                </a:effectRef>
+                <a:fontRef idx="minor">
+                  <a:schemeClr val="tx1"/>
+                </a:fontRef>
+              </p:style>
+            </p:cxnSp>
+            <p:cxnSp>
+              <p:nvCxnSpPr>
+                <p:cNvPr id="57" name="Conector recto de flecha 56"/>
+                <p:cNvCxnSpPr>
+                  <a:endCxn id="10" idx="1"/>
+                </p:cNvCxnSpPr>
+                <p:nvPr/>
+              </p:nvCxnSpPr>
+              <p:spPr>
+                <a:xfrm>
+                  <a:off x="6986002" y="6588605"/>
+                  <a:ext cx="3628047" cy="0"/>
+                </a:xfrm>
+                <a:prstGeom prst="straightConnector1">
+                  <a:avLst/>
+                </a:prstGeom>
+                <a:ln w="28575">
+                  <a:solidFill>
+                    <a:srgbClr val="7240F0"/>
+                  </a:solidFill>
+                  <a:tailEnd type="triangle" w="lg" len="lg"/>
+                </a:ln>
+              </p:spPr>
+              <p:style>
+                <a:lnRef idx="1">
+                  <a:schemeClr val="accent1"/>
+                </a:lnRef>
+                <a:fillRef idx="0">
+                  <a:schemeClr val="accent1"/>
+                </a:fillRef>
+                <a:effectRef idx="0">
+                  <a:schemeClr val="accent1"/>
+                </a:effectRef>
+                <a:fontRef idx="minor">
+                  <a:schemeClr val="tx1"/>
+                </a:fontRef>
+              </p:style>
+            </p:cxnSp>
+            <p:cxnSp>
+              <p:nvCxnSpPr>
+                <p:cNvPr id="60" name="Conector recto de flecha 59"/>
+                <p:cNvCxnSpPr/>
+                <p:nvPr/>
+              </p:nvCxnSpPr>
+              <p:spPr>
+                <a:xfrm flipV="1">
+                  <a:off x="14488823" y="3055023"/>
+                  <a:ext cx="0" cy="3533582"/>
+                </a:xfrm>
+                <a:prstGeom prst="straightConnector1">
+                  <a:avLst/>
+                </a:prstGeom>
+                <a:ln w="28575">
+                  <a:solidFill>
+                    <a:srgbClr val="7240F0"/>
+                  </a:solidFill>
+                  <a:tailEnd type="triangle" w="lg" len="lg"/>
+                </a:ln>
+              </p:spPr>
+              <p:style>
+                <a:lnRef idx="1">
+                  <a:schemeClr val="accent1"/>
+                </a:lnRef>
+                <a:fillRef idx="0">
+                  <a:schemeClr val="accent1"/>
+                </a:fillRef>
+                <a:effectRef idx="0">
+                  <a:schemeClr val="accent1"/>
+                </a:effectRef>
+                <a:fontRef idx="minor">
+                  <a:schemeClr val="tx1"/>
+                </a:fontRef>
+              </p:style>
+            </p:cxnSp>
+            <p:sp>
+              <p:nvSpPr>
+                <p:cNvPr id="90" name="Flecha izquierda y derecha 89"/>
+                <p:cNvSpPr/>
+                <p:nvPr/>
+              </p:nvSpPr>
+              <p:spPr>
+                <a:xfrm rot="16200000">
+                  <a:off x="10974048" y="5556894"/>
+                  <a:ext cx="720000" cy="212903"/>
+                </a:xfrm>
+                <a:prstGeom prst="leftRightArrow">
+                  <a:avLst/>
+                </a:prstGeom>
+                <a:solidFill>
+                  <a:schemeClr val="accent3">
+                    <a:lumMod val="60000"/>
+                    <a:lumOff val="40000"/>
+                  </a:schemeClr>
+                </a:solidFill>
+                <a:ln>
+                  <a:noFill/>
+                </a:ln>
+              </p:spPr>
+              <p:style>
+                <a:lnRef idx="2">
+                  <a:schemeClr val="accent1">
+                    <a:shade val="50000"/>
+                  </a:schemeClr>
+                </a:lnRef>
+                <a:fillRef idx="1">
+                  <a:schemeClr val="accent1"/>
+                </a:fillRef>
+                <a:effectRef idx="0">
+                  <a:schemeClr val="accent1"/>
+                </a:effectRef>
+                <a:fontRef idx="minor">
+                  <a:schemeClr val="lt1"/>
+                </a:fontRef>
+              </p:style>
+              <p:txBody>
+                <a:bodyPr rtlCol="0" anchor="ctr"/>
+                <a:lstStyle/>
+                <a:p>
+                  <a:pPr algn="ctr"/>
+                  <a:endParaRPr lang="es-ES"/>
+                </a:p>
+              </p:txBody>
+            </p:sp>
+          </p:grpSp>
           <p:sp>
             <p:nvSpPr>
-              <p:cNvPr id="82" name="Rectángulo 81"/>
+              <p:cNvPr id="92" name="Rectángulo redondeado 91"/>
               <p:cNvSpPr/>
               <p:nvPr/>
             </p:nvSpPr>
             <p:spPr>
               <a:xfrm>
-                <a:off x="-1684422" y="-1652338"/>
-                <a:ext cx="20791572" cy="10919661"/>
+                <a:off x="1856288" y="1395663"/>
+                <a:ext cx="7525352" cy="6673516"/>
               </a:xfrm>
-              <a:prstGeom prst="rect">
-                <a:avLst/>
+              <a:prstGeom prst="roundRect">
+                <a:avLst>
+                  <a:gd name="adj" fmla="val 3452"/>
+                </a:avLst>
               </a:prstGeom>
-              <a:solidFill>
-                <a:schemeClr val="bg1"/>
-              </a:solidFill>
+              <a:noFill/>
               <a:ln>
-                <a:noFill/>
+                <a:solidFill>
+                  <a:schemeClr val="bg1">
+                    <a:lumMod val="75000"/>
+                  </a:schemeClr>
+                </a:solidFill>
+                <a:prstDash val="sysDash"/>
               </a:ln>
             </p:spPr>
             <p:style>
@@ -9330,538 +10685,14 @@
           </p:sp>
           <p:sp>
             <p:nvSpPr>
-              <p:cNvPr id="5" name="Decisión 4"/>
-              <p:cNvSpPr/>
-              <p:nvPr/>
-            </p:nvSpPr>
-            <p:spPr>
-              <a:xfrm>
-                <a:off x="2293372" y="1724085"/>
-                <a:ext cx="2205200" cy="1581874"/>
-              </a:xfrm>
-              <a:prstGeom prst="flowChartDecision">
-                <a:avLst/>
-              </a:prstGeom>
-              <a:noFill/>
-              <a:ln w="38100">
-                <a:solidFill>
-                  <a:srgbClr val="46DACC"/>
-                </a:solidFill>
-                <a:prstDash val="sysDot"/>
-              </a:ln>
-            </p:spPr>
-            <p:style>
-              <a:lnRef idx="2">
-                <a:schemeClr val="accent1">
-                  <a:shade val="50000"/>
-                </a:schemeClr>
-              </a:lnRef>
-              <a:fillRef idx="1">
-                <a:schemeClr val="accent1"/>
-              </a:fillRef>
-              <a:effectRef idx="0">
-                <a:schemeClr val="accent1"/>
-              </a:effectRef>
-              <a:fontRef idx="minor">
-                <a:schemeClr val="lt1"/>
-              </a:fontRef>
-            </p:style>
-            <p:txBody>
-              <a:bodyPr lIns="0" tIns="0" rIns="0" bIns="0" rtlCol="0" anchor="ctr"/>
-              <a:lstStyle/>
-              <a:p>
-                <a:pPr algn="ctr"/>
-                <a:r>
-                  <a:rPr lang="es-ES" sz="1200" dirty="0" smtClean="0">
-                    <a:solidFill>
-                      <a:schemeClr val="tx1">
-                        <a:lumMod val="65000"/>
-                        <a:lumOff val="35000"/>
-                      </a:schemeClr>
-                    </a:solidFill>
-                    <a:latin typeface="Arial Rounded MT Bold" panose="020F0704030504030204" pitchFamily="34" charset="0"/>
-                  </a:rPr>
-                  <a:t>CHECK</a:t>
-                </a:r>
-              </a:p>
-              <a:p>
-                <a:pPr algn="ctr"/>
-                <a:r>
-                  <a:rPr lang="es-ES" sz="1200" dirty="0" smtClean="0">
-                    <a:solidFill>
-                      <a:schemeClr val="tx1">
-                        <a:lumMod val="65000"/>
-                        <a:lumOff val="35000"/>
-                      </a:schemeClr>
-                    </a:solidFill>
-                    <a:latin typeface="Arial Rounded MT Bold" panose="020F0704030504030204" pitchFamily="34" charset="0"/>
-                  </a:rPr>
-                  <a:t>#AVAILABLE_</a:t>
-                </a:r>
-              </a:p>
-              <a:p>
-                <a:pPr algn="ctr"/>
-                <a:r>
-                  <a:rPr lang="es-ES" sz="1200" dirty="0" smtClean="0">
-                    <a:solidFill>
-                      <a:schemeClr val="tx1">
-                        <a:lumMod val="65000"/>
-                        <a:lumOff val="35000"/>
-                      </a:schemeClr>
-                    </a:solidFill>
-                    <a:latin typeface="Arial Rounded MT Bold" panose="020F0704030504030204" pitchFamily="34" charset="0"/>
-                  </a:rPr>
-                  <a:t>INGREDIENTS</a:t>
-                </a:r>
-                <a:endParaRPr lang="es-ES" sz="1200" dirty="0">
-                  <a:solidFill>
-                    <a:schemeClr val="tx1">
-                      <a:lumMod val="65000"/>
-                      <a:lumOff val="35000"/>
-                    </a:schemeClr>
-                  </a:solidFill>
-                  <a:latin typeface="Arial Rounded MT Bold" panose="020F0704030504030204" pitchFamily="34" charset="0"/>
-                </a:endParaRPr>
-              </a:p>
-            </p:txBody>
-          </p:sp>
-          <p:sp>
-            <p:nvSpPr>
-              <p:cNvPr id="7" name="Rectángulo redondeado 6"/>
-              <p:cNvSpPr/>
-              <p:nvPr/>
-            </p:nvSpPr>
-            <p:spPr>
-              <a:xfrm>
-                <a:off x="10614049" y="1951525"/>
-                <a:ext cx="1440000" cy="1080000"/>
-              </a:xfrm>
-              <a:prstGeom prst="roundRect">
-                <a:avLst/>
-              </a:prstGeom>
-              <a:noFill/>
-              <a:ln w="38100">
-                <a:solidFill>
-                  <a:srgbClr val="FFC000"/>
-                </a:solidFill>
-              </a:ln>
-            </p:spPr>
-            <p:style>
-              <a:lnRef idx="2">
-                <a:schemeClr val="accent1">
-                  <a:shade val="50000"/>
-                </a:schemeClr>
-              </a:lnRef>
-              <a:fillRef idx="1">
-                <a:schemeClr val="accent1"/>
-              </a:fillRef>
-              <a:effectRef idx="0">
-                <a:schemeClr val="accent1"/>
-              </a:effectRef>
-              <a:fontRef idx="minor">
-                <a:schemeClr val="lt1"/>
-              </a:fontRef>
-            </p:style>
-            <p:txBody>
-              <a:bodyPr lIns="0" tIns="0" rIns="0" bIns="0" rtlCol="0" anchor="ctr"/>
-              <a:lstStyle/>
-              <a:p>
-                <a:pPr algn="ctr"/>
-                <a:r>
-                  <a:rPr lang="es-ES" sz="1200" dirty="0" smtClean="0">
-                    <a:solidFill>
-                      <a:schemeClr val="tx1">
-                        <a:lumMod val="75000"/>
-                        <a:lumOff val="25000"/>
-                      </a:schemeClr>
-                    </a:solidFill>
-                    <a:latin typeface="Arial Rounded MT Bold" panose="020F0704030504030204" pitchFamily="34" charset="0"/>
-                  </a:rPr>
-                  <a:t>GET</a:t>
-                </a:r>
-              </a:p>
-              <a:p>
-                <a:pPr algn="ctr"/>
-                <a:r>
-                  <a:rPr lang="es-ES" sz="1200" dirty="0" smtClean="0">
-                    <a:solidFill>
-                      <a:schemeClr val="tx1">
-                        <a:lumMod val="75000"/>
-                        <a:lumOff val="25000"/>
-                      </a:schemeClr>
-                    </a:solidFill>
-                    <a:latin typeface="Arial Rounded MT Bold" panose="020F0704030504030204" pitchFamily="34" charset="0"/>
-                  </a:rPr>
-                  <a:t>INGREDIENTS</a:t>
-                </a:r>
-              </a:p>
-              <a:p>
-                <a:pPr algn="ctr"/>
-                <a:r>
-                  <a:rPr lang="es-ES" sz="1200" dirty="0" smtClean="0">
-                    <a:solidFill>
-                      <a:schemeClr val="tx1">
-                        <a:lumMod val="75000"/>
-                        <a:lumOff val="25000"/>
-                      </a:schemeClr>
-                    </a:solidFill>
-                    <a:latin typeface="Arial Rounded MT Bold" panose="020F0704030504030204" pitchFamily="34" charset="0"/>
-                  </a:rPr>
-                  <a:t>INFORMATION</a:t>
-                </a:r>
-                <a:endParaRPr lang="es-ES" sz="1200" dirty="0">
-                  <a:solidFill>
-                    <a:schemeClr val="tx1">
-                      <a:lumMod val="75000"/>
-                      <a:lumOff val="25000"/>
-                    </a:schemeClr>
-                  </a:solidFill>
-                  <a:latin typeface="Arial Rounded MT Bold" panose="020F0704030504030204" pitchFamily="34" charset="0"/>
-                </a:endParaRPr>
-              </a:p>
-            </p:txBody>
-          </p:sp>
-          <p:sp>
-            <p:nvSpPr>
-              <p:cNvPr id="10" name="Rectángulo redondeado 9"/>
-              <p:cNvSpPr/>
-              <p:nvPr/>
-            </p:nvSpPr>
-            <p:spPr>
-              <a:xfrm>
-                <a:off x="10614049" y="6048605"/>
-                <a:ext cx="1440000" cy="1080000"/>
-              </a:xfrm>
-              <a:prstGeom prst="roundRect">
-                <a:avLst/>
-              </a:prstGeom>
-              <a:noFill/>
-              <a:ln w="38100">
-                <a:solidFill>
-                  <a:srgbClr val="FFC000"/>
-                </a:solidFill>
-              </a:ln>
-            </p:spPr>
-            <p:style>
-              <a:lnRef idx="2">
-                <a:schemeClr val="accent1">
-                  <a:shade val="50000"/>
-                </a:schemeClr>
-              </a:lnRef>
-              <a:fillRef idx="1">
-                <a:schemeClr val="accent1"/>
-              </a:fillRef>
-              <a:effectRef idx="0">
-                <a:schemeClr val="accent1"/>
-              </a:effectRef>
-              <a:fontRef idx="minor">
-                <a:schemeClr val="lt1"/>
-              </a:fontRef>
-            </p:style>
-            <p:txBody>
-              <a:bodyPr lIns="0" tIns="0" rIns="0" bIns="0" rtlCol="0" anchor="ctr"/>
-              <a:lstStyle/>
-              <a:p>
-                <a:pPr algn="ctr"/>
-                <a:r>
-                  <a:rPr lang="es-ES" sz="1200" dirty="0" smtClean="0">
-                    <a:solidFill>
-                      <a:schemeClr val="tx1">
-                        <a:lumMod val="75000"/>
-                        <a:lumOff val="25000"/>
-                      </a:schemeClr>
-                    </a:solidFill>
-                    <a:latin typeface="Arial Rounded MT Bold" panose="020F0704030504030204" pitchFamily="34" charset="0"/>
-                  </a:rPr>
-                  <a:t>GET </a:t>
-                </a:r>
-              </a:p>
-              <a:p>
-                <a:pPr algn="ctr"/>
-                <a:r>
-                  <a:rPr lang="es-ES" sz="1200" dirty="0" smtClean="0">
-                    <a:solidFill>
-                      <a:schemeClr val="tx1">
-                        <a:lumMod val="75000"/>
-                        <a:lumOff val="25000"/>
-                      </a:schemeClr>
-                    </a:solidFill>
-                    <a:latin typeface="Arial Rounded MT Bold" panose="020F0704030504030204" pitchFamily="34" charset="0"/>
-                  </a:rPr>
-                  <a:t>DATABASE </a:t>
-                </a:r>
-                <a:r>
-                  <a:rPr lang="es-ES" sz="1200" dirty="0">
-                    <a:solidFill>
-                      <a:schemeClr val="tx1">
-                        <a:lumMod val="75000"/>
-                        <a:lumOff val="25000"/>
-                      </a:schemeClr>
-                    </a:solidFill>
-                    <a:latin typeface="Arial Rounded MT Bold" panose="020F0704030504030204" pitchFamily="34" charset="0"/>
-                  </a:rPr>
-                  <a:t>S</a:t>
-                </a:r>
-                <a:r>
-                  <a:rPr lang="es-ES" sz="1200" dirty="0" smtClean="0">
-                    <a:solidFill>
-                      <a:schemeClr val="tx1">
-                        <a:lumMod val="75000"/>
-                        <a:lumOff val="25000"/>
-                      </a:schemeClr>
-                    </a:solidFill>
-                    <a:latin typeface="Arial Rounded MT Bold" panose="020F0704030504030204" pitchFamily="34" charset="0"/>
-                  </a:rPr>
-                  <a:t>UMMARY</a:t>
-                </a:r>
-                <a:endParaRPr lang="es-ES" sz="1200" dirty="0">
-                  <a:solidFill>
-                    <a:schemeClr val="tx1">
-                      <a:lumMod val="75000"/>
-                      <a:lumOff val="25000"/>
-                    </a:schemeClr>
-                  </a:solidFill>
-                  <a:latin typeface="Arial Rounded MT Bold" panose="020F0704030504030204" pitchFamily="34" charset="0"/>
-                </a:endParaRPr>
-              </a:p>
-            </p:txBody>
-          </p:sp>
-          <p:cxnSp>
-            <p:nvCxnSpPr>
-              <p:cNvPr id="13" name="Conector recto de flecha 12"/>
-              <p:cNvCxnSpPr>
-                <a:stCxn id="26" idx="6"/>
-                <a:endCxn id="5" idx="1"/>
-              </p:cNvCxnSpPr>
-              <p:nvPr/>
-            </p:nvCxnSpPr>
-            <p:spPr>
-              <a:xfrm flipV="1">
-                <a:off x="-144547" y="2515022"/>
-                <a:ext cx="2437919" cy="36001"/>
-              </a:xfrm>
-              <a:prstGeom prst="straightConnector1">
-                <a:avLst/>
-              </a:prstGeom>
-              <a:ln w="28575">
-                <a:solidFill>
-                  <a:srgbClr val="7240F0"/>
-                </a:solidFill>
-                <a:tailEnd type="triangle" w="lg" len="lg"/>
-              </a:ln>
-            </p:spPr>
-            <p:style>
-              <a:lnRef idx="1">
-                <a:schemeClr val="accent1"/>
-              </a:lnRef>
-              <a:fillRef idx="0">
-                <a:schemeClr val="accent1"/>
-              </a:fillRef>
-              <a:effectRef idx="0">
-                <a:schemeClr val="accent1"/>
-              </a:effectRef>
-              <a:fontRef idx="minor">
-                <a:schemeClr val="tx1"/>
-              </a:fontRef>
-            </p:style>
-          </p:cxnSp>
-          <p:cxnSp>
-            <p:nvCxnSpPr>
-              <p:cNvPr id="15" name="Conector recto de flecha 14"/>
-              <p:cNvCxnSpPr>
-                <a:stCxn id="5" idx="3"/>
-                <a:endCxn id="24" idx="1"/>
-              </p:cNvCxnSpPr>
-              <p:nvPr/>
-            </p:nvCxnSpPr>
-            <p:spPr>
-              <a:xfrm flipV="1">
-                <a:off x="4498572" y="2506076"/>
-                <a:ext cx="1243686" cy="8946"/>
-              </a:xfrm>
-              <a:prstGeom prst="straightConnector1">
-                <a:avLst/>
-              </a:prstGeom>
-              <a:ln w="28575" cmpd="sng">
-                <a:solidFill>
-                  <a:srgbClr val="7240F0"/>
-                </a:solidFill>
-                <a:prstDash val="solid"/>
-                <a:tailEnd type="triangle" w="lg" len="lg"/>
-              </a:ln>
-            </p:spPr>
-            <p:style>
-              <a:lnRef idx="1">
-                <a:schemeClr val="accent1"/>
-              </a:lnRef>
-              <a:fillRef idx="0">
-                <a:schemeClr val="accent1"/>
-              </a:fillRef>
-              <a:effectRef idx="0">
-                <a:schemeClr val="accent1"/>
-              </a:effectRef>
-              <a:fontRef idx="minor">
-                <a:schemeClr val="tx1"/>
-              </a:fontRef>
-            </p:style>
-          </p:cxnSp>
-          <p:cxnSp>
-            <p:nvCxnSpPr>
-              <p:cNvPr id="35" name="Conector recto de flecha 34"/>
-              <p:cNvCxnSpPr>
-                <a:stCxn id="7" idx="3"/>
-                <a:endCxn id="28" idx="2"/>
-              </p:cNvCxnSpPr>
-              <p:nvPr/>
-            </p:nvCxnSpPr>
-            <p:spPr>
-              <a:xfrm>
-                <a:off x="12054049" y="2491525"/>
-                <a:ext cx="1759088" cy="14963"/>
-              </a:xfrm>
-              <a:prstGeom prst="straightConnector1">
-                <a:avLst/>
-              </a:prstGeom>
-              <a:ln w="28575">
-                <a:solidFill>
-                  <a:srgbClr val="7240F0"/>
-                </a:solidFill>
-                <a:tailEnd type="triangle" w="lg" len="lg"/>
-              </a:ln>
-            </p:spPr>
-            <p:style>
-              <a:lnRef idx="1">
-                <a:schemeClr val="accent1"/>
-              </a:lnRef>
-              <a:fillRef idx="0">
-                <a:schemeClr val="accent1"/>
-              </a:fillRef>
-              <a:effectRef idx="0">
-                <a:schemeClr val="accent1"/>
-              </a:effectRef>
-              <a:fontRef idx="minor">
-                <a:schemeClr val="tx1"/>
-              </a:fontRef>
-            </p:style>
-          </p:cxnSp>
-          <p:sp>
-            <p:nvSpPr>
-              <p:cNvPr id="122" name="CuadroTexto 121"/>
+              <p:cNvPr id="93" name="CuadroTexto 92"/>
               <p:cNvSpPr txBox="1"/>
               <p:nvPr/>
             </p:nvSpPr>
             <p:spPr>
               <a:xfrm>
-                <a:off x="4498572" y="2172744"/>
-                <a:ext cx="475643" cy="369332"/>
-              </a:xfrm>
-              <a:prstGeom prst="rect">
-                <a:avLst/>
-              </a:prstGeom>
-              <a:noFill/>
-            </p:spPr>
-            <p:txBody>
-              <a:bodyPr wrap="none" rtlCol="0">
-                <a:spAutoFit/>
-              </a:bodyPr>
-              <a:lstStyle/>
-              <a:p>
-                <a:r>
-                  <a:rPr lang="es-ES" b="1" dirty="0" smtClean="0">
-                    <a:solidFill>
-                      <a:srgbClr val="FF3300"/>
-                    </a:solidFill>
-                    <a:latin typeface="+mj-lt"/>
-                    <a:cs typeface="Aharoni" panose="02010803020104030203" pitchFamily="2" charset="-79"/>
-                  </a:rPr>
-                  <a:t>Yes</a:t>
-                </a:r>
-                <a:endParaRPr lang="es-ES" b="1" dirty="0">
-                  <a:solidFill>
-                    <a:srgbClr val="FF3300"/>
-                  </a:solidFill>
-                  <a:latin typeface="+mj-lt"/>
-                  <a:cs typeface="Aharoni" panose="02010803020104030203" pitchFamily="2" charset="-79"/>
-                </a:endParaRPr>
-              </a:p>
-            </p:txBody>
-          </p:sp>
-          <p:sp>
-            <p:nvSpPr>
-              <p:cNvPr id="68" name="Rectángulo redondeado 67"/>
-              <p:cNvSpPr/>
-              <p:nvPr/>
-            </p:nvSpPr>
-            <p:spPr bwMode="auto">
-              <a:xfrm>
-                <a:off x="10644350" y="3919994"/>
-                <a:ext cx="1379397" cy="1304464"/>
-              </a:xfrm>
-              <a:prstGeom prst="roundRect">
-                <a:avLst/>
-              </a:prstGeom>
-              <a:solidFill>
-                <a:schemeClr val="bg1"/>
-              </a:solidFill>
-              <a:ln w="9525" cap="rnd" cmpd="sng" algn="ctr">
-                <a:solidFill>
-                  <a:srgbClr val="00B050"/>
-                </a:solidFill>
-                <a:prstDash val="sysDot"/>
-                <a:round/>
-                <a:headEnd type="none" w="med" len="med"/>
-                <a:tailEnd type="none" w="med" len="med"/>
-              </a:ln>
-              <a:effectLst/>
-              <a:extLst/>
-            </p:spPr>
-            <p:txBody>
-              <a:bodyPr vert="horz" wrap="none" lIns="45720" tIns="45720" rIns="45720" bIns="45720" numCol="1" rtlCol="0" anchor="ctr" anchorCtr="0" compatLnSpc="1">
-                <a:prstTxWarp prst="textNoShape">
-                  <a:avLst/>
-                </a:prstTxWarp>
-              </a:bodyPr>
-              <a:lstStyle/>
-              <a:p>
-                <a:pPr marL="0" marR="0" indent="0" algn="ctr" defTabSz="914400" rtl="0" eaLnBrk="1" fontAlgn="base" latinLnBrk="0" hangingPunct="1">
-                  <a:lnSpc>
-                    <a:spcPct val="100000"/>
-                  </a:lnSpc>
-                  <a:spcBef>
-                    <a:spcPct val="50000"/>
-                  </a:spcBef>
-                  <a:spcAft>
-                    <a:spcPct val="0"/>
-                  </a:spcAft>
-                  <a:buClrTx/>
-                  <a:buSzTx/>
-                  <a:buFontTx/>
-                  <a:buNone/>
-                  <a:tabLst/>
-                </a:pPr>
-                <a:endParaRPr kumimoji="0" lang="es-ES" sz="2000" b="0" i="0" u="none" strike="noStrike" cap="none" normalizeH="0" baseline="0" dirty="0" smtClean="0">
-                  <a:ln>
-                    <a:noFill/>
-                  </a:ln>
-                  <a:solidFill>
-                    <a:srgbClr val="00B050"/>
-                  </a:solidFill>
-                  <a:effectLst/>
-                  <a:latin typeface="Verdana" pitchFamily="34" charset="0"/>
-                </a:endParaRPr>
-              </a:p>
-            </p:txBody>
-          </p:sp>
-          <p:sp>
-            <p:nvSpPr>
-              <p:cNvPr id="69" name="CuadroTexto 68"/>
-              <p:cNvSpPr txBox="1"/>
-              <p:nvPr/>
-            </p:nvSpPr>
-            <p:spPr>
-              <a:xfrm>
-                <a:off x="10958440" y="4036768"/>
-                <a:ext cx="838443" cy="276999"/>
+                <a:off x="1856288" y="7734152"/>
+                <a:ext cx="7525351" cy="338554"/>
               </a:xfrm>
               <a:prstGeom prst="rect">
                 <a:avLst/>
@@ -9874,44 +10705,57 @@
               </a:bodyPr>
               <a:lstStyle/>
               <a:p>
+                <a:pPr algn="ctr"/>
                 <a:r>
-                  <a:rPr lang="es-ES" sz="1200" b="1" dirty="0" smtClean="0">
+                  <a:rPr lang="es-ES" sz="1600" b="1" dirty="0" smtClean="0">
                     <a:solidFill>
-                      <a:srgbClr val="00B050"/>
+                      <a:schemeClr val="tx1">
+                        <a:lumMod val="50000"/>
+                        <a:lumOff val="50000"/>
+                      </a:schemeClr>
                     </a:solidFill>
+                    <a:latin typeface="Arial Rounded MT Bold" panose="020F0704030504030204" pitchFamily="34" charset="0"/>
+                    <a:cs typeface="Aharoni" panose="02010803020104030203" pitchFamily="2" charset="-79"/>
                   </a:rPr>
-                  <a:t>DATABASE</a:t>
+                  <a:t>WATSON CONVERSATION</a:t>
                 </a:r>
-                <a:endParaRPr lang="es-ES" sz="1200" b="1" dirty="0">
-                  <a:solidFill>
-                    <a:srgbClr val="00B050"/>
-                  </a:solidFill>
+                <a:endParaRPr lang="es-ES" sz="1600" b="1" dirty="0">
+                  <a:solidFill>
+                    <a:schemeClr val="tx1">
+                      <a:lumMod val="50000"/>
+                      <a:lumOff val="50000"/>
+                    </a:schemeClr>
+                  </a:solidFill>
+                  <a:latin typeface="Arial Rounded MT Bold" panose="020F0704030504030204" pitchFamily="34" charset="0"/>
+                  <a:cs typeface="Aharoni" panose="02010803020104030203" pitchFamily="2" charset="-79"/>
                 </a:endParaRPr>
               </a:p>
             </p:txBody>
           </p:sp>
           <p:sp>
             <p:nvSpPr>
-              <p:cNvPr id="71" name="Flecha izquierda y derecha 70"/>
+              <p:cNvPr id="98" name="Rectángulo redondeado 97"/>
               <p:cNvSpPr/>
               <p:nvPr/>
             </p:nvSpPr>
             <p:spPr>
-              <a:xfrm rot="16200000">
-                <a:off x="10958645" y="3397888"/>
-                <a:ext cx="720000" cy="212903"/>
+              <a:xfrm>
+                <a:off x="9683507" y="1395662"/>
+                <a:ext cx="3584103" cy="6673517"/>
               </a:xfrm>
-              <a:prstGeom prst="leftRightArrow">
-                <a:avLst/>
+              <a:prstGeom prst="roundRect">
+                <a:avLst>
+                  <a:gd name="adj" fmla="val 3452"/>
+                </a:avLst>
               </a:prstGeom>
-              <a:solidFill>
-                <a:schemeClr val="accent3">
-                  <a:lumMod val="60000"/>
-                  <a:lumOff val="40000"/>
-                </a:schemeClr>
-              </a:solidFill>
+              <a:noFill/>
               <a:ln>
-                <a:noFill/>
+                <a:solidFill>
+                  <a:schemeClr val="bg1">
+                    <a:lumMod val="75000"/>
+                  </a:schemeClr>
+                </a:solidFill>
+                <a:prstDash val="sysDash"/>
               </a:ln>
             </p:spPr>
             <p:style>
@@ -9939,83 +10783,16 @@
               </a:p>
             </p:txBody>
           </p:sp>
-          <p:pic>
-            <p:nvPicPr>
-              <p:cNvPr id="72" name="Imagen 71"/>
-              <p:cNvPicPr>
-                <a:picLocks noChangeAspect="1"/>
-              </p:cNvPicPr>
-              <p:nvPr/>
-            </p:nvPicPr>
-            <p:blipFill>
-              <a:blip r:embed="rId2" cstate="print">
-                <a:duotone>
-                  <a:schemeClr val="accent5">
-                    <a:shade val="45000"/>
-                    <a:satMod val="135000"/>
-                  </a:schemeClr>
-                  <a:prstClr val="white"/>
-                </a:duotone>
-                <a:extLst>
-                  <a:ext uri="{28A0092B-C50C-407E-A947-70E740481C1C}">
-                    <a14:useLocalDpi xmlns:a14="http://schemas.microsoft.com/office/drawing/2010/main" val="0"/>
-                  </a:ext>
-                </a:extLst>
-              </a:blip>
-              <a:stretch>
-                <a:fillRect/>
-              </a:stretch>
-            </p:blipFill>
-            <p:spPr>
-              <a:xfrm>
-                <a:off x="11425096" y="4503922"/>
-                <a:ext cx="444124" cy="445566"/>
-              </a:xfrm>
-              <a:prstGeom prst="rect">
-                <a:avLst/>
-              </a:prstGeom>
-            </p:spPr>
-          </p:pic>
-          <p:pic>
-            <p:nvPicPr>
-              <p:cNvPr id="74" name="Imagen 73"/>
-              <p:cNvPicPr>
-                <a:picLocks noChangeAspect="1"/>
-              </p:cNvPicPr>
-              <p:nvPr/>
-            </p:nvPicPr>
-            <p:blipFill>
-              <a:blip r:embed="rId3" cstate="print">
-                <a:extLst>
-                  <a:ext uri="{28A0092B-C50C-407E-A947-70E740481C1C}">
-                    <a14:useLocalDpi xmlns:a14="http://schemas.microsoft.com/office/drawing/2010/main" val="0"/>
-                  </a:ext>
-                </a:extLst>
-              </a:blip>
-              <a:stretch>
-                <a:fillRect/>
-              </a:stretch>
-            </p:blipFill>
-            <p:spPr>
-              <a:xfrm>
-                <a:off x="10796648" y="4478129"/>
-                <a:ext cx="586509" cy="539588"/>
-              </a:xfrm>
-              <a:prstGeom prst="rect">
-                <a:avLst/>
-              </a:prstGeom>
-            </p:spPr>
-          </p:pic>
           <p:sp>
             <p:nvSpPr>
-              <p:cNvPr id="18" name="CuadroTexto 17"/>
+              <p:cNvPr id="99" name="CuadroTexto 98"/>
               <p:cNvSpPr txBox="1"/>
               <p:nvPr/>
             </p:nvSpPr>
             <p:spPr>
               <a:xfrm>
-                <a:off x="-94920" y="2588579"/>
-                <a:ext cx="1761829" cy="338554"/>
+                <a:off x="9683506" y="7742394"/>
+                <a:ext cx="3584103" cy="338554"/>
               </a:xfrm>
               <a:prstGeom prst="rect">
                 <a:avLst/>
@@ -10023,708 +10800,135 @@
               <a:noFill/>
             </p:spPr>
             <p:txBody>
-              <a:bodyPr wrap="none" rtlCol="0">
+              <a:bodyPr wrap="square" rtlCol="0">
                 <a:spAutoFit/>
               </a:bodyPr>
               <a:lstStyle/>
               <a:p>
+                <a:pPr algn="ctr"/>
                 <a:r>
-                  <a:rPr lang="es-ES" sz="1600" dirty="0" smtClean="0">
+                  <a:rPr lang="es-ES" sz="1600" b="1" dirty="0" smtClean="0">
                     <a:solidFill>
                       <a:schemeClr val="tx1">
                         <a:lumMod val="50000"/>
                         <a:lumOff val="50000"/>
                       </a:schemeClr>
                     </a:solidFill>
-                    <a:latin typeface="+mj-lt"/>
+                    <a:latin typeface="Arial Rounded MT Bold" panose="020F0704030504030204" pitchFamily="34" charset="0"/>
                     <a:cs typeface="Aharoni" panose="02010803020104030203" pitchFamily="2" charset="-79"/>
                   </a:rPr>
-                  <a:t>$</a:t>
+                  <a:t>ORCHESTRATION ENGINE</a:t>
                 </a:r>
-                <a:r>
-                  <a:rPr lang="es-ES" sz="1600" dirty="0" err="1" smtClean="0">
-                    <a:solidFill>
-                      <a:schemeClr val="tx1">
-                        <a:lumMod val="50000"/>
-                        <a:lumOff val="50000"/>
-                      </a:schemeClr>
-                    </a:solidFill>
-                    <a:latin typeface="+mj-lt"/>
-                    <a:cs typeface="Aharoni" panose="02010803020104030203" pitchFamily="2" charset="-79"/>
-                  </a:rPr>
-                  <a:t>ingredients</a:t>
-                </a:r>
-                <a:r>
-                  <a:rPr lang="es-ES" sz="1600" dirty="0" smtClean="0">
-                    <a:solidFill>
-                      <a:schemeClr val="tx1">
-                        <a:lumMod val="50000"/>
-                        <a:lumOff val="50000"/>
-                      </a:schemeClr>
-                    </a:solidFill>
-                    <a:latin typeface="+mj-lt"/>
-                    <a:cs typeface="Aharoni" panose="02010803020104030203" pitchFamily="2" charset="-79"/>
-                  </a:rPr>
-                  <a:t>=</a:t>
-                </a:r>
-                <a:r>
-                  <a:rPr lang="es-ES" sz="1600" dirty="0" err="1" smtClean="0">
-                    <a:solidFill>
-                      <a:schemeClr val="tx1">
-                        <a:lumMod val="50000"/>
-                        <a:lumOff val="50000"/>
-                      </a:schemeClr>
-                    </a:solidFill>
-                    <a:latin typeface="+mj-lt"/>
-                    <a:cs typeface="Aharoni" panose="02010803020104030203" pitchFamily="2" charset="-79"/>
-                  </a:rPr>
-                  <a:t>None</a:t>
-                </a:r>
-                <a:endParaRPr lang="es-ES" sz="1600" dirty="0">
+                <a:endParaRPr lang="es-ES" sz="1600" b="1" dirty="0">
                   <a:solidFill>
                     <a:schemeClr val="tx1">
                       <a:lumMod val="50000"/>
                       <a:lumOff val="50000"/>
                     </a:schemeClr>
                   </a:solidFill>
-                  <a:latin typeface="+mj-lt"/>
+                  <a:latin typeface="Arial Rounded MT Bold" panose="020F0704030504030204" pitchFamily="34" charset="0"/>
                   <a:cs typeface="Aharoni" panose="02010803020104030203" pitchFamily="2" charset="-79"/>
                 </a:endParaRPr>
-              </a:p>
-            </p:txBody>
-          </p:sp>
-          <p:sp>
-            <p:nvSpPr>
-              <p:cNvPr id="24" name="Decisión 23"/>
-              <p:cNvSpPr/>
-              <p:nvPr/>
-            </p:nvSpPr>
-            <p:spPr>
-              <a:xfrm>
-                <a:off x="5742258" y="1683051"/>
-                <a:ext cx="2444407" cy="1646050"/>
-              </a:xfrm>
-              <a:prstGeom prst="flowChartDecision">
-                <a:avLst/>
-              </a:prstGeom>
-              <a:noFill/>
-              <a:ln w="38100">
-                <a:solidFill>
-                  <a:srgbClr val="46DACC"/>
-                </a:solidFill>
-                <a:prstDash val="sysDot"/>
-              </a:ln>
-            </p:spPr>
-            <p:style>
-              <a:lnRef idx="2">
-                <a:schemeClr val="accent1">
-                  <a:shade val="50000"/>
-                </a:schemeClr>
-              </a:lnRef>
-              <a:fillRef idx="1">
-                <a:schemeClr val="accent1"/>
-              </a:fillRef>
-              <a:effectRef idx="0">
-                <a:schemeClr val="accent1"/>
-              </a:effectRef>
-              <a:fontRef idx="minor">
-                <a:schemeClr val="lt1"/>
-              </a:fontRef>
-            </p:style>
-            <p:txBody>
-              <a:bodyPr lIns="0" tIns="0" rIns="0" bIns="0" rtlCol="0" anchor="ctr"/>
-              <a:lstStyle/>
-              <a:p>
-                <a:pPr algn="ctr"/>
-                <a:r>
-                  <a:rPr lang="es-ES" sz="1200" dirty="0" smtClean="0">
-                    <a:solidFill>
-                      <a:schemeClr val="tx1">
-                        <a:lumMod val="65000"/>
-                        <a:lumOff val="35000"/>
-                      </a:schemeClr>
-                    </a:solidFill>
-                    <a:latin typeface="Arial Rounded MT Bold" panose="020F0704030504030204" pitchFamily="34" charset="0"/>
-                  </a:rPr>
-                  <a:t>CHECK</a:t>
-                </a:r>
-              </a:p>
-              <a:p>
-                <a:pPr algn="ctr"/>
-                <a:r>
-                  <a:rPr lang="es-ES" sz="1200" dirty="0" smtClean="0">
-                    <a:solidFill>
-                      <a:schemeClr val="tx1">
-                        <a:lumMod val="65000"/>
-                        <a:lumOff val="35000"/>
-                      </a:schemeClr>
-                    </a:solidFill>
-                    <a:latin typeface="Arial Rounded MT Bold" panose="020F0704030504030204" pitchFamily="34" charset="0"/>
-                  </a:rPr>
-                  <a:t>@INGREDIENTS</a:t>
-                </a:r>
-                <a:endParaRPr lang="es-ES" sz="1200" dirty="0">
-                  <a:solidFill>
-                    <a:schemeClr val="tx1">
-                      <a:lumMod val="65000"/>
-                      <a:lumOff val="35000"/>
-                    </a:schemeClr>
-                  </a:solidFill>
-                  <a:latin typeface="Arial Rounded MT Bold" panose="020F0704030504030204" pitchFamily="34" charset="0"/>
-                </a:endParaRPr>
-              </a:p>
-            </p:txBody>
-          </p:sp>
-          <p:sp>
-            <p:nvSpPr>
-              <p:cNvPr id="26" name="Elipse 25"/>
-              <p:cNvSpPr/>
-              <p:nvPr/>
-            </p:nvSpPr>
-            <p:spPr>
-              <a:xfrm>
-                <a:off x="-1404547" y="2047023"/>
-                <a:ext cx="1260000" cy="1008000"/>
-              </a:xfrm>
-              <a:prstGeom prst="ellipse">
-                <a:avLst/>
-              </a:prstGeom>
-              <a:noFill/>
-              <a:ln w="76200">
-                <a:solidFill>
-                  <a:srgbClr val="46DACC"/>
-                </a:solidFill>
-              </a:ln>
-            </p:spPr>
-            <p:style>
-              <a:lnRef idx="2">
-                <a:schemeClr val="accent1">
-                  <a:shade val="50000"/>
-                </a:schemeClr>
-              </a:lnRef>
-              <a:fillRef idx="1">
-                <a:schemeClr val="accent1"/>
-              </a:fillRef>
-              <a:effectRef idx="0">
-                <a:schemeClr val="accent1"/>
-              </a:effectRef>
-              <a:fontRef idx="minor">
-                <a:schemeClr val="lt1"/>
-              </a:fontRef>
-            </p:style>
-            <p:txBody>
-              <a:bodyPr lIns="0" tIns="0" rIns="0" bIns="0" rtlCol="0" anchor="ctr"/>
-              <a:lstStyle/>
-              <a:p>
-                <a:pPr algn="ctr"/>
-                <a:r>
-                  <a:rPr lang="es-ES" sz="1200" dirty="0" smtClean="0">
-                    <a:solidFill>
-                      <a:schemeClr val="tx1">
-                        <a:lumMod val="75000"/>
-                        <a:lumOff val="25000"/>
-                      </a:schemeClr>
-                    </a:solidFill>
-                    <a:latin typeface="Arial Rounded MT Bold" panose="020F0704030504030204" pitchFamily="34" charset="0"/>
-                  </a:rPr>
-                  <a:t>START</a:t>
-                </a:r>
-                <a:endParaRPr lang="es-ES" sz="1200" dirty="0">
-                  <a:solidFill>
-                    <a:schemeClr val="tx1">
-                      <a:lumMod val="75000"/>
-                      <a:lumOff val="25000"/>
-                    </a:schemeClr>
-                  </a:solidFill>
-                  <a:latin typeface="Arial Rounded MT Bold" panose="020F0704030504030204" pitchFamily="34" charset="0"/>
-                </a:endParaRPr>
-              </a:p>
-            </p:txBody>
-          </p:sp>
-          <p:sp>
-            <p:nvSpPr>
-              <p:cNvPr id="28" name="Elipse 27"/>
-              <p:cNvSpPr/>
-              <p:nvPr/>
-            </p:nvSpPr>
-            <p:spPr>
-              <a:xfrm>
-                <a:off x="13813137" y="2002076"/>
-                <a:ext cx="1260000" cy="1008823"/>
-              </a:xfrm>
-              <a:prstGeom prst="ellipse">
-                <a:avLst/>
-              </a:prstGeom>
-              <a:noFill/>
-              <a:ln w="76200">
-                <a:solidFill>
-                  <a:srgbClr val="46DACC"/>
-                </a:solidFill>
-              </a:ln>
-            </p:spPr>
-            <p:style>
-              <a:lnRef idx="2">
-                <a:schemeClr val="accent1">
-                  <a:shade val="50000"/>
-                </a:schemeClr>
-              </a:lnRef>
-              <a:fillRef idx="1">
-                <a:schemeClr val="accent1"/>
-              </a:fillRef>
-              <a:effectRef idx="0">
-                <a:schemeClr val="accent1"/>
-              </a:effectRef>
-              <a:fontRef idx="minor">
-                <a:schemeClr val="lt1"/>
-              </a:fontRef>
-            </p:style>
-            <p:txBody>
-              <a:bodyPr lIns="0" tIns="0" rIns="0" bIns="0" rtlCol="0" anchor="ctr"/>
-              <a:lstStyle/>
-              <a:p>
-                <a:pPr algn="ctr"/>
-                <a:r>
-                  <a:rPr lang="es-ES" sz="1200" dirty="0" smtClean="0">
-                    <a:solidFill>
-                      <a:schemeClr val="tx1">
-                        <a:lumMod val="75000"/>
-                        <a:lumOff val="25000"/>
-                      </a:schemeClr>
-                    </a:solidFill>
-                    <a:latin typeface="Arial Rounded MT Bold" panose="020F0704030504030204" pitchFamily="34" charset="0"/>
-                  </a:rPr>
-                  <a:t>END</a:t>
-                </a:r>
-                <a:endParaRPr lang="es-ES" sz="1200" dirty="0">
-                  <a:solidFill>
-                    <a:schemeClr val="tx1">
-                      <a:lumMod val="75000"/>
-                      <a:lumOff val="25000"/>
-                    </a:schemeClr>
-                  </a:solidFill>
-                  <a:latin typeface="Arial Rounded MT Bold" panose="020F0704030504030204" pitchFamily="34" charset="0"/>
-                </a:endParaRPr>
-              </a:p>
-            </p:txBody>
-          </p:sp>
-          <p:cxnSp>
-            <p:nvCxnSpPr>
-              <p:cNvPr id="36" name="Conector recto de flecha 35"/>
-              <p:cNvCxnSpPr>
-                <a:stCxn id="24" idx="3"/>
-                <a:endCxn id="7" idx="1"/>
-              </p:cNvCxnSpPr>
-              <p:nvPr/>
-            </p:nvCxnSpPr>
-            <p:spPr>
-              <a:xfrm flipV="1">
-                <a:off x="8186665" y="2491525"/>
-                <a:ext cx="2427384" cy="14551"/>
-              </a:xfrm>
-              <a:prstGeom prst="straightConnector1">
-                <a:avLst/>
-              </a:prstGeom>
-              <a:ln w="28575">
-                <a:solidFill>
-                  <a:srgbClr val="7240F0"/>
-                </a:solidFill>
-                <a:tailEnd type="triangle" w="lg" len="lg"/>
-              </a:ln>
-            </p:spPr>
-            <p:style>
-              <a:lnRef idx="1">
-                <a:schemeClr val="accent1"/>
-              </a:lnRef>
-              <a:fillRef idx="0">
-                <a:schemeClr val="accent1"/>
-              </a:fillRef>
-              <a:effectRef idx="0">
-                <a:schemeClr val="accent1"/>
-              </a:effectRef>
-              <a:fontRef idx="minor">
-                <a:schemeClr val="tx1"/>
-              </a:fontRef>
-            </p:style>
-          </p:cxnSp>
-          <p:sp>
-            <p:nvSpPr>
-              <p:cNvPr id="37" name="CuadroTexto 36"/>
-              <p:cNvSpPr txBox="1"/>
-              <p:nvPr/>
-            </p:nvSpPr>
-            <p:spPr>
-              <a:xfrm>
-                <a:off x="8186665" y="2116100"/>
-                <a:ext cx="801823" cy="369332"/>
-              </a:xfrm>
-              <a:prstGeom prst="rect">
-                <a:avLst/>
-              </a:prstGeom>
-              <a:noFill/>
-            </p:spPr>
-            <p:txBody>
-              <a:bodyPr wrap="none" rtlCol="0">
-                <a:spAutoFit/>
-              </a:bodyPr>
-              <a:lstStyle/>
-              <a:p>
-                <a:r>
-                  <a:rPr lang="es-ES" b="1" dirty="0" smtClean="0">
-                    <a:solidFill>
-                      <a:srgbClr val="FF3300"/>
-                    </a:solidFill>
-                    <a:latin typeface="+mj-lt"/>
-                    <a:cs typeface="Aharoni" panose="02010803020104030203" pitchFamily="2" charset="-79"/>
-                  </a:rPr>
-                  <a:t>! </a:t>
-                </a:r>
-                <a:r>
-                  <a:rPr lang="es-ES" b="1" dirty="0" err="1" smtClean="0">
-                    <a:solidFill>
-                      <a:srgbClr val="FF3300"/>
-                    </a:solidFill>
-                    <a:latin typeface="+mj-lt"/>
-                    <a:cs typeface="Aharoni" panose="02010803020104030203" pitchFamily="2" charset="-79"/>
-                  </a:rPr>
-                  <a:t>None</a:t>
-                </a:r>
-                <a:endParaRPr lang="es-ES" b="1" dirty="0">
-                  <a:solidFill>
-                    <a:srgbClr val="FF3300"/>
-                  </a:solidFill>
-                  <a:latin typeface="+mj-lt"/>
-                  <a:cs typeface="Aharoni" panose="02010803020104030203" pitchFamily="2" charset="-79"/>
-                </a:endParaRPr>
-              </a:p>
-            </p:txBody>
-          </p:sp>
-          <p:sp>
-            <p:nvSpPr>
-              <p:cNvPr id="38" name="CuadroTexto 37"/>
-              <p:cNvSpPr txBox="1"/>
-              <p:nvPr/>
-            </p:nvSpPr>
-            <p:spPr>
-              <a:xfrm>
-                <a:off x="6986002" y="3600134"/>
-                <a:ext cx="676788" cy="369332"/>
-              </a:xfrm>
-              <a:prstGeom prst="rect">
-                <a:avLst/>
-              </a:prstGeom>
-              <a:noFill/>
-            </p:spPr>
-            <p:txBody>
-              <a:bodyPr wrap="none" rtlCol="0">
-                <a:spAutoFit/>
-              </a:bodyPr>
-              <a:lstStyle/>
-              <a:p>
-                <a:r>
-                  <a:rPr lang="es-ES" b="1" dirty="0" err="1" smtClean="0">
-                    <a:solidFill>
-                      <a:srgbClr val="FF3300"/>
-                    </a:solidFill>
-                    <a:latin typeface="+mj-lt"/>
-                    <a:cs typeface="Aharoni" panose="02010803020104030203" pitchFamily="2" charset="-79"/>
-                  </a:rPr>
-                  <a:t>None</a:t>
-                </a:r>
-                <a:endParaRPr lang="es-ES" b="1" dirty="0">
-                  <a:solidFill>
-                    <a:srgbClr val="FF3300"/>
-                  </a:solidFill>
-                  <a:latin typeface="+mj-lt"/>
-                  <a:cs typeface="Aharoni" panose="02010803020104030203" pitchFamily="2" charset="-79"/>
-                </a:endParaRPr>
-              </a:p>
-            </p:txBody>
-          </p:sp>
-          <p:cxnSp>
-            <p:nvCxnSpPr>
-              <p:cNvPr id="39" name="Conector recto de flecha 38"/>
-              <p:cNvCxnSpPr>
-                <a:stCxn id="24" idx="2"/>
-              </p:cNvCxnSpPr>
-              <p:nvPr/>
-            </p:nvCxnSpPr>
-            <p:spPr>
-              <a:xfrm>
-                <a:off x="6964462" y="3329101"/>
-                <a:ext cx="21540" cy="3259504"/>
-              </a:xfrm>
-              <a:prstGeom prst="straightConnector1">
-                <a:avLst/>
-              </a:prstGeom>
-              <a:ln w="28575">
-                <a:solidFill>
-                  <a:srgbClr val="7240F0"/>
-                </a:solidFill>
-                <a:tailEnd type="triangle" w="lg" len="lg"/>
-              </a:ln>
-            </p:spPr>
-            <p:style>
-              <a:lnRef idx="1">
-                <a:schemeClr val="accent1"/>
-              </a:lnRef>
-              <a:fillRef idx="0">
-                <a:schemeClr val="accent1"/>
-              </a:fillRef>
-              <a:effectRef idx="0">
-                <a:schemeClr val="accent1"/>
-              </a:effectRef>
-              <a:fontRef idx="minor">
-                <a:schemeClr val="tx1"/>
-              </a:fontRef>
-            </p:style>
-          </p:cxnSp>
-          <p:sp>
-            <p:nvSpPr>
-              <p:cNvPr id="51" name="CuadroTexto 50"/>
-              <p:cNvSpPr txBox="1"/>
-              <p:nvPr/>
-            </p:nvSpPr>
-            <p:spPr>
-              <a:xfrm>
-                <a:off x="8169642" y="2548179"/>
-                <a:ext cx="1211998" cy="338554"/>
-              </a:xfrm>
-              <a:prstGeom prst="rect">
-                <a:avLst/>
-              </a:prstGeom>
-              <a:noFill/>
-            </p:spPr>
-            <p:txBody>
-              <a:bodyPr wrap="none" rtlCol="0">
-                <a:spAutoFit/>
-              </a:bodyPr>
-              <a:lstStyle/>
-              <a:p>
-                <a:r>
-                  <a:rPr lang="es-ES" sz="1600" dirty="0" smtClean="0">
-                    <a:solidFill>
-                      <a:schemeClr val="tx1">
-                        <a:lumMod val="50000"/>
-                        <a:lumOff val="50000"/>
-                      </a:schemeClr>
-                    </a:solidFill>
-                    <a:latin typeface="+mj-lt"/>
-                    <a:cs typeface="Aharoni" panose="02010803020104030203" pitchFamily="2" charset="-79"/>
-                  </a:rPr>
-                  <a:t>$</a:t>
-                </a:r>
-                <a:r>
-                  <a:rPr lang="es-ES" sz="1600" dirty="0" err="1" smtClean="0">
-                    <a:solidFill>
-                      <a:schemeClr val="tx1">
-                        <a:lumMod val="50000"/>
-                        <a:lumOff val="50000"/>
-                      </a:schemeClr>
-                    </a:solidFill>
-                    <a:latin typeface="+mj-lt"/>
-                    <a:cs typeface="Aharoni" panose="02010803020104030203" pitchFamily="2" charset="-79"/>
-                  </a:rPr>
-                  <a:t>ingredients</a:t>
-                </a:r>
-                <a:endParaRPr lang="es-ES" sz="1600" dirty="0">
-                  <a:solidFill>
-                    <a:schemeClr val="tx1">
-                      <a:lumMod val="50000"/>
-                      <a:lumOff val="50000"/>
-                    </a:schemeClr>
-                  </a:solidFill>
-                  <a:latin typeface="+mj-lt"/>
-                  <a:cs typeface="Aharoni" panose="02010803020104030203" pitchFamily="2" charset="-79"/>
-                </a:endParaRPr>
-              </a:p>
-            </p:txBody>
-          </p:sp>
-          <p:cxnSp>
-            <p:nvCxnSpPr>
-              <p:cNvPr id="53" name="Conector recto de flecha 52"/>
-              <p:cNvCxnSpPr>
-                <a:stCxn id="10" idx="3"/>
-              </p:cNvCxnSpPr>
-              <p:nvPr/>
-            </p:nvCxnSpPr>
-            <p:spPr>
-              <a:xfrm>
-                <a:off x="12054049" y="6588605"/>
-                <a:ext cx="2434774" cy="0"/>
-              </a:xfrm>
-              <a:prstGeom prst="straightConnector1">
-                <a:avLst/>
-              </a:prstGeom>
-              <a:ln w="28575">
-                <a:solidFill>
-                  <a:srgbClr val="7240F0"/>
-                </a:solidFill>
-                <a:tailEnd type="triangle" w="lg" len="lg"/>
-              </a:ln>
-            </p:spPr>
-            <p:style>
-              <a:lnRef idx="1">
-                <a:schemeClr val="accent1"/>
-              </a:lnRef>
-              <a:fillRef idx="0">
-                <a:schemeClr val="accent1"/>
-              </a:fillRef>
-              <a:effectRef idx="0">
-                <a:schemeClr val="accent1"/>
-              </a:effectRef>
-              <a:fontRef idx="minor">
-                <a:schemeClr val="tx1"/>
-              </a:fontRef>
-            </p:style>
-          </p:cxnSp>
-          <p:cxnSp>
-            <p:nvCxnSpPr>
-              <p:cNvPr id="57" name="Conector recto de flecha 56"/>
-              <p:cNvCxnSpPr>
-                <a:endCxn id="10" idx="1"/>
-              </p:cNvCxnSpPr>
-              <p:nvPr/>
-            </p:nvCxnSpPr>
-            <p:spPr>
-              <a:xfrm>
-                <a:off x="6986002" y="6588605"/>
-                <a:ext cx="3628047" cy="0"/>
-              </a:xfrm>
-              <a:prstGeom prst="straightConnector1">
-                <a:avLst/>
-              </a:prstGeom>
-              <a:ln w="28575">
-                <a:solidFill>
-                  <a:srgbClr val="7240F0"/>
-                </a:solidFill>
-                <a:tailEnd type="triangle" w="lg" len="lg"/>
-              </a:ln>
-            </p:spPr>
-            <p:style>
-              <a:lnRef idx="1">
-                <a:schemeClr val="accent1"/>
-              </a:lnRef>
-              <a:fillRef idx="0">
-                <a:schemeClr val="accent1"/>
-              </a:fillRef>
-              <a:effectRef idx="0">
-                <a:schemeClr val="accent1"/>
-              </a:effectRef>
-              <a:fontRef idx="minor">
-                <a:schemeClr val="tx1"/>
-              </a:fontRef>
-            </p:style>
-          </p:cxnSp>
-          <p:cxnSp>
-            <p:nvCxnSpPr>
-              <p:cNvPr id="60" name="Conector recto de flecha 59"/>
-              <p:cNvCxnSpPr/>
-              <p:nvPr/>
-            </p:nvCxnSpPr>
-            <p:spPr>
-              <a:xfrm flipV="1">
-                <a:off x="14488823" y="3055023"/>
-                <a:ext cx="0" cy="3533582"/>
-              </a:xfrm>
-              <a:prstGeom prst="straightConnector1">
-                <a:avLst/>
-              </a:prstGeom>
-              <a:ln w="28575">
-                <a:solidFill>
-                  <a:srgbClr val="7240F0"/>
-                </a:solidFill>
-                <a:tailEnd type="triangle" w="lg" len="lg"/>
-              </a:ln>
-            </p:spPr>
-            <p:style>
-              <a:lnRef idx="1">
-                <a:schemeClr val="accent1"/>
-              </a:lnRef>
-              <a:fillRef idx="0">
-                <a:schemeClr val="accent1"/>
-              </a:fillRef>
-              <a:effectRef idx="0">
-                <a:schemeClr val="accent1"/>
-              </a:effectRef>
-              <a:fontRef idx="minor">
-                <a:schemeClr val="tx1"/>
-              </a:fontRef>
-            </p:style>
-          </p:cxnSp>
-          <p:sp>
-            <p:nvSpPr>
-              <p:cNvPr id="90" name="Flecha izquierda y derecha 89"/>
-              <p:cNvSpPr/>
-              <p:nvPr/>
-            </p:nvSpPr>
-            <p:spPr>
-              <a:xfrm rot="16200000">
-                <a:off x="10974048" y="5556894"/>
-                <a:ext cx="720000" cy="212903"/>
-              </a:xfrm>
-              <a:prstGeom prst="leftRightArrow">
-                <a:avLst/>
-              </a:prstGeom>
-              <a:solidFill>
-                <a:schemeClr val="accent3">
-                  <a:lumMod val="60000"/>
-                  <a:lumOff val="40000"/>
-                </a:schemeClr>
-              </a:solidFill>
-              <a:ln>
-                <a:noFill/>
-              </a:ln>
-            </p:spPr>
-            <p:style>
-              <a:lnRef idx="2">
-                <a:schemeClr val="accent1">
-                  <a:shade val="50000"/>
-                </a:schemeClr>
-              </a:lnRef>
-              <a:fillRef idx="1">
-                <a:schemeClr val="accent1"/>
-              </a:fillRef>
-              <a:effectRef idx="0">
-                <a:schemeClr val="accent1"/>
-              </a:effectRef>
-              <a:fontRef idx="minor">
-                <a:schemeClr val="lt1"/>
-              </a:fontRef>
-            </p:style>
-            <p:txBody>
-              <a:bodyPr rtlCol="0" anchor="ctr"/>
-              <a:lstStyle/>
-              <a:p>
-                <a:pPr algn="ctr"/>
-                <a:endParaRPr lang="es-ES"/>
               </a:p>
             </p:txBody>
           </p:sp>
         </p:grpSp>
         <p:sp>
           <p:nvSpPr>
-            <p:cNvPr id="92" name="Rectángulo redondeado 91"/>
+            <p:cNvPr id="45" name="Rectángulo 44"/>
             <p:cNvSpPr/>
             <p:nvPr/>
           </p:nvSpPr>
           <p:spPr>
             <a:xfrm>
-              <a:off x="1856288" y="1395663"/>
-              <a:ext cx="7525352" cy="6673516"/>
+              <a:off x="1957788" y="263054"/>
+              <a:ext cx="5323531" cy="307777"/>
             </a:xfrm>
-            <a:prstGeom prst="roundRect">
+            <a:prstGeom prst="rect">
+              <a:avLst/>
+            </a:prstGeom>
+            <a:ln>
+              <a:solidFill>
+                <a:schemeClr val="bg2">
+                  <a:lumMod val="90000"/>
+                </a:schemeClr>
+              </a:solidFill>
+              <a:prstDash val="sysDash"/>
+            </a:ln>
+          </p:spPr>
+          <p:txBody>
+            <a:bodyPr wrap="square">
+              <a:spAutoFit/>
+            </a:bodyPr>
+            <a:lstStyle/>
+            <a:p>
+              <a:pPr>
+                <a:spcBef>
+                  <a:spcPts val="600"/>
+                </a:spcBef>
+              </a:pPr>
+              <a:r>
+                <a:rPr lang="en-US" sz="1400" dirty="0">
+                  <a:solidFill>
+                    <a:schemeClr val="tx1">
+                      <a:lumMod val="50000"/>
+                      <a:lumOff val="50000"/>
+                    </a:schemeClr>
+                  </a:solidFill>
+                </a:rPr>
+                <a:t>“Let me a second, I'm going to check if you have </a:t>
+              </a:r>
+              <a:r>
+                <a:rPr lang="en-US" sz="1400" dirty="0" smtClean="0">
+                  <a:solidFill>
+                    <a:schemeClr val="tx1">
+                      <a:lumMod val="50000"/>
+                      <a:lumOff val="50000"/>
+                    </a:schemeClr>
+                  </a:solidFill>
+                </a:rPr>
+                <a:t>&lt;$ingredients&gt;”</a:t>
+              </a:r>
+              <a:endParaRPr lang="es-ES" sz="1400" dirty="0">
+                <a:solidFill>
+                  <a:schemeClr val="tx1">
+                    <a:lumMod val="50000"/>
+                    <a:lumOff val="50000"/>
+                  </a:schemeClr>
+                </a:solidFill>
+              </a:endParaRPr>
+            </a:p>
+          </p:txBody>
+        </p:sp>
+        <p:sp>
+          <p:nvSpPr>
+            <p:cNvPr id="46" name="Llamada con línea 2 (sin borde) 45"/>
+            <p:cNvSpPr/>
+            <p:nvPr/>
+          </p:nvSpPr>
+          <p:spPr>
+            <a:xfrm>
+              <a:off x="10284804" y="-552768"/>
+              <a:ext cx="914400" cy="612648"/>
+            </a:xfrm>
+            <a:prstGeom prst="callout2">
               <a:avLst>
-                <a:gd name="adj" fmla="val 3452"/>
+                <a:gd name="adj1" fmla="val 160168"/>
+                <a:gd name="adj2" fmla="val -330141"/>
+                <a:gd name="adj3" fmla="val 160395"/>
+                <a:gd name="adj4" fmla="val -286734"/>
+                <a:gd name="adj5" fmla="val 501142"/>
+                <a:gd name="adj6" fmla="val -115972"/>
               </a:avLst>
             </a:prstGeom>
             <a:noFill/>
             <a:ln>
               <a:solidFill>
-                <a:schemeClr val="bg1">
-                  <a:lumMod val="75000"/>
+                <a:schemeClr val="tx1">
+                  <a:lumMod val="50000"/>
+                  <a:lumOff val="50000"/>
                 </a:schemeClr>
               </a:solidFill>
-              <a:prstDash val="sysDash"/>
             </a:ln>
           </p:spPr>
           <p:style>
@@ -10754,77 +10958,251 @@
         </p:sp>
         <p:sp>
           <p:nvSpPr>
-            <p:cNvPr id="93" name="CuadroTexto 92"/>
-            <p:cNvSpPr txBox="1"/>
+            <p:cNvPr id="48" name="Rectángulo 47"/>
+            <p:cNvSpPr/>
             <p:nvPr/>
           </p:nvSpPr>
           <p:spPr>
             <a:xfrm>
-              <a:off x="1856288" y="7734152"/>
-              <a:ext cx="7525351" cy="338554"/>
+              <a:off x="12933592" y="-1360745"/>
+              <a:ext cx="4725757" cy="738664"/>
             </a:xfrm>
             <a:prstGeom prst="rect">
               <a:avLst/>
             </a:prstGeom>
-            <a:noFill/>
+            <a:ln>
+              <a:solidFill>
+                <a:schemeClr val="bg2">
+                  <a:lumMod val="90000"/>
+                </a:schemeClr>
+              </a:solidFill>
+              <a:prstDash val="sysDash"/>
+            </a:ln>
           </p:spPr>
           <p:txBody>
-            <a:bodyPr wrap="square" rtlCol="0">
+            <a:bodyPr wrap="square">
               <a:spAutoFit/>
             </a:bodyPr>
             <a:lstStyle/>
             <a:p>
-              <a:pPr algn="ctr"/>
-              <a:r>
-                <a:rPr lang="es-ES" sz="1600" b="1" dirty="0" smtClean="0">
+              <a:r>
+                <a:rPr lang="es-ES" sz="1400" b="1" dirty="0" smtClean="0">
                   <a:solidFill>
                     <a:schemeClr val="tx1">
                       <a:lumMod val="50000"/>
                       <a:lumOff val="50000"/>
                     </a:schemeClr>
                   </a:solidFill>
-                  <a:latin typeface="Arial Rounded MT Bold" panose="020F0704030504030204" pitchFamily="34" charset="0"/>
-                  <a:cs typeface="Aharoni" panose="02010803020104030203" pitchFamily="2" charset="-79"/>
-                </a:rPr>
-                <a:t>WATSON CONVERSATION</a:t>
-              </a:r>
-              <a:endParaRPr lang="es-ES" sz="1600" b="1" dirty="0">
+                </a:rPr>
+                <a:t>[Respuesta 1] El ingrediente está presente y no está caducado</a:t>
+              </a:r>
+            </a:p>
+            <a:p>
+              <a:r>
+                <a:rPr lang="es-ES" sz="1400" dirty="0" smtClean="0">
+                  <a:solidFill>
+                    <a:schemeClr val="tx1">
+                      <a:lumMod val="50000"/>
+                      <a:lumOff val="50000"/>
+                    </a:schemeClr>
+                  </a:solidFill>
+                </a:rPr>
+                <a:t>'</a:t>
+              </a:r>
+              <a:r>
+                <a:rPr lang="es-ES" sz="1400" dirty="0" err="1" smtClean="0">
+                  <a:solidFill>
+                    <a:schemeClr val="tx1">
+                      <a:lumMod val="50000"/>
+                      <a:lumOff val="50000"/>
+                    </a:schemeClr>
+                  </a:solidFill>
+                </a:rPr>
+                <a:t>There</a:t>
+              </a:r>
+              <a:r>
+                <a:rPr lang="es-ES" sz="1400" dirty="0" smtClean="0">
+                  <a:solidFill>
+                    <a:schemeClr val="tx1">
+                      <a:lumMod val="50000"/>
+                      <a:lumOff val="50000"/>
+                    </a:schemeClr>
+                  </a:solidFill>
+                </a:rPr>
+                <a:t> </a:t>
+              </a:r>
+              <a:r>
+                <a:rPr lang="es-ES" sz="1400" dirty="0">
+                  <a:solidFill>
+                    <a:schemeClr val="tx1">
+                      <a:lumMod val="50000"/>
+                      <a:lumOff val="50000"/>
+                    </a:schemeClr>
+                  </a:solidFill>
+                </a:rPr>
+                <a:t>are </a:t>
+              </a:r>
+              <a:r>
+                <a:rPr lang="es-ES" sz="1400" dirty="0" smtClean="0">
+                  <a:solidFill>
+                    <a:schemeClr val="tx1">
+                      <a:lumMod val="50000"/>
+                      <a:lumOff val="50000"/>
+                    </a:schemeClr>
+                  </a:solidFill>
+                </a:rPr>
+                <a:t>&lt;cantidad&gt; </a:t>
+              </a:r>
+              <a:r>
+                <a:rPr lang="es-ES" sz="1400" dirty="0" err="1">
+                  <a:solidFill>
+                    <a:schemeClr val="tx1">
+                      <a:lumMod val="50000"/>
+                      <a:lumOff val="50000"/>
+                    </a:schemeClr>
+                  </a:solidFill>
+                </a:rPr>
+                <a:t>grams</a:t>
+              </a:r>
+              <a:r>
+                <a:rPr lang="es-ES" sz="1400" dirty="0">
+                  <a:solidFill>
+                    <a:schemeClr val="tx1">
+                      <a:lumMod val="50000"/>
+                      <a:lumOff val="50000"/>
+                    </a:schemeClr>
+                  </a:solidFill>
+                </a:rPr>
+                <a:t> of &lt;</a:t>
+              </a:r>
+              <a:r>
+                <a:rPr lang="es-ES" sz="1400" dirty="0" smtClean="0">
+                  <a:solidFill>
+                    <a:schemeClr val="tx1">
+                      <a:lumMod val="50000"/>
+                      <a:lumOff val="50000"/>
+                    </a:schemeClr>
+                  </a:solidFill>
+                </a:rPr>
+                <a:t>ingrediente&gt;, </a:t>
+              </a:r>
+              <a:r>
+                <a:rPr lang="es-ES" sz="1400" dirty="0" err="1">
+                  <a:solidFill>
+                    <a:schemeClr val="tx1">
+                      <a:lumMod val="50000"/>
+                      <a:lumOff val="50000"/>
+                    </a:schemeClr>
+                  </a:solidFill>
+                </a:rPr>
+                <a:t>the</a:t>
+              </a:r>
+              <a:r>
+                <a:rPr lang="es-ES" sz="1400" dirty="0">
+                  <a:solidFill>
+                    <a:schemeClr val="tx1">
+                      <a:lumMod val="50000"/>
+                      <a:lumOff val="50000"/>
+                    </a:schemeClr>
+                  </a:solidFill>
+                </a:rPr>
+                <a:t> </a:t>
+              </a:r>
+              <a:r>
+                <a:rPr lang="es-ES" sz="1400" dirty="0" err="1">
+                  <a:solidFill>
+                    <a:schemeClr val="tx1">
+                      <a:lumMod val="50000"/>
+                      <a:lumOff val="50000"/>
+                    </a:schemeClr>
+                  </a:solidFill>
+                </a:rPr>
+                <a:t>expiration</a:t>
+              </a:r>
+              <a:r>
+                <a:rPr lang="es-ES" sz="1400" dirty="0">
+                  <a:solidFill>
+                    <a:schemeClr val="tx1">
+                      <a:lumMod val="50000"/>
+                      <a:lumOff val="50000"/>
+                    </a:schemeClr>
+                  </a:solidFill>
+                </a:rPr>
+                <a:t> date </a:t>
+              </a:r>
+              <a:r>
+                <a:rPr lang="es-ES" sz="1400" dirty="0" err="1">
+                  <a:solidFill>
+                    <a:schemeClr val="tx1">
+                      <a:lumMod val="50000"/>
+                      <a:lumOff val="50000"/>
+                    </a:schemeClr>
+                  </a:solidFill>
+                </a:rPr>
+                <a:t>is</a:t>
+              </a:r>
+              <a:r>
+                <a:rPr lang="es-ES" sz="1400" dirty="0">
+                  <a:solidFill>
+                    <a:schemeClr val="tx1">
+                      <a:lumMod val="50000"/>
+                      <a:lumOff val="50000"/>
+                    </a:schemeClr>
+                  </a:solidFill>
+                </a:rPr>
+                <a:t> </a:t>
+              </a:r>
+              <a:r>
+                <a:rPr lang="es-ES" sz="1400" dirty="0" smtClean="0">
+                  <a:solidFill>
+                    <a:schemeClr val="tx1">
+                      <a:lumMod val="50000"/>
+                      <a:lumOff val="50000"/>
+                    </a:schemeClr>
+                  </a:solidFill>
+                </a:rPr>
+                <a:t>&lt;fecha caducidad&gt;.'</a:t>
+              </a:r>
+              <a:endParaRPr lang="es-ES" sz="1400" dirty="0">
                 <a:solidFill>
                   <a:schemeClr val="tx1">
                     <a:lumMod val="50000"/>
                     <a:lumOff val="50000"/>
                   </a:schemeClr>
                 </a:solidFill>
-                <a:latin typeface="Arial Rounded MT Bold" panose="020F0704030504030204" pitchFamily="34" charset="0"/>
-                <a:cs typeface="Aharoni" panose="02010803020104030203" pitchFamily="2" charset="-79"/>
               </a:endParaRPr>
             </a:p>
           </p:txBody>
         </p:sp>
         <p:sp>
           <p:nvSpPr>
-            <p:cNvPr id="98" name="Rectángulo redondeado 97"/>
+            <p:cNvPr id="49" name="Llamada con línea 2 (sin borde) 48"/>
             <p:cNvSpPr/>
             <p:nvPr/>
           </p:nvSpPr>
           <p:spPr>
             <a:xfrm>
-              <a:off x="9683507" y="1395662"/>
-              <a:ext cx="3584103" cy="6673517"/>
+              <a:off x="13339791" y="-622080"/>
+              <a:ext cx="914400" cy="612648"/>
             </a:xfrm>
-            <a:prstGeom prst="roundRect">
+            <a:prstGeom prst="callout2">
               <a:avLst>
-                <a:gd name="adj" fmla="val 3452"/>
+                <a:gd name="adj1" fmla="val -70012"/>
+                <a:gd name="adj2" fmla="val -44999"/>
+                <a:gd name="adj3" fmla="val -68642"/>
+                <a:gd name="adj4" fmla="val -81469"/>
+                <a:gd name="adj5" fmla="val 510227"/>
+                <a:gd name="adj6" fmla="val -116081"/>
               </a:avLst>
             </a:prstGeom>
             <a:noFill/>
             <a:ln>
               <a:solidFill>
-                <a:schemeClr val="bg1">
-                  <a:lumMod val="75000"/>
+                <a:schemeClr val="tx1">
+                  <a:lumMod val="50000"/>
+                  <a:lumOff val="50000"/>
                 </a:schemeClr>
               </a:solidFill>
-              <a:prstDash val="sysDash"/>
             </a:ln>
           </p:spPr>
           <p:style>
@@ -10854,1549 +11232,1125 @@
         </p:sp>
         <p:sp>
           <p:nvSpPr>
-            <p:cNvPr id="99" name="CuadroTexto 98"/>
-            <p:cNvSpPr txBox="1"/>
+            <p:cNvPr id="52" name="Rectángulo 51"/>
+            <p:cNvSpPr/>
             <p:nvPr/>
           </p:nvSpPr>
           <p:spPr>
             <a:xfrm>
-              <a:off x="9683506" y="7742394"/>
-              <a:ext cx="3584103" cy="338554"/>
+              <a:off x="12918331" y="-414519"/>
+              <a:ext cx="4741018" cy="738664"/>
             </a:xfrm>
             <a:prstGeom prst="rect">
               <a:avLst/>
             </a:prstGeom>
-            <a:noFill/>
+            <a:ln>
+              <a:solidFill>
+                <a:schemeClr val="bg2">
+                  <a:lumMod val="90000"/>
+                </a:schemeClr>
+              </a:solidFill>
+              <a:prstDash val="sysDash"/>
+            </a:ln>
           </p:spPr>
           <p:txBody>
-            <a:bodyPr wrap="square" rtlCol="0">
+            <a:bodyPr wrap="square">
               <a:spAutoFit/>
             </a:bodyPr>
             <a:lstStyle/>
             <a:p>
-              <a:pPr algn="ctr"/>
-              <a:r>
-                <a:rPr lang="es-ES" sz="1600" b="1" dirty="0" smtClean="0">
+              <a:r>
+                <a:rPr lang="es-ES" sz="1400" b="1" dirty="0" smtClean="0">
                   <a:solidFill>
                     <a:schemeClr val="tx1">
                       <a:lumMod val="50000"/>
                       <a:lumOff val="50000"/>
                     </a:schemeClr>
                   </a:solidFill>
-                  <a:latin typeface="Arial Rounded MT Bold" panose="020F0704030504030204" pitchFamily="34" charset="0"/>
-                  <a:cs typeface="Aharoni" panose="02010803020104030203" pitchFamily="2" charset="-79"/>
-                </a:rPr>
-                <a:t>ORCHESTRATION ENGINE</a:t>
-              </a:r>
-              <a:endParaRPr lang="es-ES" sz="1600" b="1" dirty="0">
+                </a:rPr>
+                <a:t>[Respuesta 2] El ingrediente está presente pero está caducado </a:t>
+              </a:r>
+            </a:p>
+            <a:p>
+              <a:r>
+                <a:rPr lang="es-ES" sz="1400" dirty="0" smtClean="0">
+                  <a:solidFill>
+                    <a:schemeClr val="tx1">
+                      <a:lumMod val="50000"/>
+                      <a:lumOff val="50000"/>
+                    </a:schemeClr>
+                  </a:solidFill>
+                </a:rPr>
+                <a:t>'</a:t>
+              </a:r>
+              <a:r>
+                <a:rPr lang="es-ES" sz="1400" dirty="0" err="1" smtClean="0">
+                  <a:solidFill>
+                    <a:schemeClr val="tx1">
+                      <a:lumMod val="50000"/>
+                      <a:lumOff val="50000"/>
+                    </a:schemeClr>
+                  </a:solidFill>
+                </a:rPr>
+                <a:t>The</a:t>
+              </a:r>
+              <a:r>
+                <a:rPr lang="es-ES" sz="1400" dirty="0" smtClean="0">
+                  <a:solidFill>
+                    <a:schemeClr val="tx1">
+                      <a:lumMod val="50000"/>
+                      <a:lumOff val="50000"/>
+                    </a:schemeClr>
+                  </a:solidFill>
+                </a:rPr>
+                <a:t> </a:t>
+              </a:r>
+              <a:r>
+                <a:rPr lang="es-ES" sz="1400" dirty="0">
+                  <a:solidFill>
+                    <a:schemeClr val="tx1">
+                      <a:lumMod val="50000"/>
+                      <a:lumOff val="50000"/>
+                    </a:schemeClr>
+                  </a:solidFill>
+                </a:rPr>
+                <a:t>&lt;</a:t>
+              </a:r>
+              <a:r>
+                <a:rPr lang="es-ES" sz="1400" dirty="0" smtClean="0">
+                  <a:solidFill>
+                    <a:schemeClr val="tx1">
+                      <a:lumMod val="50000"/>
+                      <a:lumOff val="50000"/>
+                    </a:schemeClr>
+                  </a:solidFill>
+                </a:rPr>
+                <a:t>ingrediente&gt; </a:t>
+              </a:r>
+              <a:r>
+                <a:rPr lang="es-ES" sz="1400" dirty="0" err="1">
+                  <a:solidFill>
+                    <a:schemeClr val="tx1">
+                      <a:lumMod val="50000"/>
+                      <a:lumOff val="50000"/>
+                    </a:schemeClr>
+                  </a:solidFill>
+                </a:rPr>
+                <a:t>expired</a:t>
+              </a:r>
+              <a:r>
+                <a:rPr lang="es-ES" sz="1400" dirty="0">
+                  <a:solidFill>
+                    <a:schemeClr val="tx1">
+                      <a:lumMod val="50000"/>
+                      <a:lumOff val="50000"/>
+                    </a:schemeClr>
+                  </a:solidFill>
+                </a:rPr>
+                <a:t> </a:t>
+              </a:r>
+              <a:r>
+                <a:rPr lang="es-ES" sz="1400" dirty="0" err="1">
+                  <a:solidFill>
+                    <a:schemeClr val="tx1">
+                      <a:lumMod val="50000"/>
+                      <a:lumOff val="50000"/>
+                    </a:schemeClr>
+                  </a:solidFill>
+                </a:rPr>
+                <a:t>the</a:t>
+              </a:r>
+              <a:r>
+                <a:rPr lang="es-ES" sz="1400" dirty="0">
+                  <a:solidFill>
+                    <a:schemeClr val="tx1">
+                      <a:lumMod val="50000"/>
+                      <a:lumOff val="50000"/>
+                    </a:schemeClr>
+                  </a:solidFill>
+                </a:rPr>
+                <a:t> </a:t>
+              </a:r>
+              <a:r>
+                <a:rPr lang="es-ES" sz="1400" dirty="0" err="1">
+                  <a:solidFill>
+                    <a:schemeClr val="tx1">
+                      <a:lumMod val="50000"/>
+                      <a:lumOff val="50000"/>
+                    </a:schemeClr>
+                  </a:solidFill>
+                </a:rPr>
+                <a:t>day</a:t>
+              </a:r>
+              <a:r>
+                <a:rPr lang="es-ES" sz="1400" dirty="0">
+                  <a:solidFill>
+                    <a:schemeClr val="tx1">
+                      <a:lumMod val="50000"/>
+                      <a:lumOff val="50000"/>
+                    </a:schemeClr>
+                  </a:solidFill>
+                </a:rPr>
+                <a:t> </a:t>
+              </a:r>
+              <a:r>
+                <a:rPr lang="es-ES" sz="1400" dirty="0" smtClean="0">
+                  <a:solidFill>
+                    <a:schemeClr val="tx1">
+                      <a:lumMod val="50000"/>
+                      <a:lumOff val="50000"/>
+                    </a:schemeClr>
+                  </a:solidFill>
+                </a:rPr>
+                <a:t>&lt;fecha de caducidad&gt;. </a:t>
+              </a:r>
+              <a:r>
+                <a:rPr lang="es-ES" sz="1400" dirty="0" err="1">
+                  <a:solidFill>
+                    <a:schemeClr val="tx1">
+                      <a:lumMod val="50000"/>
+                      <a:lumOff val="50000"/>
+                    </a:schemeClr>
+                  </a:solidFill>
+                </a:rPr>
+                <a:t>Throw</a:t>
+              </a:r>
+              <a:r>
+                <a:rPr lang="es-ES" sz="1400" dirty="0">
+                  <a:solidFill>
+                    <a:schemeClr val="tx1">
+                      <a:lumMod val="50000"/>
+                      <a:lumOff val="50000"/>
+                    </a:schemeClr>
+                  </a:solidFill>
+                </a:rPr>
+                <a:t> </a:t>
+              </a:r>
+              <a:r>
+                <a:rPr lang="es-ES" sz="1400" dirty="0" err="1">
+                  <a:solidFill>
+                    <a:schemeClr val="tx1">
+                      <a:lumMod val="50000"/>
+                      <a:lumOff val="50000"/>
+                    </a:schemeClr>
+                  </a:solidFill>
+                </a:rPr>
+                <a:t>out</a:t>
+              </a:r>
+              <a:r>
+                <a:rPr lang="es-ES" sz="1400" dirty="0">
+                  <a:solidFill>
+                    <a:schemeClr val="tx1">
+                      <a:lumMod val="50000"/>
+                      <a:lumOff val="50000"/>
+                    </a:schemeClr>
+                  </a:solidFill>
+                </a:rPr>
+                <a:t> </a:t>
+              </a:r>
+              <a:r>
+                <a:rPr lang="es-ES" sz="1400" dirty="0" err="1">
+                  <a:solidFill>
+                    <a:schemeClr val="tx1">
+                      <a:lumMod val="50000"/>
+                      <a:lumOff val="50000"/>
+                    </a:schemeClr>
+                  </a:solidFill>
+                </a:rPr>
+                <a:t>it</a:t>
+              </a:r>
+              <a:r>
+                <a:rPr lang="es-ES" sz="1400" dirty="0" smtClean="0">
+                  <a:solidFill>
+                    <a:schemeClr val="tx1">
+                      <a:lumMod val="50000"/>
+                      <a:lumOff val="50000"/>
+                    </a:schemeClr>
+                  </a:solidFill>
+                </a:rPr>
+                <a:t>!'</a:t>
+              </a:r>
+              <a:endParaRPr lang="es-ES" sz="1400" dirty="0">
                 <a:solidFill>
                   <a:schemeClr val="tx1">
                     <a:lumMod val="50000"/>
                     <a:lumOff val="50000"/>
                   </a:schemeClr>
                 </a:solidFill>
-                <a:latin typeface="Arial Rounded MT Bold" panose="020F0704030504030204" pitchFamily="34" charset="0"/>
-                <a:cs typeface="Aharoni" panose="02010803020104030203" pitchFamily="2" charset="-79"/>
               </a:endParaRPr>
             </a:p>
           </p:txBody>
         </p:sp>
-      </p:grpSp>
-      <p:sp>
-        <p:nvSpPr>
-          <p:cNvPr id="45" name="Rectángulo 44"/>
-          <p:cNvSpPr/>
-          <p:nvPr/>
-        </p:nvSpPr>
-        <p:spPr>
-          <a:xfrm>
-            <a:off x="1957788" y="263054"/>
-            <a:ext cx="5323531" cy="307777"/>
-          </a:xfrm>
-          <a:prstGeom prst="rect">
-            <a:avLst/>
-          </a:prstGeom>
-          <a:ln>
-            <a:solidFill>
-              <a:schemeClr val="bg2">
-                <a:lumMod val="90000"/>
-              </a:schemeClr>
-            </a:solidFill>
-            <a:prstDash val="sysDash"/>
-          </a:ln>
-        </p:spPr>
-        <p:txBody>
-          <a:bodyPr wrap="square">
-            <a:spAutoFit/>
-          </a:bodyPr>
-          <a:lstStyle/>
-          <a:p>
-            <a:pPr>
-              <a:spcBef>
-                <a:spcPts val="600"/>
-              </a:spcBef>
-            </a:pPr>
-            <a:r>
-              <a:rPr lang="en-US" sz="1400" dirty="0">
+        <p:sp>
+          <p:nvSpPr>
+            <p:cNvPr id="54" name="Rectángulo 53"/>
+            <p:cNvSpPr/>
+            <p:nvPr/>
+          </p:nvSpPr>
+          <p:spPr>
+            <a:xfrm>
+              <a:off x="12918331" y="435124"/>
+              <a:ext cx="4741018" cy="738664"/>
+            </a:xfrm>
+            <a:prstGeom prst="rect">
+              <a:avLst/>
+            </a:prstGeom>
+            <a:ln>
+              <a:solidFill>
+                <a:schemeClr val="bg2">
+                  <a:lumMod val="90000"/>
+                </a:schemeClr>
+              </a:solidFill>
+              <a:prstDash val="sysDash"/>
+            </a:ln>
+          </p:spPr>
+          <p:txBody>
+            <a:bodyPr wrap="square">
+              <a:spAutoFit/>
+            </a:bodyPr>
+            <a:lstStyle/>
+            <a:p>
+              <a:r>
+                <a:rPr lang="es-ES" sz="1400" b="1" dirty="0">
+                  <a:solidFill>
+                    <a:schemeClr val="tx1">
+                      <a:lumMod val="50000"/>
+                      <a:lumOff val="50000"/>
+                    </a:schemeClr>
+                  </a:solidFill>
+                </a:rPr>
+                <a:t>[Respuesta </a:t>
+              </a:r>
+              <a:r>
+                <a:rPr lang="es-ES" sz="1400" b="1" dirty="0" smtClean="0">
+                  <a:solidFill>
+                    <a:schemeClr val="tx1">
+                      <a:lumMod val="50000"/>
+                      <a:lumOff val="50000"/>
+                    </a:schemeClr>
+                  </a:solidFill>
+                </a:rPr>
+                <a:t>3] El ingrediente no está presente</a:t>
+              </a:r>
+              <a:endParaRPr lang="es-ES" sz="1400" b="1" dirty="0">
                 <a:solidFill>
                   <a:schemeClr val="tx1">
                     <a:lumMod val="50000"/>
                     <a:lumOff val="50000"/>
                   </a:schemeClr>
                 </a:solidFill>
-              </a:rPr>
-              <a:t>“Let me a second, I'm going to check if you have </a:t>
-            </a:r>
-            <a:r>
-              <a:rPr lang="en-US" sz="1400" dirty="0" smtClean="0">
+              </a:endParaRPr>
+            </a:p>
+            <a:p>
+              <a:r>
+                <a:rPr lang="en-US" sz="1400" dirty="0">
+                  <a:solidFill>
+                    <a:schemeClr val="tx1">
+                      <a:lumMod val="50000"/>
+                      <a:lumOff val="50000"/>
+                    </a:schemeClr>
+                  </a:solidFill>
+                </a:rPr>
+                <a:t>'There are no &lt;</a:t>
+              </a:r>
+              <a:r>
+                <a:rPr lang="en-US" sz="1400" dirty="0" err="1" smtClean="0">
+                  <a:solidFill>
+                    <a:schemeClr val="tx1">
+                      <a:lumMod val="50000"/>
+                      <a:lumOff val="50000"/>
+                    </a:schemeClr>
+                  </a:solidFill>
+                </a:rPr>
+                <a:t>ingrediente</a:t>
+              </a:r>
+              <a:r>
+                <a:rPr lang="en-US" sz="1400" dirty="0" smtClean="0">
+                  <a:solidFill>
+                    <a:schemeClr val="tx1">
+                      <a:lumMod val="50000"/>
+                      <a:lumOff val="50000"/>
+                    </a:schemeClr>
+                  </a:solidFill>
+                </a:rPr>
+                <a:t>&gt; </a:t>
+              </a:r>
+              <a:r>
+                <a:rPr lang="en-US" sz="1400" dirty="0">
+                  <a:solidFill>
+                    <a:schemeClr val="tx1">
+                      <a:lumMod val="50000"/>
+                      <a:lumOff val="50000"/>
+                    </a:schemeClr>
+                  </a:solidFill>
+                </a:rPr>
+                <a:t>left at home, write it down on the shopping list.'</a:t>
+              </a:r>
+              <a:endParaRPr lang="es-ES" sz="1400" dirty="0">
                 <a:solidFill>
                   <a:schemeClr val="tx1">
                     <a:lumMod val="50000"/>
                     <a:lumOff val="50000"/>
                   </a:schemeClr>
                 </a:solidFill>
-              </a:rPr>
-              <a:t>&lt;$ingredients&gt;”</a:t>
-            </a:r>
-            <a:endParaRPr lang="es-ES" sz="1400" dirty="0">
+              </a:endParaRPr>
+            </a:p>
+          </p:txBody>
+        </p:sp>
+        <p:sp>
+          <p:nvSpPr>
+            <p:cNvPr id="55" name="Rectángulo 54"/>
+            <p:cNvSpPr/>
+            <p:nvPr/>
+          </p:nvSpPr>
+          <p:spPr>
+            <a:xfrm>
+              <a:off x="14488823" y="6974019"/>
+              <a:ext cx="4238017" cy="2046714"/>
+            </a:xfrm>
+            <a:prstGeom prst="rect">
+              <a:avLst/>
+            </a:prstGeom>
+            <a:ln>
+              <a:solidFill>
+                <a:schemeClr val="bg2">
+                  <a:lumMod val="90000"/>
+                </a:schemeClr>
+              </a:solidFill>
+              <a:prstDash val="sysDash"/>
+            </a:ln>
+          </p:spPr>
+          <p:txBody>
+            <a:bodyPr wrap="square">
+              <a:spAutoFit/>
+            </a:bodyPr>
+            <a:lstStyle/>
+            <a:p>
+              <a:pPr>
+                <a:spcBef>
+                  <a:spcPts val="600"/>
+                </a:spcBef>
+              </a:pPr>
+              <a:r>
+                <a:rPr lang="en-US" sz="1400" dirty="0" smtClean="0">
+                  <a:solidFill>
+                    <a:schemeClr val="tx1">
+                      <a:lumMod val="50000"/>
+                      <a:lumOff val="50000"/>
+                    </a:schemeClr>
+                  </a:solidFill>
+                </a:rPr>
+                <a:t>“There </a:t>
+              </a:r>
+              <a:r>
+                <a:rPr lang="en-US" sz="1400" dirty="0">
+                  <a:solidFill>
+                    <a:schemeClr val="tx1">
+                      <a:lumMod val="50000"/>
+                      <a:lumOff val="50000"/>
+                    </a:schemeClr>
+                  </a:solidFill>
+                </a:rPr>
+                <a:t>are </a:t>
+              </a:r>
+              <a:r>
+                <a:rPr lang="en-US" sz="1400" dirty="0" smtClean="0">
+                  <a:solidFill>
+                    <a:schemeClr val="tx1">
+                      <a:lumMod val="50000"/>
+                      <a:lumOff val="50000"/>
+                    </a:schemeClr>
+                  </a:solidFill>
+                </a:rPr>
+                <a:t>&lt;total </a:t>
+              </a:r>
+              <a:r>
+                <a:rPr lang="en-US" sz="1400" dirty="0" err="1" smtClean="0">
+                  <a:solidFill>
+                    <a:schemeClr val="tx1">
+                      <a:lumMod val="50000"/>
+                      <a:lumOff val="50000"/>
+                    </a:schemeClr>
+                  </a:solidFill>
+                </a:rPr>
+                <a:t>productos</a:t>
+              </a:r>
+              <a:r>
+                <a:rPr lang="en-US" sz="1400" dirty="0" smtClean="0">
+                  <a:solidFill>
+                    <a:schemeClr val="tx1">
+                      <a:lumMod val="50000"/>
+                      <a:lumOff val="50000"/>
+                    </a:schemeClr>
+                  </a:solidFill>
+                </a:rPr>
+                <a:t>&gt; products </a:t>
+              </a:r>
+              <a:r>
+                <a:rPr lang="en-US" sz="1400" dirty="0">
+                  <a:solidFill>
+                    <a:schemeClr val="tx1">
+                      <a:lumMod val="50000"/>
+                      <a:lumOff val="50000"/>
+                    </a:schemeClr>
+                  </a:solidFill>
+                </a:rPr>
+                <a:t>in total, </a:t>
+              </a:r>
+              <a:r>
+                <a:rPr lang="en-US" sz="1400" dirty="0" smtClean="0">
+                  <a:solidFill>
+                    <a:schemeClr val="tx1">
+                      <a:lumMod val="50000"/>
+                      <a:lumOff val="50000"/>
+                    </a:schemeClr>
+                  </a:solidFill>
+                </a:rPr>
+                <a:t>&lt;nº </a:t>
+              </a:r>
+              <a:r>
+                <a:rPr lang="en-US" sz="1400" dirty="0" err="1" smtClean="0">
+                  <a:solidFill>
+                    <a:schemeClr val="tx1">
+                      <a:lumMod val="50000"/>
+                      <a:lumOff val="50000"/>
+                    </a:schemeClr>
+                  </a:solidFill>
+                </a:rPr>
+                <a:t>productos</a:t>
+              </a:r>
+              <a:r>
+                <a:rPr lang="en-US" sz="1400" dirty="0" smtClean="0">
+                  <a:solidFill>
+                    <a:schemeClr val="tx1">
+                      <a:lumMod val="50000"/>
+                      <a:lumOff val="50000"/>
+                    </a:schemeClr>
+                  </a:solidFill>
+                </a:rPr>
+                <a:t> </a:t>
+              </a:r>
+              <a:r>
+                <a:rPr lang="en-US" sz="1400" dirty="0" err="1" smtClean="0">
+                  <a:solidFill>
+                    <a:schemeClr val="tx1">
+                      <a:lumMod val="50000"/>
+                      <a:lumOff val="50000"/>
+                    </a:schemeClr>
+                  </a:solidFill>
+                </a:rPr>
+                <a:t>caducados</a:t>
+              </a:r>
+              <a:r>
+                <a:rPr lang="en-US" sz="1400" dirty="0" smtClean="0">
+                  <a:solidFill>
+                    <a:schemeClr val="tx1">
+                      <a:lumMod val="50000"/>
+                      <a:lumOff val="50000"/>
+                    </a:schemeClr>
+                  </a:solidFill>
+                </a:rPr>
+                <a:t>&gt; products </a:t>
+              </a:r>
+              <a:r>
+                <a:rPr lang="en-US" sz="1400" dirty="0">
+                  <a:solidFill>
+                    <a:schemeClr val="tx1">
+                      <a:lumMod val="50000"/>
+                      <a:lumOff val="50000"/>
+                    </a:schemeClr>
+                  </a:solidFill>
+                </a:rPr>
+                <a:t>are already expired and </a:t>
+              </a:r>
+              <a:r>
+                <a:rPr lang="en-US" sz="1400" dirty="0" smtClean="0">
+                  <a:solidFill>
+                    <a:schemeClr val="tx1">
+                      <a:lumMod val="50000"/>
+                      <a:lumOff val="50000"/>
+                    </a:schemeClr>
+                  </a:solidFill>
+                </a:rPr>
+                <a:t>&lt;nº </a:t>
+              </a:r>
+              <a:r>
+                <a:rPr lang="en-US" sz="1400" dirty="0" err="1" smtClean="0">
+                  <a:solidFill>
+                    <a:schemeClr val="tx1">
+                      <a:lumMod val="50000"/>
+                      <a:lumOff val="50000"/>
+                    </a:schemeClr>
+                  </a:solidFill>
+                </a:rPr>
+                <a:t>productos</a:t>
+              </a:r>
+              <a:r>
+                <a:rPr lang="en-US" sz="1400" dirty="0" smtClean="0">
+                  <a:solidFill>
+                    <a:schemeClr val="tx1">
+                      <a:lumMod val="50000"/>
+                      <a:lumOff val="50000"/>
+                    </a:schemeClr>
+                  </a:solidFill>
+                </a:rPr>
+                <a:t> </a:t>
+              </a:r>
+              <a:r>
+                <a:rPr lang="en-US" sz="1400" dirty="0" err="1" smtClean="0">
+                  <a:solidFill>
+                    <a:schemeClr val="tx1">
+                      <a:lumMod val="50000"/>
+                      <a:lumOff val="50000"/>
+                    </a:schemeClr>
+                  </a:solidFill>
+                </a:rPr>
+                <a:t>próximos</a:t>
+              </a:r>
+              <a:r>
+                <a:rPr lang="en-US" sz="1400" dirty="0" smtClean="0">
+                  <a:solidFill>
+                    <a:schemeClr val="tx1">
+                      <a:lumMod val="50000"/>
+                      <a:lumOff val="50000"/>
+                    </a:schemeClr>
+                  </a:solidFill>
+                </a:rPr>
+                <a:t> a </a:t>
+              </a:r>
+              <a:r>
+                <a:rPr lang="en-US" sz="1400" dirty="0" err="1" smtClean="0">
+                  <a:solidFill>
+                    <a:schemeClr val="tx1">
+                      <a:lumMod val="50000"/>
+                      <a:lumOff val="50000"/>
+                    </a:schemeClr>
+                  </a:solidFill>
+                </a:rPr>
+                <a:t>caducar</a:t>
+              </a:r>
+              <a:r>
+                <a:rPr lang="en-US" sz="1400" dirty="0" smtClean="0">
+                  <a:solidFill>
+                    <a:schemeClr val="tx1">
+                      <a:lumMod val="50000"/>
+                      <a:lumOff val="50000"/>
+                    </a:schemeClr>
+                  </a:solidFill>
+                </a:rPr>
+                <a:t>&gt; </a:t>
+              </a:r>
+              <a:r>
+                <a:rPr lang="en-US" sz="1400" dirty="0">
+                  <a:solidFill>
+                    <a:schemeClr val="tx1">
+                      <a:lumMod val="50000"/>
+                      <a:lumOff val="50000"/>
+                    </a:schemeClr>
+                  </a:solidFill>
+                </a:rPr>
+                <a:t>products will expire soon. </a:t>
+              </a:r>
+              <a:endParaRPr lang="en-US" sz="1400" dirty="0" smtClean="0">
+                <a:solidFill>
+                  <a:schemeClr val="tx1">
+                    <a:lumMod val="50000"/>
+                    <a:lumOff val="50000"/>
+                  </a:schemeClr>
+                </a:solidFill>
+              </a:endParaRPr>
+            </a:p>
+            <a:p>
+              <a:pPr>
+                <a:spcBef>
+                  <a:spcPts val="600"/>
+                </a:spcBef>
+              </a:pPr>
+              <a:r>
+                <a:rPr lang="en-US" sz="1400" dirty="0" smtClean="0">
+                  <a:solidFill>
+                    <a:schemeClr val="tx1">
+                      <a:lumMod val="50000"/>
+                      <a:lumOff val="50000"/>
+                    </a:schemeClr>
+                  </a:solidFill>
+                </a:rPr>
+                <a:t>(Already </a:t>
+              </a:r>
+              <a:r>
+                <a:rPr lang="en-US" sz="1400" dirty="0" smtClean="0">
+                  <a:solidFill>
+                    <a:schemeClr val="tx1">
+                      <a:lumMod val="50000"/>
+                      <a:lumOff val="50000"/>
+                    </a:schemeClr>
+                  </a:solidFill>
+                </a:rPr>
+                <a:t>expired:  &lt;</a:t>
+              </a:r>
+              <a:r>
+                <a:rPr lang="en-US" sz="1400" dirty="0" err="1" smtClean="0">
+                  <a:solidFill>
+                    <a:schemeClr val="tx1">
+                      <a:lumMod val="50000"/>
+                      <a:lumOff val="50000"/>
+                    </a:schemeClr>
+                  </a:solidFill>
+                </a:rPr>
+                <a:t>lista</a:t>
+              </a:r>
+              <a:r>
+                <a:rPr lang="en-US" sz="1400" dirty="0" smtClean="0">
+                  <a:solidFill>
+                    <a:schemeClr val="tx1">
+                      <a:lumMod val="50000"/>
+                      <a:lumOff val="50000"/>
+                    </a:schemeClr>
+                  </a:solidFill>
+                </a:rPr>
+                <a:t> de </a:t>
+              </a:r>
+              <a:r>
+                <a:rPr lang="en-US" sz="1400" dirty="0" err="1" smtClean="0">
+                  <a:solidFill>
+                    <a:schemeClr val="tx1">
+                      <a:lumMod val="50000"/>
+                      <a:lumOff val="50000"/>
+                    </a:schemeClr>
+                  </a:solidFill>
+                </a:rPr>
+                <a:t>ingredientes</a:t>
+              </a:r>
+              <a:r>
+                <a:rPr lang="en-US" sz="1400" dirty="0" smtClean="0">
+                  <a:solidFill>
+                    <a:schemeClr val="tx1">
+                      <a:lumMod val="50000"/>
+                      <a:lumOff val="50000"/>
+                    </a:schemeClr>
+                  </a:solidFill>
+                </a:rPr>
+                <a:t> </a:t>
+              </a:r>
+              <a:r>
+                <a:rPr lang="en-US" sz="1400" dirty="0" err="1" smtClean="0">
+                  <a:solidFill>
+                    <a:schemeClr val="tx1">
+                      <a:lumMod val="50000"/>
+                      <a:lumOff val="50000"/>
+                    </a:schemeClr>
+                  </a:solidFill>
+                </a:rPr>
+                <a:t>caducados</a:t>
+              </a:r>
+              <a:r>
+                <a:rPr lang="en-US" sz="1400" dirty="0" smtClean="0">
+                  <a:solidFill>
+                    <a:schemeClr val="tx1">
+                      <a:lumMod val="50000"/>
+                      <a:lumOff val="50000"/>
+                    </a:schemeClr>
+                  </a:solidFill>
+                </a:rPr>
+                <a:t>&gt;)</a:t>
+              </a:r>
+              <a:endParaRPr lang="en-US" sz="1400" dirty="0" smtClean="0">
+                <a:solidFill>
+                  <a:schemeClr val="tx1">
+                    <a:lumMod val="50000"/>
+                    <a:lumOff val="50000"/>
+                  </a:schemeClr>
+                </a:solidFill>
+              </a:endParaRPr>
+            </a:p>
+            <a:p>
+              <a:pPr>
+                <a:spcBef>
+                  <a:spcPts val="600"/>
+                </a:spcBef>
+              </a:pPr>
+              <a:r>
+                <a:rPr lang="en-US" sz="1400" dirty="0" smtClean="0">
+                  <a:solidFill>
+                    <a:schemeClr val="tx1">
+                      <a:lumMod val="50000"/>
+                      <a:lumOff val="50000"/>
+                    </a:schemeClr>
+                  </a:solidFill>
+                </a:rPr>
+                <a:t>(To </a:t>
+              </a:r>
+              <a:r>
+                <a:rPr lang="en-US" sz="1400" dirty="0" smtClean="0">
+                  <a:solidFill>
+                    <a:schemeClr val="tx1">
+                      <a:lumMod val="50000"/>
+                      <a:lumOff val="50000"/>
+                    </a:schemeClr>
+                  </a:solidFill>
+                </a:rPr>
+                <a:t>expire:  &lt;</a:t>
+              </a:r>
+              <a:r>
+                <a:rPr lang="en-US" sz="1400" dirty="0" err="1" smtClean="0">
+                  <a:solidFill>
+                    <a:schemeClr val="tx1">
+                      <a:lumMod val="50000"/>
+                      <a:lumOff val="50000"/>
+                    </a:schemeClr>
+                  </a:solidFill>
+                </a:rPr>
+                <a:t>lista</a:t>
+              </a:r>
+              <a:r>
+                <a:rPr lang="en-US" sz="1400" dirty="0" smtClean="0">
+                  <a:solidFill>
+                    <a:schemeClr val="tx1">
+                      <a:lumMod val="50000"/>
+                      <a:lumOff val="50000"/>
+                    </a:schemeClr>
+                  </a:solidFill>
+                </a:rPr>
+                <a:t> de </a:t>
+              </a:r>
+              <a:r>
+                <a:rPr lang="en-US" sz="1400" dirty="0" err="1" smtClean="0">
+                  <a:solidFill>
+                    <a:schemeClr val="tx1">
+                      <a:lumMod val="50000"/>
+                      <a:lumOff val="50000"/>
+                    </a:schemeClr>
+                  </a:solidFill>
+                </a:rPr>
+                <a:t>ingredientes</a:t>
+              </a:r>
+              <a:r>
+                <a:rPr lang="en-US" sz="1400" dirty="0" smtClean="0">
+                  <a:solidFill>
+                    <a:schemeClr val="tx1">
+                      <a:lumMod val="50000"/>
+                      <a:lumOff val="50000"/>
+                    </a:schemeClr>
+                  </a:solidFill>
+                </a:rPr>
+                <a:t> </a:t>
+              </a:r>
+              <a:r>
+                <a:rPr lang="en-US" sz="1400" dirty="0" err="1" smtClean="0">
+                  <a:solidFill>
+                    <a:schemeClr val="tx1">
+                      <a:lumMod val="50000"/>
+                      <a:lumOff val="50000"/>
+                    </a:schemeClr>
+                  </a:solidFill>
+                </a:rPr>
+                <a:t>próximos</a:t>
+              </a:r>
+              <a:r>
+                <a:rPr lang="en-US" sz="1400" dirty="0" smtClean="0">
+                  <a:solidFill>
+                    <a:schemeClr val="tx1">
+                      <a:lumMod val="50000"/>
+                      <a:lumOff val="50000"/>
+                    </a:schemeClr>
+                  </a:solidFill>
+                </a:rPr>
+                <a:t> a </a:t>
+              </a:r>
+              <a:r>
+                <a:rPr lang="en-US" sz="1400" dirty="0" err="1" smtClean="0">
+                  <a:solidFill>
+                    <a:schemeClr val="tx1">
+                      <a:lumMod val="50000"/>
+                      <a:lumOff val="50000"/>
+                    </a:schemeClr>
+                  </a:solidFill>
+                </a:rPr>
+                <a:t>caducar</a:t>
+              </a:r>
+              <a:r>
+                <a:rPr lang="en-US" sz="1400" dirty="0" smtClean="0">
+                  <a:solidFill>
+                    <a:schemeClr val="tx1">
+                      <a:lumMod val="50000"/>
+                      <a:lumOff val="50000"/>
+                    </a:schemeClr>
+                  </a:solidFill>
+                </a:rPr>
+                <a:t>&gt;)</a:t>
+              </a:r>
+              <a:endParaRPr lang="en-US" sz="1400" dirty="0" smtClean="0">
+                <a:solidFill>
+                  <a:schemeClr val="tx1">
+                    <a:lumMod val="50000"/>
+                    <a:lumOff val="50000"/>
+                  </a:schemeClr>
+                </a:solidFill>
+              </a:endParaRPr>
+            </a:p>
+            <a:p>
+              <a:pPr>
+                <a:spcBef>
+                  <a:spcPts val="600"/>
+                </a:spcBef>
+              </a:pPr>
+              <a:r>
+                <a:rPr lang="en-US" sz="1400" dirty="0" smtClean="0">
+                  <a:solidFill>
+                    <a:schemeClr val="tx1">
+                      <a:lumMod val="50000"/>
+                      <a:lumOff val="50000"/>
+                    </a:schemeClr>
+                  </a:solidFill>
+                </a:rPr>
+                <a:t>(Throw </a:t>
+              </a:r>
+              <a:r>
+                <a:rPr lang="en-US" sz="1400" dirty="0">
+                  <a:solidFill>
+                    <a:schemeClr val="tx1">
+                      <a:lumMod val="50000"/>
+                      <a:lumOff val="50000"/>
+                    </a:schemeClr>
+                  </a:solidFill>
+                </a:rPr>
+                <a:t>out the expired </a:t>
+              </a:r>
+              <a:r>
+                <a:rPr lang="en-US" sz="1400" dirty="0" smtClean="0">
+                  <a:solidFill>
+                    <a:schemeClr val="tx1">
+                      <a:lumMod val="50000"/>
+                      <a:lumOff val="50000"/>
+                    </a:schemeClr>
+                  </a:solidFill>
+                </a:rPr>
+                <a:t>foods.) (Consider </a:t>
+              </a:r>
+              <a:r>
+                <a:rPr lang="en-US" sz="1400" dirty="0">
+                  <a:solidFill>
+                    <a:schemeClr val="tx1">
+                      <a:lumMod val="50000"/>
+                      <a:lumOff val="50000"/>
+                    </a:schemeClr>
+                  </a:solidFill>
+                </a:rPr>
+                <a:t>using the foods to expire as soon as possible</a:t>
+              </a:r>
+              <a:r>
+                <a:rPr lang="en-US" sz="1400" dirty="0" smtClean="0">
+                  <a:solidFill>
+                    <a:schemeClr val="tx1">
+                      <a:lumMod val="50000"/>
+                      <a:lumOff val="50000"/>
+                    </a:schemeClr>
+                  </a:solidFill>
+                </a:rPr>
+                <a:t>.)”</a:t>
+              </a:r>
+              <a:endParaRPr lang="es-ES" sz="1400" dirty="0">
+                <a:solidFill>
+                  <a:schemeClr val="tx1">
+                    <a:lumMod val="50000"/>
+                    <a:lumOff val="50000"/>
+                  </a:schemeClr>
+                </a:solidFill>
+              </a:endParaRPr>
+            </a:p>
+          </p:txBody>
+        </p:sp>
+        <p:sp>
+          <p:nvSpPr>
+            <p:cNvPr id="56" name="Llamada con línea 2 (sin borde) 55"/>
+            <p:cNvSpPr/>
+            <p:nvPr/>
+          </p:nvSpPr>
+          <p:spPr>
+            <a:xfrm>
+              <a:off x="14645289" y="3646975"/>
+              <a:ext cx="914400" cy="612648"/>
+            </a:xfrm>
+            <a:prstGeom prst="callout2">
+              <a:avLst>
+                <a:gd name="adj1" fmla="val 737820"/>
+                <a:gd name="adj2" fmla="val -15103"/>
+                <a:gd name="adj3" fmla="val 739191"/>
+                <a:gd name="adj4" fmla="val -73962"/>
+                <a:gd name="adj5" fmla="val 483203"/>
+                <a:gd name="adj6" fmla="val -122986"/>
+              </a:avLst>
+            </a:prstGeom>
+            <a:noFill/>
+            <a:ln>
               <a:solidFill>
                 <a:schemeClr val="tx1">
                   <a:lumMod val="50000"/>
                   <a:lumOff val="50000"/>
                 </a:schemeClr>
               </a:solidFill>
-            </a:endParaRPr>
-          </a:p>
-        </p:txBody>
-      </p:sp>
-      <p:sp>
-        <p:nvSpPr>
-          <p:cNvPr id="46" name="Llamada con línea 2 (sin borde) 45"/>
-          <p:cNvSpPr/>
-          <p:nvPr/>
-        </p:nvSpPr>
-        <p:spPr>
-          <a:xfrm>
-            <a:off x="10284804" y="-552768"/>
-            <a:ext cx="914400" cy="612648"/>
-          </a:xfrm>
-          <a:prstGeom prst="callout2">
-            <a:avLst>
-              <a:gd name="adj1" fmla="val 160168"/>
-              <a:gd name="adj2" fmla="val -330141"/>
-              <a:gd name="adj3" fmla="val 160395"/>
-              <a:gd name="adj4" fmla="val -286734"/>
-              <a:gd name="adj5" fmla="val 501142"/>
-              <a:gd name="adj6" fmla="val -115972"/>
-            </a:avLst>
-          </a:prstGeom>
-          <a:noFill/>
-          <a:ln>
-            <a:solidFill>
-              <a:schemeClr val="tx1">
-                <a:lumMod val="50000"/>
-                <a:lumOff val="50000"/>
+            </a:ln>
+          </p:spPr>
+          <p:style>
+            <a:lnRef idx="2">
+              <a:schemeClr val="accent1">
+                <a:shade val="50000"/>
               </a:schemeClr>
-            </a:solidFill>
-          </a:ln>
-        </p:spPr>
-        <p:style>
-          <a:lnRef idx="2">
-            <a:schemeClr val="accent1">
-              <a:shade val="50000"/>
-            </a:schemeClr>
-          </a:lnRef>
-          <a:fillRef idx="1">
-            <a:schemeClr val="accent1"/>
-          </a:fillRef>
-          <a:effectRef idx="0">
-            <a:schemeClr val="accent1"/>
-          </a:effectRef>
-          <a:fontRef idx="minor">
-            <a:schemeClr val="lt1"/>
-          </a:fontRef>
-        </p:style>
-        <p:txBody>
-          <a:bodyPr rtlCol="0" anchor="ctr"/>
-          <a:lstStyle/>
-          <a:p>
-            <a:pPr algn="ctr"/>
-            <a:endParaRPr lang="es-ES"/>
-          </a:p>
-        </p:txBody>
-      </p:sp>
-      <p:sp>
-        <p:nvSpPr>
-          <p:cNvPr id="48" name="Rectángulo 47"/>
-          <p:cNvSpPr/>
-          <p:nvPr/>
-        </p:nvSpPr>
-        <p:spPr>
-          <a:xfrm>
-            <a:off x="12933592" y="-1360745"/>
-            <a:ext cx="4725757" cy="738664"/>
-          </a:xfrm>
-          <a:prstGeom prst="rect">
-            <a:avLst/>
-          </a:prstGeom>
-          <a:ln>
-            <a:solidFill>
-              <a:schemeClr val="bg2">
-                <a:lumMod val="90000"/>
-              </a:schemeClr>
-            </a:solidFill>
-            <a:prstDash val="sysDash"/>
-          </a:ln>
-        </p:spPr>
-        <p:txBody>
-          <a:bodyPr wrap="square">
-            <a:spAutoFit/>
-          </a:bodyPr>
-          <a:lstStyle/>
-          <a:p>
-            <a:r>
-              <a:rPr lang="es-ES" sz="1400" b="1" dirty="0" smtClean="0">
+            </a:lnRef>
+            <a:fillRef idx="1">
+              <a:schemeClr val="accent1"/>
+            </a:fillRef>
+            <a:effectRef idx="0">
+              <a:schemeClr val="accent1"/>
+            </a:effectRef>
+            <a:fontRef idx="minor">
+              <a:schemeClr val="lt1"/>
+            </a:fontRef>
+          </p:style>
+          <p:txBody>
+            <a:bodyPr rtlCol="0" anchor="ctr"/>
+            <a:lstStyle/>
+            <a:p>
+              <a:pPr algn="ctr"/>
+              <a:endParaRPr lang="es-ES"/>
+            </a:p>
+          </p:txBody>
+        </p:sp>
+        <p:sp>
+          <p:nvSpPr>
+            <p:cNvPr id="106" name="Rectángulo 105"/>
+            <p:cNvSpPr/>
+            <p:nvPr/>
+          </p:nvSpPr>
+          <p:spPr>
+            <a:xfrm>
+              <a:off x="2557670" y="5950500"/>
+              <a:ext cx="3394233" cy="307777"/>
+            </a:xfrm>
+            <a:prstGeom prst="rect">
+              <a:avLst/>
+            </a:prstGeom>
+            <a:ln>
+              <a:solidFill>
+                <a:schemeClr val="bg2">
+                  <a:lumMod val="90000"/>
+                </a:schemeClr>
+              </a:solidFill>
+              <a:prstDash val="sysDash"/>
+            </a:ln>
+          </p:spPr>
+          <p:txBody>
+            <a:bodyPr wrap="square">
+              <a:spAutoFit/>
+            </a:bodyPr>
+            <a:lstStyle/>
+            <a:p>
+              <a:pPr>
+                <a:spcBef>
+                  <a:spcPts val="600"/>
+                </a:spcBef>
+              </a:pPr>
+              <a:r>
+                <a:rPr lang="en-US" sz="1400" dirty="0" smtClean="0">
+                  <a:solidFill>
+                    <a:schemeClr val="tx1">
+                      <a:lumMod val="50000"/>
+                      <a:lumOff val="50000"/>
+                    </a:schemeClr>
+                  </a:solidFill>
+                </a:rPr>
+                <a:t>“Let me </a:t>
+              </a:r>
+              <a:r>
+                <a:rPr lang="en-US" sz="1400" dirty="0" smtClean="0">
+                  <a:solidFill>
+                    <a:schemeClr val="tx1">
+                      <a:lumMod val="50000"/>
+                      <a:lumOff val="50000"/>
+                    </a:schemeClr>
+                  </a:solidFill>
+                </a:rPr>
+                <a:t>get a </a:t>
+              </a:r>
+              <a:r>
+                <a:rPr lang="en-US" sz="1400" dirty="0" smtClean="0">
+                  <a:solidFill>
+                    <a:schemeClr val="tx1">
+                      <a:lumMod val="50000"/>
+                      <a:lumOff val="50000"/>
+                    </a:schemeClr>
+                  </a:solidFill>
+                </a:rPr>
+                <a:t>ingredients summary for you”</a:t>
+              </a:r>
+              <a:endParaRPr lang="es-ES" sz="1400" dirty="0">
                 <a:solidFill>
                   <a:schemeClr val="tx1">
                     <a:lumMod val="50000"/>
                     <a:lumOff val="50000"/>
                   </a:schemeClr>
                 </a:solidFill>
-              </a:rPr>
-              <a:t>[Respuesta 1] El ingrediente está presente y no está caducado</a:t>
-            </a:r>
-          </a:p>
-          <a:p>
-            <a:r>
-              <a:rPr lang="es-ES" sz="1400" dirty="0" smtClean="0">
-                <a:solidFill>
-                  <a:schemeClr val="tx1">
-                    <a:lumMod val="50000"/>
-                    <a:lumOff val="50000"/>
-                  </a:schemeClr>
-                </a:solidFill>
-              </a:rPr>
-              <a:t>'</a:t>
-            </a:r>
-            <a:r>
-              <a:rPr lang="es-ES" sz="1400" dirty="0" err="1" smtClean="0">
-                <a:solidFill>
-                  <a:schemeClr val="tx1">
-                    <a:lumMod val="50000"/>
-                    <a:lumOff val="50000"/>
-                  </a:schemeClr>
-                </a:solidFill>
-              </a:rPr>
-              <a:t>There</a:t>
-            </a:r>
-            <a:r>
-              <a:rPr lang="es-ES" sz="1400" dirty="0" smtClean="0">
-                <a:solidFill>
-                  <a:schemeClr val="tx1">
-                    <a:lumMod val="50000"/>
-                    <a:lumOff val="50000"/>
-                  </a:schemeClr>
-                </a:solidFill>
-              </a:rPr>
-              <a:t> </a:t>
-            </a:r>
-            <a:r>
-              <a:rPr lang="es-ES" sz="1400" dirty="0">
-                <a:solidFill>
-                  <a:schemeClr val="tx1">
-                    <a:lumMod val="50000"/>
-                    <a:lumOff val="50000"/>
-                  </a:schemeClr>
-                </a:solidFill>
-              </a:rPr>
-              <a:t>are </a:t>
-            </a:r>
-            <a:r>
-              <a:rPr lang="es-ES" sz="1400" dirty="0" smtClean="0">
-                <a:solidFill>
-                  <a:schemeClr val="tx1">
-                    <a:lumMod val="50000"/>
-                    <a:lumOff val="50000"/>
-                  </a:schemeClr>
-                </a:solidFill>
-              </a:rPr>
-              <a:t>&lt;cantidad&gt; </a:t>
-            </a:r>
-            <a:r>
-              <a:rPr lang="es-ES" sz="1400" dirty="0" err="1">
-                <a:solidFill>
-                  <a:schemeClr val="tx1">
-                    <a:lumMod val="50000"/>
-                    <a:lumOff val="50000"/>
-                  </a:schemeClr>
-                </a:solidFill>
-              </a:rPr>
-              <a:t>grams</a:t>
-            </a:r>
-            <a:r>
-              <a:rPr lang="es-ES" sz="1400" dirty="0">
-                <a:solidFill>
-                  <a:schemeClr val="tx1">
-                    <a:lumMod val="50000"/>
-                    <a:lumOff val="50000"/>
-                  </a:schemeClr>
-                </a:solidFill>
-              </a:rPr>
-              <a:t> of &lt;</a:t>
-            </a:r>
-            <a:r>
-              <a:rPr lang="es-ES" sz="1400" dirty="0" smtClean="0">
-                <a:solidFill>
-                  <a:schemeClr val="tx1">
-                    <a:lumMod val="50000"/>
-                    <a:lumOff val="50000"/>
-                  </a:schemeClr>
-                </a:solidFill>
-              </a:rPr>
-              <a:t>ingrediente&gt;, </a:t>
-            </a:r>
-            <a:r>
-              <a:rPr lang="es-ES" sz="1400" dirty="0" err="1">
-                <a:solidFill>
-                  <a:schemeClr val="tx1">
-                    <a:lumMod val="50000"/>
-                    <a:lumOff val="50000"/>
-                  </a:schemeClr>
-                </a:solidFill>
-              </a:rPr>
-              <a:t>the</a:t>
-            </a:r>
-            <a:r>
-              <a:rPr lang="es-ES" sz="1400" dirty="0">
-                <a:solidFill>
-                  <a:schemeClr val="tx1">
-                    <a:lumMod val="50000"/>
-                    <a:lumOff val="50000"/>
-                  </a:schemeClr>
-                </a:solidFill>
-              </a:rPr>
-              <a:t> </a:t>
-            </a:r>
-            <a:r>
-              <a:rPr lang="es-ES" sz="1400" dirty="0" err="1">
-                <a:solidFill>
-                  <a:schemeClr val="tx1">
-                    <a:lumMod val="50000"/>
-                    <a:lumOff val="50000"/>
-                  </a:schemeClr>
-                </a:solidFill>
-              </a:rPr>
-              <a:t>expiration</a:t>
-            </a:r>
-            <a:r>
-              <a:rPr lang="es-ES" sz="1400" dirty="0">
-                <a:solidFill>
-                  <a:schemeClr val="tx1">
-                    <a:lumMod val="50000"/>
-                    <a:lumOff val="50000"/>
-                  </a:schemeClr>
-                </a:solidFill>
-              </a:rPr>
-              <a:t> date </a:t>
-            </a:r>
-            <a:r>
-              <a:rPr lang="es-ES" sz="1400" dirty="0" err="1">
-                <a:solidFill>
-                  <a:schemeClr val="tx1">
-                    <a:lumMod val="50000"/>
-                    <a:lumOff val="50000"/>
-                  </a:schemeClr>
-                </a:solidFill>
-              </a:rPr>
-              <a:t>is</a:t>
-            </a:r>
-            <a:r>
-              <a:rPr lang="es-ES" sz="1400" dirty="0">
-                <a:solidFill>
-                  <a:schemeClr val="tx1">
-                    <a:lumMod val="50000"/>
-                    <a:lumOff val="50000"/>
-                  </a:schemeClr>
-                </a:solidFill>
-              </a:rPr>
-              <a:t> </a:t>
-            </a:r>
-            <a:r>
-              <a:rPr lang="es-ES" sz="1400" dirty="0" smtClean="0">
-                <a:solidFill>
-                  <a:schemeClr val="tx1">
-                    <a:lumMod val="50000"/>
-                    <a:lumOff val="50000"/>
-                  </a:schemeClr>
-                </a:solidFill>
-              </a:rPr>
-              <a:t>&lt;fecha caducidad&gt;.'</a:t>
-            </a:r>
-            <a:endParaRPr lang="es-ES" sz="1400" dirty="0">
+              </a:endParaRPr>
+            </a:p>
+          </p:txBody>
+        </p:sp>
+        <p:sp>
+          <p:nvSpPr>
+            <p:cNvPr id="107" name="Llamada con línea 2 (sin borde) 106"/>
+            <p:cNvSpPr/>
+            <p:nvPr/>
+          </p:nvSpPr>
+          <p:spPr>
+            <a:xfrm>
+              <a:off x="9377874" y="7364230"/>
+              <a:ext cx="914400" cy="612648"/>
+            </a:xfrm>
+            <a:prstGeom prst="callout2">
+              <a:avLst>
+                <a:gd name="adj1" fmla="val -209857"/>
+                <a:gd name="adj2" fmla="val -369724"/>
+                <a:gd name="adj3" fmla="val -212739"/>
+                <a:gd name="adj4" fmla="val -342984"/>
+                <a:gd name="adj5" fmla="val -487663"/>
+                <a:gd name="adj6" fmla="val -263889"/>
+              </a:avLst>
+            </a:prstGeom>
+            <a:noFill/>
+            <a:ln>
               <a:solidFill>
                 <a:schemeClr val="tx1">
                   <a:lumMod val="50000"/>
                   <a:lumOff val="50000"/>
                 </a:schemeClr>
               </a:solidFill>
-            </a:endParaRPr>
-          </a:p>
-        </p:txBody>
-      </p:sp>
-      <p:sp>
-        <p:nvSpPr>
-          <p:cNvPr id="49" name="Llamada con línea 2 (sin borde) 48"/>
-          <p:cNvSpPr/>
-          <p:nvPr/>
-        </p:nvSpPr>
-        <p:spPr>
-          <a:xfrm>
-            <a:off x="13339791" y="-622080"/>
-            <a:ext cx="914400" cy="612648"/>
-          </a:xfrm>
-          <a:prstGeom prst="callout2">
-            <a:avLst>
-              <a:gd name="adj1" fmla="val -70012"/>
-              <a:gd name="adj2" fmla="val -44999"/>
-              <a:gd name="adj3" fmla="val -68642"/>
-              <a:gd name="adj4" fmla="val -81469"/>
-              <a:gd name="adj5" fmla="val 510227"/>
-              <a:gd name="adj6" fmla="val -116081"/>
-            </a:avLst>
-          </a:prstGeom>
-          <a:noFill/>
-          <a:ln>
-            <a:solidFill>
-              <a:schemeClr val="tx1">
-                <a:lumMod val="50000"/>
-                <a:lumOff val="50000"/>
+            </a:ln>
+          </p:spPr>
+          <p:style>
+            <a:lnRef idx="2">
+              <a:schemeClr val="accent1">
+                <a:shade val="50000"/>
               </a:schemeClr>
-            </a:solidFill>
-          </a:ln>
-        </p:spPr>
-        <p:style>
-          <a:lnRef idx="2">
-            <a:schemeClr val="accent1">
-              <a:shade val="50000"/>
-            </a:schemeClr>
-          </a:lnRef>
-          <a:fillRef idx="1">
-            <a:schemeClr val="accent1"/>
-          </a:fillRef>
-          <a:effectRef idx="0">
-            <a:schemeClr val="accent1"/>
-          </a:effectRef>
-          <a:fontRef idx="minor">
-            <a:schemeClr val="lt1"/>
-          </a:fontRef>
-        </p:style>
-        <p:txBody>
-          <a:bodyPr rtlCol="0" anchor="ctr"/>
-          <a:lstStyle/>
-          <a:p>
-            <a:pPr algn="ctr"/>
-            <a:endParaRPr lang="es-ES"/>
-          </a:p>
-        </p:txBody>
-      </p:sp>
-      <p:sp>
-        <p:nvSpPr>
-          <p:cNvPr id="52" name="Rectángulo 51"/>
-          <p:cNvSpPr/>
-          <p:nvPr/>
-        </p:nvSpPr>
-        <p:spPr>
-          <a:xfrm>
-            <a:off x="12918331" y="-414519"/>
-            <a:ext cx="4741018" cy="738664"/>
-          </a:xfrm>
-          <a:prstGeom prst="rect">
-            <a:avLst/>
-          </a:prstGeom>
-          <a:ln>
-            <a:solidFill>
-              <a:schemeClr val="bg2">
-                <a:lumMod val="90000"/>
-              </a:schemeClr>
-            </a:solidFill>
-            <a:prstDash val="sysDash"/>
-          </a:ln>
-        </p:spPr>
-        <p:txBody>
-          <a:bodyPr wrap="square">
-            <a:spAutoFit/>
-          </a:bodyPr>
-          <a:lstStyle/>
-          <a:p>
-            <a:r>
-              <a:rPr lang="es-ES" sz="1400" b="1" dirty="0" smtClean="0">
-                <a:solidFill>
-                  <a:schemeClr val="tx1">
-                    <a:lumMod val="50000"/>
-                    <a:lumOff val="50000"/>
-                  </a:schemeClr>
-                </a:solidFill>
-              </a:rPr>
-              <a:t>[Respuesta 2] El ingrediente está presente pero está caducado </a:t>
-            </a:r>
-          </a:p>
-          <a:p>
-            <a:r>
-              <a:rPr lang="es-ES" sz="1400" dirty="0" smtClean="0">
-                <a:solidFill>
-                  <a:schemeClr val="tx1">
-                    <a:lumMod val="50000"/>
-                    <a:lumOff val="50000"/>
-                  </a:schemeClr>
-                </a:solidFill>
-              </a:rPr>
-              <a:t>'</a:t>
-            </a:r>
-            <a:r>
-              <a:rPr lang="es-ES" sz="1400" dirty="0" err="1" smtClean="0">
-                <a:solidFill>
-                  <a:schemeClr val="tx1">
-                    <a:lumMod val="50000"/>
-                    <a:lumOff val="50000"/>
-                  </a:schemeClr>
-                </a:solidFill>
-              </a:rPr>
-              <a:t>The</a:t>
-            </a:r>
-            <a:r>
-              <a:rPr lang="es-ES" sz="1400" dirty="0" smtClean="0">
-                <a:solidFill>
-                  <a:schemeClr val="tx1">
-                    <a:lumMod val="50000"/>
-                    <a:lumOff val="50000"/>
-                  </a:schemeClr>
-                </a:solidFill>
-              </a:rPr>
-              <a:t> </a:t>
-            </a:r>
-            <a:r>
-              <a:rPr lang="es-ES" sz="1400" dirty="0">
-                <a:solidFill>
-                  <a:schemeClr val="tx1">
-                    <a:lumMod val="50000"/>
-                    <a:lumOff val="50000"/>
-                  </a:schemeClr>
-                </a:solidFill>
-              </a:rPr>
-              <a:t>&lt;</a:t>
-            </a:r>
-            <a:r>
-              <a:rPr lang="es-ES" sz="1400" dirty="0" smtClean="0">
-                <a:solidFill>
-                  <a:schemeClr val="tx1">
-                    <a:lumMod val="50000"/>
-                    <a:lumOff val="50000"/>
-                  </a:schemeClr>
-                </a:solidFill>
-              </a:rPr>
-              <a:t>ingrediente&gt; </a:t>
-            </a:r>
-            <a:r>
-              <a:rPr lang="es-ES" sz="1400" dirty="0" err="1">
-                <a:solidFill>
-                  <a:schemeClr val="tx1">
-                    <a:lumMod val="50000"/>
-                    <a:lumOff val="50000"/>
-                  </a:schemeClr>
-                </a:solidFill>
-              </a:rPr>
-              <a:t>expired</a:t>
-            </a:r>
-            <a:r>
-              <a:rPr lang="es-ES" sz="1400" dirty="0">
-                <a:solidFill>
-                  <a:schemeClr val="tx1">
-                    <a:lumMod val="50000"/>
-                    <a:lumOff val="50000"/>
-                  </a:schemeClr>
-                </a:solidFill>
-              </a:rPr>
-              <a:t> </a:t>
-            </a:r>
-            <a:r>
-              <a:rPr lang="es-ES" sz="1400" dirty="0" err="1">
-                <a:solidFill>
-                  <a:schemeClr val="tx1">
-                    <a:lumMod val="50000"/>
-                    <a:lumOff val="50000"/>
-                  </a:schemeClr>
-                </a:solidFill>
-              </a:rPr>
-              <a:t>the</a:t>
-            </a:r>
-            <a:r>
-              <a:rPr lang="es-ES" sz="1400" dirty="0">
-                <a:solidFill>
-                  <a:schemeClr val="tx1">
-                    <a:lumMod val="50000"/>
-                    <a:lumOff val="50000"/>
-                  </a:schemeClr>
-                </a:solidFill>
-              </a:rPr>
-              <a:t> </a:t>
-            </a:r>
-            <a:r>
-              <a:rPr lang="es-ES" sz="1400" dirty="0" err="1">
-                <a:solidFill>
-                  <a:schemeClr val="tx1">
-                    <a:lumMod val="50000"/>
-                    <a:lumOff val="50000"/>
-                  </a:schemeClr>
-                </a:solidFill>
-              </a:rPr>
-              <a:t>day</a:t>
-            </a:r>
-            <a:r>
-              <a:rPr lang="es-ES" sz="1400" dirty="0">
-                <a:solidFill>
-                  <a:schemeClr val="tx1">
-                    <a:lumMod val="50000"/>
-                    <a:lumOff val="50000"/>
-                  </a:schemeClr>
-                </a:solidFill>
-              </a:rPr>
-              <a:t> </a:t>
-            </a:r>
-            <a:r>
-              <a:rPr lang="es-ES" sz="1400" dirty="0" smtClean="0">
-                <a:solidFill>
-                  <a:schemeClr val="tx1">
-                    <a:lumMod val="50000"/>
-                    <a:lumOff val="50000"/>
-                  </a:schemeClr>
-                </a:solidFill>
-              </a:rPr>
-              <a:t>&lt;fecha de caducidad&gt;. </a:t>
-            </a:r>
-            <a:r>
-              <a:rPr lang="es-ES" sz="1400" dirty="0" err="1">
-                <a:solidFill>
-                  <a:schemeClr val="tx1">
-                    <a:lumMod val="50000"/>
-                    <a:lumOff val="50000"/>
-                  </a:schemeClr>
-                </a:solidFill>
-              </a:rPr>
-              <a:t>Throw</a:t>
-            </a:r>
-            <a:r>
-              <a:rPr lang="es-ES" sz="1400" dirty="0">
-                <a:solidFill>
-                  <a:schemeClr val="tx1">
-                    <a:lumMod val="50000"/>
-                    <a:lumOff val="50000"/>
-                  </a:schemeClr>
-                </a:solidFill>
-              </a:rPr>
-              <a:t> </a:t>
-            </a:r>
-            <a:r>
-              <a:rPr lang="es-ES" sz="1400" dirty="0" err="1">
-                <a:solidFill>
-                  <a:schemeClr val="tx1">
-                    <a:lumMod val="50000"/>
-                    <a:lumOff val="50000"/>
-                  </a:schemeClr>
-                </a:solidFill>
-              </a:rPr>
-              <a:t>out</a:t>
-            </a:r>
-            <a:r>
-              <a:rPr lang="es-ES" sz="1400" dirty="0">
-                <a:solidFill>
-                  <a:schemeClr val="tx1">
-                    <a:lumMod val="50000"/>
-                    <a:lumOff val="50000"/>
-                  </a:schemeClr>
-                </a:solidFill>
-              </a:rPr>
-              <a:t> </a:t>
-            </a:r>
-            <a:r>
-              <a:rPr lang="es-ES" sz="1400" dirty="0" err="1">
-                <a:solidFill>
-                  <a:schemeClr val="tx1">
-                    <a:lumMod val="50000"/>
-                    <a:lumOff val="50000"/>
-                  </a:schemeClr>
-                </a:solidFill>
-              </a:rPr>
-              <a:t>it</a:t>
-            </a:r>
-            <a:r>
-              <a:rPr lang="es-ES" sz="1400" dirty="0" smtClean="0">
-                <a:solidFill>
-                  <a:schemeClr val="tx1">
-                    <a:lumMod val="50000"/>
-                    <a:lumOff val="50000"/>
-                  </a:schemeClr>
-                </a:solidFill>
-              </a:rPr>
-              <a:t>!'</a:t>
-            </a:r>
-            <a:endParaRPr lang="es-ES" sz="1400" dirty="0">
-              <a:solidFill>
-                <a:schemeClr val="tx1">
-                  <a:lumMod val="50000"/>
-                  <a:lumOff val="50000"/>
-                </a:schemeClr>
-              </a:solidFill>
-            </a:endParaRPr>
-          </a:p>
-        </p:txBody>
-      </p:sp>
-      <p:sp>
-        <p:nvSpPr>
-          <p:cNvPr id="54" name="Rectángulo 53"/>
-          <p:cNvSpPr/>
-          <p:nvPr/>
-        </p:nvSpPr>
-        <p:spPr>
-          <a:xfrm>
-            <a:off x="12918331" y="435124"/>
-            <a:ext cx="4741018" cy="738664"/>
-          </a:xfrm>
-          <a:prstGeom prst="rect">
-            <a:avLst/>
-          </a:prstGeom>
-          <a:ln>
-            <a:solidFill>
-              <a:schemeClr val="bg2">
-                <a:lumMod val="90000"/>
-              </a:schemeClr>
-            </a:solidFill>
-            <a:prstDash val="sysDash"/>
-          </a:ln>
-        </p:spPr>
-        <p:txBody>
-          <a:bodyPr wrap="square">
-            <a:spAutoFit/>
-          </a:bodyPr>
-          <a:lstStyle/>
-          <a:p>
-            <a:r>
-              <a:rPr lang="es-ES" sz="1400" b="1" dirty="0">
-                <a:solidFill>
-                  <a:schemeClr val="tx1">
-                    <a:lumMod val="50000"/>
-                    <a:lumOff val="50000"/>
-                  </a:schemeClr>
-                </a:solidFill>
-              </a:rPr>
-              <a:t>[Respuesta </a:t>
-            </a:r>
-            <a:r>
-              <a:rPr lang="es-ES" sz="1400" b="1" dirty="0" smtClean="0">
-                <a:solidFill>
-                  <a:schemeClr val="tx1">
-                    <a:lumMod val="50000"/>
-                    <a:lumOff val="50000"/>
-                  </a:schemeClr>
-                </a:solidFill>
-              </a:rPr>
-              <a:t>3] El ingrediente no está presente</a:t>
-            </a:r>
-            <a:endParaRPr lang="es-ES" sz="1400" b="1" dirty="0">
-              <a:solidFill>
-                <a:schemeClr val="tx1">
-                  <a:lumMod val="50000"/>
-                  <a:lumOff val="50000"/>
-                </a:schemeClr>
-              </a:solidFill>
-            </a:endParaRPr>
-          </a:p>
-          <a:p>
-            <a:r>
-              <a:rPr lang="en-US" sz="1400" dirty="0">
-                <a:solidFill>
-                  <a:schemeClr val="tx1">
-                    <a:lumMod val="50000"/>
-                    <a:lumOff val="50000"/>
-                  </a:schemeClr>
-                </a:solidFill>
-              </a:rPr>
-              <a:t>'There are no &lt;</a:t>
-            </a:r>
-            <a:r>
-              <a:rPr lang="en-US" sz="1400" dirty="0" err="1" smtClean="0">
-                <a:solidFill>
-                  <a:schemeClr val="tx1">
-                    <a:lumMod val="50000"/>
-                    <a:lumOff val="50000"/>
-                  </a:schemeClr>
-                </a:solidFill>
-              </a:rPr>
-              <a:t>ingrediente</a:t>
-            </a:r>
-            <a:r>
-              <a:rPr lang="en-US" sz="1400" dirty="0" smtClean="0">
-                <a:solidFill>
-                  <a:schemeClr val="tx1">
-                    <a:lumMod val="50000"/>
-                    <a:lumOff val="50000"/>
-                  </a:schemeClr>
-                </a:solidFill>
-              </a:rPr>
-              <a:t>&gt; </a:t>
-            </a:r>
-            <a:r>
-              <a:rPr lang="en-US" sz="1400" dirty="0">
-                <a:solidFill>
-                  <a:schemeClr val="tx1">
-                    <a:lumMod val="50000"/>
-                    <a:lumOff val="50000"/>
-                  </a:schemeClr>
-                </a:solidFill>
-              </a:rPr>
-              <a:t>left at home, write it down on the shopping list.'</a:t>
-            </a:r>
-            <a:endParaRPr lang="es-ES" sz="1400" dirty="0">
-              <a:solidFill>
-                <a:schemeClr val="tx1">
-                  <a:lumMod val="50000"/>
-                  <a:lumOff val="50000"/>
-                </a:schemeClr>
-              </a:solidFill>
-            </a:endParaRPr>
-          </a:p>
-        </p:txBody>
-      </p:sp>
-      <p:sp>
-        <p:nvSpPr>
-          <p:cNvPr id="55" name="Rectángulo 54"/>
-          <p:cNvSpPr/>
-          <p:nvPr/>
-        </p:nvSpPr>
-        <p:spPr>
-          <a:xfrm>
-            <a:off x="14488823" y="6974019"/>
-            <a:ext cx="4238017" cy="2046714"/>
-          </a:xfrm>
-          <a:prstGeom prst="rect">
-            <a:avLst/>
-          </a:prstGeom>
-          <a:ln>
-            <a:solidFill>
-              <a:schemeClr val="bg2">
-                <a:lumMod val="90000"/>
-              </a:schemeClr>
-            </a:solidFill>
-            <a:prstDash val="sysDash"/>
-          </a:ln>
-        </p:spPr>
-        <p:txBody>
-          <a:bodyPr wrap="square">
-            <a:spAutoFit/>
-          </a:bodyPr>
-          <a:lstStyle/>
-          <a:p>
-            <a:pPr>
-              <a:spcBef>
-                <a:spcPts val="600"/>
-              </a:spcBef>
-            </a:pPr>
-            <a:r>
-              <a:rPr lang="en-US" sz="1400" dirty="0" smtClean="0">
-                <a:solidFill>
-                  <a:schemeClr val="tx1">
-                    <a:lumMod val="50000"/>
-                    <a:lumOff val="50000"/>
-                  </a:schemeClr>
-                </a:solidFill>
-              </a:rPr>
-              <a:t>“There </a:t>
-            </a:r>
-            <a:r>
-              <a:rPr lang="en-US" sz="1400" dirty="0">
-                <a:solidFill>
-                  <a:schemeClr val="tx1">
-                    <a:lumMod val="50000"/>
-                    <a:lumOff val="50000"/>
-                  </a:schemeClr>
-                </a:solidFill>
-              </a:rPr>
-              <a:t>are </a:t>
-            </a:r>
-            <a:r>
-              <a:rPr lang="en-US" sz="1400" dirty="0" smtClean="0">
-                <a:solidFill>
-                  <a:schemeClr val="tx1">
-                    <a:lumMod val="50000"/>
-                    <a:lumOff val="50000"/>
-                  </a:schemeClr>
-                </a:solidFill>
-              </a:rPr>
-              <a:t>&lt;total </a:t>
-            </a:r>
-            <a:r>
-              <a:rPr lang="en-US" sz="1400" dirty="0" err="1" smtClean="0">
-                <a:solidFill>
-                  <a:schemeClr val="tx1">
-                    <a:lumMod val="50000"/>
-                    <a:lumOff val="50000"/>
-                  </a:schemeClr>
-                </a:solidFill>
-              </a:rPr>
-              <a:t>productos</a:t>
-            </a:r>
-            <a:r>
-              <a:rPr lang="en-US" sz="1400" dirty="0" smtClean="0">
-                <a:solidFill>
-                  <a:schemeClr val="tx1">
-                    <a:lumMod val="50000"/>
-                    <a:lumOff val="50000"/>
-                  </a:schemeClr>
-                </a:solidFill>
-              </a:rPr>
-              <a:t>&gt; </a:t>
-            </a:r>
-            <a:r>
-              <a:rPr lang="en-US" sz="1400" dirty="0" smtClean="0">
-                <a:solidFill>
-                  <a:schemeClr val="tx1">
-                    <a:lumMod val="50000"/>
-                    <a:lumOff val="50000"/>
-                  </a:schemeClr>
-                </a:solidFill>
-              </a:rPr>
-              <a:t>products </a:t>
-            </a:r>
-            <a:r>
-              <a:rPr lang="en-US" sz="1400" dirty="0">
-                <a:solidFill>
-                  <a:schemeClr val="tx1">
-                    <a:lumMod val="50000"/>
-                    <a:lumOff val="50000"/>
-                  </a:schemeClr>
-                </a:solidFill>
-              </a:rPr>
-              <a:t>in total, </a:t>
-            </a:r>
-            <a:r>
-              <a:rPr lang="en-US" sz="1400" dirty="0" smtClean="0">
-                <a:solidFill>
-                  <a:schemeClr val="tx1">
-                    <a:lumMod val="50000"/>
-                    <a:lumOff val="50000"/>
-                  </a:schemeClr>
-                </a:solidFill>
-              </a:rPr>
-              <a:t>&lt;nº </a:t>
-            </a:r>
-            <a:r>
-              <a:rPr lang="en-US" sz="1400" dirty="0" err="1" smtClean="0">
-                <a:solidFill>
-                  <a:schemeClr val="tx1">
-                    <a:lumMod val="50000"/>
-                    <a:lumOff val="50000"/>
-                  </a:schemeClr>
-                </a:solidFill>
-              </a:rPr>
-              <a:t>productos</a:t>
-            </a:r>
-            <a:r>
-              <a:rPr lang="en-US" sz="1400" dirty="0" smtClean="0">
-                <a:solidFill>
-                  <a:schemeClr val="tx1">
-                    <a:lumMod val="50000"/>
-                    <a:lumOff val="50000"/>
-                  </a:schemeClr>
-                </a:solidFill>
-              </a:rPr>
-              <a:t> </a:t>
-            </a:r>
-            <a:r>
-              <a:rPr lang="en-US" sz="1400" dirty="0" err="1" smtClean="0">
-                <a:solidFill>
-                  <a:schemeClr val="tx1">
-                    <a:lumMod val="50000"/>
-                    <a:lumOff val="50000"/>
-                  </a:schemeClr>
-                </a:solidFill>
-              </a:rPr>
-              <a:t>caducados</a:t>
-            </a:r>
-            <a:r>
-              <a:rPr lang="en-US" sz="1400" dirty="0" smtClean="0">
-                <a:solidFill>
-                  <a:schemeClr val="tx1">
-                    <a:lumMod val="50000"/>
-                    <a:lumOff val="50000"/>
-                  </a:schemeClr>
-                </a:solidFill>
-              </a:rPr>
-              <a:t>&gt; </a:t>
-            </a:r>
-            <a:r>
-              <a:rPr lang="en-US" sz="1400" dirty="0" smtClean="0">
-                <a:solidFill>
-                  <a:schemeClr val="tx1">
-                    <a:lumMod val="50000"/>
-                    <a:lumOff val="50000"/>
-                  </a:schemeClr>
-                </a:solidFill>
-              </a:rPr>
-              <a:t>products </a:t>
-            </a:r>
-            <a:r>
-              <a:rPr lang="en-US" sz="1400" dirty="0">
-                <a:solidFill>
-                  <a:schemeClr val="tx1">
-                    <a:lumMod val="50000"/>
-                    <a:lumOff val="50000"/>
-                  </a:schemeClr>
-                </a:solidFill>
-              </a:rPr>
-              <a:t>are already expired and </a:t>
-            </a:r>
-            <a:r>
-              <a:rPr lang="en-US" sz="1400" dirty="0" smtClean="0">
-                <a:solidFill>
-                  <a:schemeClr val="tx1">
-                    <a:lumMod val="50000"/>
-                    <a:lumOff val="50000"/>
-                  </a:schemeClr>
-                </a:solidFill>
-              </a:rPr>
-              <a:t>&lt;nº </a:t>
-            </a:r>
-            <a:r>
-              <a:rPr lang="en-US" sz="1400" dirty="0" err="1" smtClean="0">
-                <a:solidFill>
-                  <a:schemeClr val="tx1">
-                    <a:lumMod val="50000"/>
-                    <a:lumOff val="50000"/>
-                  </a:schemeClr>
-                </a:solidFill>
-              </a:rPr>
-              <a:t>productos</a:t>
-            </a:r>
-            <a:r>
-              <a:rPr lang="en-US" sz="1400" dirty="0" smtClean="0">
-                <a:solidFill>
-                  <a:schemeClr val="tx1">
-                    <a:lumMod val="50000"/>
-                    <a:lumOff val="50000"/>
-                  </a:schemeClr>
-                </a:solidFill>
-              </a:rPr>
-              <a:t> </a:t>
-            </a:r>
-            <a:r>
-              <a:rPr lang="en-US" sz="1400" dirty="0" err="1" smtClean="0">
-                <a:solidFill>
-                  <a:schemeClr val="tx1">
-                    <a:lumMod val="50000"/>
-                    <a:lumOff val="50000"/>
-                  </a:schemeClr>
-                </a:solidFill>
-              </a:rPr>
-              <a:t>próximos</a:t>
-            </a:r>
-            <a:r>
-              <a:rPr lang="en-US" sz="1400" dirty="0" smtClean="0">
-                <a:solidFill>
-                  <a:schemeClr val="tx1">
-                    <a:lumMod val="50000"/>
-                    <a:lumOff val="50000"/>
-                  </a:schemeClr>
-                </a:solidFill>
-              </a:rPr>
-              <a:t> a </a:t>
-            </a:r>
-            <a:r>
-              <a:rPr lang="en-US" sz="1400" dirty="0" err="1" smtClean="0">
-                <a:solidFill>
-                  <a:schemeClr val="tx1">
-                    <a:lumMod val="50000"/>
-                    <a:lumOff val="50000"/>
-                  </a:schemeClr>
-                </a:solidFill>
-              </a:rPr>
-              <a:t>caducar</a:t>
-            </a:r>
-            <a:r>
-              <a:rPr lang="en-US" sz="1400" dirty="0" smtClean="0">
-                <a:solidFill>
-                  <a:schemeClr val="tx1">
-                    <a:lumMod val="50000"/>
-                    <a:lumOff val="50000"/>
-                  </a:schemeClr>
-                </a:solidFill>
-              </a:rPr>
-              <a:t>&gt; </a:t>
-            </a:r>
-            <a:r>
-              <a:rPr lang="en-US" sz="1400" dirty="0">
-                <a:solidFill>
-                  <a:schemeClr val="tx1">
-                    <a:lumMod val="50000"/>
-                    <a:lumOff val="50000"/>
-                  </a:schemeClr>
-                </a:solidFill>
-              </a:rPr>
-              <a:t>products will expire soon. </a:t>
-            </a:r>
-            <a:endParaRPr lang="en-US" sz="1400" dirty="0" smtClean="0">
-              <a:solidFill>
-                <a:schemeClr val="tx1">
-                  <a:lumMod val="50000"/>
-                  <a:lumOff val="50000"/>
-                </a:schemeClr>
-              </a:solidFill>
-            </a:endParaRPr>
-          </a:p>
-          <a:p>
-            <a:pPr>
-              <a:spcBef>
-                <a:spcPts val="600"/>
-              </a:spcBef>
-            </a:pPr>
-            <a:r>
-              <a:rPr lang="en-US" sz="1400" dirty="0" smtClean="0">
-                <a:solidFill>
-                  <a:schemeClr val="tx1">
-                    <a:lumMod val="50000"/>
-                    <a:lumOff val="50000"/>
-                  </a:schemeClr>
-                </a:solidFill>
-              </a:rPr>
-              <a:t>Already expired:  </a:t>
-            </a:r>
-            <a:r>
-              <a:rPr lang="en-US" sz="1400" dirty="0" smtClean="0">
-                <a:solidFill>
-                  <a:schemeClr val="tx1">
-                    <a:lumMod val="50000"/>
-                    <a:lumOff val="50000"/>
-                  </a:schemeClr>
-                </a:solidFill>
-              </a:rPr>
-              <a:t>&lt;</a:t>
-            </a:r>
-            <a:r>
-              <a:rPr lang="en-US" sz="1400" dirty="0" err="1" smtClean="0">
-                <a:solidFill>
-                  <a:schemeClr val="tx1">
-                    <a:lumMod val="50000"/>
-                    <a:lumOff val="50000"/>
-                  </a:schemeClr>
-                </a:solidFill>
-              </a:rPr>
-              <a:t>lista</a:t>
-            </a:r>
-            <a:r>
-              <a:rPr lang="en-US" sz="1400" dirty="0" smtClean="0">
-                <a:solidFill>
-                  <a:schemeClr val="tx1">
-                    <a:lumMod val="50000"/>
-                    <a:lumOff val="50000"/>
-                  </a:schemeClr>
-                </a:solidFill>
-              </a:rPr>
-              <a:t> de </a:t>
-            </a:r>
-            <a:r>
-              <a:rPr lang="en-US" sz="1400" dirty="0" err="1" smtClean="0">
-                <a:solidFill>
-                  <a:schemeClr val="tx1">
-                    <a:lumMod val="50000"/>
-                    <a:lumOff val="50000"/>
-                  </a:schemeClr>
-                </a:solidFill>
-              </a:rPr>
-              <a:t>ingredientes</a:t>
-            </a:r>
-            <a:r>
-              <a:rPr lang="en-US" sz="1400" dirty="0" smtClean="0">
-                <a:solidFill>
-                  <a:schemeClr val="tx1">
-                    <a:lumMod val="50000"/>
-                    <a:lumOff val="50000"/>
-                  </a:schemeClr>
-                </a:solidFill>
-              </a:rPr>
-              <a:t> </a:t>
-            </a:r>
-            <a:r>
-              <a:rPr lang="en-US" sz="1400" dirty="0" err="1" smtClean="0">
-                <a:solidFill>
-                  <a:schemeClr val="tx1">
-                    <a:lumMod val="50000"/>
-                    <a:lumOff val="50000"/>
-                  </a:schemeClr>
-                </a:solidFill>
-              </a:rPr>
-              <a:t>caducados</a:t>
-            </a:r>
-            <a:r>
-              <a:rPr lang="en-US" sz="1400" dirty="0" smtClean="0">
-                <a:solidFill>
-                  <a:schemeClr val="tx1">
-                    <a:lumMod val="50000"/>
-                    <a:lumOff val="50000"/>
-                  </a:schemeClr>
-                </a:solidFill>
-              </a:rPr>
-              <a:t>&gt;</a:t>
-            </a:r>
-            <a:endParaRPr lang="en-US" sz="1400" dirty="0" smtClean="0">
-              <a:solidFill>
-                <a:schemeClr val="tx1">
-                  <a:lumMod val="50000"/>
-                  <a:lumOff val="50000"/>
-                </a:schemeClr>
-              </a:solidFill>
-            </a:endParaRPr>
-          </a:p>
-          <a:p>
-            <a:pPr>
-              <a:spcBef>
-                <a:spcPts val="600"/>
-              </a:spcBef>
-            </a:pPr>
-            <a:r>
-              <a:rPr lang="en-US" sz="1400" dirty="0" smtClean="0">
-                <a:solidFill>
-                  <a:schemeClr val="tx1">
-                    <a:lumMod val="50000"/>
-                    <a:lumOff val="50000"/>
-                  </a:schemeClr>
-                </a:solidFill>
-              </a:rPr>
-              <a:t>To expire:  </a:t>
-            </a:r>
-            <a:r>
-              <a:rPr lang="en-US" sz="1400" dirty="0" smtClean="0">
-                <a:solidFill>
-                  <a:schemeClr val="tx1">
-                    <a:lumMod val="50000"/>
-                    <a:lumOff val="50000"/>
-                  </a:schemeClr>
-                </a:solidFill>
-              </a:rPr>
-              <a:t>&lt;</a:t>
-            </a:r>
-            <a:r>
-              <a:rPr lang="en-US" sz="1400" dirty="0" err="1" smtClean="0">
-                <a:solidFill>
-                  <a:schemeClr val="tx1">
-                    <a:lumMod val="50000"/>
-                    <a:lumOff val="50000"/>
-                  </a:schemeClr>
-                </a:solidFill>
-              </a:rPr>
-              <a:t>lista</a:t>
-            </a:r>
-            <a:r>
-              <a:rPr lang="en-US" sz="1400" dirty="0" smtClean="0">
-                <a:solidFill>
-                  <a:schemeClr val="tx1">
-                    <a:lumMod val="50000"/>
-                    <a:lumOff val="50000"/>
-                  </a:schemeClr>
-                </a:solidFill>
-              </a:rPr>
-              <a:t> de </a:t>
-            </a:r>
-            <a:r>
-              <a:rPr lang="en-US" sz="1400" dirty="0" err="1" smtClean="0">
-                <a:solidFill>
-                  <a:schemeClr val="tx1">
-                    <a:lumMod val="50000"/>
-                    <a:lumOff val="50000"/>
-                  </a:schemeClr>
-                </a:solidFill>
-              </a:rPr>
-              <a:t>ingredientes</a:t>
-            </a:r>
-            <a:r>
-              <a:rPr lang="en-US" sz="1400" dirty="0" smtClean="0">
-                <a:solidFill>
-                  <a:schemeClr val="tx1">
-                    <a:lumMod val="50000"/>
-                    <a:lumOff val="50000"/>
-                  </a:schemeClr>
-                </a:solidFill>
-              </a:rPr>
-              <a:t> </a:t>
-            </a:r>
-            <a:r>
-              <a:rPr lang="en-US" sz="1400" dirty="0" err="1" smtClean="0">
-                <a:solidFill>
-                  <a:schemeClr val="tx1">
-                    <a:lumMod val="50000"/>
-                    <a:lumOff val="50000"/>
-                  </a:schemeClr>
-                </a:solidFill>
-              </a:rPr>
-              <a:t>próximos</a:t>
-            </a:r>
-            <a:r>
-              <a:rPr lang="en-US" sz="1400" dirty="0" smtClean="0">
-                <a:solidFill>
-                  <a:schemeClr val="tx1">
-                    <a:lumMod val="50000"/>
-                    <a:lumOff val="50000"/>
-                  </a:schemeClr>
-                </a:solidFill>
-              </a:rPr>
-              <a:t> a </a:t>
-            </a:r>
-            <a:r>
-              <a:rPr lang="en-US" sz="1400" dirty="0" err="1" smtClean="0">
-                <a:solidFill>
-                  <a:schemeClr val="tx1">
-                    <a:lumMod val="50000"/>
-                    <a:lumOff val="50000"/>
-                  </a:schemeClr>
-                </a:solidFill>
-              </a:rPr>
-              <a:t>caducar</a:t>
-            </a:r>
-            <a:r>
-              <a:rPr lang="en-US" sz="1400" dirty="0" smtClean="0">
-                <a:solidFill>
-                  <a:schemeClr val="tx1">
-                    <a:lumMod val="50000"/>
-                    <a:lumOff val="50000"/>
-                  </a:schemeClr>
-                </a:solidFill>
-              </a:rPr>
-              <a:t>&gt;</a:t>
-            </a:r>
-            <a:endParaRPr lang="en-US" sz="1400" dirty="0" smtClean="0">
-              <a:solidFill>
-                <a:schemeClr val="tx1">
-                  <a:lumMod val="50000"/>
-                  <a:lumOff val="50000"/>
-                </a:schemeClr>
-              </a:solidFill>
-            </a:endParaRPr>
-          </a:p>
-          <a:p>
-            <a:pPr>
-              <a:spcBef>
-                <a:spcPts val="600"/>
-              </a:spcBef>
-            </a:pPr>
-            <a:r>
-              <a:rPr lang="en-US" sz="1400" dirty="0" smtClean="0">
-                <a:solidFill>
-                  <a:schemeClr val="tx1">
-                    <a:lumMod val="50000"/>
-                    <a:lumOff val="50000"/>
-                  </a:schemeClr>
-                </a:solidFill>
-              </a:rPr>
-              <a:t>(Throw </a:t>
-            </a:r>
-            <a:r>
-              <a:rPr lang="en-US" sz="1400" dirty="0">
-                <a:solidFill>
-                  <a:schemeClr val="tx1">
-                    <a:lumMod val="50000"/>
-                    <a:lumOff val="50000"/>
-                  </a:schemeClr>
-                </a:solidFill>
-              </a:rPr>
-              <a:t>out the expired foods. Consider using the foods to expire as soon as possible</a:t>
-            </a:r>
-            <a:r>
-              <a:rPr lang="en-US" sz="1400" dirty="0" smtClean="0">
-                <a:solidFill>
-                  <a:schemeClr val="tx1">
-                    <a:lumMod val="50000"/>
-                    <a:lumOff val="50000"/>
-                  </a:schemeClr>
-                </a:solidFill>
-              </a:rPr>
-              <a:t>.)”</a:t>
-            </a:r>
-            <a:endParaRPr lang="es-ES" sz="1400" dirty="0">
-              <a:solidFill>
-                <a:schemeClr val="tx1">
-                  <a:lumMod val="50000"/>
-                  <a:lumOff val="50000"/>
-                </a:schemeClr>
-              </a:solidFill>
-            </a:endParaRPr>
-          </a:p>
-        </p:txBody>
-      </p:sp>
-      <p:sp>
-        <p:nvSpPr>
-          <p:cNvPr id="56" name="Llamada con línea 2 (sin borde) 55"/>
-          <p:cNvSpPr/>
-          <p:nvPr/>
-        </p:nvSpPr>
-        <p:spPr>
-          <a:xfrm>
-            <a:off x="14645289" y="3646975"/>
-            <a:ext cx="914400" cy="612648"/>
-          </a:xfrm>
-          <a:prstGeom prst="callout2">
-            <a:avLst>
-              <a:gd name="adj1" fmla="val 737820"/>
-              <a:gd name="adj2" fmla="val -15103"/>
-              <a:gd name="adj3" fmla="val 739191"/>
-              <a:gd name="adj4" fmla="val -73962"/>
-              <a:gd name="adj5" fmla="val 483203"/>
-              <a:gd name="adj6" fmla="val -122986"/>
-            </a:avLst>
-          </a:prstGeom>
-          <a:noFill/>
-          <a:ln>
-            <a:solidFill>
-              <a:schemeClr val="tx1">
-                <a:lumMod val="50000"/>
-                <a:lumOff val="50000"/>
-              </a:schemeClr>
-            </a:solidFill>
-          </a:ln>
-        </p:spPr>
-        <p:style>
-          <a:lnRef idx="2">
-            <a:schemeClr val="accent1">
-              <a:shade val="50000"/>
-            </a:schemeClr>
-          </a:lnRef>
-          <a:fillRef idx="1">
-            <a:schemeClr val="accent1"/>
-          </a:fillRef>
-          <a:effectRef idx="0">
-            <a:schemeClr val="accent1"/>
-          </a:effectRef>
-          <a:fontRef idx="minor">
-            <a:schemeClr val="lt1"/>
-          </a:fontRef>
-        </p:style>
-        <p:txBody>
-          <a:bodyPr rtlCol="0" anchor="ctr"/>
-          <a:lstStyle/>
-          <a:p>
-            <a:pPr algn="ctr"/>
-            <a:endParaRPr lang="es-ES"/>
-          </a:p>
-        </p:txBody>
-      </p:sp>
-      <p:sp>
-        <p:nvSpPr>
-          <p:cNvPr id="106" name="Rectángulo 105"/>
-          <p:cNvSpPr/>
-          <p:nvPr/>
-        </p:nvSpPr>
-        <p:spPr>
-          <a:xfrm>
-            <a:off x="2868848" y="5950500"/>
-            <a:ext cx="3083055" cy="307777"/>
-          </a:xfrm>
-          <a:prstGeom prst="rect">
-            <a:avLst/>
-          </a:prstGeom>
-          <a:ln>
-            <a:solidFill>
-              <a:schemeClr val="bg2">
-                <a:lumMod val="90000"/>
-              </a:schemeClr>
-            </a:solidFill>
-            <a:prstDash val="sysDash"/>
-          </a:ln>
-        </p:spPr>
-        <p:txBody>
-          <a:bodyPr wrap="square">
-            <a:spAutoFit/>
-          </a:bodyPr>
-          <a:lstStyle/>
-          <a:p>
-            <a:pPr>
-              <a:spcBef>
-                <a:spcPts val="600"/>
-              </a:spcBef>
-            </a:pPr>
-            <a:r>
-              <a:rPr lang="en-US" sz="1400" dirty="0" smtClean="0">
-                <a:solidFill>
-                  <a:schemeClr val="tx1">
-                    <a:lumMod val="50000"/>
-                    <a:lumOff val="50000"/>
-                  </a:schemeClr>
-                </a:solidFill>
-              </a:rPr>
-              <a:t>“Let me a ingredients summary for you”</a:t>
-            </a:r>
-            <a:endParaRPr lang="es-ES" sz="1400" dirty="0">
-              <a:solidFill>
-                <a:schemeClr val="tx1">
-                  <a:lumMod val="50000"/>
-                  <a:lumOff val="50000"/>
-                </a:schemeClr>
-              </a:solidFill>
-            </a:endParaRPr>
-          </a:p>
-        </p:txBody>
-      </p:sp>
-      <p:sp>
-        <p:nvSpPr>
-          <p:cNvPr id="107" name="Llamada con línea 2 (sin borde) 106"/>
-          <p:cNvSpPr/>
-          <p:nvPr/>
-        </p:nvSpPr>
-        <p:spPr>
-          <a:xfrm>
-            <a:off x="9377874" y="7364230"/>
-            <a:ext cx="914400" cy="612648"/>
-          </a:xfrm>
-          <a:prstGeom prst="callout2">
-            <a:avLst>
-              <a:gd name="adj1" fmla="val -209857"/>
-              <a:gd name="adj2" fmla="val -369724"/>
-              <a:gd name="adj3" fmla="val -212739"/>
-              <a:gd name="adj4" fmla="val -342984"/>
-              <a:gd name="adj5" fmla="val -487663"/>
-              <a:gd name="adj6" fmla="val -263889"/>
-            </a:avLst>
-          </a:prstGeom>
-          <a:noFill/>
-          <a:ln>
-            <a:solidFill>
-              <a:schemeClr val="tx1">
-                <a:lumMod val="50000"/>
-                <a:lumOff val="50000"/>
-              </a:schemeClr>
-            </a:solidFill>
-          </a:ln>
-        </p:spPr>
-        <p:style>
-          <a:lnRef idx="2">
-            <a:schemeClr val="accent1">
-              <a:shade val="50000"/>
-            </a:schemeClr>
-          </a:lnRef>
-          <a:fillRef idx="1">
-            <a:schemeClr val="accent1"/>
-          </a:fillRef>
-          <a:effectRef idx="0">
-            <a:schemeClr val="accent1"/>
-          </a:effectRef>
-          <a:fontRef idx="minor">
-            <a:schemeClr val="lt1"/>
-          </a:fontRef>
-        </p:style>
-        <p:txBody>
-          <a:bodyPr rtlCol="0" anchor="ctr"/>
-          <a:lstStyle/>
-          <a:p>
-            <a:pPr algn="ctr"/>
-            <a:endParaRPr lang="es-ES"/>
-          </a:p>
-        </p:txBody>
-      </p:sp>
+            </a:lnRef>
+            <a:fillRef idx="1">
+              <a:schemeClr val="accent1"/>
+            </a:fillRef>
+            <a:effectRef idx="0">
+              <a:schemeClr val="accent1"/>
+            </a:effectRef>
+            <a:fontRef idx="minor">
+              <a:schemeClr val="lt1"/>
+            </a:fontRef>
+          </p:style>
+          <p:txBody>
+            <a:bodyPr rtlCol="0" anchor="ctr"/>
+            <a:lstStyle/>
+            <a:p>
+              <a:pPr algn="ctr"/>
+              <a:endParaRPr lang="es-ES"/>
+            </a:p>
+          </p:txBody>
+        </p:sp>
+      </p:grpSp>
     </p:spTree>
     <p:extLst>
       <p:ext uri="{BB962C8B-B14F-4D97-AF65-F5344CB8AC3E}">

--- a/memoria/images/diagrama intenciones.pptx
+++ b/memoria/images/diagrama intenciones.pptx
@@ -16323,8 +16323,8 @@
                   <a:avLst>
                     <a:gd name="adj1" fmla="val -287949"/>
                     <a:gd name="adj2" fmla="val -151759"/>
-                    <a:gd name="adj3" fmla="val -266970"/>
-                    <a:gd name="adj4" fmla="val -212281"/>
+                    <a:gd name="adj3" fmla="val -288292"/>
+                    <a:gd name="adj4" fmla="val -215852"/>
                     <a:gd name="adj5" fmla="val 522009"/>
                     <a:gd name="adj6" fmla="val -126607"/>
                   </a:avLst>
@@ -17157,7 +17157,7 @@
               </p:nvSpPr>
               <p:spPr>
                 <a:xfrm>
-                  <a:off x="12063211" y="-3113440"/>
+                  <a:off x="12063211" y="-3099814"/>
                   <a:ext cx="10073254" cy="646331"/>
                 </a:xfrm>
                 <a:prstGeom prst="rect">
@@ -17233,7 +17233,7 @@
                     <a:t>Are you sure it is edible? I do not recognize food in this image. \</a:t>
                   </a:r>
                   <a:r>
-                    <a:rPr lang="en-US" dirty="0" err="1">
+                    <a:rPr lang="en-US" dirty="0" err="1" smtClean="0">
                       <a:solidFill>
                         <a:schemeClr val="tx1">
                           <a:lumMod val="50000"/>
@@ -17244,6 +17244,17 @@
                     <a:t>nPlease</a:t>
                   </a:r>
                   <a:r>
+                    <a:rPr lang="en-US" dirty="0" smtClean="0">
+                      <a:solidFill>
+                        <a:schemeClr val="tx1">
+                          <a:lumMod val="50000"/>
+                          <a:lumOff val="50000"/>
+                        </a:schemeClr>
+                      </a:solidFill>
+                    </a:rPr>
+                    <a:t>, try with </a:t>
+                  </a:r>
+                  <a:r>
                     <a:rPr lang="en-US" dirty="0">
                       <a:solidFill>
                         <a:schemeClr val="tx1">
@@ -17252,7 +17263,7 @@
                         </a:schemeClr>
                       </a:solidFill>
                     </a:rPr>
-                    <a:t> Try with a another one.</a:t>
+                    <a:t>another one.</a:t>
                   </a:r>
                   <a:endParaRPr lang="es-ES" dirty="0">
                     <a:solidFill>

--- a/memoria/images/diagrama intenciones.pptx
+++ b/memoria/images/diagrama intenciones.pptx
@@ -260,7 +260,7 @@
           <a:p>
             <a:fld id="{9C28449B-7E7F-4B22-B31C-7455ACE0523B}" type="datetimeFigureOut">
               <a:rPr lang="es-ES" smtClean="0"/>
-              <a:t>13/01/2018</a:t>
+              <a:t>15/01/2018</a:t>
             </a:fld>
             <a:endParaRPr lang="es-ES"/>
           </a:p>
@@ -430,7 +430,7 @@
           <a:p>
             <a:fld id="{9C28449B-7E7F-4B22-B31C-7455ACE0523B}" type="datetimeFigureOut">
               <a:rPr lang="es-ES" smtClean="0"/>
-              <a:t>13/01/2018</a:t>
+              <a:t>15/01/2018</a:t>
             </a:fld>
             <a:endParaRPr lang="es-ES"/>
           </a:p>
@@ -610,7 +610,7 @@
           <a:p>
             <a:fld id="{9C28449B-7E7F-4B22-B31C-7455ACE0523B}" type="datetimeFigureOut">
               <a:rPr lang="es-ES" smtClean="0"/>
-              <a:t>13/01/2018</a:t>
+              <a:t>15/01/2018</a:t>
             </a:fld>
             <a:endParaRPr lang="es-ES"/>
           </a:p>
@@ -780,7 +780,7 @@
           <a:p>
             <a:fld id="{9C28449B-7E7F-4B22-B31C-7455ACE0523B}" type="datetimeFigureOut">
               <a:rPr lang="es-ES" smtClean="0"/>
-              <a:t>13/01/2018</a:t>
+              <a:t>15/01/2018</a:t>
             </a:fld>
             <a:endParaRPr lang="es-ES"/>
           </a:p>
@@ -1026,7 +1026,7 @@
           <a:p>
             <a:fld id="{9C28449B-7E7F-4B22-B31C-7455ACE0523B}" type="datetimeFigureOut">
               <a:rPr lang="es-ES" smtClean="0"/>
-              <a:t>13/01/2018</a:t>
+              <a:t>15/01/2018</a:t>
             </a:fld>
             <a:endParaRPr lang="es-ES"/>
           </a:p>
@@ -1258,7 +1258,7 @@
           <a:p>
             <a:fld id="{9C28449B-7E7F-4B22-B31C-7455ACE0523B}" type="datetimeFigureOut">
               <a:rPr lang="es-ES" smtClean="0"/>
-              <a:t>13/01/2018</a:t>
+              <a:t>15/01/2018</a:t>
             </a:fld>
             <a:endParaRPr lang="es-ES"/>
           </a:p>
@@ -1625,7 +1625,7 @@
           <a:p>
             <a:fld id="{9C28449B-7E7F-4B22-B31C-7455ACE0523B}" type="datetimeFigureOut">
               <a:rPr lang="es-ES" smtClean="0"/>
-              <a:t>13/01/2018</a:t>
+              <a:t>15/01/2018</a:t>
             </a:fld>
             <a:endParaRPr lang="es-ES"/>
           </a:p>
@@ -1743,7 +1743,7 @@
           <a:p>
             <a:fld id="{9C28449B-7E7F-4B22-B31C-7455ACE0523B}" type="datetimeFigureOut">
               <a:rPr lang="es-ES" smtClean="0"/>
-              <a:t>13/01/2018</a:t>
+              <a:t>15/01/2018</a:t>
             </a:fld>
             <a:endParaRPr lang="es-ES"/>
           </a:p>
@@ -1838,7 +1838,7 @@
           <a:p>
             <a:fld id="{9C28449B-7E7F-4B22-B31C-7455ACE0523B}" type="datetimeFigureOut">
               <a:rPr lang="es-ES" smtClean="0"/>
-              <a:t>13/01/2018</a:t>
+              <a:t>15/01/2018</a:t>
             </a:fld>
             <a:endParaRPr lang="es-ES"/>
           </a:p>
@@ -2115,7 +2115,7 @@
           <a:p>
             <a:fld id="{9C28449B-7E7F-4B22-B31C-7455ACE0523B}" type="datetimeFigureOut">
               <a:rPr lang="es-ES" smtClean="0"/>
-              <a:t>13/01/2018</a:t>
+              <a:t>15/01/2018</a:t>
             </a:fld>
             <a:endParaRPr lang="es-ES"/>
           </a:p>
@@ -2368,7 +2368,7 @@
           <a:p>
             <a:fld id="{9C28449B-7E7F-4B22-B31C-7455ACE0523B}" type="datetimeFigureOut">
               <a:rPr lang="es-ES" smtClean="0"/>
-              <a:t>13/01/2018</a:t>
+              <a:t>15/01/2018</a:t>
             </a:fld>
             <a:endParaRPr lang="es-ES"/>
           </a:p>
@@ -2581,7 +2581,7 @@
           <a:p>
             <a:fld id="{9C28449B-7E7F-4B22-B31C-7455ACE0523B}" type="datetimeFigureOut">
               <a:rPr lang="es-ES" smtClean="0"/>
-              <a:t>13/01/2018</a:t>
+              <a:t>15/01/2018</a:t>
             </a:fld>
             <a:endParaRPr lang="es-ES"/>
           </a:p>
@@ -12539,7 +12539,7 @@
               </p:nvSpPr>
               <p:spPr>
                 <a:xfrm>
-                  <a:off x="9732015" y="1029709"/>
+                  <a:off x="9427227" y="995297"/>
                   <a:ext cx="1723689" cy="1018512"/>
                 </a:xfrm>
                 <a:prstGeom prst="roundRect">
@@ -13419,7 +13419,7 @@
               <p:spPr>
                 <a:xfrm>
                   <a:off x="5815333" y="1501803"/>
-                  <a:ext cx="3916682" cy="37162"/>
+                  <a:ext cx="3611894" cy="2750"/>
                 </a:xfrm>
                 <a:prstGeom prst="straightConnector1">
                   <a:avLst/>
@@ -13737,8 +13737,8 @@
               </p:nvCxnSpPr>
               <p:spPr>
                 <a:xfrm flipV="1">
-                  <a:off x="11455704" y="1502260"/>
-                  <a:ext cx="3195605" cy="36705"/>
+                  <a:off x="11150916" y="1502260"/>
+                  <a:ext cx="3500393" cy="2293"/>
                 </a:xfrm>
                 <a:prstGeom prst="straightConnector1">
                   <a:avLst/>
@@ -13974,33 +13974,7 @@
                       <a:latin typeface="+mj-lt"/>
                       <a:cs typeface="Aharoni" panose="02010803020104030203" pitchFamily="2" charset="-79"/>
                     </a:rPr>
-                    <a:t>=</a:t>
-                  </a:r>
-                  <a:r>
-                    <a:rPr lang="es-ES" dirty="0" smtClean="0">
-                      <a:solidFill>
-                        <a:schemeClr val="tx1">
-                          <a:lumMod val="50000"/>
-                          <a:lumOff val="50000"/>
-                        </a:schemeClr>
-                      </a:solidFill>
-                      <a:latin typeface="+mj-lt"/>
-                      <a:cs typeface="Aharoni" panose="02010803020104030203" pitchFamily="2" charset="-79"/>
-                    </a:rPr>
-                    <a:t>Tr</a:t>
-                  </a:r>
-                  <a:r>
-                    <a:rPr lang="es-ES" dirty="0" smtClean="0">
-                      <a:solidFill>
-                        <a:schemeClr val="tx1">
-                          <a:lumMod val="50000"/>
-                          <a:lumOff val="50000"/>
-                        </a:schemeClr>
-                      </a:solidFill>
-                      <a:latin typeface="+mj-lt"/>
-                      <a:cs typeface="Aharoni" panose="02010803020104030203" pitchFamily="2" charset="-79"/>
-                    </a:rPr>
-                    <a:t>ue</a:t>
+                    <a:t>=True</a:t>
                   </a:r>
                   <a:endParaRPr lang="es-ES" dirty="0">
                     <a:solidFill>
@@ -14162,7 +14136,7 @@
               </p:nvSpPr>
               <p:spPr bwMode="auto">
                 <a:xfrm>
-                  <a:off x="9600475" y="7883391"/>
+                  <a:off x="8675003" y="8086363"/>
                   <a:ext cx="1584361" cy="1365094"/>
                 </a:xfrm>
                 <a:prstGeom prst="roundRect">
@@ -14335,7 +14309,7 @@
               </p:nvSpPr>
               <p:spPr>
                 <a:xfrm>
-                  <a:off x="9937936" y="8003626"/>
+                  <a:off x="9012464" y="8206598"/>
                   <a:ext cx="1275775" cy="307777"/>
                 </a:xfrm>
                 <a:prstGeom prst="rect">
@@ -14443,7 +14417,7 @@
               </p:blipFill>
               <p:spPr>
                 <a:xfrm>
-                  <a:off x="10536640" y="8431631"/>
+                  <a:off x="9611168" y="8634603"/>
                   <a:ext cx="566319" cy="568158"/>
                 </a:xfrm>
                 <a:prstGeom prst="rect">
@@ -14473,7 +14447,7 @@
               </p:blipFill>
               <p:spPr>
                 <a:xfrm>
-                  <a:off x="9801700" y="8431631"/>
+                  <a:off x="8876228" y="8634603"/>
                   <a:ext cx="678982" cy="624663"/>
                 </a:xfrm>
                 <a:prstGeom prst="rect">
@@ -14555,16 +14529,6 @@
                     </a:rPr>
                     <a:t>=True</a:t>
                   </a:r>
-                  <a:endParaRPr lang="es-ES" dirty="0">
-                    <a:solidFill>
-                      <a:schemeClr val="tx1">
-                        <a:lumMod val="50000"/>
-                        <a:lumOff val="50000"/>
-                      </a:schemeClr>
-                    </a:solidFill>
-                    <a:latin typeface="+mj-lt"/>
-                    <a:cs typeface="Aharoni" panose="02010803020104030203" pitchFamily="2" charset="-79"/>
-                  </a:endParaRPr>
                 </a:p>
               </p:txBody>
             </p:sp>
@@ -15312,29 +15276,8 @@
                       </a:solidFill>
                       <a:latin typeface="Arial Rounded MT Bold" panose="020F0704030504030204" pitchFamily="34" charset="0"/>
                     </a:rPr>
-                    <a:t>$COUNTER</a:t>
+                    <a:t>$COUNTER &lt;  2</a:t>
                   </a:r>
-                  <a:r>
-                    <a:rPr lang="es-ES" sz="1400" dirty="0" smtClean="0">
-                      <a:solidFill>
-                        <a:schemeClr val="tx1">
-                          <a:lumMod val="75000"/>
-                          <a:lumOff val="25000"/>
-                        </a:schemeClr>
-                      </a:solidFill>
-                      <a:latin typeface="Arial Rounded MT Bold" panose="020F0704030504030204" pitchFamily="34" charset="0"/>
-                    </a:rPr>
-                    <a:t> &lt;  2</a:t>
-                  </a:r>
-                  <a:endParaRPr lang="es-ES" sz="1400" dirty="0" smtClean="0">
-                    <a:solidFill>
-                      <a:schemeClr val="tx1">
-                        <a:lumMod val="75000"/>
-                        <a:lumOff val="25000"/>
-                      </a:schemeClr>
-                    </a:solidFill>
-                    <a:latin typeface="Arial Rounded MT Bold" panose="020F0704030504030204" pitchFamily="34" charset="0"/>
-                  </a:endParaRPr>
                 </a:p>
               </p:txBody>
             </p:sp>
@@ -15714,15 +15657,6 @@
                     </a:rPr>
                     <a:t>@OPTION</a:t>
                   </a:r>
-                  <a:endParaRPr lang="es-ES" sz="1400" dirty="0" smtClean="0">
-                    <a:solidFill>
-                      <a:schemeClr val="tx1">
-                        <a:lumMod val="75000"/>
-                        <a:lumOff val="25000"/>
-                      </a:schemeClr>
-                    </a:solidFill>
-                    <a:latin typeface="Arial Rounded MT Bold" panose="020F0704030504030204" pitchFamily="34" charset="0"/>
-                  </a:endParaRPr>
                 </a:p>
               </p:txBody>
             </p:sp>
@@ -16402,27 +16336,8 @@
                         </a:schemeClr>
                       </a:solidFill>
                     </a:rPr>
-                    <a:t>[Respuesta </a:t>
+                    <a:t>[Respuesta 1] Se ha encontrado receta</a:t>
                   </a:r>
-                  <a:r>
-                    <a:rPr lang="es-ES" sz="1600" b="1" dirty="0" smtClean="0">
-                      <a:solidFill>
-                        <a:schemeClr val="tx1">
-                          <a:lumMod val="50000"/>
-                          <a:lumOff val="50000"/>
-                        </a:schemeClr>
-                      </a:solidFill>
-                    </a:rPr>
-                    <a:t>1] Se ha encontrado receta</a:t>
-                  </a:r>
-                  <a:endParaRPr lang="es-ES" sz="1600" b="1" dirty="0" smtClean="0">
-                    <a:solidFill>
-                      <a:schemeClr val="tx1">
-                        <a:lumMod val="50000"/>
-                        <a:lumOff val="50000"/>
-                      </a:schemeClr>
-                    </a:solidFill>
-                  </a:endParaRPr>
                 </a:p>
                 <a:p>
                   <a:r>
@@ -16968,14 +16883,6 @@
                     </a:rPr>
                     <a:t>] No se ha encontrado receta</a:t>
                   </a:r>
-                  <a:endParaRPr lang="es-ES" sz="1600" b="1" dirty="0" smtClean="0">
-                    <a:solidFill>
-                      <a:schemeClr val="tx1">
-                        <a:lumMod val="50000"/>
-                        <a:lumOff val="50000"/>
-                      </a:schemeClr>
-                    </a:solidFill>
-                  </a:endParaRPr>
                 </a:p>
                 <a:p>
                   <a:r>
@@ -17060,27 +16967,8 @@
                         </a:schemeClr>
                       </a:solidFill>
                     </a:rPr>
-                    <a:t>[Respuesta </a:t>
+                    <a:t>[Respuesta 1] Se ha reconocido comida en la imagen</a:t>
                   </a:r>
-                  <a:r>
-                    <a:rPr lang="es-ES" b="1" dirty="0" smtClean="0">
-                      <a:solidFill>
-                        <a:schemeClr val="tx1">
-                          <a:lumMod val="50000"/>
-                          <a:lumOff val="50000"/>
-                        </a:schemeClr>
-                      </a:solidFill>
-                    </a:rPr>
-                    <a:t>1] Se ha reconocido comida en la imagen</a:t>
-                  </a:r>
-                  <a:endParaRPr lang="es-ES" b="1" dirty="0" smtClean="0">
-                    <a:solidFill>
-                      <a:schemeClr val="tx1">
-                        <a:lumMod val="50000"/>
-                        <a:lumOff val="50000"/>
-                      </a:schemeClr>
-                    </a:solidFill>
-                  </a:endParaRPr>
                 </a:p>
                 <a:p>
                   <a:r>
@@ -17211,14 +17099,6 @@
                     </a:rPr>
                     <a:t>] No se ha reconocido comida en la imagen</a:t>
                   </a:r>
-                  <a:endParaRPr lang="es-ES" b="1" dirty="0" smtClean="0">
-                    <a:solidFill>
-                      <a:schemeClr val="tx1">
-                        <a:lumMod val="50000"/>
-                        <a:lumOff val="50000"/>
-                      </a:schemeClr>
-                    </a:solidFill>
-                  </a:endParaRPr>
                 </a:p>
                 <a:p>
                   <a:r>
@@ -17314,27 +17194,8 @@
                         </a:schemeClr>
                       </a:solidFill>
                     </a:rPr>
-                    <a:t>[Respuesta </a:t>
+                    <a:t>[Respuesta 1] El formato de la imagen es correcto</a:t>
                   </a:r>
-                  <a:r>
-                    <a:rPr lang="es-ES" b="1" dirty="0" smtClean="0">
-                      <a:solidFill>
-                        <a:schemeClr val="tx1">
-                          <a:lumMod val="50000"/>
-                          <a:lumOff val="50000"/>
-                        </a:schemeClr>
-                      </a:solidFill>
-                    </a:rPr>
-                    <a:t>1] El formato de la imagen es correcto</a:t>
-                  </a:r>
-                  <a:endParaRPr lang="es-ES" b="1" dirty="0" smtClean="0">
-                    <a:solidFill>
-                      <a:schemeClr val="tx1">
-                        <a:lumMod val="50000"/>
-                        <a:lumOff val="50000"/>
-                      </a:schemeClr>
-                    </a:solidFill>
-                  </a:endParaRPr>
                 </a:p>
                 <a:p>
                   <a:r>
@@ -17419,27 +17280,8 @@
                         </a:schemeClr>
                       </a:solidFill>
                     </a:rPr>
-                    <a:t>[Respuesta </a:t>
+                    <a:t>[Respuesta 2] Formato de imagen incorrecto</a:t>
                   </a:r>
-                  <a:r>
-                    <a:rPr lang="es-ES" b="1" dirty="0" smtClean="0">
-                      <a:solidFill>
-                        <a:schemeClr val="tx1">
-                          <a:lumMod val="50000"/>
-                          <a:lumOff val="50000"/>
-                        </a:schemeClr>
-                      </a:solidFill>
-                    </a:rPr>
-                    <a:t>2] Formato de imagen incorrecto</a:t>
-                  </a:r>
-                  <a:endParaRPr lang="es-ES" b="1" dirty="0" smtClean="0">
-                    <a:solidFill>
-                      <a:schemeClr val="tx1">
-                        <a:lumMod val="50000"/>
-                        <a:lumOff val="50000"/>
-                      </a:schemeClr>
-                    </a:solidFill>
-                  </a:endParaRPr>
                 </a:p>
                 <a:p>
                   <a:r>
@@ -17544,6 +17386,209 @@
           </p:txBody>
         </p:sp>
       </p:grpSp>
+      <p:sp>
+        <p:nvSpPr>
+          <p:cNvPr id="83" name="Nube 82"/>
+          <p:cNvSpPr/>
+          <p:nvPr/>
+        </p:nvSpPr>
+        <p:spPr>
+          <a:xfrm>
+            <a:off x="11653052" y="7892656"/>
+            <a:ext cx="2385965" cy="1483894"/>
+          </a:xfrm>
+          <a:prstGeom prst="cloud">
+            <a:avLst/>
+          </a:prstGeom>
+          <a:solidFill>
+            <a:schemeClr val="bg1"/>
+          </a:solidFill>
+          <a:ln w="28575">
+            <a:solidFill>
+              <a:schemeClr val="bg2">
+                <a:lumMod val="75000"/>
+              </a:schemeClr>
+            </a:solidFill>
+          </a:ln>
+        </p:spPr>
+        <p:style>
+          <a:lnRef idx="2">
+            <a:schemeClr val="accent1">
+              <a:shade val="50000"/>
+            </a:schemeClr>
+          </a:lnRef>
+          <a:fillRef idx="1">
+            <a:schemeClr val="accent1"/>
+          </a:fillRef>
+          <a:effectRef idx="0">
+            <a:schemeClr val="accent1"/>
+          </a:effectRef>
+          <a:fontRef idx="minor">
+            <a:schemeClr val="lt1"/>
+          </a:fontRef>
+        </p:style>
+        <p:txBody>
+          <a:bodyPr rtlCol="0" anchor="ctr"/>
+          <a:lstStyle/>
+          <a:p>
+            <a:pPr algn="ctr"/>
+            <a:endParaRPr lang="es-ES"/>
+          </a:p>
+        </p:txBody>
+      </p:sp>
+      <p:pic>
+        <p:nvPicPr>
+          <p:cNvPr id="85" name="Imagen 84"/>
+          <p:cNvPicPr>
+            <a:picLocks noChangeAspect="1"/>
+          </p:cNvPicPr>
+          <p:nvPr/>
+        </p:nvPicPr>
+        <p:blipFill rotWithShape="1">
+          <a:blip r:embed="rId2">
+            <a:extLst>
+              <a:ext uri="{28A0092B-C50C-407E-A947-70E740481C1C}">
+                <a14:useLocalDpi xmlns:a14="http://schemas.microsoft.com/office/drawing/2010/main" val="0"/>
+              </a:ext>
+            </a:extLst>
+          </a:blip>
+          <a:srcRect t="20610" b="22166"/>
+          <a:stretch/>
+        </p:blipFill>
+        <p:spPr>
+          <a:xfrm>
+            <a:off x="11806916" y="8369737"/>
+            <a:ext cx="1941679" cy="555553"/>
+          </a:xfrm>
+          <a:prstGeom prst="rect">
+            <a:avLst/>
+          </a:prstGeom>
+        </p:spPr>
+      </p:pic>
+      <p:sp>
+        <p:nvSpPr>
+          <p:cNvPr id="86" name="CuadroTexto 85"/>
+          <p:cNvSpPr txBox="1"/>
+          <p:nvPr/>
+        </p:nvSpPr>
+        <p:spPr>
+          <a:xfrm>
+            <a:off x="12152114" y="8140182"/>
+            <a:ext cx="1466127" cy="307777"/>
+          </a:xfrm>
+          <a:prstGeom prst="rect">
+            <a:avLst/>
+          </a:prstGeom>
+          <a:noFill/>
+        </p:spPr>
+        <p:txBody>
+          <a:bodyPr wrap="square" rtlCol="0">
+            <a:spAutoFit/>
+          </a:bodyPr>
+          <a:lstStyle/>
+          <a:p>
+            <a:r>
+              <a:rPr lang="es-ES" sz="1400" b="1" dirty="0" smtClean="0">
+                <a:solidFill>
+                  <a:srgbClr val="00B050"/>
+                </a:solidFill>
+              </a:rPr>
+              <a:t>RECIPE SERVICES</a:t>
+            </a:r>
+            <a:endParaRPr lang="es-ES" sz="1400" b="1" dirty="0">
+              <a:solidFill>
+                <a:srgbClr val="00B050"/>
+              </a:solidFill>
+            </a:endParaRPr>
+          </a:p>
+        </p:txBody>
+      </p:sp>
+      <p:sp>
+        <p:nvSpPr>
+          <p:cNvPr id="87" name="Flecha izquierda y derecha 86"/>
+          <p:cNvSpPr/>
+          <p:nvPr/>
+        </p:nvSpPr>
+        <p:spPr>
+          <a:xfrm rot="16200000">
+            <a:off x="11366609" y="7275937"/>
+            <a:ext cx="1080000" cy="180000"/>
+          </a:xfrm>
+          <a:prstGeom prst="leftRightArrow">
+            <a:avLst/>
+          </a:prstGeom>
+          <a:solidFill>
+            <a:schemeClr val="accent3">
+              <a:lumMod val="60000"/>
+              <a:lumOff val="40000"/>
+            </a:schemeClr>
+          </a:solidFill>
+          <a:ln>
+            <a:noFill/>
+          </a:ln>
+        </p:spPr>
+        <p:style>
+          <a:lnRef idx="2">
+            <a:schemeClr val="accent1">
+              <a:shade val="50000"/>
+            </a:schemeClr>
+          </a:lnRef>
+          <a:fillRef idx="1">
+            <a:schemeClr val="accent1"/>
+          </a:fillRef>
+          <a:effectRef idx="0">
+            <a:schemeClr val="accent1"/>
+          </a:effectRef>
+          <a:fontRef idx="minor">
+            <a:schemeClr val="lt1"/>
+          </a:fontRef>
+        </p:style>
+        <p:txBody>
+          <a:bodyPr rtlCol="0" anchor="ctr"/>
+          <a:lstStyle/>
+          <a:p>
+            <a:pPr algn="ctr"/>
+            <a:endParaRPr lang="es-ES"/>
+          </a:p>
+        </p:txBody>
+      </p:sp>
+      <p:pic>
+        <p:nvPicPr>
+          <p:cNvPr id="88" name="Imagen 87"/>
+          <p:cNvPicPr>
+            <a:picLocks noChangeAspect="1"/>
+          </p:cNvPicPr>
+          <p:nvPr/>
+        </p:nvPicPr>
+        <p:blipFill>
+          <a:blip r:embed="rId3" cstate="print">
+            <a:duotone>
+              <a:schemeClr val="accent3">
+                <a:shade val="45000"/>
+                <a:satMod val="135000"/>
+              </a:schemeClr>
+              <a:prstClr val="white"/>
+            </a:duotone>
+            <a:extLst>
+              <a:ext uri="{28A0092B-C50C-407E-A947-70E740481C1C}">
+                <a14:useLocalDpi xmlns:a14="http://schemas.microsoft.com/office/drawing/2010/main" val="0"/>
+              </a:ext>
+            </a:extLst>
+          </a:blip>
+          <a:stretch>
+            <a:fillRect/>
+          </a:stretch>
+        </p:blipFill>
+        <p:spPr>
+          <a:xfrm>
+            <a:off x="12270808" y="6950362"/>
+            <a:ext cx="614369" cy="650686"/>
+          </a:xfrm>
+          <a:prstGeom prst="rect">
+            <a:avLst/>
+          </a:prstGeom>
+        </p:spPr>
+      </p:pic>
     </p:spTree>
     <p:extLst>
       <p:ext uri="{BB962C8B-B14F-4D97-AF65-F5344CB8AC3E}">
@@ -17581,104 +17626,20 @@
           <a:chExt cx="0" cy="0"/>
         </a:xfrm>
       </p:grpSpPr>
-      <p:sp>
-        <p:nvSpPr>
-          <p:cNvPr id="349" name="CuadroTexto 348"/>
-          <p:cNvSpPr txBox="1"/>
-          <p:nvPr/>
-        </p:nvSpPr>
-        <p:spPr>
-          <a:xfrm>
-            <a:off x="-4640059" y="-4576025"/>
-            <a:ext cx="2521844" cy="2646878"/>
-          </a:xfrm>
-          <a:prstGeom prst="rect">
-            <a:avLst/>
-          </a:prstGeom>
-          <a:noFill/>
-        </p:spPr>
-        <p:txBody>
-          <a:bodyPr wrap="none" rtlCol="0">
-            <a:spAutoFit/>
-          </a:bodyPr>
-          <a:lstStyle/>
-          <a:p>
-            <a:r>
-              <a:rPr lang="es-ES" sz="16600" b="1" dirty="0" smtClean="0">
-                <a:solidFill>
-                  <a:srgbClr val="FF0000"/>
-                </a:solidFill>
-              </a:rPr>
-              <a:t>V3</a:t>
-            </a:r>
-            <a:endParaRPr lang="es-ES" sz="16600" b="1" dirty="0">
-              <a:solidFill>
-                <a:srgbClr val="FF0000"/>
-              </a:solidFill>
-            </a:endParaRPr>
-          </a:p>
-        </p:txBody>
-      </p:sp>
       <p:grpSp>
         <p:nvGrpSpPr>
-          <p:cNvPr id="58" name="Grupo 57"/>
+          <p:cNvPr id="65" name="Grupo 64"/>
           <p:cNvGrpSpPr/>
           <p:nvPr/>
         </p:nvGrpSpPr>
         <p:grpSpPr>
           <a:xfrm>
-            <a:off x="-5801989" y="-1581689"/>
-            <a:ext cx="23700122" cy="13846706"/>
-            <a:chOff x="-5705737" y="-1597731"/>
-            <a:chExt cx="23700122" cy="13846706"/>
+            <a:off x="-8403028" y="-3154155"/>
+            <a:ext cx="26480134" cy="13842133"/>
+            <a:chOff x="-5627170" y="-966127"/>
+            <a:chExt cx="26480134" cy="13842133"/>
           </a:xfrm>
         </p:grpSpPr>
-        <p:sp>
-          <p:nvSpPr>
-            <p:cNvPr id="269" name="Rectángulo 268"/>
-            <p:cNvSpPr/>
-            <p:nvPr/>
-          </p:nvSpPr>
-          <p:spPr>
-            <a:xfrm>
-              <a:off x="-5705737" y="-1597731"/>
-              <a:ext cx="23700122" cy="13846706"/>
-            </a:xfrm>
-            <a:prstGeom prst="rect">
-              <a:avLst/>
-            </a:prstGeom>
-            <a:solidFill>
-              <a:schemeClr val="bg1"/>
-            </a:solidFill>
-            <a:ln>
-              <a:noFill/>
-            </a:ln>
-          </p:spPr>
-          <p:style>
-            <a:lnRef idx="2">
-              <a:schemeClr val="accent1">
-                <a:shade val="50000"/>
-              </a:schemeClr>
-            </a:lnRef>
-            <a:fillRef idx="1">
-              <a:schemeClr val="accent1"/>
-            </a:fillRef>
-            <a:effectRef idx="0">
-              <a:schemeClr val="accent1"/>
-            </a:effectRef>
-            <a:fontRef idx="minor">
-              <a:schemeClr val="lt1"/>
-            </a:fontRef>
-          </p:style>
-          <p:txBody>
-            <a:bodyPr rtlCol="0" anchor="ctr"/>
-            <a:lstStyle/>
-            <a:p>
-              <a:pPr algn="ctr"/>
-              <a:endParaRPr lang="es-ES"/>
-            </a:p>
-          </p:txBody>
-        </p:sp>
         <p:sp>
           <p:nvSpPr>
             <p:cNvPr id="266" name="Rectángulo redondeado 265"/>
@@ -17687,7 +17648,7 @@
           </p:nvSpPr>
           <p:spPr bwMode="auto">
             <a:xfrm>
-              <a:off x="15670301" y="6280265"/>
+              <a:off x="12463118" y="11089218"/>
               <a:ext cx="1521261" cy="1454236"/>
             </a:xfrm>
             <a:prstGeom prst="roundRect">
@@ -17753,7 +17714,7 @@
           </p:nvSpPr>
           <p:spPr>
             <a:xfrm>
-              <a:off x="12608279" y="-191902"/>
+              <a:off x="16773932" y="312624"/>
               <a:ext cx="1906939" cy="1468927"/>
             </a:xfrm>
             <a:prstGeom prst="cloud">
@@ -17803,7 +17764,7 @@
           </p:nvSpPr>
           <p:spPr>
             <a:xfrm>
-              <a:off x="-3276740" y="61453"/>
+              <a:off x="-3372992" y="77495"/>
               <a:ext cx="2354631" cy="1655693"/>
             </a:xfrm>
             <a:prstGeom prst="flowChartDecision">
@@ -17885,7 +17846,7 @@
           </p:nvSpPr>
           <p:spPr>
             <a:xfrm>
-              <a:off x="1899912" y="273910"/>
+              <a:off x="1803660" y="289952"/>
               <a:ext cx="2706712" cy="1223240"/>
             </a:xfrm>
             <a:prstGeom prst="flowChartDecision">
@@ -17958,7 +17919,7 @@
           </p:nvSpPr>
           <p:spPr>
             <a:xfrm>
-              <a:off x="2024353" y="2508716"/>
+              <a:off x="1928101" y="2524758"/>
               <a:ext cx="2485020" cy="1379637"/>
             </a:xfrm>
             <a:prstGeom prst="flowChartDecision">
@@ -18032,130 +17993,19 @@
             </a:p>
           </p:txBody>
         </p:sp>
-        <p:sp>
-          <p:nvSpPr>
-            <p:cNvPr id="10" name="Rectángulo redondeado 9"/>
-            <p:cNvSpPr/>
-            <p:nvPr/>
-          </p:nvSpPr>
-          <p:spPr>
-            <a:xfrm>
-              <a:off x="2433573" y="10491742"/>
-              <a:ext cx="1737060" cy="1055201"/>
-            </a:xfrm>
-            <a:prstGeom prst="roundRect">
-              <a:avLst/>
-            </a:prstGeom>
-            <a:noFill/>
-            <a:ln w="38100">
-              <a:solidFill>
-                <a:srgbClr val="46DACC"/>
-              </a:solidFill>
-            </a:ln>
-          </p:spPr>
-          <p:style>
-            <a:lnRef idx="2">
-              <a:schemeClr val="accent1">
-                <a:shade val="50000"/>
-              </a:schemeClr>
-            </a:lnRef>
-            <a:fillRef idx="1">
-              <a:schemeClr val="accent1"/>
-            </a:fillRef>
-            <a:effectRef idx="0">
-              <a:schemeClr val="accent1"/>
-            </a:effectRef>
-            <a:fontRef idx="minor">
-              <a:schemeClr val="lt1"/>
-            </a:fontRef>
-          </p:style>
-          <p:txBody>
-            <a:bodyPr lIns="0" tIns="0" rIns="0" bIns="0" rtlCol="0" anchor="ctr"/>
-            <a:lstStyle/>
-            <a:p>
-              <a:pPr algn="ctr"/>
-              <a:r>
-                <a:rPr lang="es-ES" sz="1200" dirty="0" smtClean="0">
-                  <a:solidFill>
-                    <a:schemeClr val="tx1">
-                      <a:lumMod val="75000"/>
-                      <a:lumOff val="25000"/>
-                    </a:schemeClr>
-                  </a:solidFill>
-                  <a:latin typeface="Arial Rounded MT Bold" panose="020F0704030504030204" pitchFamily="34" charset="0"/>
-                </a:rPr>
-                <a:t>ASK FOR </a:t>
-              </a:r>
-            </a:p>
-            <a:p>
-              <a:pPr algn="ctr"/>
-              <a:r>
-                <a:rPr lang="es-ES" sz="1200" dirty="0" smtClean="0">
-                  <a:solidFill>
-                    <a:schemeClr val="tx1">
-                      <a:lumMod val="75000"/>
-                      <a:lumOff val="25000"/>
-                    </a:schemeClr>
-                  </a:solidFill>
-                  <a:latin typeface="Arial Rounded MT Bold" panose="020F0704030504030204" pitchFamily="34" charset="0"/>
-                </a:rPr>
-                <a:t>@CUISINE_TYPE </a:t>
-              </a:r>
-            </a:p>
-            <a:p>
-              <a:pPr algn="ctr"/>
-              <a:r>
-                <a:rPr lang="es-ES" sz="1200" dirty="0" smtClean="0">
-                  <a:solidFill>
-                    <a:schemeClr val="tx1">
-                      <a:lumMod val="75000"/>
-                      <a:lumOff val="25000"/>
-                    </a:schemeClr>
-                  </a:solidFill>
-                  <a:latin typeface="Arial Rounded MT Bold" panose="020F0704030504030204" pitchFamily="34" charset="0"/>
-                </a:rPr>
-                <a:t>OR</a:t>
-              </a:r>
-            </a:p>
-            <a:p>
-              <a:pPr algn="ctr"/>
-              <a:r>
-                <a:rPr lang="es-ES" sz="1200" dirty="0" smtClean="0">
-                  <a:solidFill>
-                    <a:schemeClr val="tx1">
-                      <a:lumMod val="75000"/>
-                      <a:lumOff val="25000"/>
-                    </a:schemeClr>
-                  </a:solidFill>
-                  <a:latin typeface="Arial Rounded MT Bold" panose="020F0704030504030204" pitchFamily="34" charset="0"/>
-                </a:rPr>
-                <a:t> INGREDIENTS</a:t>
-              </a:r>
-              <a:endParaRPr lang="es-ES" sz="1200" dirty="0">
-                <a:solidFill>
-                  <a:schemeClr val="tx1">
-                    <a:lumMod val="75000"/>
-                    <a:lumOff val="25000"/>
-                  </a:schemeClr>
-                </a:solidFill>
-                <a:latin typeface="Arial Rounded MT Bold" panose="020F0704030504030204" pitchFamily="34" charset="0"/>
-              </a:endParaRPr>
-            </a:p>
-          </p:txBody>
-        </p:sp>
         <p:cxnSp>
           <p:nvCxnSpPr>
             <p:cNvPr id="13" name="Conector recto de flecha 12"/>
             <p:cNvCxnSpPr>
-              <a:stCxn id="206" idx="6"/>
+              <a:stCxn id="187" idx="6"/>
               <a:endCxn id="5" idx="1"/>
             </p:cNvCxnSpPr>
             <p:nvPr/>
           </p:nvCxnSpPr>
           <p:spPr>
             <a:xfrm flipV="1">
-              <a:off x="-4036137" y="889300"/>
-              <a:ext cx="759397" cy="18914"/>
+              <a:off x="-4187532" y="905342"/>
+              <a:ext cx="814540" cy="5885"/>
             </a:xfrm>
             <a:prstGeom prst="straightConnector1">
               <a:avLst/>
@@ -18193,7 +18043,7 @@
           </p:nvCxnSpPr>
           <p:spPr>
             <a:xfrm flipV="1">
-              <a:off x="-922109" y="885530"/>
+              <a:off x="-1018361" y="901572"/>
               <a:ext cx="2822021" cy="3770"/>
             </a:xfrm>
             <a:prstGeom prst="straightConnector1">
@@ -18242,7 +18092,7 @@
           </p:blipFill>
           <p:spPr>
             <a:xfrm>
-              <a:off x="12795970" y="477274"/>
+              <a:off x="16961623" y="981800"/>
               <a:ext cx="1369656" cy="391886"/>
             </a:xfrm>
             <a:prstGeom prst="rect">
@@ -18261,7 +18111,7 @@
           </p:nvCxnSpPr>
           <p:spPr>
             <a:xfrm>
-              <a:off x="3253268" y="1497150"/>
+              <a:off x="3157016" y="1513192"/>
               <a:ext cx="13595" cy="1011566"/>
             </a:xfrm>
             <a:prstGeom prst="straightConnector1">
@@ -18294,13 +18144,14 @@
             <p:cNvPr id="32" name="Conector recto de flecha 31"/>
             <p:cNvCxnSpPr>
               <a:stCxn id="6" idx="3"/>
+              <a:endCxn id="82" idx="1"/>
             </p:cNvCxnSpPr>
             <p:nvPr/>
           </p:nvCxnSpPr>
           <p:spPr>
-            <a:xfrm>
-              <a:off x="4606624" y="885530"/>
-              <a:ext cx="1758585" cy="0"/>
+            <a:xfrm flipV="1">
+              <a:off x="4510372" y="864828"/>
+              <a:ext cx="2893332" cy="36744"/>
             </a:xfrm>
             <a:prstGeom prst="straightConnector1">
               <a:avLst/>
@@ -18332,14 +18183,14 @@
             <p:cNvPr id="35" name="Conector recto de flecha 34"/>
             <p:cNvCxnSpPr>
               <a:stCxn id="156" idx="3"/>
-              <a:endCxn id="209" idx="2"/>
+              <a:endCxn id="190" idx="2"/>
             </p:cNvCxnSpPr>
             <p:nvPr/>
           </p:nvCxnSpPr>
           <p:spPr>
             <a:xfrm flipV="1">
-              <a:off x="14437975" y="3198535"/>
-              <a:ext cx="2055094" cy="1"/>
+              <a:off x="18557169" y="3736308"/>
+              <a:ext cx="856157" cy="5870"/>
             </a:xfrm>
             <a:prstGeom prst="straightConnector1">
               <a:avLst/>
@@ -18377,7 +18228,7 @@
           </p:nvCxnSpPr>
           <p:spPr>
             <a:xfrm>
-              <a:off x="3266863" y="3888353"/>
+              <a:off x="3170611" y="3904395"/>
               <a:ext cx="25540" cy="2380509"/>
             </a:xfrm>
             <a:prstGeom prst="straightConnector1">
@@ -18410,14 +18261,13 @@
             <p:cNvPr id="39" name="Conector recto de flecha 38"/>
             <p:cNvCxnSpPr>
               <a:stCxn id="9" idx="3"/>
-              <a:endCxn id="93" idx="1"/>
             </p:cNvCxnSpPr>
             <p:nvPr/>
           </p:nvCxnSpPr>
           <p:spPr>
             <a:xfrm flipV="1">
-              <a:off x="4509373" y="3173599"/>
-              <a:ext cx="2577744" cy="24936"/>
+              <a:off x="4413121" y="3205546"/>
+              <a:ext cx="1650822" cy="9031"/>
             </a:xfrm>
             <a:prstGeom prst="straightConnector1">
               <a:avLst/>
@@ -18452,7 +18302,7 @@
           </p:nvSpPr>
           <p:spPr>
             <a:xfrm>
-              <a:off x="3355248" y="4668612"/>
+              <a:off x="3258996" y="4684654"/>
               <a:ext cx="1783309" cy="369332"/>
             </a:xfrm>
             <a:prstGeom prst="rect">
@@ -18515,7 +18365,7 @@
           </p:nvSpPr>
           <p:spPr>
             <a:xfrm>
-              <a:off x="4534913" y="2804267"/>
+              <a:off x="4438661" y="2820309"/>
               <a:ext cx="1007075" cy="369332"/>
             </a:xfrm>
             <a:prstGeom prst="rect">
@@ -18567,7 +18417,7 @@
           </p:nvCxnSpPr>
           <p:spPr>
             <a:xfrm>
-              <a:off x="3235880" y="-365953"/>
+              <a:off x="3139628" y="-349911"/>
               <a:ext cx="7330" cy="589451"/>
             </a:xfrm>
             <a:prstGeom prst="straightConnector1">
@@ -18603,7 +18453,7 @@
           </p:nvCxnSpPr>
           <p:spPr>
             <a:xfrm flipH="1" flipV="1">
-              <a:off x="1376948" y="-365953"/>
+              <a:off x="1280696" y="-349911"/>
               <a:ext cx="53418" cy="11383150"/>
             </a:xfrm>
             <a:prstGeom prst="straightConnector1">
@@ -18639,7 +18489,7 @@
           </p:nvCxnSpPr>
           <p:spPr>
             <a:xfrm>
-              <a:off x="1392804" y="-365953"/>
+              <a:off x="1296552" y="-349911"/>
               <a:ext cx="1860464" cy="1"/>
             </a:xfrm>
             <a:prstGeom prst="straightConnector1">
@@ -18675,7 +18525,7 @@
           </p:nvCxnSpPr>
           <p:spPr>
             <a:xfrm flipH="1" flipV="1">
-              <a:off x="1430366" y="11017197"/>
+              <a:off x="1334114" y="11033239"/>
               <a:ext cx="981788" cy="11950"/>
             </a:xfrm>
             <a:prstGeom prst="straightConnector1">
@@ -18711,7 +18561,7 @@
           </p:nvSpPr>
           <p:spPr>
             <a:xfrm>
-              <a:off x="12992563" y="120689"/>
+              <a:off x="17158216" y="625215"/>
               <a:ext cx="1275775" cy="276999"/>
             </a:xfrm>
             <a:prstGeom prst="rect">
@@ -18749,7 +18599,7 @@
           </p:nvSpPr>
           <p:spPr>
             <a:xfrm>
-              <a:off x="4485064" y="3220539"/>
+              <a:off x="4388812" y="3236581"/>
               <a:ext cx="1197572" cy="338554"/>
             </a:xfrm>
             <a:prstGeom prst="rect">
@@ -18810,7 +18660,7 @@
           </p:nvSpPr>
           <p:spPr>
             <a:xfrm>
-              <a:off x="4643883" y="986279"/>
+              <a:off x="4547631" y="1002321"/>
               <a:ext cx="1354858" cy="338554"/>
             </a:xfrm>
             <a:prstGeom prst="rect">
@@ -18871,7 +18721,7 @@
           </p:nvSpPr>
           <p:spPr>
             <a:xfrm>
-              <a:off x="2164688" y="8363914"/>
+              <a:off x="2068436" y="8379956"/>
               <a:ext cx="2255429" cy="1423974"/>
             </a:xfrm>
             <a:prstGeom prst="flowChartDecision">
@@ -18959,7 +18809,7 @@
           </p:nvSpPr>
           <p:spPr>
             <a:xfrm>
-              <a:off x="12992536" y="6480015"/>
+              <a:off x="13642138" y="8525593"/>
               <a:ext cx="1525209" cy="1082942"/>
             </a:xfrm>
             <a:prstGeom prst="roundRect">
@@ -19061,13 +18911,12 @@
             <p:cNvPr id="87" name="Conector recto de flecha 86"/>
             <p:cNvCxnSpPr>
               <a:stCxn id="72" idx="2"/>
-              <a:endCxn id="10" idx="0"/>
             </p:cNvCxnSpPr>
             <p:nvPr/>
           </p:nvCxnSpPr>
           <p:spPr>
             <a:xfrm>
-              <a:off x="3292403" y="9787888"/>
+              <a:off x="3196151" y="9803930"/>
               <a:ext cx="9700" cy="703854"/>
             </a:xfrm>
             <a:prstGeom prst="straightConnector1">
@@ -19100,13 +18949,14 @@
             <p:cNvPr id="90" name="Conector recto de flecha 89"/>
             <p:cNvCxnSpPr>
               <a:stCxn id="72" idx="3"/>
+              <a:endCxn id="86" idx="1"/>
             </p:cNvCxnSpPr>
             <p:nvPr/>
           </p:nvCxnSpPr>
           <p:spPr>
-            <a:xfrm>
-              <a:off x="4420117" y="9075901"/>
-              <a:ext cx="9326133" cy="63790"/>
+            <a:xfrm flipV="1">
+              <a:off x="4323865" y="9067064"/>
+              <a:ext cx="9318273" cy="24879"/>
             </a:xfrm>
             <a:prstGeom prst="straightConnector1">
               <a:avLst/>
@@ -19141,7 +18991,7 @@
           </p:nvSpPr>
           <p:spPr>
             <a:xfrm>
-              <a:off x="4643883" y="6577587"/>
+              <a:off x="4547631" y="6593629"/>
               <a:ext cx="447558" cy="369332"/>
             </a:xfrm>
             <a:prstGeom prst="rect">
@@ -19183,7 +19033,7 @@
           </p:nvSpPr>
           <p:spPr>
             <a:xfrm>
-              <a:off x="3380617" y="7840090"/>
+              <a:off x="3284365" y="7856132"/>
               <a:ext cx="475643" cy="369332"/>
             </a:xfrm>
             <a:prstGeom prst="rect">
@@ -19225,8 +19075,8 @@
           </p:nvSpPr>
           <p:spPr>
             <a:xfrm>
-              <a:off x="7087117" y="2340021"/>
-              <a:ext cx="2747942" cy="1667156"/>
+              <a:off x="10210045" y="32910"/>
+              <a:ext cx="2840666" cy="1667156"/>
             </a:xfrm>
             <a:prstGeom prst="flowChartDecision">
               <a:avLst/>
@@ -19301,137 +19151,16 @@
         </p:sp>
         <p:cxnSp>
           <p:nvCxnSpPr>
-            <p:cNvPr id="96" name="Conector recto de flecha 95"/>
-            <p:cNvCxnSpPr>
-              <a:stCxn id="86" idx="0"/>
-              <a:endCxn id="156" idx="2"/>
-            </p:cNvCxnSpPr>
-            <p:nvPr/>
-          </p:nvCxnSpPr>
-          <p:spPr>
-            <a:xfrm flipH="1" flipV="1">
-              <a:off x="13751429" y="3726136"/>
-              <a:ext cx="3712" cy="2753879"/>
-            </a:xfrm>
-            <a:prstGeom prst="straightConnector1">
-              <a:avLst/>
-            </a:prstGeom>
-            <a:ln w="28575">
-              <a:solidFill>
-                <a:srgbClr val="7240F0"/>
-              </a:solidFill>
-              <a:tailEnd type="triangle" w="lg" len="lg"/>
-            </a:ln>
-          </p:spPr>
-          <p:style>
-            <a:lnRef idx="1">
-              <a:schemeClr val="accent1"/>
-            </a:lnRef>
-            <a:fillRef idx="0">
-              <a:schemeClr val="accent1"/>
-            </a:fillRef>
-            <a:effectRef idx="0">
-              <a:schemeClr val="accent1"/>
-            </a:effectRef>
-            <a:fontRef idx="minor">
-              <a:schemeClr val="tx1"/>
-            </a:fontRef>
-          </p:style>
-        </p:cxnSp>
-        <p:sp>
-          <p:nvSpPr>
-            <p:cNvPr id="134" name="Rectángulo redondeado 133"/>
-            <p:cNvSpPr/>
-            <p:nvPr/>
-          </p:nvSpPr>
-          <p:spPr>
-            <a:xfrm>
-              <a:off x="7698721" y="4967301"/>
-              <a:ext cx="1737060" cy="1055201"/>
-            </a:xfrm>
-            <a:prstGeom prst="roundRect">
-              <a:avLst/>
-            </a:prstGeom>
-            <a:noFill/>
-            <a:ln w="38100">
-              <a:solidFill>
-                <a:srgbClr val="46DACC"/>
-              </a:solidFill>
-            </a:ln>
-          </p:spPr>
-          <p:style>
-            <a:lnRef idx="2">
-              <a:schemeClr val="accent1">
-                <a:shade val="50000"/>
-              </a:schemeClr>
-            </a:lnRef>
-            <a:fillRef idx="1">
-              <a:schemeClr val="accent1"/>
-            </a:fillRef>
-            <a:effectRef idx="0">
-              <a:schemeClr val="accent1"/>
-            </a:effectRef>
-            <a:fontRef idx="minor">
-              <a:schemeClr val="lt1"/>
-            </a:fontRef>
-          </p:style>
-          <p:txBody>
-            <a:bodyPr lIns="0" tIns="0" rIns="0" bIns="0" rtlCol="0" anchor="ctr"/>
-            <a:lstStyle/>
-            <a:p>
-              <a:pPr algn="ctr"/>
-              <a:r>
-                <a:rPr lang="es-ES" sz="1200" dirty="0" smtClean="0">
-                  <a:solidFill>
-                    <a:schemeClr val="tx1">
-                      <a:lumMod val="75000"/>
-                      <a:lumOff val="25000"/>
-                    </a:schemeClr>
-                  </a:solidFill>
-                  <a:latin typeface="Arial Rounded MT Bold" panose="020F0704030504030204" pitchFamily="34" charset="0"/>
-                </a:rPr>
-                <a:t>ASK FOR </a:t>
-              </a:r>
-            </a:p>
-            <a:p>
-              <a:pPr algn="ctr"/>
-              <a:r>
-                <a:rPr lang="es-ES" sz="1200" dirty="0" smtClean="0">
-                  <a:solidFill>
-                    <a:schemeClr val="tx1">
-                      <a:lumMod val="75000"/>
-                      <a:lumOff val="25000"/>
-                    </a:schemeClr>
-                  </a:solidFill>
-                  <a:latin typeface="Arial Rounded MT Bold" panose="020F0704030504030204" pitchFamily="34" charset="0"/>
-                </a:rPr>
-                <a:t>@INTOLERANCES</a:t>
-              </a:r>
-              <a:endParaRPr lang="es-ES" sz="1200" dirty="0">
-                <a:solidFill>
-                  <a:schemeClr val="tx1">
-                    <a:lumMod val="75000"/>
-                    <a:lumOff val="25000"/>
-                  </a:schemeClr>
-                </a:solidFill>
-                <a:latin typeface="Arial Rounded MT Bold" panose="020F0704030504030204" pitchFamily="34" charset="0"/>
-              </a:endParaRPr>
-            </a:p>
-          </p:txBody>
-        </p:sp>
-        <p:cxnSp>
-          <p:nvCxnSpPr>
             <p:cNvPr id="135" name="Conector recto de flecha 134"/>
             <p:cNvCxnSpPr>
               <a:stCxn id="93" idx="3"/>
-              <a:endCxn id="156" idx="1"/>
             </p:cNvCxnSpPr>
             <p:nvPr/>
           </p:nvCxnSpPr>
           <p:spPr>
             <a:xfrm>
-              <a:off x="9835059" y="3173599"/>
-              <a:ext cx="3229824" cy="24937"/>
+              <a:off x="13050711" y="866488"/>
+              <a:ext cx="1882460" cy="25425"/>
             </a:xfrm>
             <a:prstGeom prst="straightConnector1">
               <a:avLst/>
@@ -19466,8 +19195,8 @@
           </p:nvSpPr>
           <p:spPr>
             <a:xfrm>
-              <a:off x="8505742" y="4168827"/>
-              <a:ext cx="1055545" cy="369332"/>
+              <a:off x="9855919" y="2661785"/>
+              <a:ext cx="1055545" cy="923330"/>
             </a:xfrm>
             <a:prstGeom prst="rect">
               <a:avLst/>
@@ -19479,6 +19208,32 @@
               <a:spAutoFit/>
             </a:bodyPr>
             <a:lstStyle/>
+            <a:p>
+              <a:pPr algn="ctr"/>
+              <a:r>
+                <a:rPr lang="es-ES" b="1" dirty="0" smtClean="0">
+                  <a:solidFill>
+                    <a:srgbClr val="FF3300"/>
+                  </a:solidFill>
+                  <a:latin typeface="+mj-lt"/>
+                  <a:cs typeface="Aharoni" panose="02010803020104030203" pitchFamily="2" charset="-79"/>
+                </a:rPr>
+                <a:t>Yes </a:t>
+              </a:r>
+            </a:p>
+            <a:p>
+              <a:pPr algn="ctr"/>
+              <a:r>
+                <a:rPr lang="es-ES" b="1" dirty="0" smtClean="0">
+                  <a:solidFill>
+                    <a:srgbClr val="FF3300"/>
+                  </a:solidFill>
+                  <a:latin typeface="+mj-lt"/>
+                  <a:cs typeface="Aharoni" panose="02010803020104030203" pitchFamily="2" charset="-79"/>
+                </a:rPr>
+                <a:t>/ </a:t>
+              </a:r>
+            </a:p>
             <a:p>
               <a:pPr algn="ctr"/>
               <a:r>
@@ -19508,9 +19263,9 @@
             <p:nvPr/>
           </p:nvCxnSpPr>
           <p:spPr>
-            <a:xfrm flipV="1">
-              <a:off x="6365209" y="3173599"/>
-              <a:ext cx="0" cy="2321302"/>
+            <a:xfrm flipH="1" flipV="1">
+              <a:off x="6595877" y="883200"/>
+              <a:ext cx="16387" cy="2873994"/>
             </a:xfrm>
             <a:prstGeom prst="straightConnector1">
               <a:avLst/>
@@ -19545,8 +19300,8 @@
           </p:nvSpPr>
           <p:spPr>
             <a:xfrm>
-              <a:off x="9915508" y="2772397"/>
-              <a:ext cx="922881" cy="369332"/>
+              <a:off x="12801653" y="502907"/>
+              <a:ext cx="750526" cy="369332"/>
             </a:xfrm>
             <a:prstGeom prst="rect">
               <a:avLst/>
@@ -19567,7 +19322,17 @@
                   <a:latin typeface="+mj-lt"/>
                   <a:cs typeface="Aharoni" panose="02010803020104030203" pitchFamily="2" charset="-79"/>
                 </a:rPr>
-                <a:t>Yes / No</a:t>
+                <a:t>!</a:t>
+              </a:r>
+              <a:r>
+                <a:rPr lang="es-ES" b="1" dirty="0" err="1" smtClean="0">
+                  <a:solidFill>
+                    <a:srgbClr val="FF3300"/>
+                  </a:solidFill>
+                  <a:latin typeface="+mj-lt"/>
+                  <a:cs typeface="Aharoni" panose="02010803020104030203" pitchFamily="2" charset="-79"/>
+                </a:rPr>
+                <a:t>None</a:t>
               </a:r>
               <a:endParaRPr lang="es-ES" b="1" dirty="0">
                 <a:solidFill>
@@ -19587,7 +19352,7 @@
           </p:nvSpPr>
           <p:spPr>
             <a:xfrm>
-              <a:off x="13064883" y="2670935"/>
+              <a:off x="17184077" y="3214577"/>
               <a:ext cx="1373092" cy="1055201"/>
             </a:xfrm>
             <a:prstGeom prst="roundRect">
@@ -19683,7 +19448,7 @@
           </p:nvSpPr>
           <p:spPr>
             <a:xfrm>
-              <a:off x="-936788" y="938228"/>
+              <a:off x="-1033040" y="954270"/>
               <a:ext cx="2045753" cy="1323439"/>
             </a:xfrm>
             <a:prstGeom prst="rect">
@@ -20000,7 +19765,7 @@
           </p:nvSpPr>
           <p:spPr>
             <a:xfrm rot="16200000">
-              <a:off x="13050969" y="1830519"/>
+              <a:off x="17216622" y="2335045"/>
               <a:ext cx="1224000" cy="258461"/>
             </a:xfrm>
             <a:prstGeom prst="leftRightArrow">
@@ -20070,7 +19835,7 @@
           </p:blipFill>
           <p:spPr>
             <a:xfrm>
-              <a:off x="13882233" y="1336728"/>
+              <a:off x="18047886" y="1841254"/>
               <a:ext cx="614369" cy="650686"/>
             </a:xfrm>
             <a:prstGeom prst="rect">
@@ -20086,7 +19851,7 @@
           </p:nvSpPr>
           <p:spPr>
             <a:xfrm>
-              <a:off x="15917759" y="6454476"/>
+              <a:off x="12710576" y="11263429"/>
               <a:ext cx="1275775" cy="307777"/>
             </a:xfrm>
             <a:prstGeom prst="rect">
@@ -20145,7 +19910,7 @@
           </p:blipFill>
           <p:spPr>
             <a:xfrm>
-              <a:off x="16493069" y="6883237"/>
+              <a:off x="13285886" y="11692190"/>
               <a:ext cx="522597" cy="524294"/>
             </a:xfrm>
             <a:prstGeom prst="rect">
@@ -20175,7 +19940,7 @@
           </p:blipFill>
           <p:spPr>
             <a:xfrm>
-              <a:off x="15813430" y="6936464"/>
+              <a:off x="12606247" y="11745417"/>
               <a:ext cx="528324" cy="486058"/>
             </a:xfrm>
             <a:prstGeom prst="rect">
@@ -20191,7 +19956,7 @@
           </p:nvSpPr>
           <p:spPr>
             <a:xfrm>
-              <a:off x="4405228" y="9160328"/>
+              <a:off x="4308976" y="9176370"/>
               <a:ext cx="1832168" cy="338554"/>
             </a:xfrm>
             <a:prstGeom prst="rect">
@@ -20291,7 +20056,7 @@
           </p:nvSpPr>
           <p:spPr>
             <a:xfrm>
-              <a:off x="3314179" y="1750373"/>
+              <a:off x="3217927" y="1766415"/>
               <a:ext cx="1732014" cy="369332"/>
             </a:xfrm>
             <a:prstGeom prst="rect">
@@ -20354,7 +20119,7 @@
           </p:nvSpPr>
           <p:spPr>
             <a:xfrm>
-              <a:off x="-904514" y="529207"/>
+              <a:off x="-1000766" y="545249"/>
               <a:ext cx="475643" cy="369332"/>
             </a:xfrm>
             <a:prstGeom prst="rect">
@@ -20396,7 +20161,7 @@
           </p:nvSpPr>
           <p:spPr>
             <a:xfrm>
-              <a:off x="4740166" y="525853"/>
+              <a:off x="4643914" y="541895"/>
               <a:ext cx="801823" cy="369332"/>
             </a:xfrm>
             <a:prstGeom prst="rect">
@@ -20448,7 +20213,7 @@
           </p:nvSpPr>
           <p:spPr>
             <a:xfrm>
-              <a:off x="9858878" y="3231698"/>
+              <a:off x="12816258" y="983323"/>
               <a:ext cx="1917513" cy="584775"/>
             </a:xfrm>
             <a:prstGeom prst="rect">
@@ -20559,52 +20324,15 @@
           <p:nvCxnSpPr>
             <p:cNvPr id="146" name="Conector recto de flecha 145"/>
             <p:cNvCxnSpPr>
-              <a:stCxn id="134" idx="1"/>
+              <a:stCxn id="102" idx="1"/>
+              <a:endCxn id="352" idx="3"/>
             </p:cNvCxnSpPr>
             <p:nvPr/>
           </p:nvCxnSpPr>
           <p:spPr>
             <a:xfrm flipH="1" flipV="1">
-              <a:off x="6365209" y="5494901"/>
-              <a:ext cx="1333512" cy="1"/>
-            </a:xfrm>
-            <a:prstGeom prst="straightConnector1">
-              <a:avLst/>
-            </a:prstGeom>
-            <a:ln w="28575">
-              <a:solidFill>
-                <a:srgbClr val="7240F0"/>
-              </a:solidFill>
-              <a:tailEnd type="triangle" w="lg" len="lg"/>
-            </a:ln>
-          </p:spPr>
-          <p:style>
-            <a:lnRef idx="1">
-              <a:schemeClr val="accent1"/>
-            </a:lnRef>
-            <a:fillRef idx="0">
-              <a:schemeClr val="accent1"/>
-            </a:fillRef>
-            <a:effectRef idx="0">
-              <a:schemeClr val="accent1"/>
-            </a:effectRef>
-            <a:fontRef idx="minor">
-              <a:schemeClr val="tx1"/>
-            </a:fontRef>
-          </p:style>
-        </p:cxnSp>
-        <p:cxnSp>
-          <p:nvCxnSpPr>
-            <p:cNvPr id="149" name="Conector recto de flecha 148"/>
-            <p:cNvCxnSpPr>
-              <a:stCxn id="93" idx="2"/>
-            </p:cNvCxnSpPr>
-            <p:nvPr/>
-          </p:nvCxnSpPr>
-          <p:spPr>
-            <a:xfrm>
-              <a:off x="8461088" y="4007177"/>
-              <a:ext cx="0" cy="948088"/>
+              <a:off x="9558128" y="3754891"/>
+              <a:ext cx="977563" cy="6205"/>
             </a:xfrm>
             <a:prstGeom prst="straightConnector1">
               <a:avLst/>
@@ -20633,195 +20361,14 @@
         </p:cxnSp>
         <p:sp>
           <p:nvSpPr>
-            <p:cNvPr id="192" name="Flecha izquierda y derecha 191"/>
-            <p:cNvSpPr/>
-            <p:nvPr/>
-          </p:nvSpPr>
-          <p:spPr>
-            <a:xfrm rot="10800000">
-              <a:off x="14641959" y="6914643"/>
-              <a:ext cx="936000" cy="212903"/>
-            </a:xfrm>
-            <a:prstGeom prst="leftRightArrow">
-              <a:avLst/>
-            </a:prstGeom>
-            <a:solidFill>
-              <a:schemeClr val="accent3">
-                <a:lumMod val="60000"/>
-                <a:lumOff val="40000"/>
-              </a:schemeClr>
-            </a:solidFill>
-            <a:ln>
-              <a:noFill/>
-            </a:ln>
-          </p:spPr>
-          <p:style>
-            <a:lnRef idx="2">
-              <a:schemeClr val="accent1">
-                <a:shade val="50000"/>
-              </a:schemeClr>
-            </a:lnRef>
-            <a:fillRef idx="1">
-              <a:schemeClr val="accent1"/>
-            </a:fillRef>
-            <a:effectRef idx="0">
-              <a:schemeClr val="accent1"/>
-            </a:effectRef>
-            <a:fontRef idx="minor">
-              <a:schemeClr val="lt1"/>
-            </a:fontRef>
-          </p:style>
-          <p:txBody>
-            <a:bodyPr rtlCol="0" anchor="ctr"/>
-            <a:lstStyle/>
-            <a:p>
-              <a:pPr algn="ctr"/>
-              <a:endParaRPr lang="es-ES"/>
-            </a:p>
-          </p:txBody>
-        </p:sp>
-        <p:sp>
-          <p:nvSpPr>
-            <p:cNvPr id="206" name="Elipse 205"/>
-            <p:cNvSpPr/>
-            <p:nvPr/>
-          </p:nvSpPr>
-          <p:spPr>
-            <a:xfrm>
-              <a:off x="-5296137" y="404214"/>
-              <a:ext cx="1260000" cy="1008000"/>
-            </a:xfrm>
-            <a:prstGeom prst="ellipse">
-              <a:avLst/>
-            </a:prstGeom>
-            <a:noFill/>
-            <a:ln w="76200">
-              <a:solidFill>
-                <a:srgbClr val="46DACC"/>
-              </a:solidFill>
-            </a:ln>
-          </p:spPr>
-          <p:style>
-            <a:lnRef idx="2">
-              <a:schemeClr val="accent1">
-                <a:shade val="50000"/>
-              </a:schemeClr>
-            </a:lnRef>
-            <a:fillRef idx="1">
-              <a:schemeClr val="accent1"/>
-            </a:fillRef>
-            <a:effectRef idx="0">
-              <a:schemeClr val="accent1"/>
-            </a:effectRef>
-            <a:fontRef idx="minor">
-              <a:schemeClr val="lt1"/>
-            </a:fontRef>
-          </p:style>
-          <p:txBody>
-            <a:bodyPr lIns="0" tIns="0" rIns="0" bIns="0" rtlCol="0" anchor="ctr"/>
-            <a:lstStyle/>
-            <a:p>
-              <a:pPr algn="ctr"/>
-              <a:r>
-                <a:rPr lang="es-ES" sz="1200" dirty="0" smtClean="0">
-                  <a:solidFill>
-                    <a:schemeClr val="tx1">
-                      <a:lumMod val="75000"/>
-                      <a:lumOff val="25000"/>
-                    </a:schemeClr>
-                  </a:solidFill>
-                  <a:latin typeface="Arial Rounded MT Bold" panose="020F0704030504030204" pitchFamily="34" charset="0"/>
-                </a:rPr>
-                <a:t>START</a:t>
-              </a:r>
-              <a:endParaRPr lang="es-ES" sz="1200" dirty="0">
-                <a:solidFill>
-                  <a:schemeClr val="tx1">
-                    <a:lumMod val="75000"/>
-                    <a:lumOff val="25000"/>
-                  </a:schemeClr>
-                </a:solidFill>
-                <a:latin typeface="Arial Rounded MT Bold" panose="020F0704030504030204" pitchFamily="34" charset="0"/>
-              </a:endParaRPr>
-            </a:p>
-          </p:txBody>
-        </p:sp>
-        <p:sp>
-          <p:nvSpPr>
-            <p:cNvPr id="209" name="Elipse 208"/>
-            <p:cNvSpPr/>
-            <p:nvPr/>
-          </p:nvSpPr>
-          <p:spPr>
-            <a:xfrm>
-              <a:off x="16493069" y="2694535"/>
-              <a:ext cx="1260000" cy="1008000"/>
-            </a:xfrm>
-            <a:prstGeom prst="ellipse">
-              <a:avLst/>
-            </a:prstGeom>
-            <a:noFill/>
-            <a:ln w="76200">
-              <a:solidFill>
-                <a:srgbClr val="46DACC"/>
-              </a:solidFill>
-            </a:ln>
-          </p:spPr>
-          <p:style>
-            <a:lnRef idx="2">
-              <a:schemeClr val="accent1">
-                <a:shade val="50000"/>
-              </a:schemeClr>
-            </a:lnRef>
-            <a:fillRef idx="1">
-              <a:schemeClr val="accent1"/>
-            </a:fillRef>
-            <a:effectRef idx="0">
-              <a:schemeClr val="accent1"/>
-            </a:effectRef>
-            <a:fontRef idx="minor">
-              <a:schemeClr val="lt1"/>
-            </a:fontRef>
-          </p:style>
-          <p:txBody>
-            <a:bodyPr lIns="0" tIns="0" rIns="0" bIns="0" rtlCol="0" anchor="ctr"/>
-            <a:lstStyle/>
-            <a:p>
-              <a:pPr algn="ctr"/>
-              <a:r>
-                <a:rPr lang="es-ES" sz="1200" dirty="0" smtClean="0">
-                  <a:solidFill>
-                    <a:schemeClr val="tx1">
-                      <a:lumMod val="75000"/>
-                      <a:lumOff val="25000"/>
-                    </a:schemeClr>
-                  </a:solidFill>
-                  <a:latin typeface="Arial Rounded MT Bold" panose="020F0704030504030204" pitchFamily="34" charset="0"/>
-                </a:rPr>
-                <a:t>RESPONSE</a:t>
-              </a:r>
-              <a:endParaRPr lang="es-ES" sz="1200" dirty="0">
-                <a:solidFill>
-                  <a:schemeClr val="tx1">
-                    <a:lumMod val="75000"/>
-                    <a:lumOff val="25000"/>
-                  </a:schemeClr>
-                </a:solidFill>
-                <a:latin typeface="Arial Rounded MT Bold" panose="020F0704030504030204" pitchFamily="34" charset="0"/>
-              </a:endParaRPr>
-            </a:p>
-          </p:txBody>
-        </p:sp>
-        <p:sp>
-          <p:nvSpPr>
             <p:cNvPr id="212" name="Rectángulo redondeado 211"/>
             <p:cNvSpPr/>
             <p:nvPr/>
           </p:nvSpPr>
           <p:spPr>
             <a:xfrm>
-              <a:off x="-3624182" y="-882316"/>
-              <a:ext cx="15384396" cy="12962021"/>
+              <a:off x="-3720435" y="-866274"/>
+              <a:ext cx="15947711" cy="12962021"/>
             </a:xfrm>
             <a:prstGeom prst="roundRect">
               <a:avLst>
@@ -20871,8 +20418,8 @@
           </p:nvSpPr>
           <p:spPr>
             <a:xfrm>
-              <a:off x="8571160" y="11587809"/>
-              <a:ext cx="2809615" cy="338554"/>
+              <a:off x="7964129" y="11555800"/>
+              <a:ext cx="3476977" cy="400110"/>
             </a:xfrm>
             <a:prstGeom prst="rect">
               <a:avLst/>
@@ -20886,7 +20433,7 @@
             <a:lstStyle/>
             <a:p>
               <a:r>
-                <a:rPr lang="es-ES" sz="1600" b="1" dirty="0" smtClean="0">
+                <a:rPr lang="es-ES" sz="2000" b="1" dirty="0" smtClean="0">
                   <a:solidFill>
                     <a:schemeClr val="tx1">
                       <a:lumMod val="50000"/>
@@ -20898,7 +20445,7 @@
                 </a:rPr>
                 <a:t>WATSON CONVERSATION</a:t>
               </a:r>
-              <a:endParaRPr lang="es-ES" sz="1600" b="1" dirty="0">
+              <a:endParaRPr lang="es-ES" sz="2000" b="1" dirty="0">
                 <a:solidFill>
                   <a:schemeClr val="tx1">
                     <a:lumMod val="50000"/>
@@ -20918,9 +20465,9 @@
             <p:nvPr/>
           </p:nvCxnSpPr>
           <p:spPr>
-            <a:xfrm>
-              <a:off x="6365209" y="877345"/>
-              <a:ext cx="0" cy="2296254"/>
+            <a:xfrm flipH="1" flipV="1">
+              <a:off x="6031615" y="883200"/>
+              <a:ext cx="2759" cy="2267021"/>
             </a:xfrm>
             <a:prstGeom prst="straightConnector1">
               <a:avLst/>
@@ -20949,112 +20496,13 @@
         </p:cxnSp>
         <p:sp>
           <p:nvSpPr>
-            <p:cNvPr id="338" name="Rectángulo redondeado 337"/>
-            <p:cNvSpPr/>
-            <p:nvPr/>
-          </p:nvSpPr>
-          <p:spPr>
-            <a:xfrm>
-              <a:off x="12183721" y="1987182"/>
-              <a:ext cx="3080605" cy="8241626"/>
-            </a:xfrm>
-            <a:prstGeom prst="roundRect">
-              <a:avLst>
-                <a:gd name="adj" fmla="val 9368"/>
-              </a:avLst>
-            </a:prstGeom>
-            <a:noFill/>
-            <a:ln>
-              <a:solidFill>
-                <a:schemeClr val="bg1">
-                  <a:lumMod val="75000"/>
-                </a:schemeClr>
-              </a:solidFill>
-              <a:prstDash val="sysDash"/>
-            </a:ln>
-          </p:spPr>
-          <p:style>
-            <a:lnRef idx="2">
-              <a:schemeClr val="accent1">
-                <a:shade val="50000"/>
-              </a:schemeClr>
-            </a:lnRef>
-            <a:fillRef idx="1">
-              <a:schemeClr val="accent1"/>
-            </a:fillRef>
-            <a:effectRef idx="0">
-              <a:schemeClr val="accent1"/>
-            </a:effectRef>
-            <a:fontRef idx="minor">
-              <a:schemeClr val="lt1"/>
-            </a:fontRef>
-          </p:style>
-          <p:txBody>
-            <a:bodyPr rtlCol="0" anchor="ctr"/>
-            <a:lstStyle/>
-            <a:p>
-              <a:pPr algn="ctr"/>
-              <a:endParaRPr lang="es-ES"/>
-            </a:p>
-          </p:txBody>
-        </p:sp>
-        <p:sp>
-          <p:nvSpPr>
-            <p:cNvPr id="339" name="CuadroTexto 338"/>
-            <p:cNvSpPr txBox="1"/>
-            <p:nvPr/>
-          </p:nvSpPr>
-          <p:spPr>
-            <a:xfrm>
-              <a:off x="12322559" y="9745713"/>
-              <a:ext cx="2847383" cy="338554"/>
-            </a:xfrm>
-            <a:prstGeom prst="rect">
-              <a:avLst/>
-            </a:prstGeom>
-            <a:noFill/>
-          </p:spPr>
-          <p:txBody>
-            <a:bodyPr wrap="none" rtlCol="0">
-              <a:spAutoFit/>
-            </a:bodyPr>
-            <a:lstStyle/>
-            <a:p>
-              <a:r>
-                <a:rPr lang="es-ES" sz="1600" b="1" dirty="0" smtClean="0">
-                  <a:solidFill>
-                    <a:schemeClr val="tx1">
-                      <a:lumMod val="50000"/>
-                      <a:lumOff val="50000"/>
-                    </a:schemeClr>
-                  </a:solidFill>
-                  <a:latin typeface="Arial Rounded MT Bold" panose="020F0704030504030204" pitchFamily="34" charset="0"/>
-                  <a:cs typeface="Aharoni" panose="02010803020104030203" pitchFamily="2" charset="-79"/>
-                </a:rPr>
-                <a:t>ORCHESTRATION ENGINE</a:t>
-              </a:r>
-              <a:endParaRPr lang="es-ES" sz="1600" b="1" dirty="0">
-                <a:solidFill>
-                  <a:schemeClr val="tx1">
-                    <a:lumMod val="50000"/>
-                    <a:lumOff val="50000"/>
-                  </a:schemeClr>
-                </a:solidFill>
-                <a:latin typeface="Arial Rounded MT Bold" panose="020F0704030504030204" pitchFamily="34" charset="0"/>
-                <a:cs typeface="Aharoni" panose="02010803020104030203" pitchFamily="2" charset="-79"/>
-              </a:endParaRPr>
-            </a:p>
-          </p:txBody>
-        </p:sp>
-        <p:sp>
-          <p:nvSpPr>
             <p:cNvPr id="63" name="Decisión 62"/>
             <p:cNvSpPr/>
             <p:nvPr/>
           </p:nvSpPr>
           <p:spPr>
             <a:xfrm>
-              <a:off x="2049893" y="6268862"/>
+              <a:off x="1953641" y="6284904"/>
               <a:ext cx="2485020" cy="1379637"/>
             </a:xfrm>
             <a:prstGeom prst="flowChartDecision">
@@ -21130,7 +20578,7 @@
           </p:nvCxnSpPr>
           <p:spPr>
             <a:xfrm>
-              <a:off x="3292403" y="7648499"/>
+              <a:off x="3196151" y="7664541"/>
               <a:ext cx="0" cy="715415"/>
             </a:xfrm>
             <a:prstGeom prst="straightConnector1">
@@ -21166,7 +20614,7 @@
           </p:nvSpPr>
           <p:spPr>
             <a:xfrm>
-              <a:off x="3440941" y="9899601"/>
+              <a:off x="3344689" y="9915643"/>
               <a:ext cx="884281" cy="369332"/>
             </a:xfrm>
             <a:prstGeom prst="rect">
@@ -21202,7 +20650,7 @@
           </p:nvSpPr>
           <p:spPr>
             <a:xfrm>
-              <a:off x="4380189" y="8627325"/>
+              <a:off x="4283937" y="8643367"/>
               <a:ext cx="3112647" cy="369332"/>
             </a:xfrm>
             <a:prstGeom prst="rect">
@@ -21282,52 +20730,13 @@
             <p:cNvPr id="88" name="Conector recto de flecha 87"/>
             <p:cNvCxnSpPr>
               <a:stCxn id="63" idx="3"/>
-              <a:endCxn id="86" idx="1"/>
             </p:cNvCxnSpPr>
             <p:nvPr/>
           </p:nvCxnSpPr>
           <p:spPr>
             <a:xfrm>
-              <a:off x="4534913" y="6958681"/>
-              <a:ext cx="8457623" cy="62805"/>
-            </a:xfrm>
-            <a:prstGeom prst="straightConnector1">
-              <a:avLst/>
-            </a:prstGeom>
-            <a:ln w="28575">
-              <a:solidFill>
-                <a:srgbClr val="7240F0"/>
-              </a:solidFill>
-              <a:tailEnd type="triangle" w="lg" len="lg"/>
-            </a:ln>
-          </p:spPr>
-          <p:style>
-            <a:lnRef idx="1">
-              <a:schemeClr val="accent1"/>
-            </a:lnRef>
-            <a:fillRef idx="0">
-              <a:schemeClr val="accent1"/>
-            </a:fillRef>
-            <a:effectRef idx="0">
-              <a:schemeClr val="accent1"/>
-            </a:effectRef>
-            <a:fontRef idx="minor">
-              <a:schemeClr val="tx1"/>
-            </a:fontRef>
-          </p:style>
-        </p:cxnSp>
-        <p:cxnSp>
-          <p:nvCxnSpPr>
-            <p:cNvPr id="106" name="Conector recto de flecha 105"/>
-            <p:cNvCxnSpPr>
-              <a:endCxn id="86" idx="2"/>
-            </p:cNvCxnSpPr>
-            <p:nvPr/>
-          </p:nvCxnSpPr>
-          <p:spPr>
-            <a:xfrm flipV="1">
-              <a:off x="13751429" y="7562957"/>
-              <a:ext cx="3712" cy="1597371"/>
+              <a:off x="4438661" y="6974723"/>
+              <a:ext cx="9991328" cy="95066"/>
             </a:xfrm>
             <a:prstGeom prst="straightConnector1">
               <a:avLst/>
@@ -21362,7 +20771,7 @@
           </p:nvSpPr>
           <p:spPr>
             <a:xfrm>
-              <a:off x="4569832" y="7033248"/>
+              <a:off x="4473580" y="7049290"/>
               <a:ext cx="1832168" cy="338554"/>
             </a:xfrm>
             <a:prstGeom prst="rect">
@@ -21454,7 +20863,2354 @@
             </a:p>
           </p:txBody>
         </p:sp>
+        <p:sp>
+          <p:nvSpPr>
+            <p:cNvPr id="71" name="Llamada con línea 2 (sin borde) 70"/>
+            <p:cNvSpPr/>
+            <p:nvPr/>
+          </p:nvSpPr>
+          <p:spPr>
+            <a:xfrm>
+              <a:off x="2951535" y="12263358"/>
+              <a:ext cx="914400" cy="612648"/>
+            </a:xfrm>
+            <a:prstGeom prst="callout2">
+              <a:avLst>
+                <a:gd name="adj1" fmla="val -707148"/>
+                <a:gd name="adj2" fmla="val -328643"/>
+                <a:gd name="adj3" fmla="val -625070"/>
+                <a:gd name="adj4" fmla="val -305810"/>
+                <a:gd name="adj5" fmla="val -725137"/>
+                <a:gd name="adj6" fmla="val 25613"/>
+              </a:avLst>
+            </a:prstGeom>
+            <a:noFill/>
+            <a:ln>
+              <a:solidFill>
+                <a:schemeClr val="tx1">
+                  <a:lumMod val="50000"/>
+                  <a:lumOff val="50000"/>
+                </a:schemeClr>
+              </a:solidFill>
+            </a:ln>
+          </p:spPr>
+          <p:style>
+            <a:lnRef idx="2">
+              <a:schemeClr val="accent1">
+                <a:shade val="50000"/>
+              </a:schemeClr>
+            </a:lnRef>
+            <a:fillRef idx="1">
+              <a:schemeClr val="accent1"/>
+            </a:fillRef>
+            <a:effectRef idx="0">
+              <a:schemeClr val="accent1"/>
+            </a:effectRef>
+            <a:fontRef idx="minor">
+              <a:schemeClr val="lt1"/>
+            </a:fontRef>
+          </p:style>
+          <p:txBody>
+            <a:bodyPr rtlCol="0" anchor="ctr"/>
+            <a:lstStyle/>
+            <a:p>
+              <a:pPr algn="ctr"/>
+              <a:endParaRPr lang="es-ES"/>
+            </a:p>
+          </p:txBody>
+        </p:sp>
+        <p:sp>
+          <p:nvSpPr>
+            <p:cNvPr id="73" name="Rectángulo 72"/>
+            <p:cNvSpPr/>
+            <p:nvPr/>
+          </p:nvSpPr>
+          <p:spPr>
+            <a:xfrm>
+              <a:off x="-3388319" y="7375917"/>
+              <a:ext cx="4207690" cy="646331"/>
+            </a:xfrm>
+            <a:prstGeom prst="rect">
+              <a:avLst/>
+            </a:prstGeom>
+            <a:ln>
+              <a:solidFill>
+                <a:schemeClr val="bg2">
+                  <a:lumMod val="90000"/>
+                </a:schemeClr>
+              </a:solidFill>
+              <a:prstDash val="sysDash"/>
+            </a:ln>
+          </p:spPr>
+          <p:txBody>
+            <a:bodyPr wrap="none">
+              <a:spAutoFit/>
+            </a:bodyPr>
+            <a:lstStyle/>
+            <a:p>
+              <a:r>
+                <a:rPr lang="en-US" dirty="0">
+                  <a:solidFill>
+                    <a:schemeClr val="tx1">
+                      <a:lumMod val="50000"/>
+                      <a:lumOff val="50000"/>
+                    </a:schemeClr>
+                  </a:solidFill>
+                </a:rPr>
+                <a:t>"Do you have any preference regarding </a:t>
+              </a:r>
+              <a:r>
+                <a:rPr lang="en-US" dirty="0" smtClean="0">
+                  <a:solidFill>
+                    <a:schemeClr val="tx1">
+                      <a:lumMod val="50000"/>
+                      <a:lumOff val="50000"/>
+                    </a:schemeClr>
+                  </a:solidFill>
+                </a:rPr>
+                <a:t>the</a:t>
+              </a:r>
+            </a:p>
+            <a:p>
+              <a:r>
+                <a:rPr lang="en-US" dirty="0" smtClean="0">
+                  <a:solidFill>
+                    <a:schemeClr val="tx1">
+                      <a:lumMod val="50000"/>
+                      <a:lumOff val="50000"/>
+                    </a:schemeClr>
+                  </a:solidFill>
+                </a:rPr>
+                <a:t> </a:t>
+              </a:r>
+              <a:r>
+                <a:rPr lang="en-US" dirty="0">
+                  <a:solidFill>
+                    <a:schemeClr val="tx1">
+                      <a:lumMod val="50000"/>
+                      <a:lumOff val="50000"/>
+                    </a:schemeClr>
+                  </a:solidFill>
+                </a:rPr>
+                <a:t>ingredients or the type of cooking</a:t>
+              </a:r>
+              <a:r>
+                <a:rPr lang="en-US" dirty="0" smtClean="0">
+                  <a:solidFill>
+                    <a:schemeClr val="tx1">
+                      <a:lumMod val="50000"/>
+                      <a:lumOff val="50000"/>
+                    </a:schemeClr>
+                  </a:solidFill>
+                </a:rPr>
+                <a:t>?”</a:t>
+              </a:r>
+              <a:endParaRPr lang="es-ES" dirty="0">
+                <a:solidFill>
+                  <a:schemeClr val="tx1">
+                    <a:lumMod val="50000"/>
+                    <a:lumOff val="50000"/>
+                  </a:schemeClr>
+                </a:solidFill>
+              </a:endParaRPr>
+            </a:p>
+          </p:txBody>
+        </p:sp>
+        <p:sp>
+          <p:nvSpPr>
+            <p:cNvPr id="74" name="Llamada con línea 2 (sin borde) 73"/>
+            <p:cNvSpPr/>
+            <p:nvPr/>
+          </p:nvSpPr>
+          <p:spPr>
+            <a:xfrm>
+              <a:off x="13543836" y="5259503"/>
+              <a:ext cx="914400" cy="612648"/>
+            </a:xfrm>
+            <a:prstGeom prst="callout2">
+              <a:avLst>
+                <a:gd name="adj1" fmla="val -909248"/>
+                <a:gd name="adj2" fmla="val 86379"/>
+                <a:gd name="adj3" fmla="val -817306"/>
+                <a:gd name="adj4" fmla="val 75713"/>
+                <a:gd name="adj5" fmla="val -724069"/>
+                <a:gd name="adj6" fmla="val 107050"/>
+              </a:avLst>
+            </a:prstGeom>
+            <a:noFill/>
+            <a:ln>
+              <a:solidFill>
+                <a:schemeClr val="tx1">
+                  <a:lumMod val="50000"/>
+                  <a:lumOff val="50000"/>
+                </a:schemeClr>
+              </a:solidFill>
+            </a:ln>
+          </p:spPr>
+          <p:style>
+            <a:lnRef idx="2">
+              <a:schemeClr val="accent1">
+                <a:shade val="50000"/>
+              </a:schemeClr>
+            </a:lnRef>
+            <a:fillRef idx="1">
+              <a:schemeClr val="accent1"/>
+            </a:fillRef>
+            <a:effectRef idx="0">
+              <a:schemeClr val="accent1"/>
+            </a:effectRef>
+            <a:fontRef idx="minor">
+              <a:schemeClr val="lt1"/>
+            </a:fontRef>
+          </p:style>
+          <p:txBody>
+            <a:bodyPr rtlCol="0" anchor="ctr"/>
+            <a:lstStyle/>
+            <a:p>
+              <a:pPr algn="ctr"/>
+              <a:endParaRPr lang="es-ES"/>
+            </a:p>
+          </p:txBody>
+        </p:sp>
+        <p:sp>
+          <p:nvSpPr>
+            <p:cNvPr id="75" name="Rectángulo 74"/>
+            <p:cNvSpPr/>
+            <p:nvPr/>
+          </p:nvSpPr>
+          <p:spPr>
+            <a:xfrm>
+              <a:off x="10911464" y="-966127"/>
+              <a:ext cx="6958123" cy="646331"/>
+            </a:xfrm>
+            <a:prstGeom prst="rect">
+              <a:avLst/>
+            </a:prstGeom>
+            <a:ln>
+              <a:solidFill>
+                <a:schemeClr val="bg2">
+                  <a:lumMod val="90000"/>
+                </a:schemeClr>
+              </a:solidFill>
+              <a:prstDash val="sysDash"/>
+            </a:ln>
+          </p:spPr>
+          <p:txBody>
+            <a:bodyPr wrap="none">
+              <a:spAutoFit/>
+            </a:bodyPr>
+            <a:lstStyle/>
+            <a:p>
+              <a:r>
+                <a:rPr lang="en-US" dirty="0">
+                  <a:solidFill>
+                    <a:schemeClr val="tx1">
+                      <a:lumMod val="50000"/>
+                      <a:lumOff val="50000"/>
+                    </a:schemeClr>
+                  </a:solidFill>
+                </a:rPr>
+                <a:t>":</a:t>
+              </a:r>
+              <a:r>
+                <a:rPr lang="en-US" dirty="0" err="1">
+                  <a:solidFill>
+                    <a:schemeClr val="tx1">
+                      <a:lumMod val="50000"/>
+                      <a:lumOff val="50000"/>
+                    </a:schemeClr>
+                  </a:solidFill>
+                </a:rPr>
+                <a:t>ok_hand</a:t>
+              </a:r>
+              <a:r>
+                <a:rPr lang="en-US" dirty="0">
+                  <a:solidFill>
+                    <a:schemeClr val="tx1">
+                      <a:lumMod val="50000"/>
+                      <a:lumOff val="50000"/>
+                    </a:schemeClr>
+                  </a:solidFill>
+                </a:rPr>
+                <a:t>:  Good choice! </a:t>
+              </a:r>
+              <a:r>
+                <a:rPr lang="en-US" dirty="0" smtClean="0">
+                  <a:solidFill>
+                    <a:schemeClr val="tx1">
+                      <a:lumMod val="50000"/>
+                      <a:lumOff val="50000"/>
+                    </a:schemeClr>
+                  </a:solidFill>
+                </a:rPr>
+                <a:t>I'll </a:t>
+              </a:r>
+              <a:r>
+                <a:rPr lang="en-US" dirty="0">
+                  <a:solidFill>
+                    <a:schemeClr val="tx1">
+                      <a:lumMod val="50000"/>
+                      <a:lumOff val="50000"/>
+                    </a:schemeClr>
+                  </a:solidFill>
+                </a:rPr>
+                <a:t>look for </a:t>
+              </a:r>
+              <a:r>
+                <a:rPr lang="en-US" dirty="0" smtClean="0">
+                  <a:solidFill>
+                    <a:schemeClr val="tx1">
+                      <a:lumMod val="50000"/>
+                      <a:lumOff val="50000"/>
+                    </a:schemeClr>
+                  </a:solidFill>
+                </a:rPr>
+                <a:t>something delicious for you :yum:. </a:t>
+              </a:r>
+            </a:p>
+            <a:p>
+              <a:r>
+                <a:rPr lang="en-US" dirty="0" smtClean="0">
+                  <a:solidFill>
+                    <a:schemeClr val="tx1">
+                      <a:lumMod val="50000"/>
+                      <a:lumOff val="50000"/>
+                    </a:schemeClr>
+                  </a:solidFill>
+                </a:rPr>
+                <a:t>Give </a:t>
+              </a:r>
+              <a:r>
+                <a:rPr lang="en-US" dirty="0">
+                  <a:solidFill>
+                    <a:schemeClr val="tx1">
+                      <a:lumMod val="50000"/>
+                      <a:lumOff val="50000"/>
+                    </a:schemeClr>
+                  </a:solidFill>
+                </a:rPr>
+                <a:t>me a second :</a:t>
+              </a:r>
+              <a:r>
+                <a:rPr lang="en-US" dirty="0" err="1">
+                  <a:solidFill>
+                    <a:schemeClr val="tx1">
+                      <a:lumMod val="50000"/>
+                      <a:lumOff val="50000"/>
+                    </a:schemeClr>
+                  </a:solidFill>
+                </a:rPr>
+                <a:t>hourglass_flowing_sand</a:t>
+              </a:r>
+              <a:r>
+                <a:rPr lang="en-US" dirty="0">
+                  <a:solidFill>
+                    <a:schemeClr val="tx1">
+                      <a:lumMod val="50000"/>
+                      <a:lumOff val="50000"/>
+                    </a:schemeClr>
+                  </a:solidFill>
+                </a:rPr>
+                <a:t>:"</a:t>
+              </a:r>
+              <a:endParaRPr lang="es-ES" dirty="0">
+                <a:solidFill>
+                  <a:schemeClr val="tx1">
+                    <a:lumMod val="50000"/>
+                    <a:lumOff val="50000"/>
+                  </a:schemeClr>
+                </a:solidFill>
+              </a:endParaRPr>
+            </a:p>
+          </p:txBody>
+        </p:sp>
+        <p:sp>
+          <p:nvSpPr>
+            <p:cNvPr id="82" name="Llamada rectangular redondeada 81"/>
+            <p:cNvSpPr/>
+            <p:nvPr/>
+          </p:nvSpPr>
+          <p:spPr>
+            <a:xfrm>
+              <a:off x="7403704" y="376885"/>
+              <a:ext cx="1943529" cy="975885"/>
+            </a:xfrm>
+            <a:prstGeom prst="wedgeRoundRectCallout">
+              <a:avLst>
+                <a:gd name="adj1" fmla="val -36481"/>
+                <a:gd name="adj2" fmla="val 82700"/>
+                <a:gd name="adj3" fmla="val 16667"/>
+              </a:avLst>
+            </a:prstGeom>
+            <a:noFill/>
+            <a:ln w="38100">
+              <a:solidFill>
+                <a:srgbClr val="46DACC"/>
+              </a:solidFill>
+            </a:ln>
+          </p:spPr>
+          <p:style>
+            <a:lnRef idx="2">
+              <a:schemeClr val="accent1">
+                <a:shade val="50000"/>
+              </a:schemeClr>
+            </a:lnRef>
+            <a:fillRef idx="1">
+              <a:schemeClr val="accent1"/>
+            </a:fillRef>
+            <a:effectRef idx="0">
+              <a:schemeClr val="accent1"/>
+            </a:effectRef>
+            <a:fontRef idx="minor">
+              <a:schemeClr val="lt1"/>
+            </a:fontRef>
+          </p:style>
+          <p:txBody>
+            <a:bodyPr rtlCol="0" anchor="ctr"/>
+            <a:lstStyle/>
+            <a:p>
+              <a:pPr algn="ctr"/>
+              <a:endParaRPr lang="es-ES" sz="1400" dirty="0" smtClean="0">
+                <a:solidFill>
+                  <a:schemeClr val="tx1">
+                    <a:lumMod val="75000"/>
+                    <a:lumOff val="25000"/>
+                  </a:schemeClr>
+                </a:solidFill>
+                <a:latin typeface="Arial Rounded MT Bold" panose="020F0704030504030204" pitchFamily="34" charset="0"/>
+              </a:endParaRPr>
+            </a:p>
+            <a:p>
+              <a:pPr algn="ctr"/>
+              <a:r>
+                <a:rPr lang="es-ES" sz="1400" dirty="0">
+                  <a:solidFill>
+                    <a:schemeClr val="tx1">
+                      <a:lumMod val="75000"/>
+                      <a:lumOff val="25000"/>
+                    </a:schemeClr>
+                  </a:solidFill>
+                  <a:latin typeface="Arial Rounded MT Bold" panose="020F0704030504030204" pitchFamily="34" charset="0"/>
+                </a:rPr>
+                <a:t>ASK FOR </a:t>
+              </a:r>
+            </a:p>
+            <a:p>
+              <a:pPr algn="ctr"/>
+              <a:r>
+                <a:rPr lang="es-ES" sz="1400" dirty="0" smtClean="0">
+                  <a:solidFill>
+                    <a:schemeClr val="tx1">
+                      <a:lumMod val="75000"/>
+                      <a:lumOff val="25000"/>
+                    </a:schemeClr>
+                  </a:solidFill>
+                  <a:latin typeface="Arial Rounded MT Bold" panose="020F0704030504030204" pitchFamily="34" charset="0"/>
+                </a:rPr>
+                <a:t>@INTOLERANCES</a:t>
+              </a:r>
+              <a:endParaRPr lang="es-ES" sz="1400" dirty="0">
+                <a:solidFill>
+                  <a:schemeClr val="tx1">
+                    <a:lumMod val="75000"/>
+                    <a:lumOff val="25000"/>
+                  </a:schemeClr>
+                </a:solidFill>
+                <a:latin typeface="Arial Rounded MT Bold" panose="020F0704030504030204" pitchFamily="34" charset="0"/>
+              </a:endParaRPr>
+            </a:p>
+            <a:p>
+              <a:pPr algn="ctr"/>
+              <a:endParaRPr lang="es-ES" dirty="0"/>
+            </a:p>
+          </p:txBody>
+        </p:sp>
+        <p:pic>
+          <p:nvPicPr>
+            <p:cNvPr id="83" name="Imagen 82"/>
+            <p:cNvPicPr>
+              <a:picLocks noChangeAspect="1"/>
+            </p:cNvPicPr>
+            <p:nvPr/>
+          </p:nvPicPr>
+          <p:blipFill>
+            <a:blip r:embed="rId6" cstate="print">
+              <a:duotone>
+                <a:schemeClr val="bg2">
+                  <a:shade val="45000"/>
+                  <a:satMod val="135000"/>
+                </a:schemeClr>
+                <a:prstClr val="white"/>
+              </a:duotone>
+              <a:extLst>
+                <a:ext uri="{28A0092B-C50C-407E-A947-70E740481C1C}">
+                  <a14:useLocalDpi xmlns:a14="http://schemas.microsoft.com/office/drawing/2010/main" val="0"/>
+                </a:ext>
+              </a:extLst>
+            </a:blip>
+            <a:stretch>
+              <a:fillRect/>
+            </a:stretch>
+          </p:blipFill>
+          <p:spPr>
+            <a:xfrm>
+              <a:off x="9607321" y="482570"/>
+              <a:ext cx="342636" cy="342636"/>
+            </a:xfrm>
+            <a:prstGeom prst="rect">
+              <a:avLst/>
+            </a:prstGeom>
+          </p:spPr>
+        </p:pic>
+        <p:sp>
+          <p:nvSpPr>
+            <p:cNvPr id="94" name="Llamada rectangular redondeada 93"/>
+            <p:cNvSpPr/>
+            <p:nvPr/>
+          </p:nvSpPr>
+          <p:spPr>
+            <a:xfrm>
+              <a:off x="2340408" y="10545296"/>
+              <a:ext cx="1943529" cy="975885"/>
+            </a:xfrm>
+            <a:prstGeom prst="wedgeRoundRectCallout">
+              <a:avLst>
+                <a:gd name="adj1" fmla="val -36481"/>
+                <a:gd name="adj2" fmla="val 82700"/>
+                <a:gd name="adj3" fmla="val 16667"/>
+              </a:avLst>
+            </a:prstGeom>
+            <a:noFill/>
+            <a:ln w="38100">
+              <a:solidFill>
+                <a:srgbClr val="46DACC"/>
+              </a:solidFill>
+            </a:ln>
+          </p:spPr>
+          <p:style>
+            <a:lnRef idx="2">
+              <a:schemeClr val="accent1">
+                <a:shade val="50000"/>
+              </a:schemeClr>
+            </a:lnRef>
+            <a:fillRef idx="1">
+              <a:schemeClr val="accent1"/>
+            </a:fillRef>
+            <a:effectRef idx="0">
+              <a:schemeClr val="accent1"/>
+            </a:effectRef>
+            <a:fontRef idx="minor">
+              <a:schemeClr val="lt1"/>
+            </a:fontRef>
+          </p:style>
+          <p:txBody>
+            <a:bodyPr rtlCol="0" anchor="ctr"/>
+            <a:lstStyle/>
+            <a:p>
+              <a:pPr algn="ctr"/>
+              <a:endParaRPr lang="es-ES" sz="1400" dirty="0" smtClean="0">
+                <a:solidFill>
+                  <a:schemeClr val="tx1">
+                    <a:lumMod val="75000"/>
+                    <a:lumOff val="25000"/>
+                  </a:schemeClr>
+                </a:solidFill>
+                <a:latin typeface="Arial Rounded MT Bold" panose="020F0704030504030204" pitchFamily="34" charset="0"/>
+              </a:endParaRPr>
+            </a:p>
+            <a:p>
+              <a:pPr algn="ctr"/>
+              <a:r>
+                <a:rPr lang="es-ES" sz="1400" dirty="0">
+                  <a:solidFill>
+                    <a:schemeClr val="tx1">
+                      <a:lumMod val="75000"/>
+                      <a:lumOff val="25000"/>
+                    </a:schemeClr>
+                  </a:solidFill>
+                  <a:latin typeface="Arial Rounded MT Bold" panose="020F0704030504030204" pitchFamily="34" charset="0"/>
+                </a:rPr>
+                <a:t>ASK FOR </a:t>
+              </a:r>
+            </a:p>
+            <a:p>
+              <a:pPr algn="ctr"/>
+              <a:r>
+                <a:rPr lang="es-ES" sz="1200" dirty="0">
+                  <a:solidFill>
+                    <a:schemeClr val="tx1">
+                      <a:lumMod val="75000"/>
+                      <a:lumOff val="25000"/>
+                    </a:schemeClr>
+                  </a:solidFill>
+                  <a:latin typeface="Arial Rounded MT Bold" panose="020F0704030504030204" pitchFamily="34" charset="0"/>
+                </a:rPr>
+                <a:t>@CUISINE_TYPE </a:t>
+              </a:r>
+            </a:p>
+            <a:p>
+              <a:pPr algn="ctr"/>
+              <a:r>
+                <a:rPr lang="es-ES" sz="1200" dirty="0">
+                  <a:solidFill>
+                    <a:schemeClr val="tx1">
+                      <a:lumMod val="75000"/>
+                      <a:lumOff val="25000"/>
+                    </a:schemeClr>
+                  </a:solidFill>
+                  <a:latin typeface="Arial Rounded MT Bold" panose="020F0704030504030204" pitchFamily="34" charset="0"/>
+                </a:rPr>
+                <a:t>OR</a:t>
+              </a:r>
+            </a:p>
+            <a:p>
+              <a:pPr algn="ctr"/>
+              <a:r>
+                <a:rPr lang="es-ES" sz="1200" dirty="0">
+                  <a:solidFill>
+                    <a:schemeClr val="tx1">
+                      <a:lumMod val="75000"/>
+                      <a:lumOff val="25000"/>
+                    </a:schemeClr>
+                  </a:solidFill>
+                  <a:latin typeface="Arial Rounded MT Bold" panose="020F0704030504030204" pitchFamily="34" charset="0"/>
+                </a:rPr>
+                <a:t> INGREDIENTS</a:t>
+              </a:r>
+            </a:p>
+            <a:p>
+              <a:pPr algn="ctr"/>
+              <a:endParaRPr lang="es-ES" dirty="0"/>
+            </a:p>
+          </p:txBody>
+        </p:sp>
+        <p:sp>
+          <p:nvSpPr>
+            <p:cNvPr id="102" name="Decisión 101"/>
+            <p:cNvSpPr/>
+            <p:nvPr/>
+          </p:nvSpPr>
+          <p:spPr>
+            <a:xfrm>
+              <a:off x="10535691" y="3017768"/>
+              <a:ext cx="2198554" cy="1486656"/>
+            </a:xfrm>
+            <a:prstGeom prst="flowChartDecision">
+              <a:avLst/>
+            </a:prstGeom>
+            <a:noFill/>
+            <a:ln w="38100">
+              <a:solidFill>
+                <a:srgbClr val="46DACC"/>
+              </a:solidFill>
+              <a:prstDash val="sysDot"/>
+            </a:ln>
+          </p:spPr>
+          <p:style>
+            <a:lnRef idx="2">
+              <a:schemeClr val="accent1">
+                <a:shade val="50000"/>
+              </a:schemeClr>
+            </a:lnRef>
+            <a:fillRef idx="1">
+              <a:schemeClr val="accent1"/>
+            </a:fillRef>
+            <a:effectRef idx="0">
+              <a:schemeClr val="accent1"/>
+            </a:effectRef>
+            <a:fontRef idx="minor">
+              <a:schemeClr val="lt1"/>
+            </a:fontRef>
+          </p:style>
+          <p:txBody>
+            <a:bodyPr lIns="0" tIns="0" rIns="0" bIns="0" rtlCol="0" anchor="ctr"/>
+            <a:lstStyle/>
+            <a:p>
+              <a:pPr algn="ctr"/>
+              <a:r>
+                <a:rPr lang="es-ES" sz="1200" dirty="0" smtClean="0">
+                  <a:solidFill>
+                    <a:schemeClr val="tx1">
+                      <a:lumMod val="75000"/>
+                      <a:lumOff val="25000"/>
+                    </a:schemeClr>
+                  </a:solidFill>
+                  <a:latin typeface="Arial Rounded MT Bold" panose="020F0704030504030204" pitchFamily="34" charset="0"/>
+                </a:rPr>
+                <a:t>CHECK</a:t>
+              </a:r>
+            </a:p>
+            <a:p>
+              <a:pPr algn="ctr"/>
+              <a:r>
+                <a:rPr lang="es-ES" sz="1200" dirty="0" smtClean="0">
+                  <a:solidFill>
+                    <a:schemeClr val="tx1">
+                      <a:lumMod val="75000"/>
+                      <a:lumOff val="25000"/>
+                    </a:schemeClr>
+                  </a:solidFill>
+                  <a:latin typeface="Arial Rounded MT Bold" panose="020F0704030504030204" pitchFamily="34" charset="0"/>
+                </a:rPr>
+                <a:t>@RESPONSE_</a:t>
+              </a:r>
+            </a:p>
+            <a:p>
+              <a:pPr algn="ctr"/>
+              <a:r>
+                <a:rPr lang="es-ES" sz="1200" dirty="0" smtClean="0">
+                  <a:solidFill>
+                    <a:schemeClr val="tx1">
+                      <a:lumMod val="75000"/>
+                      <a:lumOff val="25000"/>
+                    </a:schemeClr>
+                  </a:solidFill>
+                  <a:latin typeface="Arial Rounded MT Bold" panose="020F0704030504030204" pitchFamily="34" charset="0"/>
+                </a:rPr>
+                <a:t>TYPE</a:t>
+              </a:r>
+              <a:endParaRPr lang="es-ES" sz="1200" dirty="0">
+                <a:solidFill>
+                  <a:schemeClr val="tx1">
+                    <a:lumMod val="75000"/>
+                    <a:lumOff val="25000"/>
+                  </a:schemeClr>
+                </a:solidFill>
+                <a:latin typeface="Arial Rounded MT Bold" panose="020F0704030504030204" pitchFamily="34" charset="0"/>
+              </a:endParaRPr>
+            </a:p>
+          </p:txBody>
+        </p:sp>
+        <p:cxnSp>
+          <p:nvCxnSpPr>
+            <p:cNvPr id="110" name="Conector recto de flecha 109"/>
+            <p:cNvCxnSpPr>
+              <a:stCxn id="82" idx="3"/>
+              <a:endCxn id="93" idx="1"/>
+            </p:cNvCxnSpPr>
+            <p:nvPr/>
+          </p:nvCxnSpPr>
+          <p:spPr>
+            <a:xfrm>
+              <a:off x="9347233" y="864828"/>
+              <a:ext cx="862812" cy="1660"/>
+            </a:xfrm>
+            <a:prstGeom prst="straightConnector1">
+              <a:avLst/>
+            </a:prstGeom>
+            <a:ln w="28575">
+              <a:solidFill>
+                <a:srgbClr val="7240F0"/>
+              </a:solidFill>
+              <a:tailEnd type="triangle" w="lg" len="lg"/>
+            </a:ln>
+          </p:spPr>
+          <p:style>
+            <a:lnRef idx="1">
+              <a:schemeClr val="accent1"/>
+            </a:lnRef>
+            <a:fillRef idx="0">
+              <a:schemeClr val="accent1"/>
+            </a:fillRef>
+            <a:effectRef idx="0">
+              <a:schemeClr val="accent1"/>
+            </a:effectRef>
+            <a:fontRef idx="minor">
+              <a:schemeClr val="tx1"/>
+            </a:fontRef>
+          </p:style>
+        </p:cxnSp>
+        <p:cxnSp>
+          <p:nvCxnSpPr>
+            <p:cNvPr id="115" name="Conector recto de flecha 114"/>
+            <p:cNvCxnSpPr>
+              <a:stCxn id="93" idx="2"/>
+              <a:endCxn id="102" idx="0"/>
+            </p:cNvCxnSpPr>
+            <p:nvPr/>
+          </p:nvCxnSpPr>
+          <p:spPr>
+            <a:xfrm>
+              <a:off x="11630378" y="1700066"/>
+              <a:ext cx="4590" cy="1317702"/>
+            </a:xfrm>
+            <a:prstGeom prst="straightConnector1">
+              <a:avLst/>
+            </a:prstGeom>
+            <a:ln w="28575">
+              <a:solidFill>
+                <a:srgbClr val="7240F0"/>
+              </a:solidFill>
+              <a:tailEnd type="triangle" w="lg" len="lg"/>
+            </a:ln>
+          </p:spPr>
+          <p:style>
+            <a:lnRef idx="1">
+              <a:schemeClr val="accent1"/>
+            </a:lnRef>
+            <a:fillRef idx="0">
+              <a:schemeClr val="accent1"/>
+            </a:fillRef>
+            <a:effectRef idx="0">
+              <a:schemeClr val="accent1"/>
+            </a:effectRef>
+            <a:fontRef idx="minor">
+              <a:schemeClr val="tx1"/>
+            </a:fontRef>
+          </p:style>
+        </p:cxnSp>
+        <p:sp>
+          <p:nvSpPr>
+            <p:cNvPr id="127" name="CuadroTexto 126"/>
+            <p:cNvSpPr txBox="1"/>
+            <p:nvPr/>
+          </p:nvSpPr>
+          <p:spPr>
+            <a:xfrm>
+              <a:off x="11619593" y="2188400"/>
+              <a:ext cx="676788" cy="369332"/>
+            </a:xfrm>
+            <a:prstGeom prst="rect">
+              <a:avLst/>
+            </a:prstGeom>
+            <a:noFill/>
+          </p:spPr>
+          <p:txBody>
+            <a:bodyPr wrap="none" rtlCol="0">
+              <a:spAutoFit/>
+            </a:bodyPr>
+            <a:lstStyle/>
+            <a:p>
+              <a:r>
+                <a:rPr lang="es-ES" b="1" dirty="0" err="1" smtClean="0">
+                  <a:solidFill>
+                    <a:srgbClr val="FF3300"/>
+                  </a:solidFill>
+                  <a:latin typeface="+mj-lt"/>
+                  <a:cs typeface="Aharoni" panose="02010803020104030203" pitchFamily="2" charset="-79"/>
+                </a:rPr>
+                <a:t>None</a:t>
+              </a:r>
+              <a:endParaRPr lang="es-ES" b="1" dirty="0">
+                <a:solidFill>
+                  <a:srgbClr val="FF3300"/>
+                </a:solidFill>
+                <a:latin typeface="+mj-lt"/>
+                <a:cs typeface="Aharoni" panose="02010803020104030203" pitchFamily="2" charset="-79"/>
+              </a:endParaRPr>
+            </a:p>
+          </p:txBody>
+        </p:sp>
+        <p:cxnSp>
+          <p:nvCxnSpPr>
+            <p:cNvPr id="128" name="Conector recto de flecha 127"/>
+            <p:cNvCxnSpPr>
+              <a:stCxn id="102" idx="3"/>
+            </p:cNvCxnSpPr>
+            <p:nvPr/>
+          </p:nvCxnSpPr>
+          <p:spPr>
+            <a:xfrm flipV="1">
+              <a:off x="12734245" y="3737925"/>
+              <a:ext cx="2198926" cy="23171"/>
+            </a:xfrm>
+            <a:prstGeom prst="straightConnector1">
+              <a:avLst/>
+            </a:prstGeom>
+            <a:ln w="28575">
+              <a:solidFill>
+                <a:srgbClr val="7240F0"/>
+              </a:solidFill>
+              <a:tailEnd type="triangle" w="lg" len="lg"/>
+            </a:ln>
+          </p:spPr>
+          <p:style>
+            <a:lnRef idx="1">
+              <a:schemeClr val="accent1"/>
+            </a:lnRef>
+            <a:fillRef idx="0">
+              <a:schemeClr val="accent1"/>
+            </a:fillRef>
+            <a:effectRef idx="0">
+              <a:schemeClr val="accent1"/>
+            </a:effectRef>
+            <a:fontRef idx="minor">
+              <a:schemeClr val="tx1"/>
+            </a:fontRef>
+          </p:style>
+        </p:cxnSp>
+        <p:cxnSp>
+          <p:nvCxnSpPr>
+            <p:cNvPr id="133" name="Conector recto de flecha 132"/>
+            <p:cNvCxnSpPr/>
+            <p:nvPr/>
+          </p:nvCxnSpPr>
+          <p:spPr>
+            <a:xfrm>
+              <a:off x="14935774" y="854278"/>
+              <a:ext cx="1" cy="2882030"/>
+            </a:xfrm>
+            <a:prstGeom prst="straightConnector1">
+              <a:avLst/>
+            </a:prstGeom>
+            <a:ln w="28575">
+              <a:solidFill>
+                <a:srgbClr val="7240F0"/>
+              </a:solidFill>
+              <a:tailEnd type="triangle" w="lg" len="lg"/>
+            </a:ln>
+          </p:spPr>
+          <p:style>
+            <a:lnRef idx="1">
+              <a:schemeClr val="accent1"/>
+            </a:lnRef>
+            <a:fillRef idx="0">
+              <a:schemeClr val="accent1"/>
+            </a:fillRef>
+            <a:effectRef idx="0">
+              <a:schemeClr val="accent1"/>
+            </a:effectRef>
+            <a:fontRef idx="minor">
+              <a:schemeClr val="tx1"/>
+            </a:fontRef>
+          </p:style>
+        </p:cxnSp>
+        <p:sp>
+          <p:nvSpPr>
+            <p:cNvPr id="136" name="CuadroTexto 135"/>
+            <p:cNvSpPr txBox="1"/>
+            <p:nvPr/>
+          </p:nvSpPr>
+          <p:spPr>
+            <a:xfrm>
+              <a:off x="12644874" y="3345472"/>
+              <a:ext cx="2057423" cy="369332"/>
+            </a:xfrm>
+            <a:prstGeom prst="rect">
+              <a:avLst/>
+            </a:prstGeom>
+            <a:noFill/>
+          </p:spPr>
+          <p:txBody>
+            <a:bodyPr wrap="none" rtlCol="0">
+              <a:spAutoFit/>
+            </a:bodyPr>
+            <a:lstStyle/>
+            <a:p>
+              <a:pPr algn="ctr"/>
+              <a:r>
+                <a:rPr lang="es-ES" b="1" dirty="0" err="1" smtClean="0">
+                  <a:solidFill>
+                    <a:srgbClr val="FF3300"/>
+                  </a:solidFill>
+                  <a:latin typeface="+mj-lt"/>
+                  <a:cs typeface="Aharoni" panose="02010803020104030203" pitchFamily="2" charset="-79"/>
+                </a:rPr>
+                <a:t>Negative</a:t>
+              </a:r>
+              <a:r>
+                <a:rPr lang="es-ES" b="1" dirty="0" smtClean="0">
+                  <a:solidFill>
+                    <a:srgbClr val="FF3300"/>
+                  </a:solidFill>
+                  <a:latin typeface="+mj-lt"/>
+                  <a:cs typeface="Aharoni" panose="02010803020104030203" pitchFamily="2" charset="-79"/>
+                </a:rPr>
+                <a:t> /</a:t>
+              </a:r>
+              <a:r>
+                <a:rPr lang="es-ES" b="1" dirty="0">
+                  <a:solidFill>
+                    <a:srgbClr val="FF3300"/>
+                  </a:solidFill>
+                  <a:latin typeface="+mj-lt"/>
+                  <a:cs typeface="Aharoni" panose="02010803020104030203" pitchFamily="2" charset="-79"/>
+                </a:rPr>
+                <a:t> </a:t>
+              </a:r>
+              <a:r>
+                <a:rPr lang="es-ES" b="1" dirty="0" err="1" smtClean="0">
+                  <a:solidFill>
+                    <a:srgbClr val="FF3300"/>
+                  </a:solidFill>
+                  <a:latin typeface="+mj-lt"/>
+                  <a:cs typeface="Aharoni" panose="02010803020104030203" pitchFamily="2" charset="-79"/>
+                </a:rPr>
+                <a:t>Uncertain</a:t>
+              </a:r>
+              <a:endParaRPr lang="es-ES" b="1" dirty="0" smtClean="0">
+                <a:solidFill>
+                  <a:srgbClr val="FF3300"/>
+                </a:solidFill>
+                <a:latin typeface="+mj-lt"/>
+                <a:cs typeface="Aharoni" panose="02010803020104030203" pitchFamily="2" charset="-79"/>
+              </a:endParaRPr>
+            </a:p>
+          </p:txBody>
+        </p:sp>
+        <p:sp>
+          <p:nvSpPr>
+            <p:cNvPr id="137" name="CuadroTexto 136"/>
+            <p:cNvSpPr txBox="1"/>
+            <p:nvPr/>
+          </p:nvSpPr>
+          <p:spPr>
+            <a:xfrm>
+              <a:off x="12644874" y="3832169"/>
+              <a:ext cx="1917513" cy="338554"/>
+            </a:xfrm>
+            <a:prstGeom prst="rect">
+              <a:avLst/>
+            </a:prstGeom>
+            <a:noFill/>
+          </p:spPr>
+          <p:txBody>
+            <a:bodyPr wrap="none" rtlCol="0">
+              <a:spAutoFit/>
+            </a:bodyPr>
+            <a:lstStyle/>
+            <a:p>
+              <a:r>
+                <a:rPr lang="es-ES" sz="1600" dirty="0" smtClean="0">
+                  <a:solidFill>
+                    <a:schemeClr val="tx1">
+                      <a:lumMod val="50000"/>
+                      <a:lumOff val="50000"/>
+                    </a:schemeClr>
+                  </a:solidFill>
+                  <a:latin typeface="+mj-lt"/>
+                  <a:cs typeface="Aharoni" panose="02010803020104030203" pitchFamily="2" charset="-79"/>
+                </a:rPr>
+                <a:t>$</a:t>
+              </a:r>
+              <a:r>
+                <a:rPr lang="es-ES" sz="1600" dirty="0" err="1" smtClean="0">
+                  <a:solidFill>
+                    <a:schemeClr val="tx1">
+                      <a:lumMod val="50000"/>
+                      <a:lumOff val="50000"/>
+                    </a:schemeClr>
+                  </a:solidFill>
+                  <a:latin typeface="+mj-lt"/>
+                  <a:cs typeface="Aharoni" panose="02010803020104030203" pitchFamily="2" charset="-79"/>
+                </a:rPr>
+                <a:t>suggest_dish</a:t>
+              </a:r>
+              <a:r>
+                <a:rPr lang="es-ES" sz="1600" dirty="0" smtClean="0">
+                  <a:solidFill>
+                    <a:schemeClr val="tx1">
+                      <a:lumMod val="50000"/>
+                      <a:lumOff val="50000"/>
+                    </a:schemeClr>
+                  </a:solidFill>
+                  <a:latin typeface="+mj-lt"/>
+                  <a:cs typeface="Aharoni" panose="02010803020104030203" pitchFamily="2" charset="-79"/>
+                </a:rPr>
+                <a:t> </a:t>
+              </a:r>
+              <a:r>
+                <a:rPr lang="es-ES" sz="1600" dirty="0">
+                  <a:solidFill>
+                    <a:schemeClr val="tx1">
+                      <a:lumMod val="50000"/>
+                      <a:lumOff val="50000"/>
+                    </a:schemeClr>
+                  </a:solidFill>
+                  <a:latin typeface="+mj-lt"/>
+                  <a:cs typeface="Aharoni" panose="02010803020104030203" pitchFamily="2" charset="-79"/>
+                </a:rPr>
+                <a:t>= True</a:t>
+              </a:r>
+            </a:p>
+          </p:txBody>
+        </p:sp>
+        <p:cxnSp>
+          <p:nvCxnSpPr>
+            <p:cNvPr id="152" name="Conector recto de flecha 151"/>
+            <p:cNvCxnSpPr>
+              <a:endCxn id="86" idx="0"/>
+            </p:cNvCxnSpPr>
+            <p:nvPr/>
+          </p:nvCxnSpPr>
+          <p:spPr>
+            <a:xfrm>
+              <a:off x="14404374" y="6967282"/>
+              <a:ext cx="369" cy="1558311"/>
+            </a:xfrm>
+            <a:prstGeom prst="straightConnector1">
+              <a:avLst/>
+            </a:prstGeom>
+            <a:ln w="28575">
+              <a:solidFill>
+                <a:srgbClr val="7240F0"/>
+              </a:solidFill>
+              <a:tailEnd type="triangle" w="lg" len="lg"/>
+            </a:ln>
+          </p:spPr>
+          <p:style>
+            <a:lnRef idx="1">
+              <a:schemeClr val="accent1"/>
+            </a:lnRef>
+            <a:fillRef idx="0">
+              <a:schemeClr val="accent1"/>
+            </a:fillRef>
+            <a:effectRef idx="0">
+              <a:schemeClr val="accent1"/>
+            </a:effectRef>
+            <a:fontRef idx="minor">
+              <a:schemeClr val="tx1"/>
+            </a:fontRef>
+          </p:style>
+        </p:cxnSp>
+        <p:cxnSp>
+          <p:nvCxnSpPr>
+            <p:cNvPr id="165" name="Conector recto de flecha 164"/>
+            <p:cNvCxnSpPr>
+              <a:endCxn id="166" idx="1"/>
+            </p:cNvCxnSpPr>
+            <p:nvPr/>
+          </p:nvCxnSpPr>
+          <p:spPr>
+            <a:xfrm>
+              <a:off x="15441153" y="9149072"/>
+              <a:ext cx="1555396" cy="27298"/>
+            </a:xfrm>
+            <a:prstGeom prst="straightConnector1">
+              <a:avLst/>
+            </a:prstGeom>
+            <a:ln w="28575">
+              <a:solidFill>
+                <a:srgbClr val="7240F0"/>
+              </a:solidFill>
+              <a:tailEnd type="triangle" w="lg" len="lg"/>
+            </a:ln>
+          </p:spPr>
+          <p:style>
+            <a:lnRef idx="1">
+              <a:schemeClr val="accent1"/>
+            </a:lnRef>
+            <a:fillRef idx="0">
+              <a:schemeClr val="accent1"/>
+            </a:fillRef>
+            <a:effectRef idx="0">
+              <a:schemeClr val="accent1"/>
+            </a:effectRef>
+            <a:fontRef idx="minor">
+              <a:schemeClr val="tx1"/>
+            </a:fontRef>
+          </p:style>
+        </p:cxnSp>
+        <p:sp>
+          <p:nvSpPr>
+            <p:cNvPr id="166" name="Decisión 165"/>
+            <p:cNvSpPr/>
+            <p:nvPr/>
+          </p:nvSpPr>
+          <p:spPr>
+            <a:xfrm>
+              <a:off x="16996549" y="8462000"/>
+              <a:ext cx="1909088" cy="1428740"/>
+            </a:xfrm>
+            <a:prstGeom prst="flowChartDecision">
+              <a:avLst/>
+            </a:prstGeom>
+            <a:noFill/>
+            <a:ln w="38100">
+              <a:solidFill>
+                <a:srgbClr val="46DACC"/>
+              </a:solidFill>
+              <a:prstDash val="sysDot"/>
+            </a:ln>
+          </p:spPr>
+          <p:style>
+            <a:lnRef idx="2">
+              <a:schemeClr val="accent1">
+                <a:shade val="50000"/>
+              </a:schemeClr>
+            </a:lnRef>
+            <a:fillRef idx="1">
+              <a:schemeClr val="accent1"/>
+            </a:fillRef>
+            <a:effectRef idx="0">
+              <a:schemeClr val="accent1"/>
+            </a:effectRef>
+            <a:fontRef idx="minor">
+              <a:schemeClr val="lt1"/>
+            </a:fontRef>
+          </p:style>
+          <p:txBody>
+            <a:bodyPr lIns="0" tIns="0" rIns="0" bIns="0" rtlCol="0" anchor="ctr"/>
+            <a:lstStyle/>
+            <a:p>
+              <a:pPr algn="ctr"/>
+              <a:r>
+                <a:rPr lang="es-ES" sz="1400" dirty="0" smtClean="0">
+                  <a:solidFill>
+                    <a:schemeClr val="tx1">
+                      <a:lumMod val="75000"/>
+                      <a:lumOff val="25000"/>
+                    </a:schemeClr>
+                  </a:solidFill>
+                  <a:latin typeface="Arial Rounded MT Bold" panose="020F0704030504030204" pitchFamily="34" charset="0"/>
+                </a:rPr>
+                <a:t>CHECK</a:t>
+              </a:r>
+            </a:p>
+            <a:p>
+              <a:pPr algn="ctr"/>
+              <a:r>
+                <a:rPr lang="es-ES" sz="1400" dirty="0" smtClean="0">
+                  <a:solidFill>
+                    <a:schemeClr val="tx1">
+                      <a:lumMod val="75000"/>
+                      <a:lumOff val="25000"/>
+                    </a:schemeClr>
+                  </a:solidFill>
+                  <a:latin typeface="Arial Rounded MT Bold" panose="020F0704030504030204" pitchFamily="34" charset="0"/>
+                </a:rPr>
+                <a:t>@OPTION</a:t>
+              </a:r>
+            </a:p>
+          </p:txBody>
+        </p:sp>
+        <p:cxnSp>
+          <p:nvCxnSpPr>
+            <p:cNvPr id="167" name="Conector recto de flecha 166"/>
+            <p:cNvCxnSpPr>
+              <a:stCxn id="166" idx="2"/>
+              <a:endCxn id="168" idx="0"/>
+            </p:cNvCxnSpPr>
+            <p:nvPr/>
+          </p:nvCxnSpPr>
+          <p:spPr>
+            <a:xfrm>
+              <a:off x="17951093" y="9890740"/>
+              <a:ext cx="19338" cy="1163340"/>
+            </a:xfrm>
+            <a:prstGeom prst="straightConnector1">
+              <a:avLst/>
+            </a:prstGeom>
+            <a:ln w="28575">
+              <a:solidFill>
+                <a:srgbClr val="7240F0"/>
+              </a:solidFill>
+              <a:tailEnd type="triangle" w="lg" len="lg"/>
+            </a:ln>
+          </p:spPr>
+          <p:style>
+            <a:lnRef idx="1">
+              <a:schemeClr val="accent1"/>
+            </a:lnRef>
+            <a:fillRef idx="0">
+              <a:schemeClr val="accent1"/>
+            </a:fillRef>
+            <a:effectRef idx="0">
+              <a:schemeClr val="accent1"/>
+            </a:effectRef>
+            <a:fontRef idx="minor">
+              <a:schemeClr val="tx1"/>
+            </a:fontRef>
+          </p:style>
+        </p:cxnSp>
+        <p:sp>
+          <p:nvSpPr>
+            <p:cNvPr id="168" name="Llamada rectangular redondeada 167"/>
+            <p:cNvSpPr/>
+            <p:nvPr/>
+          </p:nvSpPr>
+          <p:spPr>
+            <a:xfrm>
+              <a:off x="17391314" y="11054080"/>
+              <a:ext cx="1158234" cy="701775"/>
+            </a:xfrm>
+            <a:prstGeom prst="wedgeRoundRectCallout">
+              <a:avLst>
+                <a:gd name="adj1" fmla="val -36481"/>
+                <a:gd name="adj2" fmla="val 82700"/>
+                <a:gd name="adj3" fmla="val 16667"/>
+              </a:avLst>
+            </a:prstGeom>
+            <a:noFill/>
+            <a:ln w="38100">
+              <a:solidFill>
+                <a:srgbClr val="46DACC"/>
+              </a:solidFill>
+            </a:ln>
+          </p:spPr>
+          <p:style>
+            <a:lnRef idx="2">
+              <a:schemeClr val="accent1">
+                <a:shade val="50000"/>
+              </a:schemeClr>
+            </a:lnRef>
+            <a:fillRef idx="1">
+              <a:schemeClr val="accent1"/>
+            </a:fillRef>
+            <a:effectRef idx="0">
+              <a:schemeClr val="accent1"/>
+            </a:effectRef>
+            <a:fontRef idx="minor">
+              <a:schemeClr val="lt1"/>
+            </a:fontRef>
+          </p:style>
+          <p:txBody>
+            <a:bodyPr rtlCol="0" anchor="ctr"/>
+            <a:lstStyle/>
+            <a:p>
+              <a:pPr algn="ctr"/>
+              <a:endParaRPr lang="es-ES" sz="1400" dirty="0" smtClean="0">
+                <a:solidFill>
+                  <a:schemeClr val="tx1">
+                    <a:lumMod val="75000"/>
+                    <a:lumOff val="25000"/>
+                  </a:schemeClr>
+                </a:solidFill>
+                <a:latin typeface="Arial Rounded MT Bold" panose="020F0704030504030204" pitchFamily="34" charset="0"/>
+              </a:endParaRPr>
+            </a:p>
+            <a:p>
+              <a:pPr algn="ctr"/>
+              <a:r>
+                <a:rPr lang="es-ES" sz="1200" dirty="0" smtClean="0">
+                  <a:solidFill>
+                    <a:schemeClr val="tx1">
+                      <a:lumMod val="75000"/>
+                      <a:lumOff val="25000"/>
+                    </a:schemeClr>
+                  </a:solidFill>
+                  <a:latin typeface="Arial Rounded MT Bold" panose="020F0704030504030204" pitchFamily="34" charset="0"/>
+                </a:rPr>
+                <a:t>OPTION?</a:t>
+              </a:r>
+              <a:endParaRPr lang="es-ES" sz="1200" dirty="0">
+                <a:solidFill>
+                  <a:schemeClr val="tx1">
+                    <a:lumMod val="75000"/>
+                    <a:lumOff val="25000"/>
+                  </a:schemeClr>
+                </a:solidFill>
+                <a:latin typeface="Arial Rounded MT Bold" panose="020F0704030504030204" pitchFamily="34" charset="0"/>
+              </a:endParaRPr>
+            </a:p>
+            <a:p>
+              <a:pPr algn="ctr"/>
+              <a:endParaRPr lang="es-ES" dirty="0"/>
+            </a:p>
+          </p:txBody>
+        </p:sp>
+        <p:cxnSp>
+          <p:nvCxnSpPr>
+            <p:cNvPr id="170" name="Conector recto de flecha 169"/>
+            <p:cNvCxnSpPr/>
+            <p:nvPr/>
+          </p:nvCxnSpPr>
+          <p:spPr>
+            <a:xfrm flipV="1">
+              <a:off x="16653614" y="9155599"/>
+              <a:ext cx="56" cy="2249368"/>
+            </a:xfrm>
+            <a:prstGeom prst="straightConnector1">
+              <a:avLst/>
+            </a:prstGeom>
+            <a:ln w="28575">
+              <a:solidFill>
+                <a:srgbClr val="7240F0"/>
+              </a:solidFill>
+              <a:tailEnd type="triangle" w="lg" len="lg"/>
+            </a:ln>
+          </p:spPr>
+          <p:style>
+            <a:lnRef idx="1">
+              <a:schemeClr val="accent1"/>
+            </a:lnRef>
+            <a:fillRef idx="0">
+              <a:schemeClr val="accent1"/>
+            </a:fillRef>
+            <a:effectRef idx="0">
+              <a:schemeClr val="accent1"/>
+            </a:effectRef>
+            <a:fontRef idx="minor">
+              <a:schemeClr val="tx1"/>
+            </a:fontRef>
+          </p:style>
+        </p:cxnSp>
+        <p:sp>
+          <p:nvSpPr>
+            <p:cNvPr id="171" name="CuadroTexto 170"/>
+            <p:cNvSpPr txBox="1"/>
+            <p:nvPr/>
+          </p:nvSpPr>
+          <p:spPr>
+            <a:xfrm>
+              <a:off x="16996549" y="7990264"/>
+              <a:ext cx="801823" cy="369332"/>
+            </a:xfrm>
+            <a:prstGeom prst="rect">
+              <a:avLst/>
+            </a:prstGeom>
+            <a:noFill/>
+          </p:spPr>
+          <p:txBody>
+            <a:bodyPr wrap="none" rtlCol="0">
+              <a:spAutoFit/>
+            </a:bodyPr>
+            <a:lstStyle/>
+            <a:p>
+              <a:r>
+                <a:rPr lang="es-ES" b="1" dirty="0" smtClean="0">
+                  <a:solidFill>
+                    <a:srgbClr val="FF3300"/>
+                  </a:solidFill>
+                  <a:latin typeface="+mj-lt"/>
+                  <a:cs typeface="Aharoni" panose="02010803020104030203" pitchFamily="2" charset="-79"/>
+                </a:rPr>
+                <a:t>! </a:t>
+              </a:r>
+              <a:r>
+                <a:rPr lang="es-ES" b="1" dirty="0" err="1" smtClean="0">
+                  <a:solidFill>
+                    <a:srgbClr val="FF3300"/>
+                  </a:solidFill>
+                  <a:latin typeface="+mj-lt"/>
+                  <a:cs typeface="Aharoni" panose="02010803020104030203" pitchFamily="2" charset="-79"/>
+                </a:rPr>
+                <a:t>None</a:t>
+              </a:r>
+              <a:endParaRPr lang="es-ES" b="1" dirty="0">
+                <a:solidFill>
+                  <a:srgbClr val="FF3300"/>
+                </a:solidFill>
+                <a:latin typeface="+mj-lt"/>
+                <a:cs typeface="Aharoni" panose="02010803020104030203" pitchFamily="2" charset="-79"/>
+              </a:endParaRPr>
+            </a:p>
+          </p:txBody>
+        </p:sp>
+        <p:sp>
+          <p:nvSpPr>
+            <p:cNvPr id="172" name="CuadroTexto 171"/>
+            <p:cNvSpPr txBox="1"/>
+            <p:nvPr/>
+          </p:nvSpPr>
+          <p:spPr>
+            <a:xfrm>
+              <a:off x="17970431" y="10057715"/>
+              <a:ext cx="1732013" cy="369332"/>
+            </a:xfrm>
+            <a:prstGeom prst="rect">
+              <a:avLst/>
+            </a:prstGeom>
+            <a:noFill/>
+          </p:spPr>
+          <p:txBody>
+            <a:bodyPr wrap="none" rtlCol="0">
+              <a:spAutoFit/>
+            </a:bodyPr>
+            <a:lstStyle/>
+            <a:p>
+              <a:r>
+                <a:rPr lang="es-ES" b="1" dirty="0" err="1" smtClean="0">
+                  <a:solidFill>
+                    <a:srgbClr val="FF3300"/>
+                  </a:solidFill>
+                  <a:latin typeface="+mj-lt"/>
+                  <a:cs typeface="Aharoni" panose="02010803020104030203" pitchFamily="2" charset="-79"/>
+                </a:rPr>
+                <a:t>None</a:t>
+              </a:r>
+              <a:r>
+                <a:rPr lang="es-ES" b="1" dirty="0" smtClean="0">
+                  <a:solidFill>
+                    <a:srgbClr val="FF3300"/>
+                  </a:solidFill>
+                  <a:latin typeface="+mj-lt"/>
+                  <a:cs typeface="Aharoni" panose="02010803020104030203" pitchFamily="2" charset="-79"/>
+                </a:rPr>
+                <a:t> / </a:t>
+              </a:r>
+              <a:r>
+                <a:rPr lang="es-ES" b="1" dirty="0" err="1" smtClean="0">
+                  <a:solidFill>
+                    <a:srgbClr val="FF3300"/>
+                  </a:solidFill>
+                  <a:latin typeface="+mj-lt"/>
+                  <a:cs typeface="Aharoni" panose="02010803020104030203" pitchFamily="2" charset="-79"/>
+                </a:rPr>
+                <a:t>Unknown</a:t>
+              </a:r>
+              <a:endParaRPr lang="es-ES" b="1" dirty="0">
+                <a:solidFill>
+                  <a:srgbClr val="FF3300"/>
+                </a:solidFill>
+                <a:latin typeface="+mj-lt"/>
+                <a:cs typeface="Aharoni" panose="02010803020104030203" pitchFamily="2" charset="-79"/>
+              </a:endParaRPr>
+            </a:p>
+          </p:txBody>
+        </p:sp>
+        <p:pic>
+          <p:nvPicPr>
+            <p:cNvPr id="173" name="Imagen 172"/>
+            <p:cNvPicPr>
+              <a:picLocks noChangeAspect="1"/>
+            </p:cNvPicPr>
+            <p:nvPr/>
+          </p:nvPicPr>
+          <p:blipFill>
+            <a:blip r:embed="rId6" cstate="print">
+              <a:duotone>
+                <a:schemeClr val="bg2">
+                  <a:shade val="45000"/>
+                  <a:satMod val="135000"/>
+                </a:schemeClr>
+                <a:prstClr val="white"/>
+              </a:duotone>
+              <a:extLst>
+                <a:ext uri="{28A0092B-C50C-407E-A947-70E740481C1C}">
+                  <a14:useLocalDpi xmlns:a14="http://schemas.microsoft.com/office/drawing/2010/main" val="0"/>
+                </a:ext>
+              </a:extLst>
+            </a:blip>
+            <a:stretch>
+              <a:fillRect/>
+            </a:stretch>
+          </p:blipFill>
+          <p:spPr>
+            <a:xfrm>
+              <a:off x="16862887" y="10975945"/>
+              <a:ext cx="342636" cy="342636"/>
+            </a:xfrm>
+            <a:prstGeom prst="rect">
+              <a:avLst/>
+            </a:prstGeom>
+          </p:spPr>
+        </p:pic>
+        <p:cxnSp>
+          <p:nvCxnSpPr>
+            <p:cNvPr id="177" name="Conector recto de flecha 176"/>
+            <p:cNvCxnSpPr>
+              <a:stCxn id="166" idx="0"/>
+              <a:endCxn id="156" idx="2"/>
+            </p:cNvCxnSpPr>
+            <p:nvPr/>
+          </p:nvCxnSpPr>
+          <p:spPr>
+            <a:xfrm flipH="1" flipV="1">
+              <a:off x="17870623" y="4269778"/>
+              <a:ext cx="80470" cy="4192222"/>
+            </a:xfrm>
+            <a:prstGeom prst="straightConnector1">
+              <a:avLst/>
+            </a:prstGeom>
+            <a:ln w="28575">
+              <a:solidFill>
+                <a:srgbClr val="7240F0"/>
+              </a:solidFill>
+              <a:tailEnd type="triangle" w="lg" len="lg"/>
+            </a:ln>
+          </p:spPr>
+          <p:style>
+            <a:lnRef idx="1">
+              <a:schemeClr val="accent1"/>
+            </a:lnRef>
+            <a:fillRef idx="0">
+              <a:schemeClr val="accent1"/>
+            </a:fillRef>
+            <a:effectRef idx="0">
+              <a:schemeClr val="accent1"/>
+            </a:effectRef>
+            <a:fontRef idx="minor">
+              <a:schemeClr val="tx1"/>
+            </a:fontRef>
+          </p:style>
+        </p:cxnSp>
+        <p:cxnSp>
+          <p:nvCxnSpPr>
+            <p:cNvPr id="186" name="Conector recto de flecha 185"/>
+            <p:cNvCxnSpPr/>
+            <p:nvPr/>
+          </p:nvCxnSpPr>
+          <p:spPr>
+            <a:xfrm flipH="1" flipV="1">
+              <a:off x="16632921" y="11435373"/>
+              <a:ext cx="689129" cy="12411"/>
+            </a:xfrm>
+            <a:prstGeom prst="straightConnector1">
+              <a:avLst/>
+            </a:prstGeom>
+            <a:ln w="28575">
+              <a:solidFill>
+                <a:srgbClr val="7240F0"/>
+              </a:solidFill>
+              <a:tailEnd type="triangle" w="lg" len="lg"/>
+            </a:ln>
+          </p:spPr>
+          <p:style>
+            <a:lnRef idx="1">
+              <a:schemeClr val="accent1"/>
+            </a:lnRef>
+            <a:fillRef idx="0">
+              <a:schemeClr val="accent1"/>
+            </a:fillRef>
+            <a:effectRef idx="0">
+              <a:schemeClr val="accent1"/>
+            </a:effectRef>
+            <a:fontRef idx="minor">
+              <a:schemeClr val="tx1"/>
+            </a:fontRef>
+          </p:style>
+        </p:cxnSp>
+        <p:sp>
+          <p:nvSpPr>
+            <p:cNvPr id="187" name="Elipse 186"/>
+            <p:cNvSpPr/>
+            <p:nvPr/>
+          </p:nvSpPr>
+          <p:spPr>
+            <a:xfrm>
+              <a:off x="-5627170" y="244755"/>
+              <a:ext cx="1439638" cy="1332944"/>
+            </a:xfrm>
+            <a:prstGeom prst="ellipse">
+              <a:avLst/>
+            </a:prstGeom>
+            <a:noFill/>
+            <a:ln w="76200">
+              <a:solidFill>
+                <a:srgbClr val="46DACC"/>
+              </a:solidFill>
+            </a:ln>
+          </p:spPr>
+          <p:style>
+            <a:lnRef idx="2">
+              <a:schemeClr val="accent1">
+                <a:shade val="50000"/>
+              </a:schemeClr>
+            </a:lnRef>
+            <a:fillRef idx="1">
+              <a:schemeClr val="accent1"/>
+            </a:fillRef>
+            <a:effectRef idx="0">
+              <a:schemeClr val="accent1"/>
+            </a:effectRef>
+            <a:fontRef idx="minor">
+              <a:schemeClr val="lt1"/>
+            </a:fontRef>
+          </p:style>
+          <p:txBody>
+            <a:bodyPr lIns="0" tIns="0" rIns="0" bIns="0" rtlCol="0" anchor="ctr"/>
+            <a:lstStyle/>
+            <a:p>
+              <a:pPr algn="ctr"/>
+              <a:r>
+                <a:rPr lang="es-ES" sz="2000" dirty="0" smtClean="0">
+                  <a:solidFill>
+                    <a:schemeClr val="tx1">
+                      <a:lumMod val="75000"/>
+                      <a:lumOff val="25000"/>
+                    </a:schemeClr>
+                  </a:solidFill>
+                  <a:latin typeface="Arial Rounded MT Bold" panose="020F0704030504030204" pitchFamily="34" charset="0"/>
+                </a:rPr>
+                <a:t>START</a:t>
+              </a:r>
+              <a:endParaRPr lang="es-ES" sz="2000" dirty="0">
+                <a:solidFill>
+                  <a:schemeClr val="tx1">
+                    <a:lumMod val="75000"/>
+                    <a:lumOff val="25000"/>
+                  </a:schemeClr>
+                </a:solidFill>
+                <a:latin typeface="Arial Rounded MT Bold" panose="020F0704030504030204" pitchFamily="34" charset="0"/>
+              </a:endParaRPr>
+            </a:p>
+          </p:txBody>
+        </p:sp>
+        <p:sp>
+          <p:nvSpPr>
+            <p:cNvPr id="190" name="Elipse 189"/>
+            <p:cNvSpPr/>
+            <p:nvPr/>
+          </p:nvSpPr>
+          <p:spPr>
+            <a:xfrm>
+              <a:off x="19413326" y="3069836"/>
+              <a:ext cx="1439638" cy="1332944"/>
+            </a:xfrm>
+            <a:prstGeom prst="ellipse">
+              <a:avLst/>
+            </a:prstGeom>
+            <a:noFill/>
+            <a:ln w="76200">
+              <a:solidFill>
+                <a:srgbClr val="46DACC"/>
+              </a:solidFill>
+            </a:ln>
+          </p:spPr>
+          <p:style>
+            <a:lnRef idx="2">
+              <a:schemeClr val="accent1">
+                <a:shade val="50000"/>
+              </a:schemeClr>
+            </a:lnRef>
+            <a:fillRef idx="1">
+              <a:schemeClr val="accent1"/>
+            </a:fillRef>
+            <a:effectRef idx="0">
+              <a:schemeClr val="accent1"/>
+            </a:effectRef>
+            <a:fontRef idx="minor">
+              <a:schemeClr val="lt1"/>
+            </a:fontRef>
+          </p:style>
+          <p:txBody>
+            <a:bodyPr lIns="0" tIns="0" rIns="0" bIns="0" rtlCol="0" anchor="ctr"/>
+            <a:lstStyle/>
+            <a:p>
+              <a:pPr algn="ctr"/>
+              <a:r>
+                <a:rPr lang="es-ES" sz="2000" dirty="0" smtClean="0">
+                  <a:solidFill>
+                    <a:schemeClr val="tx1">
+                      <a:lumMod val="75000"/>
+                      <a:lumOff val="25000"/>
+                    </a:schemeClr>
+                  </a:solidFill>
+                  <a:latin typeface="Arial Rounded MT Bold" panose="020F0704030504030204" pitchFamily="34" charset="0"/>
+                </a:rPr>
+                <a:t>END</a:t>
+              </a:r>
+              <a:endParaRPr lang="es-ES" sz="2000" dirty="0">
+                <a:solidFill>
+                  <a:schemeClr val="tx1">
+                    <a:lumMod val="75000"/>
+                    <a:lumOff val="25000"/>
+                  </a:schemeClr>
+                </a:solidFill>
+                <a:latin typeface="Arial Rounded MT Bold" panose="020F0704030504030204" pitchFamily="34" charset="0"/>
+              </a:endParaRPr>
+            </a:p>
+          </p:txBody>
+        </p:sp>
       </p:grpSp>
+      <p:sp>
+        <p:nvSpPr>
+          <p:cNvPr id="352" name="Decisión 351"/>
+          <p:cNvSpPr/>
+          <p:nvPr/>
+        </p:nvSpPr>
+        <p:spPr>
+          <a:xfrm>
+            <a:off x="5072752" y="829740"/>
+            <a:ext cx="1709518" cy="1474245"/>
+          </a:xfrm>
+          <a:prstGeom prst="flowChartDecision">
+            <a:avLst/>
+          </a:prstGeom>
+          <a:noFill/>
+          <a:ln w="38100">
+            <a:solidFill>
+              <a:srgbClr val="46DACC"/>
+            </a:solidFill>
+            <a:prstDash val="sysDot"/>
+          </a:ln>
+        </p:spPr>
+        <p:style>
+          <a:lnRef idx="2">
+            <a:schemeClr val="accent1">
+              <a:shade val="50000"/>
+            </a:schemeClr>
+          </a:lnRef>
+          <a:fillRef idx="1">
+            <a:schemeClr val="accent1"/>
+          </a:fillRef>
+          <a:effectRef idx="0">
+            <a:schemeClr val="accent1"/>
+          </a:effectRef>
+          <a:fontRef idx="minor">
+            <a:schemeClr val="lt1"/>
+          </a:fontRef>
+        </p:style>
+        <p:txBody>
+          <a:bodyPr lIns="0" tIns="0" rIns="0" bIns="0" rtlCol="0" anchor="ctr"/>
+          <a:lstStyle/>
+          <a:p>
+            <a:pPr algn="ctr"/>
+            <a:r>
+              <a:rPr lang="es-ES" sz="1200" dirty="0" smtClean="0">
+                <a:solidFill>
+                  <a:schemeClr val="tx1">
+                    <a:lumMod val="75000"/>
+                    <a:lumOff val="25000"/>
+                  </a:schemeClr>
+                </a:solidFill>
+                <a:latin typeface="Arial Rounded MT Bold" panose="020F0704030504030204" pitchFamily="34" charset="0"/>
+              </a:rPr>
+              <a:t>FIRST TIME</a:t>
+            </a:r>
+            <a:endParaRPr lang="es-ES" sz="1200" dirty="0">
+              <a:solidFill>
+                <a:schemeClr val="tx1">
+                  <a:lumMod val="75000"/>
+                  <a:lumOff val="25000"/>
+                </a:schemeClr>
+              </a:solidFill>
+              <a:latin typeface="Arial Rounded MT Bold" panose="020F0704030504030204" pitchFamily="34" charset="0"/>
+            </a:endParaRPr>
+          </a:p>
+        </p:txBody>
+      </p:sp>
+      <p:cxnSp>
+        <p:nvCxnSpPr>
+          <p:cNvPr id="353" name="Conector recto de flecha 352"/>
+          <p:cNvCxnSpPr>
+            <a:stCxn id="352" idx="1"/>
+          </p:cNvCxnSpPr>
+          <p:nvPr/>
+        </p:nvCxnSpPr>
+        <p:spPr>
+          <a:xfrm flipH="1">
+            <a:off x="3817689" y="1566863"/>
+            <a:ext cx="1255063" cy="2303"/>
+          </a:xfrm>
+          <a:prstGeom prst="straightConnector1">
+            <a:avLst/>
+          </a:prstGeom>
+          <a:ln w="28575">
+            <a:solidFill>
+              <a:srgbClr val="7240F0"/>
+            </a:solidFill>
+            <a:tailEnd type="triangle" w="lg" len="lg"/>
+          </a:ln>
+        </p:spPr>
+        <p:style>
+          <a:lnRef idx="1">
+            <a:schemeClr val="accent1"/>
+          </a:lnRef>
+          <a:fillRef idx="0">
+            <a:schemeClr val="accent1"/>
+          </a:fillRef>
+          <a:effectRef idx="0">
+            <a:schemeClr val="accent1"/>
+          </a:effectRef>
+          <a:fontRef idx="minor">
+            <a:schemeClr val="tx1"/>
+          </a:fontRef>
+        </p:style>
+      </p:cxnSp>
+      <p:sp>
+        <p:nvSpPr>
+          <p:cNvPr id="354" name="CuadroTexto 353"/>
+          <p:cNvSpPr txBox="1"/>
+          <p:nvPr/>
+        </p:nvSpPr>
+        <p:spPr>
+          <a:xfrm>
+            <a:off x="4272968" y="1170233"/>
+            <a:ext cx="526939" cy="369332"/>
+          </a:xfrm>
+          <a:prstGeom prst="rect">
+            <a:avLst/>
+          </a:prstGeom>
+          <a:noFill/>
+        </p:spPr>
+        <p:txBody>
+          <a:bodyPr wrap="none" rtlCol="0">
+            <a:spAutoFit/>
+          </a:bodyPr>
+          <a:lstStyle/>
+          <a:p>
+            <a:pPr algn="ctr"/>
+            <a:r>
+              <a:rPr lang="es-ES" b="1" dirty="0" smtClean="0">
+                <a:solidFill>
+                  <a:srgbClr val="FF3300"/>
+                </a:solidFill>
+                <a:latin typeface="+mj-lt"/>
+                <a:cs typeface="Aharoni" panose="02010803020104030203" pitchFamily="2" charset="-79"/>
+              </a:rPr>
+              <a:t>Yes </a:t>
+            </a:r>
+          </a:p>
+        </p:txBody>
+      </p:sp>
+      <p:cxnSp>
+        <p:nvCxnSpPr>
+          <p:cNvPr id="355" name="Conector recto de flecha 354"/>
+          <p:cNvCxnSpPr>
+            <a:stCxn id="352" idx="2"/>
+          </p:cNvCxnSpPr>
+          <p:nvPr/>
+        </p:nvCxnSpPr>
+        <p:spPr>
+          <a:xfrm>
+            <a:off x="5927511" y="2303985"/>
+            <a:ext cx="0" cy="620903"/>
+          </a:xfrm>
+          <a:prstGeom prst="straightConnector1">
+            <a:avLst/>
+          </a:prstGeom>
+          <a:ln w="28575">
+            <a:solidFill>
+              <a:srgbClr val="7240F0"/>
+            </a:solidFill>
+            <a:tailEnd type="triangle" w="lg" len="lg"/>
+          </a:ln>
+        </p:spPr>
+        <p:style>
+          <a:lnRef idx="1">
+            <a:schemeClr val="accent1"/>
+          </a:lnRef>
+          <a:fillRef idx="0">
+            <a:schemeClr val="accent1"/>
+          </a:fillRef>
+          <a:effectRef idx="0">
+            <a:schemeClr val="accent1"/>
+          </a:effectRef>
+          <a:fontRef idx="minor">
+            <a:schemeClr val="tx1"/>
+          </a:fontRef>
+        </p:style>
+      </p:cxnSp>
+      <p:cxnSp>
+        <p:nvCxnSpPr>
+          <p:cNvPr id="356" name="Conector recto de flecha 355"/>
+          <p:cNvCxnSpPr/>
+          <p:nvPr/>
+        </p:nvCxnSpPr>
+        <p:spPr>
+          <a:xfrm>
+            <a:off x="5893961" y="2910037"/>
+            <a:ext cx="6241018" cy="70983"/>
+          </a:xfrm>
+          <a:prstGeom prst="straightConnector1">
+            <a:avLst/>
+          </a:prstGeom>
+          <a:ln w="28575">
+            <a:solidFill>
+              <a:srgbClr val="7240F0"/>
+            </a:solidFill>
+            <a:tailEnd type="triangle" w="lg" len="lg"/>
+          </a:ln>
+        </p:spPr>
+        <p:style>
+          <a:lnRef idx="1">
+            <a:schemeClr val="accent1"/>
+          </a:lnRef>
+          <a:fillRef idx="0">
+            <a:schemeClr val="accent1"/>
+          </a:fillRef>
+          <a:effectRef idx="0">
+            <a:schemeClr val="accent1"/>
+          </a:effectRef>
+          <a:fontRef idx="minor">
+            <a:schemeClr val="tx1"/>
+          </a:fontRef>
+        </p:style>
+      </p:cxnSp>
+      <p:cxnSp>
+        <p:nvCxnSpPr>
+          <p:cNvPr id="357" name="Conector recto de flecha 356"/>
+          <p:cNvCxnSpPr/>
+          <p:nvPr/>
+        </p:nvCxnSpPr>
+        <p:spPr>
+          <a:xfrm flipV="1">
+            <a:off x="12150457" y="1594543"/>
+            <a:ext cx="0" cy="1386477"/>
+          </a:xfrm>
+          <a:prstGeom prst="straightConnector1">
+            <a:avLst/>
+          </a:prstGeom>
+          <a:ln w="28575">
+            <a:solidFill>
+              <a:srgbClr val="7240F0"/>
+            </a:solidFill>
+            <a:tailEnd type="triangle" w="lg" len="lg"/>
+          </a:ln>
+        </p:spPr>
+        <p:style>
+          <a:lnRef idx="1">
+            <a:schemeClr val="accent1"/>
+          </a:lnRef>
+          <a:fillRef idx="0">
+            <a:schemeClr val="accent1"/>
+          </a:fillRef>
+          <a:effectRef idx="0">
+            <a:schemeClr val="accent1"/>
+          </a:effectRef>
+          <a:fontRef idx="minor">
+            <a:schemeClr val="tx1"/>
+          </a:fontRef>
+        </p:style>
+      </p:cxnSp>
+      <p:sp>
+        <p:nvSpPr>
+          <p:cNvPr id="359" name="CuadroTexto 358"/>
+          <p:cNvSpPr txBox="1"/>
+          <p:nvPr/>
+        </p:nvSpPr>
+        <p:spPr>
+          <a:xfrm>
+            <a:off x="5935114" y="2378301"/>
+            <a:ext cx="498855" cy="369332"/>
+          </a:xfrm>
+          <a:prstGeom prst="rect">
+            <a:avLst/>
+          </a:prstGeom>
+          <a:noFill/>
+        </p:spPr>
+        <p:txBody>
+          <a:bodyPr wrap="none" rtlCol="0">
+            <a:spAutoFit/>
+          </a:bodyPr>
+          <a:lstStyle/>
+          <a:p>
+            <a:pPr algn="ctr"/>
+            <a:r>
+              <a:rPr lang="es-ES" b="1" dirty="0" smtClean="0">
+                <a:solidFill>
+                  <a:srgbClr val="FF3300"/>
+                </a:solidFill>
+                <a:latin typeface="+mj-lt"/>
+                <a:cs typeface="Aharoni" panose="02010803020104030203" pitchFamily="2" charset="-79"/>
+              </a:rPr>
+              <a:t>No </a:t>
+            </a:r>
+          </a:p>
+        </p:txBody>
+      </p:sp>
+      <p:sp>
+        <p:nvSpPr>
+          <p:cNvPr id="361" name="CuadroTexto 360"/>
+          <p:cNvSpPr txBox="1"/>
+          <p:nvPr/>
+        </p:nvSpPr>
+        <p:spPr>
+          <a:xfrm>
+            <a:off x="5864496" y="2956299"/>
+            <a:ext cx="1917513" cy="338554"/>
+          </a:xfrm>
+          <a:prstGeom prst="rect">
+            <a:avLst/>
+          </a:prstGeom>
+          <a:noFill/>
+        </p:spPr>
+        <p:txBody>
+          <a:bodyPr wrap="none" rtlCol="0">
+            <a:spAutoFit/>
+          </a:bodyPr>
+          <a:lstStyle/>
+          <a:p>
+            <a:r>
+              <a:rPr lang="es-ES" sz="1600" dirty="0" smtClean="0">
+                <a:solidFill>
+                  <a:schemeClr val="tx1">
+                    <a:lumMod val="50000"/>
+                    <a:lumOff val="50000"/>
+                  </a:schemeClr>
+                </a:solidFill>
+                <a:latin typeface="+mj-lt"/>
+                <a:cs typeface="Aharoni" panose="02010803020104030203" pitchFamily="2" charset="-79"/>
+              </a:rPr>
+              <a:t>$</a:t>
+            </a:r>
+            <a:r>
+              <a:rPr lang="es-ES" sz="1600" dirty="0" err="1" smtClean="0">
+                <a:solidFill>
+                  <a:schemeClr val="tx1">
+                    <a:lumMod val="50000"/>
+                    <a:lumOff val="50000"/>
+                  </a:schemeClr>
+                </a:solidFill>
+                <a:latin typeface="+mj-lt"/>
+                <a:cs typeface="Aharoni" panose="02010803020104030203" pitchFamily="2" charset="-79"/>
+              </a:rPr>
+              <a:t>suggest_dish</a:t>
+            </a:r>
+            <a:r>
+              <a:rPr lang="es-ES" sz="1600" dirty="0" smtClean="0">
+                <a:solidFill>
+                  <a:schemeClr val="tx1">
+                    <a:lumMod val="50000"/>
+                    <a:lumOff val="50000"/>
+                  </a:schemeClr>
+                </a:solidFill>
+                <a:latin typeface="+mj-lt"/>
+                <a:cs typeface="Aharoni" panose="02010803020104030203" pitchFamily="2" charset="-79"/>
+              </a:rPr>
+              <a:t> </a:t>
+            </a:r>
+            <a:r>
+              <a:rPr lang="es-ES" sz="1600" dirty="0">
+                <a:solidFill>
+                  <a:schemeClr val="tx1">
+                    <a:lumMod val="50000"/>
+                    <a:lumOff val="50000"/>
+                  </a:schemeClr>
+                </a:solidFill>
+                <a:latin typeface="+mj-lt"/>
+                <a:cs typeface="Aharoni" panose="02010803020104030203" pitchFamily="2" charset="-79"/>
+              </a:rPr>
+              <a:t>= True</a:t>
+            </a:r>
+          </a:p>
+        </p:txBody>
+      </p:sp>
+      <p:cxnSp>
+        <p:nvCxnSpPr>
+          <p:cNvPr id="368" name="Conector recto de flecha 367"/>
+          <p:cNvCxnSpPr>
+            <a:endCxn id="156" idx="1"/>
+          </p:cNvCxnSpPr>
+          <p:nvPr/>
+        </p:nvCxnSpPr>
+        <p:spPr>
+          <a:xfrm flipV="1">
+            <a:off x="12237384" y="1554150"/>
+            <a:ext cx="2170835" cy="7332"/>
+          </a:xfrm>
+          <a:prstGeom prst="straightConnector1">
+            <a:avLst/>
+          </a:prstGeom>
+          <a:ln w="28575">
+            <a:solidFill>
+              <a:srgbClr val="7240F0"/>
+            </a:solidFill>
+            <a:tailEnd type="triangle" w="lg" len="lg"/>
+          </a:ln>
+        </p:spPr>
+        <p:style>
+          <a:lnRef idx="1">
+            <a:schemeClr val="accent1"/>
+          </a:lnRef>
+          <a:fillRef idx="0">
+            <a:schemeClr val="accent1"/>
+          </a:fillRef>
+          <a:effectRef idx="0">
+            <a:schemeClr val="accent1"/>
+          </a:effectRef>
+          <a:fontRef idx="minor">
+            <a:schemeClr val="tx1"/>
+          </a:fontRef>
+        </p:style>
+      </p:cxnSp>
+      <p:sp>
+        <p:nvSpPr>
+          <p:cNvPr id="384" name="Nube 383"/>
+          <p:cNvSpPr/>
+          <p:nvPr/>
+        </p:nvSpPr>
+        <p:spPr>
+          <a:xfrm>
+            <a:off x="11654131" y="8986458"/>
+            <a:ext cx="1906939" cy="1468927"/>
+          </a:xfrm>
+          <a:prstGeom prst="cloud">
+            <a:avLst/>
+          </a:prstGeom>
+          <a:solidFill>
+            <a:schemeClr val="bg1"/>
+          </a:solidFill>
+          <a:ln w="28575">
+            <a:solidFill>
+              <a:schemeClr val="bg2">
+                <a:lumMod val="75000"/>
+              </a:schemeClr>
+            </a:solidFill>
+          </a:ln>
+        </p:spPr>
+        <p:style>
+          <a:lnRef idx="2">
+            <a:schemeClr val="accent1">
+              <a:shade val="50000"/>
+            </a:schemeClr>
+          </a:lnRef>
+          <a:fillRef idx="1">
+            <a:schemeClr val="accent1"/>
+          </a:fillRef>
+          <a:effectRef idx="0">
+            <a:schemeClr val="accent1"/>
+          </a:effectRef>
+          <a:fontRef idx="minor">
+            <a:schemeClr val="lt1"/>
+          </a:fontRef>
+        </p:style>
+        <p:txBody>
+          <a:bodyPr rtlCol="0" anchor="ctr"/>
+          <a:lstStyle/>
+          <a:p>
+            <a:pPr algn="ctr"/>
+            <a:endParaRPr lang="es-ES"/>
+          </a:p>
+        </p:txBody>
+      </p:sp>
+      <p:pic>
+        <p:nvPicPr>
+          <p:cNvPr id="385" name="Imagen 384"/>
+          <p:cNvPicPr>
+            <a:picLocks noChangeAspect="1"/>
+          </p:cNvPicPr>
+          <p:nvPr/>
+        </p:nvPicPr>
+        <p:blipFill rotWithShape="1">
+          <a:blip r:embed="rId2">
+            <a:extLst>
+              <a:ext uri="{28A0092B-C50C-407E-A947-70E740481C1C}">
+                <a14:useLocalDpi xmlns:a14="http://schemas.microsoft.com/office/drawing/2010/main" val="0"/>
+              </a:ext>
+            </a:extLst>
+          </a:blip>
+          <a:srcRect t="20610" b="22166"/>
+          <a:stretch/>
+        </p:blipFill>
+        <p:spPr>
+          <a:xfrm>
+            <a:off x="11841822" y="9655634"/>
+            <a:ext cx="1369656" cy="391886"/>
+          </a:xfrm>
+          <a:prstGeom prst="rect">
+            <a:avLst/>
+          </a:prstGeom>
+        </p:spPr>
+      </p:pic>
+      <p:sp>
+        <p:nvSpPr>
+          <p:cNvPr id="386" name="CuadroTexto 385"/>
+          <p:cNvSpPr txBox="1"/>
+          <p:nvPr/>
+        </p:nvSpPr>
+        <p:spPr>
+          <a:xfrm>
+            <a:off x="12038415" y="9299049"/>
+            <a:ext cx="1275775" cy="276999"/>
+          </a:xfrm>
+          <a:prstGeom prst="rect">
+            <a:avLst/>
+          </a:prstGeom>
+          <a:noFill/>
+        </p:spPr>
+        <p:txBody>
+          <a:bodyPr wrap="square" rtlCol="0">
+            <a:spAutoFit/>
+          </a:bodyPr>
+          <a:lstStyle/>
+          <a:p>
+            <a:r>
+              <a:rPr lang="es-ES" sz="1200" b="1" dirty="0" smtClean="0">
+                <a:solidFill>
+                  <a:srgbClr val="00B050"/>
+                </a:solidFill>
+              </a:rPr>
+              <a:t>RECIPE SERVICES</a:t>
+            </a:r>
+            <a:endParaRPr lang="es-ES" sz="1200" b="1" dirty="0">
+              <a:solidFill>
+                <a:srgbClr val="00B050"/>
+              </a:solidFill>
+            </a:endParaRPr>
+          </a:p>
+        </p:txBody>
+      </p:sp>
+      <p:sp>
+        <p:nvSpPr>
+          <p:cNvPr id="387" name="Flecha izquierda y derecha 386"/>
+          <p:cNvSpPr/>
+          <p:nvPr/>
+        </p:nvSpPr>
+        <p:spPr>
+          <a:xfrm rot="15247532">
+            <a:off x="11676631" y="8233218"/>
+            <a:ext cx="1224000" cy="258461"/>
+          </a:xfrm>
+          <a:prstGeom prst="leftRightArrow">
+            <a:avLst/>
+          </a:prstGeom>
+          <a:solidFill>
+            <a:schemeClr val="accent3">
+              <a:lumMod val="60000"/>
+              <a:lumOff val="40000"/>
+            </a:schemeClr>
+          </a:solidFill>
+          <a:ln>
+            <a:noFill/>
+          </a:ln>
+        </p:spPr>
+        <p:style>
+          <a:lnRef idx="2">
+            <a:schemeClr val="accent1">
+              <a:shade val="50000"/>
+            </a:schemeClr>
+          </a:lnRef>
+          <a:fillRef idx="1">
+            <a:schemeClr val="accent1"/>
+          </a:fillRef>
+          <a:effectRef idx="0">
+            <a:schemeClr val="accent1"/>
+          </a:effectRef>
+          <a:fontRef idx="minor">
+            <a:schemeClr val="lt1"/>
+          </a:fontRef>
+        </p:style>
+        <p:txBody>
+          <a:bodyPr rtlCol="0" anchor="ctr"/>
+          <a:lstStyle/>
+          <a:p>
+            <a:pPr algn="ctr"/>
+            <a:endParaRPr lang="es-ES"/>
+          </a:p>
+        </p:txBody>
+      </p:sp>
+      <p:sp>
+        <p:nvSpPr>
+          <p:cNvPr id="388" name="Flecha izquierda y derecha 387"/>
+          <p:cNvSpPr/>
+          <p:nvPr/>
+        </p:nvSpPr>
+        <p:spPr>
+          <a:xfrm rot="7079240">
+            <a:off x="10022543" y="8190525"/>
+            <a:ext cx="1224000" cy="258461"/>
+          </a:xfrm>
+          <a:prstGeom prst="leftRightArrow">
+            <a:avLst/>
+          </a:prstGeom>
+          <a:solidFill>
+            <a:schemeClr val="accent3">
+              <a:lumMod val="60000"/>
+              <a:lumOff val="40000"/>
+            </a:schemeClr>
+          </a:solidFill>
+          <a:ln>
+            <a:noFill/>
+          </a:ln>
+        </p:spPr>
+        <p:style>
+          <a:lnRef idx="2">
+            <a:schemeClr val="accent1">
+              <a:shade val="50000"/>
+            </a:schemeClr>
+          </a:lnRef>
+          <a:fillRef idx="1">
+            <a:schemeClr val="accent1"/>
+          </a:fillRef>
+          <a:effectRef idx="0">
+            <a:schemeClr val="accent1"/>
+          </a:effectRef>
+          <a:fontRef idx="minor">
+            <a:schemeClr val="lt1"/>
+          </a:fontRef>
+        </p:style>
+        <p:txBody>
+          <a:bodyPr rtlCol="0" anchor="ctr"/>
+          <a:lstStyle/>
+          <a:p>
+            <a:pPr algn="ctr"/>
+            <a:endParaRPr lang="es-ES"/>
+          </a:p>
+        </p:txBody>
+      </p:sp>
     </p:spTree>
     <p:extLst>
       <p:ext uri="{BB962C8B-B14F-4D97-AF65-F5344CB8AC3E}">

--- a/memoria/images/diagrama intenciones.pptx
+++ b/memoria/images/diagrama intenciones.pptx
@@ -260,7 +260,7 @@
           <a:p>
             <a:fld id="{9C28449B-7E7F-4B22-B31C-7455ACE0523B}" type="datetimeFigureOut">
               <a:rPr lang="es-ES" smtClean="0"/>
-              <a:t>17/01/2018</a:t>
+              <a:t>19/01/2018</a:t>
             </a:fld>
             <a:endParaRPr lang="es-ES"/>
           </a:p>
@@ -430,7 +430,7 @@
           <a:p>
             <a:fld id="{9C28449B-7E7F-4B22-B31C-7455ACE0523B}" type="datetimeFigureOut">
               <a:rPr lang="es-ES" smtClean="0"/>
-              <a:t>17/01/2018</a:t>
+              <a:t>19/01/2018</a:t>
             </a:fld>
             <a:endParaRPr lang="es-ES"/>
           </a:p>
@@ -610,7 +610,7 @@
           <a:p>
             <a:fld id="{9C28449B-7E7F-4B22-B31C-7455ACE0523B}" type="datetimeFigureOut">
               <a:rPr lang="es-ES" smtClean="0"/>
-              <a:t>17/01/2018</a:t>
+              <a:t>19/01/2018</a:t>
             </a:fld>
             <a:endParaRPr lang="es-ES"/>
           </a:p>
@@ -780,7 +780,7 @@
           <a:p>
             <a:fld id="{9C28449B-7E7F-4B22-B31C-7455ACE0523B}" type="datetimeFigureOut">
               <a:rPr lang="es-ES" smtClean="0"/>
-              <a:t>17/01/2018</a:t>
+              <a:t>19/01/2018</a:t>
             </a:fld>
             <a:endParaRPr lang="es-ES"/>
           </a:p>
@@ -1026,7 +1026,7 @@
           <a:p>
             <a:fld id="{9C28449B-7E7F-4B22-B31C-7455ACE0523B}" type="datetimeFigureOut">
               <a:rPr lang="es-ES" smtClean="0"/>
-              <a:t>17/01/2018</a:t>
+              <a:t>19/01/2018</a:t>
             </a:fld>
             <a:endParaRPr lang="es-ES"/>
           </a:p>
@@ -1258,7 +1258,7 @@
           <a:p>
             <a:fld id="{9C28449B-7E7F-4B22-B31C-7455ACE0523B}" type="datetimeFigureOut">
               <a:rPr lang="es-ES" smtClean="0"/>
-              <a:t>17/01/2018</a:t>
+              <a:t>19/01/2018</a:t>
             </a:fld>
             <a:endParaRPr lang="es-ES"/>
           </a:p>
@@ -1625,7 +1625,7 @@
           <a:p>
             <a:fld id="{9C28449B-7E7F-4B22-B31C-7455ACE0523B}" type="datetimeFigureOut">
               <a:rPr lang="es-ES" smtClean="0"/>
-              <a:t>17/01/2018</a:t>
+              <a:t>19/01/2018</a:t>
             </a:fld>
             <a:endParaRPr lang="es-ES"/>
           </a:p>
@@ -1743,7 +1743,7 @@
           <a:p>
             <a:fld id="{9C28449B-7E7F-4B22-B31C-7455ACE0523B}" type="datetimeFigureOut">
               <a:rPr lang="es-ES" smtClean="0"/>
-              <a:t>17/01/2018</a:t>
+              <a:t>19/01/2018</a:t>
             </a:fld>
             <a:endParaRPr lang="es-ES"/>
           </a:p>
@@ -1838,7 +1838,7 @@
           <a:p>
             <a:fld id="{9C28449B-7E7F-4B22-B31C-7455ACE0523B}" type="datetimeFigureOut">
               <a:rPr lang="es-ES" smtClean="0"/>
-              <a:t>17/01/2018</a:t>
+              <a:t>19/01/2018</a:t>
             </a:fld>
             <a:endParaRPr lang="es-ES"/>
           </a:p>
@@ -2115,7 +2115,7 @@
           <a:p>
             <a:fld id="{9C28449B-7E7F-4B22-B31C-7455ACE0523B}" type="datetimeFigureOut">
               <a:rPr lang="es-ES" smtClean="0"/>
-              <a:t>17/01/2018</a:t>
+              <a:t>19/01/2018</a:t>
             </a:fld>
             <a:endParaRPr lang="es-ES"/>
           </a:p>
@@ -2368,7 +2368,7 @@
           <a:p>
             <a:fld id="{9C28449B-7E7F-4B22-B31C-7455ACE0523B}" type="datetimeFigureOut">
               <a:rPr lang="es-ES" smtClean="0"/>
-              <a:t>17/01/2018</a:t>
+              <a:t>19/01/2018</a:t>
             </a:fld>
             <a:endParaRPr lang="es-ES"/>
           </a:p>
@@ -2581,7 +2581,7 @@
           <a:p>
             <a:fld id="{9C28449B-7E7F-4B22-B31C-7455ACE0523B}" type="datetimeFigureOut">
               <a:rPr lang="es-ES" smtClean="0"/>
-              <a:t>17/01/2018</a:t>
+              <a:t>19/01/2018</a:t>
             </a:fld>
             <a:endParaRPr lang="es-ES"/>
           </a:p>
@@ -17758,8 +17758,8 @@
               <a:avLst>
                 <a:gd name="adj1" fmla="val -909248"/>
                 <a:gd name="adj2" fmla="val 86379"/>
-                <a:gd name="adj3" fmla="val -817306"/>
-                <a:gd name="adj4" fmla="val 75713"/>
+                <a:gd name="adj3" fmla="val -804868"/>
+                <a:gd name="adj4" fmla="val 90296"/>
                 <a:gd name="adj5" fmla="val -780039"/>
                 <a:gd name="adj6" fmla="val 115383"/>
               </a:avLst>
@@ -18628,9 +18628,9 @@
               <p:nvPr/>
             </p:nvCxnSpPr>
             <p:spPr>
-              <a:xfrm flipH="1" flipV="1">
-                <a:off x="-1495160" y="-1223488"/>
-                <a:ext cx="68595" cy="13045068"/>
+              <a:xfrm flipV="1">
+                <a:off x="-1518982" y="-1223488"/>
+                <a:ext cx="23823" cy="13079103"/>
               </a:xfrm>
               <a:prstGeom prst="straightConnector1">
                 <a:avLst/>
@@ -18702,9 +18702,9 @@
               <p:nvPr/>
             </p:nvCxnSpPr>
             <p:spPr>
-              <a:xfrm flipH="1" flipV="1">
-                <a:off x="-1429915" y="11844056"/>
-                <a:ext cx="788408" cy="1"/>
+              <a:xfrm flipH="1">
+                <a:off x="-1518982" y="11844057"/>
+                <a:ext cx="877475" cy="11558"/>
               </a:xfrm>
               <a:prstGeom prst="straightConnector1">
                 <a:avLst/>
@@ -20666,15 +20666,6 @@
                   </a:rPr>
                   <a:t>COUNTER == 0</a:t>
                 </a:r>
-                <a:endParaRPr lang="es-ES" sz="1400" dirty="0" smtClean="0">
-                  <a:solidFill>
-                    <a:schemeClr val="tx1">
-                      <a:lumMod val="75000"/>
-                      <a:lumOff val="25000"/>
-                    </a:schemeClr>
-                  </a:solidFill>
-                  <a:latin typeface="Arial Rounded MT Bold" panose="020F0704030504030204" pitchFamily="34" charset="0"/>
-                </a:endParaRPr>
               </a:p>
             </p:txBody>
           </p:sp>
@@ -20976,8 +20967,8 @@
                 <a:avLst>
                   <a:gd name="adj1" fmla="val -797766"/>
                   <a:gd name="adj2" fmla="val -442929"/>
-                  <a:gd name="adj3" fmla="val -619740"/>
-                  <a:gd name="adj4" fmla="val -405810"/>
+                  <a:gd name="adj3" fmla="val -643306"/>
+                  <a:gd name="adj4" fmla="val -408442"/>
                   <a:gd name="adj5" fmla="val -650510"/>
                   <a:gd name="adj6" fmla="val -356530"/>
                 </a:avLst>
@@ -23283,8 +23274,8 @@
                 <a:avLst>
                   <a:gd name="adj1" fmla="val -909248"/>
                   <a:gd name="adj2" fmla="val 86379"/>
-                  <a:gd name="adj3" fmla="val -817306"/>
-                  <a:gd name="adj4" fmla="val 75713"/>
+                  <a:gd name="adj3" fmla="val -788346"/>
+                  <a:gd name="adj4" fmla="val 86161"/>
                   <a:gd name="adj5" fmla="val -780039"/>
                   <a:gd name="adj6" fmla="val 115383"/>
                 </a:avLst>
@@ -24092,14 +24083,6 @@
                   </a:rPr>
                   <a:t>..."</a:t>
                 </a:r>
-                <a:endParaRPr lang="es-ES" dirty="0">
-                  <a:solidFill>
-                    <a:schemeClr val="tx1">
-                      <a:lumMod val="50000"/>
-                      <a:lumOff val="50000"/>
-                    </a:schemeClr>
-                  </a:solidFill>
-                </a:endParaRPr>
               </a:p>
             </p:txBody>
           </p:sp>
@@ -24118,8 +24101,8 @@
                 <a:avLst>
                   <a:gd name="adj1" fmla="val -909248"/>
                   <a:gd name="adj2" fmla="val 86379"/>
-                  <a:gd name="adj3" fmla="val -817306"/>
-                  <a:gd name="adj4" fmla="val 75713"/>
+                  <a:gd name="adj3" fmla="val -795540"/>
+                  <a:gd name="adj4" fmla="val 92380"/>
                   <a:gd name="adj5" fmla="val -780039"/>
                   <a:gd name="adj6" fmla="val 115383"/>
                 </a:avLst>
@@ -25662,8 +25645,8 @@
                 <a:avLst>
                   <a:gd name="adj1" fmla="val 824339"/>
                   <a:gd name="adj2" fmla="val -468233"/>
-                  <a:gd name="adj3" fmla="val 790485"/>
-                  <a:gd name="adj4" fmla="val -526660"/>
+                  <a:gd name="adj3" fmla="val 806196"/>
+                  <a:gd name="adj4" fmla="val -510871"/>
                   <a:gd name="adj5" fmla="val 523646"/>
                   <a:gd name="adj6" fmla="val -518714"/>
                 </a:avLst>

--- a/memoria/images/diagrama intenciones.pptx
+++ b/memoria/images/diagrama intenciones.pptx
@@ -260,7 +260,7 @@
           <a:p>
             <a:fld id="{9C28449B-7E7F-4B22-B31C-7455ACE0523B}" type="datetimeFigureOut">
               <a:rPr lang="es-ES" smtClean="0"/>
-              <a:t>19/01/2018</a:t>
+              <a:t>20/01/2018</a:t>
             </a:fld>
             <a:endParaRPr lang="es-ES"/>
           </a:p>
@@ -430,7 +430,7 @@
           <a:p>
             <a:fld id="{9C28449B-7E7F-4B22-B31C-7455ACE0523B}" type="datetimeFigureOut">
               <a:rPr lang="es-ES" smtClean="0"/>
-              <a:t>19/01/2018</a:t>
+              <a:t>20/01/2018</a:t>
             </a:fld>
             <a:endParaRPr lang="es-ES"/>
           </a:p>
@@ -610,7 +610,7 @@
           <a:p>
             <a:fld id="{9C28449B-7E7F-4B22-B31C-7455ACE0523B}" type="datetimeFigureOut">
               <a:rPr lang="es-ES" smtClean="0"/>
-              <a:t>19/01/2018</a:t>
+              <a:t>20/01/2018</a:t>
             </a:fld>
             <a:endParaRPr lang="es-ES"/>
           </a:p>
@@ -780,7 +780,7 @@
           <a:p>
             <a:fld id="{9C28449B-7E7F-4B22-B31C-7455ACE0523B}" type="datetimeFigureOut">
               <a:rPr lang="es-ES" smtClean="0"/>
-              <a:t>19/01/2018</a:t>
+              <a:t>20/01/2018</a:t>
             </a:fld>
             <a:endParaRPr lang="es-ES"/>
           </a:p>
@@ -1026,7 +1026,7 @@
           <a:p>
             <a:fld id="{9C28449B-7E7F-4B22-B31C-7455ACE0523B}" type="datetimeFigureOut">
               <a:rPr lang="es-ES" smtClean="0"/>
-              <a:t>19/01/2018</a:t>
+              <a:t>20/01/2018</a:t>
             </a:fld>
             <a:endParaRPr lang="es-ES"/>
           </a:p>
@@ -1258,7 +1258,7 @@
           <a:p>
             <a:fld id="{9C28449B-7E7F-4B22-B31C-7455ACE0523B}" type="datetimeFigureOut">
               <a:rPr lang="es-ES" smtClean="0"/>
-              <a:t>19/01/2018</a:t>
+              <a:t>20/01/2018</a:t>
             </a:fld>
             <a:endParaRPr lang="es-ES"/>
           </a:p>
@@ -1625,7 +1625,7 @@
           <a:p>
             <a:fld id="{9C28449B-7E7F-4B22-B31C-7455ACE0523B}" type="datetimeFigureOut">
               <a:rPr lang="es-ES" smtClean="0"/>
-              <a:t>19/01/2018</a:t>
+              <a:t>20/01/2018</a:t>
             </a:fld>
             <a:endParaRPr lang="es-ES"/>
           </a:p>
@@ -1743,7 +1743,7 @@
           <a:p>
             <a:fld id="{9C28449B-7E7F-4B22-B31C-7455ACE0523B}" type="datetimeFigureOut">
               <a:rPr lang="es-ES" smtClean="0"/>
-              <a:t>19/01/2018</a:t>
+              <a:t>20/01/2018</a:t>
             </a:fld>
             <a:endParaRPr lang="es-ES"/>
           </a:p>
@@ -1838,7 +1838,7 @@
           <a:p>
             <a:fld id="{9C28449B-7E7F-4B22-B31C-7455ACE0523B}" type="datetimeFigureOut">
               <a:rPr lang="es-ES" smtClean="0"/>
-              <a:t>19/01/2018</a:t>
+              <a:t>20/01/2018</a:t>
             </a:fld>
             <a:endParaRPr lang="es-ES"/>
           </a:p>
@@ -2115,7 +2115,7 @@
           <a:p>
             <a:fld id="{9C28449B-7E7F-4B22-B31C-7455ACE0523B}" type="datetimeFigureOut">
               <a:rPr lang="es-ES" smtClean="0"/>
-              <a:t>19/01/2018</a:t>
+              <a:t>20/01/2018</a:t>
             </a:fld>
             <a:endParaRPr lang="es-ES"/>
           </a:p>
@@ -2368,7 +2368,7 @@
           <a:p>
             <a:fld id="{9C28449B-7E7F-4B22-B31C-7455ACE0523B}" type="datetimeFigureOut">
               <a:rPr lang="es-ES" smtClean="0"/>
-              <a:t>19/01/2018</a:t>
+              <a:t>20/01/2018</a:t>
             </a:fld>
             <a:endParaRPr lang="es-ES"/>
           </a:p>
@@ -2581,7 +2581,7 @@
           <a:p>
             <a:fld id="{9C28449B-7E7F-4B22-B31C-7455ACE0523B}" type="datetimeFigureOut">
               <a:rPr lang="es-ES" smtClean="0"/>
-              <a:t>19/01/2018</a:t>
+              <a:t>20/01/2018</a:t>
             </a:fld>
             <a:endParaRPr lang="es-ES"/>
           </a:p>
@@ -18629,8 +18629,8 @@
             </p:nvCxnSpPr>
             <p:spPr>
               <a:xfrm flipV="1">
-                <a:off x="-1518982" y="-1223488"/>
-                <a:ext cx="23823" cy="13079103"/>
+                <a:off x="-1519489" y="-1223485"/>
+                <a:ext cx="24330" cy="13758879"/>
               </a:xfrm>
               <a:prstGeom prst="straightConnector1">
                 <a:avLst/>
@@ -18702,9 +18702,9 @@
               <p:nvPr/>
             </p:nvCxnSpPr>
             <p:spPr>
-              <a:xfrm flipH="1">
-                <a:off x="-1518982" y="11844057"/>
-                <a:ext cx="877475" cy="11558"/>
+              <a:xfrm flipH="1" flipV="1">
+                <a:off x="-1604021" y="12602109"/>
+                <a:ext cx="965381" cy="1"/>
               </a:xfrm>
               <a:prstGeom prst="straightConnector1">
                 <a:avLst/>
@@ -19116,8 +19116,8 @@
             </p:nvCxnSpPr>
             <p:spPr>
               <a:xfrm flipH="1">
-                <a:off x="439201" y="10713274"/>
-                <a:ext cx="14697" cy="568536"/>
+                <a:off x="442068" y="10713274"/>
+                <a:ext cx="11830" cy="1326589"/>
               </a:xfrm>
               <a:prstGeom prst="straightConnector1">
                 <a:avLst/>
@@ -21461,7 +21461,7 @@
             </p:nvSpPr>
             <p:spPr>
               <a:xfrm>
-                <a:off x="-641507" y="11281810"/>
+                <a:off x="-638640" y="12039863"/>
                 <a:ext cx="2161416" cy="1124493"/>
               </a:xfrm>
               <a:prstGeom prst="wedgeRoundRectCallout">
@@ -24945,7 +24945,7 @@
             </p:nvSpPr>
             <p:spPr>
               <a:xfrm>
-                <a:off x="-1851200" y="11932083"/>
+                <a:off x="-1919780" y="12688902"/>
                 <a:ext cx="1254702" cy="369332"/>
               </a:xfrm>
               <a:prstGeom prst="rect">

--- a/memoria/images/diagrama intenciones.pptx
+++ b/memoria/images/diagrama intenciones.pptx
@@ -6228,7 +6228,7 @@
       </p:grpSpPr>
       <p:grpSp>
         <p:nvGrpSpPr>
-          <p:cNvPr id="4" name="Grupo 3"/>
+          <p:cNvPr id="3" name="Grupo 2"/>
           <p:cNvGrpSpPr/>
           <p:nvPr/>
         </p:nvGrpSpPr>
@@ -6242,21 +6242,21 @@
         </p:grpSpPr>
         <p:grpSp>
           <p:nvGrpSpPr>
-            <p:cNvPr id="130" name="Grupo 129"/>
+            <p:cNvPr id="4" name="Grupo 3"/>
             <p:cNvGrpSpPr/>
             <p:nvPr/>
           </p:nvGrpSpPr>
           <p:grpSpPr>
             <a:xfrm>
-              <a:off x="-3513221" y="-2791326"/>
-              <a:ext cx="19467095" cy="10144626"/>
-              <a:chOff x="-3513221" y="-2791326"/>
-              <a:chExt cx="19467095" cy="10144626"/>
+              <a:off x="-3513221" y="-2899313"/>
+              <a:ext cx="19488064" cy="10252613"/>
+              <a:chOff x="-3513221" y="-2899313"/>
+              <a:chExt cx="19488064" cy="10252613"/>
             </a:xfrm>
           </p:grpSpPr>
           <p:grpSp>
             <p:nvGrpSpPr>
-              <p:cNvPr id="116" name="Grupo 115"/>
+              <p:cNvPr id="130" name="Grupo 129"/>
               <p:cNvGrpSpPr/>
               <p:nvPr/>
             </p:nvGrpSpPr>
@@ -6268,97 +6268,152 @@
                 <a:chExt cx="19467095" cy="10144626"/>
               </a:xfrm>
             </p:grpSpPr>
-            <p:sp>
-              <p:nvSpPr>
-                <p:cNvPr id="27" name="Rectángulo 26"/>
-                <p:cNvSpPr/>
+            <p:grpSp>
+              <p:nvGrpSpPr>
+                <p:cNvPr id="116" name="Grupo 115"/>
+                <p:cNvGrpSpPr/>
                 <p:nvPr/>
-              </p:nvSpPr>
-              <p:spPr>
+              </p:nvGrpSpPr>
+              <p:grpSpPr>
                 <a:xfrm>
                   <a:off x="-3513221" y="-2791326"/>
                   <a:ext cx="19467095" cy="10144626"/>
+                  <a:chOff x="-3513221" y="-2791326"/>
+                  <a:chExt cx="19467095" cy="10144626"/>
                 </a:xfrm>
-                <a:prstGeom prst="rect">
-                  <a:avLst/>
-                </a:prstGeom>
-                <a:solidFill>
-                  <a:schemeClr val="bg1"/>
-                </a:solidFill>
-                <a:ln>
+              </p:grpSpPr>
+              <p:sp>
+                <p:nvSpPr>
+                  <p:cNvPr id="27" name="Rectángulo 26"/>
+                  <p:cNvSpPr/>
+                  <p:nvPr/>
+                </p:nvSpPr>
+                <p:spPr>
+                  <a:xfrm>
+                    <a:off x="-3513221" y="-2791326"/>
+                    <a:ext cx="19467095" cy="10144626"/>
+                  </a:xfrm>
+                  <a:prstGeom prst="rect">
+                    <a:avLst/>
+                  </a:prstGeom>
+                  <a:solidFill>
+                    <a:schemeClr val="bg1"/>
+                  </a:solidFill>
+                  <a:ln>
+                    <a:noFill/>
+                  </a:ln>
+                </p:spPr>
+                <p:style>
+                  <a:lnRef idx="2">
+                    <a:schemeClr val="accent1">
+                      <a:shade val="50000"/>
+                    </a:schemeClr>
+                  </a:lnRef>
+                  <a:fillRef idx="1">
+                    <a:schemeClr val="accent1"/>
+                  </a:fillRef>
+                  <a:effectRef idx="0">
+                    <a:schemeClr val="accent1"/>
+                  </a:effectRef>
+                  <a:fontRef idx="minor">
+                    <a:schemeClr val="lt1"/>
+                  </a:fontRef>
+                </p:style>
+                <p:txBody>
+                  <a:bodyPr rtlCol="0" anchor="ctr"/>
+                  <a:lstStyle/>
+                  <a:p>
+                    <a:pPr algn="ctr"/>
+                    <a:endParaRPr lang="es-ES"/>
+                  </a:p>
+                </p:txBody>
+              </p:sp>
+              <p:sp>
+                <p:nvSpPr>
+                  <p:cNvPr id="5" name="Decisión 4"/>
+                  <p:cNvSpPr/>
+                  <p:nvPr/>
+                </p:nvSpPr>
+                <p:spPr>
+                  <a:xfrm>
+                    <a:off x="-1265076" y="1700270"/>
+                    <a:ext cx="2205200" cy="1581874"/>
+                  </a:xfrm>
+                  <a:prstGeom prst="flowChartDecision">
+                    <a:avLst/>
+                  </a:prstGeom>
                   <a:noFill/>
-                </a:ln>
-              </p:spPr>
-              <p:style>
-                <a:lnRef idx="2">
-                  <a:schemeClr val="accent1">
-                    <a:shade val="50000"/>
-                  </a:schemeClr>
-                </a:lnRef>
-                <a:fillRef idx="1">
-                  <a:schemeClr val="accent1"/>
-                </a:fillRef>
-                <a:effectRef idx="0">
-                  <a:schemeClr val="accent1"/>
-                </a:effectRef>
-                <a:fontRef idx="minor">
-                  <a:schemeClr val="lt1"/>
-                </a:fontRef>
-              </p:style>
-              <p:txBody>
-                <a:bodyPr rtlCol="0" anchor="ctr"/>
-                <a:lstStyle/>
-                <a:p>
-                  <a:pPr algn="ctr"/>
-                  <a:endParaRPr lang="es-ES"/>
-                </a:p>
-              </p:txBody>
-            </p:sp>
-            <p:sp>
-              <p:nvSpPr>
-                <p:cNvPr id="5" name="Decisión 4"/>
-                <p:cNvSpPr/>
-                <p:nvPr/>
-              </p:nvSpPr>
-              <p:spPr>
-                <a:xfrm>
-                  <a:off x="-1265076" y="1700270"/>
-                  <a:ext cx="2205200" cy="1581874"/>
-                </a:xfrm>
-                <a:prstGeom prst="flowChartDecision">
-                  <a:avLst/>
-                </a:prstGeom>
-                <a:noFill/>
-                <a:ln w="38100">
-                  <a:solidFill>
-                    <a:srgbClr val="46DACC"/>
-                  </a:solidFill>
-                  <a:prstDash val="sysDot"/>
-                </a:ln>
-              </p:spPr>
-              <p:style>
-                <a:lnRef idx="2">
-                  <a:schemeClr val="accent1">
-                    <a:shade val="50000"/>
-                  </a:schemeClr>
-                </a:lnRef>
-                <a:fillRef idx="1">
-                  <a:schemeClr val="accent1"/>
-                </a:fillRef>
-                <a:effectRef idx="0">
-                  <a:schemeClr val="accent1"/>
-                </a:effectRef>
-                <a:fontRef idx="minor">
-                  <a:schemeClr val="lt1"/>
-                </a:fontRef>
-              </p:style>
-              <p:txBody>
-                <a:bodyPr lIns="0" tIns="0" rIns="0" bIns="0" rtlCol="0" anchor="ctr"/>
-                <a:lstStyle/>
-                <a:p>
-                  <a:pPr algn="ctr"/>
-                  <a:r>
-                    <a:rPr lang="es-ES" sz="1200" dirty="0" smtClean="0">
+                  <a:ln w="38100">
+                    <a:solidFill>
+                      <a:srgbClr val="46DACC"/>
+                    </a:solidFill>
+                    <a:prstDash val="sysDot"/>
+                  </a:ln>
+                </p:spPr>
+                <p:style>
+                  <a:lnRef idx="2">
+                    <a:schemeClr val="accent1">
+                      <a:shade val="50000"/>
+                    </a:schemeClr>
+                  </a:lnRef>
+                  <a:fillRef idx="1">
+                    <a:schemeClr val="accent1"/>
+                  </a:fillRef>
+                  <a:effectRef idx="0">
+                    <a:schemeClr val="accent1"/>
+                  </a:effectRef>
+                  <a:fontRef idx="minor">
+                    <a:schemeClr val="lt1"/>
+                  </a:fontRef>
+                </p:style>
+                <p:txBody>
+                  <a:bodyPr lIns="0" tIns="0" rIns="0" bIns="0" rtlCol="0" anchor="ctr"/>
+                  <a:lstStyle/>
+                  <a:p>
+                    <a:pPr algn="ctr"/>
+                    <a:r>
+                      <a:rPr lang="es-ES" sz="1200" dirty="0" smtClean="0">
+                        <a:solidFill>
+                          <a:schemeClr val="tx1">
+                            <a:lumMod val="65000"/>
+                            <a:lumOff val="35000"/>
+                          </a:schemeClr>
+                        </a:solidFill>
+                        <a:latin typeface="Arial Rounded MT Bold" panose="020F0704030504030204" pitchFamily="34" charset="0"/>
+                      </a:rPr>
+                      <a:t>CHECK</a:t>
+                    </a:r>
+                  </a:p>
+                  <a:p>
+                    <a:pPr algn="ctr"/>
+                    <a:r>
+                      <a:rPr lang="es-ES" sz="1200" dirty="0" smtClean="0">
+                        <a:solidFill>
+                          <a:schemeClr val="tx1">
+                            <a:lumMod val="65000"/>
+                            <a:lumOff val="35000"/>
+                          </a:schemeClr>
+                        </a:solidFill>
+                        <a:latin typeface="Arial Rounded MT Bold" panose="020F0704030504030204" pitchFamily="34" charset="0"/>
+                      </a:rPr>
+                      <a:t>#NEEDED_</a:t>
+                    </a:r>
+                  </a:p>
+                  <a:p>
+                    <a:pPr algn="ctr"/>
+                    <a:r>
+                      <a:rPr lang="es-ES" sz="1200" dirty="0" smtClean="0">
+                        <a:solidFill>
+                          <a:schemeClr val="tx1">
+                            <a:lumMod val="65000"/>
+                            <a:lumOff val="35000"/>
+                          </a:schemeClr>
+                        </a:solidFill>
+                        <a:latin typeface="Arial Rounded MT Bold" panose="020F0704030504030204" pitchFamily="34" charset="0"/>
+                      </a:rPr>
+                      <a:t>INGREDIENTS</a:t>
+                    </a:r>
+                    <a:endParaRPr lang="es-ES" sz="1200" dirty="0">
                       <a:solidFill>
                         <a:schemeClr val="tx1">
                           <a:lumMod val="65000"/>
@@ -6366,14 +6421,662 @@
                         </a:schemeClr>
                       </a:solidFill>
                       <a:latin typeface="Arial Rounded MT Bold" panose="020F0704030504030204" pitchFamily="34" charset="0"/>
-                    </a:rPr>
-                    <a:t>CHECK</a:t>
-                  </a:r>
-                </a:p>
-                <a:p>
-                  <a:pPr algn="ctr"/>
-                  <a:r>
-                    <a:rPr lang="es-ES" sz="1200" dirty="0" smtClean="0">
+                    </a:endParaRPr>
+                  </a:p>
+                </p:txBody>
+              </p:sp>
+              <p:sp>
+                <p:nvSpPr>
+                  <p:cNvPr id="7" name="Rectángulo redondeado 6"/>
+                  <p:cNvSpPr/>
+                  <p:nvPr/>
+                </p:nvSpPr>
+                <p:spPr>
+                  <a:xfrm>
+                    <a:off x="8952525" y="-332100"/>
+                    <a:ext cx="1440000" cy="1080000"/>
+                  </a:xfrm>
+                  <a:prstGeom prst="roundRect">
+                    <a:avLst/>
+                  </a:prstGeom>
+                  <a:noFill/>
+                  <a:ln w="38100">
+                    <a:solidFill>
+                      <a:srgbClr val="FFC000"/>
+                    </a:solidFill>
+                  </a:ln>
+                </p:spPr>
+                <p:style>
+                  <a:lnRef idx="2">
+                    <a:schemeClr val="accent1">
+                      <a:shade val="50000"/>
+                    </a:schemeClr>
+                  </a:lnRef>
+                  <a:fillRef idx="1">
+                    <a:schemeClr val="accent1"/>
+                  </a:fillRef>
+                  <a:effectRef idx="0">
+                    <a:schemeClr val="accent1"/>
+                  </a:effectRef>
+                  <a:fontRef idx="minor">
+                    <a:schemeClr val="lt1"/>
+                  </a:fontRef>
+                </p:style>
+                <p:txBody>
+                  <a:bodyPr lIns="0" tIns="0" rIns="0" bIns="0" rtlCol="0" anchor="ctr"/>
+                  <a:lstStyle/>
+                  <a:p>
+                    <a:pPr algn="ctr"/>
+                    <a:r>
+                      <a:rPr lang="es-ES" sz="1200" dirty="0">
+                        <a:solidFill>
+                          <a:schemeClr val="tx1">
+                            <a:lumMod val="75000"/>
+                            <a:lumOff val="25000"/>
+                          </a:schemeClr>
+                        </a:solidFill>
+                        <a:latin typeface="Arial Rounded MT Bold" panose="020F0704030504030204" pitchFamily="34" charset="0"/>
+                      </a:rPr>
+                      <a:t>GET </a:t>
+                    </a:r>
+                  </a:p>
+                  <a:p>
+                    <a:pPr algn="ctr"/>
+                    <a:r>
+                      <a:rPr lang="es-ES" sz="1200" dirty="0">
+                        <a:solidFill>
+                          <a:schemeClr val="tx1">
+                            <a:lumMod val="75000"/>
+                            <a:lumOff val="25000"/>
+                          </a:schemeClr>
+                        </a:solidFill>
+                        <a:latin typeface="Arial Rounded MT Bold" panose="020F0704030504030204" pitchFamily="34" charset="0"/>
+                      </a:rPr>
+                      <a:t>DATABASE SUMMARY</a:t>
+                    </a:r>
+                  </a:p>
+                </p:txBody>
+              </p:sp>
+              <p:cxnSp>
+                <p:nvCxnSpPr>
+                  <p:cNvPr id="13" name="Conector recto de flecha 12"/>
+                  <p:cNvCxnSpPr>
+                    <a:stCxn id="26" idx="6"/>
+                    <a:endCxn id="5" idx="1"/>
+                  </p:cNvCxnSpPr>
+                  <p:nvPr/>
+                </p:nvCxnSpPr>
+                <p:spPr>
+                  <a:xfrm flipV="1">
+                    <a:off x="-2017103" y="2491207"/>
+                    <a:ext cx="752027" cy="493"/>
+                  </a:xfrm>
+                  <a:prstGeom prst="straightConnector1">
+                    <a:avLst/>
+                  </a:prstGeom>
+                  <a:ln w="28575">
+                    <a:solidFill>
+                      <a:srgbClr val="7240F0"/>
+                    </a:solidFill>
+                    <a:tailEnd type="triangle" w="lg" len="lg"/>
+                  </a:ln>
+                </p:spPr>
+                <p:style>
+                  <a:lnRef idx="1">
+                    <a:schemeClr val="accent1"/>
+                  </a:lnRef>
+                  <a:fillRef idx="0">
+                    <a:schemeClr val="accent1"/>
+                  </a:fillRef>
+                  <a:effectRef idx="0">
+                    <a:schemeClr val="accent1"/>
+                  </a:effectRef>
+                  <a:fontRef idx="minor">
+                    <a:schemeClr val="tx1"/>
+                  </a:fontRef>
+                </p:style>
+              </p:cxnSp>
+              <p:cxnSp>
+                <p:nvCxnSpPr>
+                  <p:cNvPr id="15" name="Conector recto de flecha 14"/>
+                  <p:cNvCxnSpPr>
+                    <a:stCxn id="5" idx="3"/>
+                    <a:endCxn id="30" idx="1"/>
+                  </p:cNvCxnSpPr>
+                  <p:nvPr/>
+                </p:nvCxnSpPr>
+                <p:spPr>
+                  <a:xfrm>
+                    <a:off x="940124" y="2491207"/>
+                    <a:ext cx="2628522" cy="23815"/>
+                  </a:xfrm>
+                  <a:prstGeom prst="straightConnector1">
+                    <a:avLst/>
+                  </a:prstGeom>
+                  <a:ln w="28575" cmpd="sng">
+                    <a:solidFill>
+                      <a:srgbClr val="7240F0"/>
+                    </a:solidFill>
+                    <a:prstDash val="solid"/>
+                    <a:tailEnd type="triangle" w="lg" len="lg"/>
+                  </a:ln>
+                </p:spPr>
+                <p:style>
+                  <a:lnRef idx="1">
+                    <a:schemeClr val="accent1"/>
+                  </a:lnRef>
+                  <a:fillRef idx="0">
+                    <a:schemeClr val="accent1"/>
+                  </a:fillRef>
+                  <a:effectRef idx="0">
+                    <a:schemeClr val="accent1"/>
+                  </a:effectRef>
+                  <a:fontRef idx="minor">
+                    <a:schemeClr val="tx1"/>
+                  </a:fontRef>
+                </p:style>
+              </p:cxnSp>
+              <p:cxnSp>
+                <p:nvCxnSpPr>
+                  <p:cNvPr id="35" name="Conector recto de flecha 34"/>
+                  <p:cNvCxnSpPr>
+                    <a:stCxn id="44" idx="3"/>
+                  </p:cNvCxnSpPr>
+                  <p:nvPr/>
+                </p:nvCxnSpPr>
+                <p:spPr>
+                  <a:xfrm>
+                    <a:off x="7771895" y="5090366"/>
+                    <a:ext cx="3501733" cy="9335"/>
+                  </a:xfrm>
+                  <a:prstGeom prst="straightConnector1">
+                    <a:avLst/>
+                  </a:prstGeom>
+                  <a:ln w="28575">
+                    <a:solidFill>
+                      <a:srgbClr val="7240F0"/>
+                    </a:solidFill>
+                    <a:tailEnd type="triangle" w="lg" len="lg"/>
+                  </a:ln>
+                </p:spPr>
+                <p:style>
+                  <a:lnRef idx="1">
+                    <a:schemeClr val="accent1"/>
+                  </a:lnRef>
+                  <a:fillRef idx="0">
+                    <a:schemeClr val="accent1"/>
+                  </a:fillRef>
+                  <a:effectRef idx="0">
+                    <a:schemeClr val="accent1"/>
+                  </a:effectRef>
+                  <a:fontRef idx="minor">
+                    <a:schemeClr val="tx1"/>
+                  </a:fontRef>
+                </p:style>
+              </p:cxnSp>
+              <p:sp>
+                <p:nvSpPr>
+                  <p:cNvPr id="122" name="CuadroTexto 121"/>
+                  <p:cNvSpPr txBox="1"/>
+                  <p:nvPr/>
+                </p:nvSpPr>
+                <p:spPr>
+                  <a:xfrm>
+                    <a:off x="946967" y="2131704"/>
+                    <a:ext cx="475643" cy="369332"/>
+                  </a:xfrm>
+                  <a:prstGeom prst="rect">
+                    <a:avLst/>
+                  </a:prstGeom>
+                  <a:noFill/>
+                </p:spPr>
+                <p:txBody>
+                  <a:bodyPr wrap="none" rtlCol="0">
+                    <a:spAutoFit/>
+                  </a:bodyPr>
+                  <a:lstStyle/>
+                  <a:p>
+                    <a:r>
+                      <a:rPr lang="es-ES" b="1" dirty="0" smtClean="0">
+                        <a:solidFill>
+                          <a:srgbClr val="FF3300"/>
+                        </a:solidFill>
+                        <a:latin typeface="+mj-lt"/>
+                        <a:cs typeface="Aharoni" panose="02010803020104030203" pitchFamily="2" charset="-79"/>
+                      </a:rPr>
+                      <a:t>Yes</a:t>
+                    </a:r>
+                    <a:endParaRPr lang="es-ES" b="1" dirty="0">
+                      <a:solidFill>
+                        <a:srgbClr val="FF3300"/>
+                      </a:solidFill>
+                      <a:latin typeface="+mj-lt"/>
+                      <a:cs typeface="Aharoni" panose="02010803020104030203" pitchFamily="2" charset="-79"/>
+                    </a:endParaRPr>
+                  </a:p>
+                </p:txBody>
+              </p:sp>
+              <p:sp>
+                <p:nvSpPr>
+                  <p:cNvPr id="68" name="Rectángulo redondeado 67"/>
+                  <p:cNvSpPr/>
+                  <p:nvPr/>
+                </p:nvSpPr>
+                <p:spPr bwMode="auto">
+                  <a:xfrm>
+                    <a:off x="8952525" y="-2547019"/>
+                    <a:ext cx="1379397" cy="1304464"/>
+                  </a:xfrm>
+                  <a:prstGeom prst="roundRect">
+                    <a:avLst/>
+                  </a:prstGeom>
+                  <a:solidFill>
+                    <a:schemeClr val="bg1"/>
+                  </a:solidFill>
+                  <a:ln w="9525" cap="rnd" cmpd="sng" algn="ctr">
+                    <a:solidFill>
+                      <a:srgbClr val="00B050"/>
+                    </a:solidFill>
+                    <a:prstDash val="sysDot"/>
+                    <a:round/>
+                    <a:headEnd type="none" w="med" len="med"/>
+                    <a:tailEnd type="none" w="med" len="med"/>
+                  </a:ln>
+                  <a:effectLst/>
+                  <a:extLst/>
+                </p:spPr>
+                <p:txBody>
+                  <a:bodyPr vert="horz" wrap="none" lIns="45720" tIns="45720" rIns="45720" bIns="45720" numCol="1" rtlCol="0" anchor="ctr" anchorCtr="0" compatLnSpc="1">
+                    <a:prstTxWarp prst="textNoShape">
+                      <a:avLst/>
+                    </a:prstTxWarp>
+                  </a:bodyPr>
+                  <a:lstStyle/>
+                  <a:p>
+                    <a:pPr marL="0" marR="0" indent="0" algn="ctr" defTabSz="914400" rtl="0" eaLnBrk="1" fontAlgn="base" latinLnBrk="0" hangingPunct="1">
+                      <a:lnSpc>
+                        <a:spcPct val="100000"/>
+                      </a:lnSpc>
+                      <a:spcBef>
+                        <a:spcPct val="50000"/>
+                      </a:spcBef>
+                      <a:spcAft>
+                        <a:spcPct val="0"/>
+                      </a:spcAft>
+                      <a:buClrTx/>
+                      <a:buSzTx/>
+                      <a:buFontTx/>
+                      <a:buNone/>
+                      <a:tabLst/>
+                    </a:pPr>
+                    <a:endParaRPr kumimoji="0" lang="es-ES" sz="2000" b="0" i="0" u="none" strike="noStrike" cap="none" normalizeH="0" baseline="0" dirty="0" smtClean="0">
+                      <a:ln>
+                        <a:noFill/>
+                      </a:ln>
+                      <a:solidFill>
+                        <a:srgbClr val="00B050"/>
+                      </a:solidFill>
+                      <a:effectLst/>
+                      <a:latin typeface="Verdana" pitchFamily="34" charset="0"/>
+                    </a:endParaRPr>
+                  </a:p>
+                </p:txBody>
+              </p:sp>
+              <p:sp>
+                <p:nvSpPr>
+                  <p:cNvPr id="69" name="CuadroTexto 68"/>
+                  <p:cNvSpPr txBox="1"/>
+                  <p:nvPr/>
+                </p:nvSpPr>
+                <p:spPr>
+                  <a:xfrm>
+                    <a:off x="9251374" y="-2432343"/>
+                    <a:ext cx="838443" cy="276999"/>
+                  </a:xfrm>
+                  <a:prstGeom prst="rect">
+                    <a:avLst/>
+                  </a:prstGeom>
+                  <a:noFill/>
+                </p:spPr>
+                <p:txBody>
+                  <a:bodyPr wrap="square" rtlCol="0">
+                    <a:spAutoFit/>
+                  </a:bodyPr>
+                  <a:lstStyle/>
+                  <a:p>
+                    <a:r>
+                      <a:rPr lang="es-ES" sz="1200" b="1" dirty="0" smtClean="0">
+                        <a:solidFill>
+                          <a:srgbClr val="00B050"/>
+                        </a:solidFill>
+                      </a:rPr>
+                      <a:t>DATABASE</a:t>
+                    </a:r>
+                    <a:endParaRPr lang="es-ES" sz="1200" b="1" dirty="0">
+                      <a:solidFill>
+                        <a:srgbClr val="00B050"/>
+                      </a:solidFill>
+                    </a:endParaRPr>
+                  </a:p>
+                </p:txBody>
+              </p:sp>
+              <p:sp>
+                <p:nvSpPr>
+                  <p:cNvPr id="71" name="Flecha izquierda y derecha 70"/>
+                  <p:cNvSpPr/>
+                  <p:nvPr/>
+                </p:nvSpPr>
+                <p:spPr>
+                  <a:xfrm rot="16200000">
+                    <a:off x="9280456" y="-906882"/>
+                    <a:ext cx="720000" cy="212903"/>
+                  </a:xfrm>
+                  <a:prstGeom prst="leftRightArrow">
+                    <a:avLst/>
+                  </a:prstGeom>
+                  <a:solidFill>
+                    <a:schemeClr val="accent3">
+                      <a:lumMod val="60000"/>
+                      <a:lumOff val="40000"/>
+                    </a:schemeClr>
+                  </a:solidFill>
+                  <a:ln>
+                    <a:noFill/>
+                  </a:ln>
+                </p:spPr>
+                <p:style>
+                  <a:lnRef idx="2">
+                    <a:schemeClr val="accent1">
+                      <a:shade val="50000"/>
+                    </a:schemeClr>
+                  </a:lnRef>
+                  <a:fillRef idx="1">
+                    <a:schemeClr val="accent1"/>
+                  </a:fillRef>
+                  <a:effectRef idx="0">
+                    <a:schemeClr val="accent1"/>
+                  </a:effectRef>
+                  <a:fontRef idx="minor">
+                    <a:schemeClr val="lt1"/>
+                  </a:fontRef>
+                </p:style>
+                <p:txBody>
+                  <a:bodyPr rtlCol="0" anchor="ctr"/>
+                  <a:lstStyle/>
+                  <a:p>
+                    <a:pPr algn="ctr"/>
+                    <a:endParaRPr lang="es-ES"/>
+                  </a:p>
+                </p:txBody>
+              </p:sp>
+              <p:pic>
+                <p:nvPicPr>
+                  <p:cNvPr id="72" name="Imagen 71"/>
+                  <p:cNvPicPr>
+                    <a:picLocks noChangeAspect="1"/>
+                  </p:cNvPicPr>
+                  <p:nvPr/>
+                </p:nvPicPr>
+                <p:blipFill>
+                  <a:blip r:embed="rId2" cstate="print">
+                    <a:duotone>
+                      <a:schemeClr val="accent5">
+                        <a:shade val="45000"/>
+                        <a:satMod val="135000"/>
+                      </a:schemeClr>
+                      <a:prstClr val="white"/>
+                    </a:duotone>
+                    <a:extLst>
+                      <a:ext uri="{28A0092B-C50C-407E-A947-70E740481C1C}">
+                        <a14:useLocalDpi xmlns:a14="http://schemas.microsoft.com/office/drawing/2010/main" val="0"/>
+                      </a:ext>
+                    </a:extLst>
+                  </a:blip>
+                  <a:stretch>
+                    <a:fillRect/>
+                  </a:stretch>
+                </p:blipFill>
+                <p:spPr>
+                  <a:xfrm>
+                    <a:off x="9718030" y="-1965189"/>
+                    <a:ext cx="444124" cy="445566"/>
+                  </a:xfrm>
+                  <a:prstGeom prst="rect">
+                    <a:avLst/>
+                  </a:prstGeom>
+                </p:spPr>
+              </p:pic>
+              <p:pic>
+                <p:nvPicPr>
+                  <p:cNvPr id="74" name="Imagen 73"/>
+                  <p:cNvPicPr>
+                    <a:picLocks noChangeAspect="1"/>
+                  </p:cNvPicPr>
+                  <p:nvPr/>
+                </p:nvPicPr>
+                <p:blipFill>
+                  <a:blip r:embed="rId3" cstate="print">
+                    <a:extLst>
+                      <a:ext uri="{28A0092B-C50C-407E-A947-70E740481C1C}">
+                        <a14:useLocalDpi xmlns:a14="http://schemas.microsoft.com/office/drawing/2010/main" val="0"/>
+                      </a:ext>
+                    </a:extLst>
+                  </a:blip>
+                  <a:stretch>
+                    <a:fillRect/>
+                  </a:stretch>
+                </p:blipFill>
+                <p:spPr>
+                  <a:xfrm>
+                    <a:off x="9089582" y="-1990982"/>
+                    <a:ext cx="586509" cy="539588"/>
+                  </a:xfrm>
+                  <a:prstGeom prst="rect">
+                    <a:avLst/>
+                  </a:prstGeom>
+                </p:spPr>
+              </p:pic>
+              <p:sp>
+                <p:nvSpPr>
+                  <p:cNvPr id="18" name="CuadroTexto 17"/>
+                  <p:cNvSpPr txBox="1"/>
+                  <p:nvPr/>
+                </p:nvSpPr>
+                <p:spPr>
+                  <a:xfrm>
+                    <a:off x="929313" y="2593501"/>
+                    <a:ext cx="1584408" cy="584775"/>
+                  </a:xfrm>
+                  <a:prstGeom prst="rect">
+                    <a:avLst/>
+                  </a:prstGeom>
+                  <a:noFill/>
+                </p:spPr>
+                <p:txBody>
+                  <a:bodyPr wrap="none" rtlCol="0">
+                    <a:spAutoFit/>
+                  </a:bodyPr>
+                  <a:lstStyle/>
+                  <a:p>
+                    <a:r>
+                      <a:rPr lang="es-ES" sz="1600" dirty="0" smtClean="0">
+                        <a:solidFill>
+                          <a:schemeClr val="tx1">
+                            <a:lumMod val="50000"/>
+                            <a:lumOff val="50000"/>
+                          </a:schemeClr>
+                        </a:solidFill>
+                        <a:latin typeface="+mj-lt"/>
+                        <a:cs typeface="Aharoni" panose="02010803020104030203" pitchFamily="2" charset="-79"/>
+                      </a:rPr>
+                      <a:t>$</a:t>
+                    </a:r>
+                    <a:r>
+                      <a:rPr lang="es-ES" sz="1600" dirty="0" err="1" smtClean="0">
+                        <a:solidFill>
+                          <a:schemeClr val="tx1">
+                            <a:lumMod val="50000"/>
+                            <a:lumOff val="50000"/>
+                          </a:schemeClr>
+                        </a:solidFill>
+                        <a:latin typeface="+mj-lt"/>
+                        <a:cs typeface="Aharoni" panose="02010803020104030203" pitchFamily="2" charset="-79"/>
+                      </a:rPr>
+                      <a:t>counter</a:t>
+                    </a:r>
+                    <a:r>
+                      <a:rPr lang="es-ES" sz="1600" dirty="0" smtClean="0">
+                        <a:solidFill>
+                          <a:schemeClr val="tx1">
+                            <a:lumMod val="50000"/>
+                            <a:lumOff val="50000"/>
+                          </a:schemeClr>
+                        </a:solidFill>
+                        <a:latin typeface="+mj-lt"/>
+                        <a:cs typeface="Aharoni" panose="02010803020104030203" pitchFamily="2" charset="-79"/>
+                      </a:rPr>
+                      <a:t>=0</a:t>
+                    </a:r>
+                  </a:p>
+                  <a:p>
+                    <a:r>
+                      <a:rPr lang="es-ES" sz="1600" dirty="0" smtClean="0">
+                        <a:solidFill>
+                          <a:schemeClr val="tx1">
+                            <a:lumMod val="50000"/>
+                            <a:lumOff val="50000"/>
+                          </a:schemeClr>
+                        </a:solidFill>
+                        <a:latin typeface="+mj-lt"/>
+                        <a:cs typeface="Aharoni" panose="02010803020104030203" pitchFamily="2" charset="-79"/>
+                      </a:rPr>
+                      <a:t>$</a:t>
+                    </a:r>
+                    <a:r>
+                      <a:rPr lang="es-ES" sz="1600" dirty="0" err="1" smtClean="0">
+                        <a:solidFill>
+                          <a:schemeClr val="tx1">
+                            <a:lumMod val="50000"/>
+                            <a:lumOff val="50000"/>
+                          </a:schemeClr>
+                        </a:solidFill>
+                        <a:latin typeface="+mj-lt"/>
+                        <a:cs typeface="Aharoni" panose="02010803020104030203" pitchFamily="2" charset="-79"/>
+                      </a:rPr>
+                      <a:t>Summary</a:t>
+                    </a:r>
+                    <a:r>
+                      <a:rPr lang="es-ES" sz="1600" dirty="0" smtClean="0">
+                        <a:solidFill>
+                          <a:schemeClr val="tx1">
+                            <a:lumMod val="50000"/>
+                            <a:lumOff val="50000"/>
+                          </a:schemeClr>
+                        </a:solidFill>
+                        <a:latin typeface="+mj-lt"/>
+                        <a:cs typeface="Aharoni" panose="02010803020104030203" pitchFamily="2" charset="-79"/>
+                      </a:rPr>
+                      <a:t>=False</a:t>
+                    </a:r>
+                    <a:endParaRPr lang="es-ES" sz="1600" dirty="0">
+                      <a:solidFill>
+                        <a:schemeClr val="tx1">
+                          <a:lumMod val="50000"/>
+                          <a:lumOff val="50000"/>
+                        </a:schemeClr>
+                      </a:solidFill>
+                      <a:latin typeface="+mj-lt"/>
+                      <a:cs typeface="Aharoni" panose="02010803020104030203" pitchFamily="2" charset="-79"/>
+                    </a:endParaRPr>
+                  </a:p>
+                </p:txBody>
+              </p:sp>
+              <p:sp>
+                <p:nvSpPr>
+                  <p:cNvPr id="24" name="Decisión 23"/>
+                  <p:cNvSpPr/>
+                  <p:nvPr/>
+                </p:nvSpPr>
+                <p:spPr>
+                  <a:xfrm>
+                    <a:off x="5712541" y="1771364"/>
+                    <a:ext cx="2222223" cy="1440673"/>
+                  </a:xfrm>
+                  <a:prstGeom prst="flowChartDecision">
+                    <a:avLst/>
+                  </a:prstGeom>
+                  <a:noFill/>
+                  <a:ln w="38100">
+                    <a:solidFill>
+                      <a:srgbClr val="46DACC"/>
+                    </a:solidFill>
+                    <a:prstDash val="sysDot"/>
+                  </a:ln>
+                </p:spPr>
+                <p:style>
+                  <a:lnRef idx="2">
+                    <a:schemeClr val="accent1">
+                      <a:shade val="50000"/>
+                    </a:schemeClr>
+                  </a:lnRef>
+                  <a:fillRef idx="1">
+                    <a:schemeClr val="accent1"/>
+                  </a:fillRef>
+                  <a:effectRef idx="0">
+                    <a:schemeClr val="accent1"/>
+                  </a:effectRef>
+                  <a:fontRef idx="minor">
+                    <a:schemeClr val="lt1"/>
+                  </a:fontRef>
+                </p:style>
+                <p:txBody>
+                  <a:bodyPr lIns="0" tIns="0" rIns="0" bIns="0" rtlCol="0" anchor="ctr"/>
+                  <a:lstStyle/>
+                  <a:p>
+                    <a:pPr algn="ctr"/>
+                    <a:r>
+                      <a:rPr lang="es-ES" sz="1200" dirty="0" smtClean="0">
+                        <a:solidFill>
+                          <a:schemeClr val="tx1">
+                            <a:lumMod val="65000"/>
+                            <a:lumOff val="35000"/>
+                          </a:schemeClr>
+                        </a:solidFill>
+                        <a:latin typeface="Arial Rounded MT Bold" panose="020F0704030504030204" pitchFamily="34" charset="0"/>
+                      </a:rPr>
+                      <a:t>CHECK</a:t>
+                    </a:r>
+                  </a:p>
+                  <a:p>
+                    <a:pPr algn="ctr"/>
+                    <a:r>
+                      <a:rPr lang="es-ES" sz="1200" dirty="0" smtClean="0">
+                        <a:solidFill>
+                          <a:schemeClr val="tx1">
+                            <a:lumMod val="65000"/>
+                            <a:lumOff val="35000"/>
+                          </a:schemeClr>
+                        </a:solidFill>
+                        <a:latin typeface="Arial Rounded MT Bold" panose="020F0704030504030204" pitchFamily="34" charset="0"/>
+                      </a:rPr>
+                      <a:t>@RESPONSE_</a:t>
+                    </a:r>
+                  </a:p>
+                  <a:p>
+                    <a:pPr algn="ctr"/>
+                    <a:r>
+                      <a:rPr lang="es-ES" sz="1200" dirty="0" smtClean="0">
+                        <a:solidFill>
+                          <a:schemeClr val="tx1">
+                            <a:lumMod val="65000"/>
+                            <a:lumOff val="35000"/>
+                          </a:schemeClr>
+                        </a:solidFill>
+                        <a:latin typeface="Arial Rounded MT Bold" panose="020F0704030504030204" pitchFamily="34" charset="0"/>
+                      </a:rPr>
+                      <a:t>TYPES</a:t>
+                    </a:r>
+                    <a:endParaRPr lang="es-ES" sz="1200" dirty="0">
                       <a:solidFill>
                         <a:schemeClr val="tx1">
                           <a:lumMod val="65000"/>
@@ -6381,14 +7084,721 @@
                         </a:schemeClr>
                       </a:solidFill>
                       <a:latin typeface="Arial Rounded MT Bold" panose="020F0704030504030204" pitchFamily="34" charset="0"/>
-                    </a:rPr>
-                    <a:t>#NEEDED_</a:t>
-                  </a:r>
-                </a:p>
-                <a:p>
-                  <a:pPr algn="ctr"/>
-                  <a:r>
-                    <a:rPr lang="es-ES" sz="1200" dirty="0" smtClean="0">
+                    </a:endParaRPr>
+                  </a:p>
+                </p:txBody>
+              </p:sp>
+              <p:sp>
+                <p:nvSpPr>
+                  <p:cNvPr id="26" name="Elipse 25"/>
+                  <p:cNvSpPr/>
+                  <p:nvPr/>
+                </p:nvSpPr>
+                <p:spPr>
+                  <a:xfrm>
+                    <a:off x="-3277103" y="1987700"/>
+                    <a:ext cx="1260000" cy="1008000"/>
+                  </a:xfrm>
+                  <a:prstGeom prst="ellipse">
+                    <a:avLst/>
+                  </a:prstGeom>
+                  <a:noFill/>
+                  <a:ln w="76200">
+                    <a:solidFill>
+                      <a:srgbClr val="46DACC"/>
+                    </a:solidFill>
+                  </a:ln>
+                </p:spPr>
+                <p:style>
+                  <a:lnRef idx="2">
+                    <a:schemeClr val="accent1">
+                      <a:shade val="50000"/>
+                    </a:schemeClr>
+                  </a:lnRef>
+                  <a:fillRef idx="1">
+                    <a:schemeClr val="accent1"/>
+                  </a:fillRef>
+                  <a:effectRef idx="0">
+                    <a:schemeClr val="accent1"/>
+                  </a:effectRef>
+                  <a:fontRef idx="minor">
+                    <a:schemeClr val="lt1"/>
+                  </a:fontRef>
+                </p:style>
+                <p:txBody>
+                  <a:bodyPr lIns="0" tIns="0" rIns="0" bIns="0" rtlCol="0" anchor="ctr"/>
+                  <a:lstStyle/>
+                  <a:p>
+                    <a:pPr algn="ctr"/>
+                    <a:r>
+                      <a:rPr lang="es-ES" sz="1600" dirty="0" smtClean="0">
+                        <a:solidFill>
+                          <a:schemeClr val="tx1">
+                            <a:lumMod val="75000"/>
+                            <a:lumOff val="25000"/>
+                          </a:schemeClr>
+                        </a:solidFill>
+                        <a:latin typeface="Arial Rounded MT Bold" panose="020F0704030504030204" pitchFamily="34" charset="0"/>
+                      </a:rPr>
+                      <a:t>START</a:t>
+                    </a:r>
+                    <a:endParaRPr lang="es-ES" sz="1200" dirty="0">
+                      <a:solidFill>
+                        <a:schemeClr val="tx1">
+                          <a:lumMod val="75000"/>
+                          <a:lumOff val="25000"/>
+                        </a:schemeClr>
+                      </a:solidFill>
+                      <a:latin typeface="Arial Rounded MT Bold" panose="020F0704030504030204" pitchFamily="34" charset="0"/>
+                    </a:endParaRPr>
+                  </a:p>
+                </p:txBody>
+              </p:sp>
+              <p:sp>
+                <p:nvSpPr>
+                  <p:cNvPr id="28" name="Elipse 27"/>
+                  <p:cNvSpPr/>
+                  <p:nvPr/>
+                </p:nvSpPr>
+                <p:spPr>
+                  <a:xfrm>
+                    <a:off x="13260244" y="1966578"/>
+                    <a:ext cx="1260000" cy="1008823"/>
+                  </a:xfrm>
+                  <a:prstGeom prst="ellipse">
+                    <a:avLst/>
+                  </a:prstGeom>
+                  <a:noFill/>
+                  <a:ln w="76200">
+                    <a:solidFill>
+                      <a:srgbClr val="46DACC"/>
+                    </a:solidFill>
+                  </a:ln>
+                </p:spPr>
+                <p:style>
+                  <a:lnRef idx="2">
+                    <a:schemeClr val="accent1">
+                      <a:shade val="50000"/>
+                    </a:schemeClr>
+                  </a:lnRef>
+                  <a:fillRef idx="1">
+                    <a:schemeClr val="accent1"/>
+                  </a:fillRef>
+                  <a:effectRef idx="0">
+                    <a:schemeClr val="accent1"/>
+                  </a:effectRef>
+                  <a:fontRef idx="minor">
+                    <a:schemeClr val="lt1"/>
+                  </a:fontRef>
+                </p:style>
+                <p:txBody>
+                  <a:bodyPr lIns="0" tIns="0" rIns="0" bIns="0" rtlCol="0" anchor="ctr"/>
+                  <a:lstStyle/>
+                  <a:p>
+                    <a:pPr algn="ctr"/>
+                    <a:r>
+                      <a:rPr lang="es-ES" sz="1600" dirty="0" smtClean="0">
+                        <a:solidFill>
+                          <a:schemeClr val="tx1">
+                            <a:lumMod val="75000"/>
+                            <a:lumOff val="25000"/>
+                          </a:schemeClr>
+                        </a:solidFill>
+                        <a:latin typeface="Arial Rounded MT Bold" panose="020F0704030504030204" pitchFamily="34" charset="0"/>
+                      </a:rPr>
+                      <a:t>END</a:t>
+                    </a:r>
+                    <a:endParaRPr lang="es-ES" sz="1200" dirty="0">
+                      <a:solidFill>
+                        <a:schemeClr val="tx1">
+                          <a:lumMod val="75000"/>
+                          <a:lumOff val="25000"/>
+                        </a:schemeClr>
+                      </a:solidFill>
+                      <a:latin typeface="Arial Rounded MT Bold" panose="020F0704030504030204" pitchFamily="34" charset="0"/>
+                    </a:endParaRPr>
+                  </a:p>
+                </p:txBody>
+              </p:sp>
+              <p:cxnSp>
+                <p:nvCxnSpPr>
+                  <p:cNvPr id="36" name="Conector recto de flecha 35"/>
+                  <p:cNvCxnSpPr>
+                    <a:stCxn id="24" idx="2"/>
+                    <a:endCxn id="44" idx="0"/>
+                  </p:cNvCxnSpPr>
+                  <p:nvPr/>
+                </p:nvCxnSpPr>
+                <p:spPr>
+                  <a:xfrm>
+                    <a:off x="6823653" y="3212037"/>
+                    <a:ext cx="0" cy="1134956"/>
+                  </a:xfrm>
+                  <a:prstGeom prst="straightConnector1">
+                    <a:avLst/>
+                  </a:prstGeom>
+                  <a:ln w="28575">
+                    <a:solidFill>
+                      <a:srgbClr val="7240F0"/>
+                    </a:solidFill>
+                    <a:tailEnd type="triangle" w="lg" len="lg"/>
+                  </a:ln>
+                </p:spPr>
+                <p:style>
+                  <a:lnRef idx="1">
+                    <a:schemeClr val="accent1"/>
+                  </a:lnRef>
+                  <a:fillRef idx="0">
+                    <a:schemeClr val="accent1"/>
+                  </a:fillRef>
+                  <a:effectRef idx="0">
+                    <a:schemeClr val="accent1"/>
+                  </a:effectRef>
+                  <a:fontRef idx="minor">
+                    <a:schemeClr val="tx1"/>
+                  </a:fontRef>
+                </p:style>
+              </p:cxnSp>
+              <p:sp>
+                <p:nvSpPr>
+                  <p:cNvPr id="37" name="CuadroTexto 36"/>
+                  <p:cNvSpPr txBox="1"/>
+                  <p:nvPr/>
+                </p:nvSpPr>
+                <p:spPr>
+                  <a:xfrm>
+                    <a:off x="6931077" y="3321311"/>
+                    <a:ext cx="1055545" cy="369332"/>
+                  </a:xfrm>
+                  <a:prstGeom prst="rect">
+                    <a:avLst/>
+                  </a:prstGeom>
+                  <a:noFill/>
+                </p:spPr>
+                <p:txBody>
+                  <a:bodyPr wrap="none" rtlCol="0">
+                    <a:spAutoFit/>
+                  </a:bodyPr>
+                  <a:lstStyle/>
+                  <a:p>
+                    <a:r>
+                      <a:rPr lang="es-ES" b="1" dirty="0" err="1" smtClean="0">
+                        <a:solidFill>
+                          <a:srgbClr val="FF3300"/>
+                        </a:solidFill>
+                        <a:latin typeface="+mj-lt"/>
+                        <a:cs typeface="Aharoni" panose="02010803020104030203" pitchFamily="2" charset="-79"/>
+                      </a:rPr>
+                      <a:t>Unknown</a:t>
+                    </a:r>
+                    <a:endParaRPr lang="es-ES" b="1" dirty="0">
+                      <a:solidFill>
+                        <a:srgbClr val="FF3300"/>
+                      </a:solidFill>
+                      <a:latin typeface="+mj-lt"/>
+                      <a:cs typeface="Aharoni" panose="02010803020104030203" pitchFamily="2" charset="-79"/>
+                    </a:endParaRPr>
+                  </a:p>
+                </p:txBody>
+              </p:sp>
+              <p:sp>
+                <p:nvSpPr>
+                  <p:cNvPr id="38" name="CuadroTexto 37"/>
+                  <p:cNvSpPr txBox="1"/>
+                  <p:nvPr/>
+                </p:nvSpPr>
+                <p:spPr>
+                  <a:xfrm>
+                    <a:off x="6355040" y="1378743"/>
+                    <a:ext cx="475643" cy="369332"/>
+                  </a:xfrm>
+                  <a:prstGeom prst="rect">
+                    <a:avLst/>
+                  </a:prstGeom>
+                  <a:noFill/>
+                </p:spPr>
+                <p:txBody>
+                  <a:bodyPr wrap="none" rtlCol="0">
+                    <a:spAutoFit/>
+                  </a:bodyPr>
+                  <a:lstStyle/>
+                  <a:p>
+                    <a:r>
+                      <a:rPr lang="es-ES" b="1" dirty="0" smtClean="0">
+                        <a:solidFill>
+                          <a:srgbClr val="FF3300"/>
+                        </a:solidFill>
+                        <a:latin typeface="+mj-lt"/>
+                        <a:cs typeface="Aharoni" panose="02010803020104030203" pitchFamily="2" charset="-79"/>
+                      </a:rPr>
+                      <a:t>Yes</a:t>
+                    </a:r>
+                    <a:endParaRPr lang="es-ES" b="1" dirty="0">
+                      <a:solidFill>
+                        <a:srgbClr val="FF3300"/>
+                      </a:solidFill>
+                      <a:latin typeface="+mj-lt"/>
+                      <a:cs typeface="Aharoni" panose="02010803020104030203" pitchFamily="2" charset="-79"/>
+                    </a:endParaRPr>
+                  </a:p>
+                </p:txBody>
+              </p:sp>
+              <p:cxnSp>
+                <p:nvCxnSpPr>
+                  <p:cNvPr id="39" name="Conector recto de flecha 38"/>
+                  <p:cNvCxnSpPr>
+                    <a:stCxn id="24" idx="3"/>
+                    <a:endCxn id="77" idx="1"/>
+                  </p:cNvCxnSpPr>
+                  <p:nvPr/>
+                </p:nvCxnSpPr>
+                <p:spPr>
+                  <a:xfrm flipV="1">
+                    <a:off x="7934764" y="2491208"/>
+                    <a:ext cx="2742048" cy="493"/>
+                  </a:xfrm>
+                  <a:prstGeom prst="straightConnector1">
+                    <a:avLst/>
+                  </a:prstGeom>
+                  <a:ln w="28575">
+                    <a:solidFill>
+                      <a:srgbClr val="7240F0"/>
+                    </a:solidFill>
+                    <a:tailEnd type="triangle" w="lg" len="lg"/>
+                  </a:ln>
+                </p:spPr>
+                <p:style>
+                  <a:lnRef idx="1">
+                    <a:schemeClr val="accent1"/>
+                  </a:lnRef>
+                  <a:fillRef idx="0">
+                    <a:schemeClr val="accent1"/>
+                  </a:fillRef>
+                  <a:effectRef idx="0">
+                    <a:schemeClr val="accent1"/>
+                  </a:effectRef>
+                  <a:fontRef idx="minor">
+                    <a:schemeClr val="tx1"/>
+                  </a:fontRef>
+                </p:style>
+              </p:cxnSp>
+              <p:cxnSp>
+                <p:nvCxnSpPr>
+                  <p:cNvPr id="57" name="Conector recto de flecha 56"/>
+                  <p:cNvCxnSpPr>
+                    <a:stCxn id="7" idx="3"/>
+                  </p:cNvCxnSpPr>
+                  <p:nvPr/>
+                </p:nvCxnSpPr>
+                <p:spPr>
+                  <a:xfrm flipV="1">
+                    <a:off x="10392525" y="188204"/>
+                    <a:ext cx="3443215" cy="19696"/>
+                  </a:xfrm>
+                  <a:prstGeom prst="straightConnector1">
+                    <a:avLst/>
+                  </a:prstGeom>
+                  <a:ln w="28575">
+                    <a:solidFill>
+                      <a:srgbClr val="7240F0"/>
+                    </a:solidFill>
+                    <a:tailEnd type="triangle" w="lg" len="lg"/>
+                  </a:ln>
+                </p:spPr>
+                <p:style>
+                  <a:lnRef idx="1">
+                    <a:schemeClr val="accent1"/>
+                  </a:lnRef>
+                  <a:fillRef idx="0">
+                    <a:schemeClr val="accent1"/>
+                  </a:fillRef>
+                  <a:effectRef idx="0">
+                    <a:schemeClr val="accent1"/>
+                  </a:effectRef>
+                  <a:fontRef idx="minor">
+                    <a:schemeClr val="tx1"/>
+                  </a:fontRef>
+                </p:style>
+              </p:cxnSp>
+              <p:sp>
+                <p:nvSpPr>
+                  <p:cNvPr id="92" name="Rectángulo redondeado 91"/>
+                  <p:cNvSpPr/>
+                  <p:nvPr/>
+                </p:nvSpPr>
+                <p:spPr>
+                  <a:xfrm>
+                    <a:off x="-1612232" y="-802159"/>
+                    <a:ext cx="14076949" cy="1804437"/>
+                  </a:xfrm>
+                  <a:prstGeom prst="roundRect">
+                    <a:avLst>
+                      <a:gd name="adj" fmla="val 3452"/>
+                    </a:avLst>
+                  </a:prstGeom>
+                  <a:noFill/>
+                  <a:ln>
+                    <a:solidFill>
+                      <a:schemeClr val="bg1">
+                        <a:lumMod val="75000"/>
+                      </a:schemeClr>
+                    </a:solidFill>
+                    <a:prstDash val="sysDash"/>
+                  </a:ln>
+                </p:spPr>
+                <p:style>
+                  <a:lnRef idx="2">
+                    <a:schemeClr val="accent1">
+                      <a:shade val="50000"/>
+                    </a:schemeClr>
+                  </a:lnRef>
+                  <a:fillRef idx="1">
+                    <a:schemeClr val="accent1"/>
+                  </a:fillRef>
+                  <a:effectRef idx="0">
+                    <a:schemeClr val="accent1"/>
+                  </a:effectRef>
+                  <a:fontRef idx="minor">
+                    <a:schemeClr val="lt1"/>
+                  </a:fontRef>
+                </p:style>
+                <p:txBody>
+                  <a:bodyPr rtlCol="0" anchor="ctr"/>
+                  <a:lstStyle/>
+                  <a:p>
+                    <a:pPr algn="ctr"/>
+                    <a:endParaRPr lang="es-ES"/>
+                  </a:p>
+                </p:txBody>
+              </p:sp>
+              <p:sp>
+                <p:nvSpPr>
+                  <p:cNvPr id="93" name="CuadroTexto 92"/>
+                  <p:cNvSpPr txBox="1"/>
+                  <p:nvPr/>
+                </p:nvSpPr>
+                <p:spPr>
+                  <a:xfrm>
+                    <a:off x="-1293089" y="6100379"/>
+                    <a:ext cx="3039200" cy="338554"/>
+                  </a:xfrm>
+                  <a:prstGeom prst="rect">
+                    <a:avLst/>
+                  </a:prstGeom>
+                  <a:noFill/>
+                </p:spPr>
+                <p:txBody>
+                  <a:bodyPr wrap="square" rtlCol="0">
+                    <a:spAutoFit/>
+                  </a:bodyPr>
+                  <a:lstStyle/>
+                  <a:p>
+                    <a:r>
+                      <a:rPr lang="es-ES" sz="1600" b="1" dirty="0" smtClean="0">
+                        <a:solidFill>
+                          <a:schemeClr val="tx1">
+                            <a:lumMod val="50000"/>
+                            <a:lumOff val="50000"/>
+                          </a:schemeClr>
+                        </a:solidFill>
+                        <a:latin typeface="Arial Rounded MT Bold" panose="020F0704030504030204" pitchFamily="34" charset="0"/>
+                        <a:cs typeface="Aharoni" panose="02010803020104030203" pitchFamily="2" charset="-79"/>
+                      </a:rPr>
+                      <a:t>WATSON CONVERSATION</a:t>
+                    </a:r>
+                    <a:endParaRPr lang="es-ES" sz="1600" b="1" dirty="0">
+                      <a:solidFill>
+                        <a:schemeClr val="tx1">
+                          <a:lumMod val="50000"/>
+                          <a:lumOff val="50000"/>
+                        </a:schemeClr>
+                      </a:solidFill>
+                      <a:latin typeface="Arial Rounded MT Bold" panose="020F0704030504030204" pitchFamily="34" charset="0"/>
+                      <a:cs typeface="Aharoni" panose="02010803020104030203" pitchFamily="2" charset="-79"/>
+                    </a:endParaRPr>
+                  </a:p>
+                </p:txBody>
+              </p:sp>
+              <p:sp>
+                <p:nvSpPr>
+                  <p:cNvPr id="98" name="Rectángulo redondeado 97"/>
+                  <p:cNvSpPr/>
+                  <p:nvPr/>
+                </p:nvSpPr>
+                <p:spPr>
+                  <a:xfrm>
+                    <a:off x="-1612232" y="1279632"/>
+                    <a:ext cx="14076949" cy="5377842"/>
+                  </a:xfrm>
+                  <a:prstGeom prst="roundRect">
+                    <a:avLst>
+                      <a:gd name="adj" fmla="val 3452"/>
+                    </a:avLst>
+                  </a:prstGeom>
+                  <a:noFill/>
+                  <a:ln>
+                    <a:solidFill>
+                      <a:schemeClr val="bg1">
+                        <a:lumMod val="75000"/>
+                      </a:schemeClr>
+                    </a:solidFill>
+                    <a:prstDash val="sysDash"/>
+                  </a:ln>
+                </p:spPr>
+                <p:style>
+                  <a:lnRef idx="2">
+                    <a:schemeClr val="accent1">
+                      <a:shade val="50000"/>
+                    </a:schemeClr>
+                  </a:lnRef>
+                  <a:fillRef idx="1">
+                    <a:schemeClr val="accent1"/>
+                  </a:fillRef>
+                  <a:effectRef idx="0">
+                    <a:schemeClr val="accent1"/>
+                  </a:effectRef>
+                  <a:fontRef idx="minor">
+                    <a:schemeClr val="lt1"/>
+                  </a:fontRef>
+                </p:style>
+                <p:txBody>
+                  <a:bodyPr rtlCol="0" anchor="ctr"/>
+                  <a:lstStyle/>
+                  <a:p>
+                    <a:pPr algn="ctr"/>
+                    <a:endParaRPr lang="es-ES"/>
+                  </a:p>
+                </p:txBody>
+              </p:sp>
+              <p:sp>
+                <p:nvSpPr>
+                  <p:cNvPr id="99" name="CuadroTexto 98"/>
+                  <p:cNvSpPr txBox="1"/>
+                  <p:nvPr/>
+                </p:nvSpPr>
+                <p:spPr>
+                  <a:xfrm>
+                    <a:off x="-1265076" y="-603844"/>
+                    <a:ext cx="2983174" cy="338554"/>
+                  </a:xfrm>
+                  <a:prstGeom prst="rect">
+                    <a:avLst/>
+                  </a:prstGeom>
+                  <a:noFill/>
+                </p:spPr>
+                <p:txBody>
+                  <a:bodyPr wrap="square" rtlCol="0">
+                    <a:spAutoFit/>
+                  </a:bodyPr>
+                  <a:lstStyle/>
+                  <a:p>
+                    <a:r>
+                      <a:rPr lang="es-ES" sz="1600" b="1" dirty="0" smtClean="0">
+                        <a:solidFill>
+                          <a:schemeClr val="tx1">
+                            <a:lumMod val="50000"/>
+                            <a:lumOff val="50000"/>
+                          </a:schemeClr>
+                        </a:solidFill>
+                        <a:latin typeface="Arial Rounded MT Bold" panose="020F0704030504030204" pitchFamily="34" charset="0"/>
+                        <a:cs typeface="Aharoni" panose="02010803020104030203" pitchFamily="2" charset="-79"/>
+                      </a:rPr>
+                      <a:t>ORCHESTRATION ENGINE</a:t>
+                    </a:r>
+                    <a:endParaRPr lang="es-ES" sz="1600" b="1" dirty="0">
+                      <a:solidFill>
+                        <a:schemeClr val="tx1">
+                          <a:lumMod val="50000"/>
+                          <a:lumOff val="50000"/>
+                        </a:schemeClr>
+                      </a:solidFill>
+                      <a:latin typeface="Arial Rounded MT Bold" panose="020F0704030504030204" pitchFamily="34" charset="0"/>
+                      <a:cs typeface="Aharoni" panose="02010803020104030203" pitchFamily="2" charset="-79"/>
+                    </a:endParaRPr>
+                  </a:p>
+                </p:txBody>
+              </p:sp>
+              <p:cxnSp>
+                <p:nvCxnSpPr>
+                  <p:cNvPr id="34" name="Conector recto de flecha 33"/>
+                  <p:cNvCxnSpPr/>
+                  <p:nvPr/>
+                </p:nvCxnSpPr>
+                <p:spPr>
+                  <a:xfrm flipH="1" flipV="1">
+                    <a:off x="2812129" y="2501036"/>
+                    <a:ext cx="4490" cy="2589329"/>
+                  </a:xfrm>
+                  <a:prstGeom prst="straightConnector1">
+                    <a:avLst/>
+                  </a:prstGeom>
+                  <a:ln w="28575">
+                    <a:solidFill>
+                      <a:srgbClr val="7240F0"/>
+                    </a:solidFill>
+                    <a:tailEnd type="triangle" w="lg" len="lg"/>
+                  </a:ln>
+                </p:spPr>
+                <p:style>
+                  <a:lnRef idx="1">
+                    <a:schemeClr val="accent1"/>
+                  </a:lnRef>
+                  <a:fillRef idx="0">
+                    <a:schemeClr val="accent1"/>
+                  </a:fillRef>
+                  <a:effectRef idx="0">
+                    <a:schemeClr val="accent1"/>
+                  </a:effectRef>
+                  <a:fontRef idx="minor">
+                    <a:schemeClr val="tx1"/>
+                  </a:fontRef>
+                </p:style>
+              </p:cxnSp>
+              <p:cxnSp>
+                <p:nvCxnSpPr>
+                  <p:cNvPr id="40" name="Conector recto de flecha 39"/>
+                  <p:cNvCxnSpPr>
+                    <a:stCxn id="44" idx="1"/>
+                  </p:cNvCxnSpPr>
+                  <p:nvPr/>
+                </p:nvCxnSpPr>
+                <p:spPr>
+                  <a:xfrm flipH="1">
+                    <a:off x="2812129" y="5090366"/>
+                    <a:ext cx="3063281" cy="9335"/>
+                  </a:xfrm>
+                  <a:prstGeom prst="straightConnector1">
+                    <a:avLst/>
+                  </a:prstGeom>
+                  <a:ln w="28575">
+                    <a:solidFill>
+                      <a:srgbClr val="7240F0"/>
+                    </a:solidFill>
+                    <a:tailEnd type="triangle" w="lg" len="lg"/>
+                  </a:ln>
+                </p:spPr>
+                <p:style>
+                  <a:lnRef idx="1">
+                    <a:schemeClr val="accent1"/>
+                  </a:lnRef>
+                  <a:fillRef idx="0">
+                    <a:schemeClr val="accent1"/>
+                  </a:fillRef>
+                  <a:effectRef idx="0">
+                    <a:schemeClr val="accent1"/>
+                  </a:effectRef>
+                  <a:fontRef idx="minor">
+                    <a:schemeClr val="tx1"/>
+                  </a:fontRef>
+                </p:style>
+              </p:cxnSp>
+              <p:cxnSp>
+                <p:nvCxnSpPr>
+                  <p:cNvPr id="41" name="Conector recto de flecha 40"/>
+                  <p:cNvCxnSpPr/>
+                  <p:nvPr/>
+                </p:nvCxnSpPr>
+                <p:spPr>
+                  <a:xfrm flipH="1" flipV="1">
+                    <a:off x="6823653" y="205947"/>
+                    <a:ext cx="7030" cy="1565417"/>
+                  </a:xfrm>
+                  <a:prstGeom prst="straightConnector1">
+                    <a:avLst/>
+                  </a:prstGeom>
+                  <a:ln w="28575">
+                    <a:solidFill>
+                      <a:srgbClr val="7240F0"/>
+                    </a:solidFill>
+                    <a:tailEnd type="triangle" w="lg" len="lg"/>
+                  </a:ln>
+                </p:spPr>
+                <p:style>
+                  <a:lnRef idx="1">
+                    <a:schemeClr val="accent1"/>
+                  </a:lnRef>
+                  <a:fillRef idx="0">
+                    <a:schemeClr val="accent1"/>
+                  </a:fillRef>
+                  <a:effectRef idx="0">
+                    <a:schemeClr val="accent1"/>
+                  </a:effectRef>
+                  <a:fontRef idx="minor">
+                    <a:schemeClr val="tx1"/>
+                  </a:fontRef>
+                </p:style>
+              </p:cxnSp>
+              <p:sp>
+                <p:nvSpPr>
+                  <p:cNvPr id="44" name="Decisión 43"/>
+                  <p:cNvSpPr/>
+                  <p:nvPr/>
+                </p:nvSpPr>
+                <p:spPr>
+                  <a:xfrm>
+                    <a:off x="5875410" y="4346993"/>
+                    <a:ext cx="1896485" cy="1486745"/>
+                  </a:xfrm>
+                  <a:prstGeom prst="flowChartDecision">
+                    <a:avLst/>
+                  </a:prstGeom>
+                  <a:noFill/>
+                  <a:ln w="38100">
+                    <a:solidFill>
+                      <a:srgbClr val="46DACC"/>
+                    </a:solidFill>
+                    <a:prstDash val="sysDot"/>
+                  </a:ln>
+                </p:spPr>
+                <p:style>
+                  <a:lnRef idx="2">
+                    <a:schemeClr val="accent1">
+                      <a:shade val="50000"/>
+                    </a:schemeClr>
+                  </a:lnRef>
+                  <a:fillRef idx="1">
+                    <a:schemeClr val="accent1"/>
+                  </a:fillRef>
+                  <a:effectRef idx="0">
+                    <a:schemeClr val="accent1"/>
+                  </a:effectRef>
+                  <a:fontRef idx="minor">
+                    <a:schemeClr val="lt1"/>
+                  </a:fontRef>
+                </p:style>
+                <p:txBody>
+                  <a:bodyPr lIns="0" tIns="0" rIns="0" bIns="0" rtlCol="0" anchor="ctr"/>
+                  <a:lstStyle/>
+                  <a:p>
+                    <a:pPr algn="ctr"/>
+                    <a:r>
+                      <a:rPr lang="es-ES" sz="1200" dirty="0" smtClean="0">
+                        <a:solidFill>
+                          <a:schemeClr val="tx1">
+                            <a:lumMod val="65000"/>
+                            <a:lumOff val="35000"/>
+                          </a:schemeClr>
+                        </a:solidFill>
+                        <a:latin typeface="Arial Rounded MT Bold" panose="020F0704030504030204" pitchFamily="34" charset="0"/>
+                      </a:rPr>
+                      <a:t>FIRST </a:t>
+                    </a:r>
+                  </a:p>
+                  <a:p>
+                    <a:pPr algn="ctr"/>
+                    <a:r>
+                      <a:rPr lang="es-ES" sz="1200" dirty="0" smtClean="0">
+                        <a:solidFill>
+                          <a:schemeClr val="tx1">
+                            <a:lumMod val="65000"/>
+                            <a:lumOff val="35000"/>
+                          </a:schemeClr>
+                        </a:solidFill>
+                        <a:latin typeface="Arial Rounded MT Bold" panose="020F0704030504030204" pitchFamily="34" charset="0"/>
+                      </a:rPr>
+                      <a:t>TIME</a:t>
+                    </a:r>
+                    <a:endParaRPr lang="es-ES" sz="1200" dirty="0">
                       <a:solidFill>
                         <a:schemeClr val="tx1">
                           <a:lumMod val="65000"/>
@@ -6396,65 +7806,422 @@
                         </a:schemeClr>
                       </a:solidFill>
                       <a:latin typeface="Arial Rounded MT Bold" panose="020F0704030504030204" pitchFamily="34" charset="0"/>
-                    </a:rPr>
-                    <a:t>INGREDIENTS</a:t>
-                  </a:r>
-                  <a:endParaRPr lang="es-ES" sz="1200" dirty="0">
-                    <a:solidFill>
-                      <a:schemeClr val="tx1">
-                        <a:lumMod val="65000"/>
-                        <a:lumOff val="35000"/>
-                      </a:schemeClr>
-                    </a:solidFill>
-                    <a:latin typeface="Arial Rounded MT Bold" panose="020F0704030504030204" pitchFamily="34" charset="0"/>
-                  </a:endParaRPr>
-                </a:p>
-              </p:txBody>
-            </p:sp>
-            <p:sp>
-              <p:nvSpPr>
-                <p:cNvPr id="7" name="Rectángulo redondeado 6"/>
-                <p:cNvSpPr/>
-                <p:nvPr/>
-              </p:nvSpPr>
-              <p:spPr>
-                <a:xfrm>
-                  <a:off x="8952525" y="-332100"/>
-                  <a:ext cx="1440000" cy="1080000"/>
-                </a:xfrm>
-                <a:prstGeom prst="roundRect">
-                  <a:avLst/>
-                </a:prstGeom>
-                <a:noFill/>
-                <a:ln w="38100">
-                  <a:solidFill>
-                    <a:srgbClr val="FFC000"/>
-                  </a:solidFill>
-                </a:ln>
-              </p:spPr>
-              <p:style>
-                <a:lnRef idx="2">
-                  <a:schemeClr val="accent1">
-                    <a:shade val="50000"/>
-                  </a:schemeClr>
-                </a:lnRef>
-                <a:fillRef idx="1">
-                  <a:schemeClr val="accent1"/>
-                </a:fillRef>
-                <a:effectRef idx="0">
-                  <a:schemeClr val="accent1"/>
-                </a:effectRef>
-                <a:fontRef idx="minor">
-                  <a:schemeClr val="lt1"/>
-                </a:fontRef>
-              </p:style>
-              <p:txBody>
-                <a:bodyPr lIns="0" tIns="0" rIns="0" bIns="0" rtlCol="0" anchor="ctr"/>
-                <a:lstStyle/>
-                <a:p>
-                  <a:pPr algn="ctr"/>
-                  <a:r>
-                    <a:rPr lang="es-ES" sz="1200" dirty="0">
+                    </a:endParaRPr>
+                  </a:p>
+                </p:txBody>
+              </p:sp>
+              <p:sp>
+                <p:nvSpPr>
+                  <p:cNvPr id="56" name="CuadroTexto 55"/>
+                  <p:cNvSpPr txBox="1"/>
+                  <p:nvPr/>
+                </p:nvSpPr>
+                <p:spPr>
+                  <a:xfrm>
+                    <a:off x="7850178" y="2060626"/>
+                    <a:ext cx="1524585" cy="369332"/>
+                  </a:xfrm>
+                  <a:prstGeom prst="rect">
+                    <a:avLst/>
+                  </a:prstGeom>
+                  <a:noFill/>
+                </p:spPr>
+                <p:txBody>
+                  <a:bodyPr wrap="none" rtlCol="0">
+                    <a:spAutoFit/>
+                  </a:bodyPr>
+                  <a:lstStyle/>
+                  <a:p>
+                    <a:r>
+                      <a:rPr lang="es-ES" b="1" dirty="0" smtClean="0">
+                        <a:solidFill>
+                          <a:srgbClr val="FF3300"/>
+                        </a:solidFill>
+                        <a:latin typeface="+mj-lt"/>
+                        <a:cs typeface="Aharoni" panose="02010803020104030203" pitchFamily="2" charset="-79"/>
+                      </a:rPr>
+                      <a:t>No / </a:t>
+                    </a:r>
+                    <a:r>
+                      <a:rPr lang="es-ES" b="1" dirty="0" err="1" smtClean="0">
+                        <a:solidFill>
+                          <a:srgbClr val="FF3300"/>
+                        </a:solidFill>
+                        <a:latin typeface="+mj-lt"/>
+                        <a:cs typeface="Aharoni" panose="02010803020104030203" pitchFamily="2" charset="-79"/>
+                      </a:rPr>
+                      <a:t>Uncertain</a:t>
+                    </a:r>
+                    <a:endParaRPr lang="es-ES" b="1" dirty="0">
+                      <a:solidFill>
+                        <a:srgbClr val="FF3300"/>
+                      </a:solidFill>
+                      <a:latin typeface="+mj-lt"/>
+                      <a:cs typeface="Aharoni" panose="02010803020104030203" pitchFamily="2" charset="-79"/>
+                    </a:endParaRPr>
+                  </a:p>
+                </p:txBody>
+              </p:sp>
+              <p:sp>
+                <p:nvSpPr>
+                  <p:cNvPr id="86" name="CuadroTexto 85"/>
+                  <p:cNvSpPr txBox="1"/>
+                  <p:nvPr/>
+                </p:nvSpPr>
+                <p:spPr>
+                  <a:xfrm>
+                    <a:off x="5357828" y="4669276"/>
+                    <a:ext cx="475643" cy="369332"/>
+                  </a:xfrm>
+                  <a:prstGeom prst="rect">
+                    <a:avLst/>
+                  </a:prstGeom>
+                  <a:noFill/>
+                </p:spPr>
+                <p:txBody>
+                  <a:bodyPr wrap="none" rtlCol="0">
+                    <a:spAutoFit/>
+                  </a:bodyPr>
+                  <a:lstStyle/>
+                  <a:p>
+                    <a:r>
+                      <a:rPr lang="es-ES" b="1" dirty="0" smtClean="0">
+                        <a:solidFill>
+                          <a:srgbClr val="FF3300"/>
+                        </a:solidFill>
+                        <a:latin typeface="+mj-lt"/>
+                        <a:cs typeface="Aharoni" panose="02010803020104030203" pitchFamily="2" charset="-79"/>
+                      </a:rPr>
+                      <a:t>Yes</a:t>
+                    </a:r>
+                    <a:endParaRPr lang="es-ES" b="1" dirty="0">
+                      <a:solidFill>
+                        <a:srgbClr val="FF3300"/>
+                      </a:solidFill>
+                      <a:latin typeface="+mj-lt"/>
+                      <a:cs typeface="Aharoni" panose="02010803020104030203" pitchFamily="2" charset="-79"/>
+                    </a:endParaRPr>
+                  </a:p>
+                </p:txBody>
+              </p:sp>
+              <p:sp>
+                <p:nvSpPr>
+                  <p:cNvPr id="87" name="CuadroTexto 86"/>
+                  <p:cNvSpPr txBox="1"/>
+                  <p:nvPr/>
+                </p:nvSpPr>
+                <p:spPr>
+                  <a:xfrm>
+                    <a:off x="7735912" y="4705793"/>
+                    <a:ext cx="501419" cy="369332"/>
+                  </a:xfrm>
+                  <a:prstGeom prst="rect">
+                    <a:avLst/>
+                  </a:prstGeom>
+                  <a:noFill/>
+                </p:spPr>
+                <p:txBody>
+                  <a:bodyPr wrap="square" rtlCol="0">
+                    <a:spAutoFit/>
+                  </a:bodyPr>
+                  <a:lstStyle/>
+                  <a:p>
+                    <a:r>
+                      <a:rPr lang="es-ES" b="1" dirty="0" smtClean="0">
+                        <a:solidFill>
+                          <a:srgbClr val="FF3300"/>
+                        </a:solidFill>
+                        <a:latin typeface="+mj-lt"/>
+                        <a:cs typeface="Aharoni" panose="02010803020104030203" pitchFamily="2" charset="-79"/>
+                      </a:rPr>
+                      <a:t>No</a:t>
+                    </a:r>
+                    <a:endParaRPr lang="es-ES" b="1" dirty="0">
+                      <a:solidFill>
+                        <a:srgbClr val="FF3300"/>
+                      </a:solidFill>
+                      <a:latin typeface="+mj-lt"/>
+                      <a:cs typeface="Aharoni" panose="02010803020104030203" pitchFamily="2" charset="-79"/>
+                    </a:endParaRPr>
+                  </a:p>
+                </p:txBody>
+              </p:sp>
+              <p:cxnSp>
+                <p:nvCxnSpPr>
+                  <p:cNvPr id="91" name="Conector recto de flecha 90"/>
+                  <p:cNvCxnSpPr>
+                    <a:endCxn id="77" idx="2"/>
+                  </p:cNvCxnSpPr>
+                  <p:nvPr/>
+                </p:nvCxnSpPr>
+                <p:spPr>
+                  <a:xfrm flipV="1">
+                    <a:off x="11273628" y="2824951"/>
+                    <a:ext cx="1" cy="2250174"/>
+                  </a:xfrm>
+                  <a:prstGeom prst="straightConnector1">
+                    <a:avLst/>
+                  </a:prstGeom>
+                  <a:ln w="28575">
+                    <a:solidFill>
+                      <a:srgbClr val="7240F0"/>
+                    </a:solidFill>
+                    <a:tailEnd type="triangle" w="lg" len="lg"/>
+                  </a:ln>
+                </p:spPr>
+                <p:style>
+                  <a:lnRef idx="1">
+                    <a:schemeClr val="accent1"/>
+                  </a:lnRef>
+                  <a:fillRef idx="0">
+                    <a:schemeClr val="accent1"/>
+                  </a:fillRef>
+                  <a:effectRef idx="0">
+                    <a:schemeClr val="accent1"/>
+                  </a:effectRef>
+                  <a:fontRef idx="minor">
+                    <a:schemeClr val="tx1"/>
+                  </a:fontRef>
+                </p:style>
+              </p:cxnSp>
+              <p:sp>
+                <p:nvSpPr>
+                  <p:cNvPr id="100" name="CuadroTexto 99"/>
+                  <p:cNvSpPr txBox="1"/>
+                  <p:nvPr/>
+                </p:nvSpPr>
+                <p:spPr>
+                  <a:xfrm>
+                    <a:off x="4951240" y="5186210"/>
+                    <a:ext cx="1137299" cy="338554"/>
+                  </a:xfrm>
+                  <a:prstGeom prst="rect">
+                    <a:avLst/>
+                  </a:prstGeom>
+                  <a:noFill/>
+                </p:spPr>
+                <p:txBody>
+                  <a:bodyPr wrap="none" rtlCol="0">
+                    <a:spAutoFit/>
+                  </a:bodyPr>
+                  <a:lstStyle/>
+                  <a:p>
+                    <a:r>
+                      <a:rPr lang="es-ES" sz="1600" dirty="0" smtClean="0">
+                        <a:solidFill>
+                          <a:schemeClr val="tx1">
+                            <a:lumMod val="50000"/>
+                            <a:lumOff val="50000"/>
+                          </a:schemeClr>
+                        </a:solidFill>
+                        <a:latin typeface="+mj-lt"/>
+                        <a:cs typeface="Aharoni" panose="02010803020104030203" pitchFamily="2" charset="-79"/>
+                      </a:rPr>
+                      <a:t>$</a:t>
+                    </a:r>
+                    <a:r>
+                      <a:rPr lang="es-ES" sz="1600" dirty="0" err="1" smtClean="0">
+                        <a:solidFill>
+                          <a:schemeClr val="tx1">
+                            <a:lumMod val="50000"/>
+                            <a:lumOff val="50000"/>
+                          </a:schemeClr>
+                        </a:solidFill>
+                        <a:latin typeface="+mj-lt"/>
+                        <a:cs typeface="Aharoni" panose="02010803020104030203" pitchFamily="2" charset="-79"/>
+                      </a:rPr>
+                      <a:t>counter</a:t>
+                    </a:r>
+                    <a:r>
+                      <a:rPr lang="es-ES" sz="1600" dirty="0" smtClean="0">
+                        <a:solidFill>
+                          <a:schemeClr val="tx1">
+                            <a:lumMod val="50000"/>
+                            <a:lumOff val="50000"/>
+                          </a:schemeClr>
+                        </a:solidFill>
+                        <a:latin typeface="+mj-lt"/>
+                        <a:cs typeface="Aharoni" panose="02010803020104030203" pitchFamily="2" charset="-79"/>
+                      </a:rPr>
+                      <a:t>=1</a:t>
+                    </a:r>
+                    <a:endParaRPr lang="es-ES" sz="1600" dirty="0">
+                      <a:solidFill>
+                        <a:schemeClr val="tx1">
+                          <a:lumMod val="50000"/>
+                          <a:lumOff val="50000"/>
+                        </a:schemeClr>
+                      </a:solidFill>
+                      <a:latin typeface="+mj-lt"/>
+                      <a:cs typeface="Aharoni" panose="02010803020104030203" pitchFamily="2" charset="-79"/>
+                    </a:endParaRPr>
+                  </a:p>
+                </p:txBody>
+              </p:sp>
+              <p:cxnSp>
+                <p:nvCxnSpPr>
+                  <p:cNvPr id="70" name="Conector recto de flecha 69"/>
+                  <p:cNvCxnSpPr>
+                    <a:stCxn id="77" idx="3"/>
+                    <a:endCxn id="28" idx="2"/>
+                  </p:cNvCxnSpPr>
+                  <p:nvPr/>
+                </p:nvCxnSpPr>
+                <p:spPr>
+                  <a:xfrm flipV="1">
+                    <a:off x="11870445" y="2470990"/>
+                    <a:ext cx="1389799" cy="20218"/>
+                  </a:xfrm>
+                  <a:prstGeom prst="straightConnector1">
+                    <a:avLst/>
+                  </a:prstGeom>
+                  <a:ln w="28575">
+                    <a:solidFill>
+                      <a:srgbClr val="7240F0"/>
+                    </a:solidFill>
+                    <a:tailEnd type="triangle" w="lg" len="lg"/>
+                  </a:ln>
+                </p:spPr>
+                <p:style>
+                  <a:lnRef idx="1">
+                    <a:schemeClr val="accent1"/>
+                  </a:lnRef>
+                  <a:fillRef idx="0">
+                    <a:schemeClr val="accent1"/>
+                  </a:fillRef>
+                  <a:effectRef idx="0">
+                    <a:schemeClr val="accent1"/>
+                  </a:effectRef>
+                  <a:fontRef idx="minor">
+                    <a:schemeClr val="tx1"/>
+                  </a:fontRef>
+                </p:style>
+              </p:cxnSp>
+              <p:cxnSp>
+                <p:nvCxnSpPr>
+                  <p:cNvPr id="75" name="Conector recto de flecha 74"/>
+                  <p:cNvCxnSpPr>
+                    <a:endCxn id="7" idx="1"/>
+                  </p:cNvCxnSpPr>
+                  <p:nvPr/>
+                </p:nvCxnSpPr>
+                <p:spPr>
+                  <a:xfrm flipV="1">
+                    <a:off x="6830683" y="207900"/>
+                    <a:ext cx="2121842" cy="5691"/>
+                  </a:xfrm>
+                  <a:prstGeom prst="straightConnector1">
+                    <a:avLst/>
+                  </a:prstGeom>
+                  <a:ln w="28575">
+                    <a:solidFill>
+                      <a:srgbClr val="7240F0"/>
+                    </a:solidFill>
+                    <a:tailEnd type="triangle" w="lg" len="lg"/>
+                  </a:ln>
+                </p:spPr>
+                <p:style>
+                  <a:lnRef idx="1">
+                    <a:schemeClr val="accent1"/>
+                  </a:lnRef>
+                  <a:fillRef idx="0">
+                    <a:schemeClr val="accent1"/>
+                  </a:fillRef>
+                  <a:effectRef idx="0">
+                    <a:schemeClr val="accent1"/>
+                  </a:effectRef>
+                  <a:fontRef idx="minor">
+                    <a:schemeClr val="tx1"/>
+                  </a:fontRef>
+                </p:style>
+              </p:cxnSp>
+              <p:cxnSp>
+                <p:nvCxnSpPr>
+                  <p:cNvPr id="46" name="Conector recto de flecha 45"/>
+                  <p:cNvCxnSpPr>
+                    <a:stCxn id="30" idx="3"/>
+                    <a:endCxn id="24" idx="1"/>
+                  </p:cNvCxnSpPr>
+                  <p:nvPr/>
+                </p:nvCxnSpPr>
+                <p:spPr>
+                  <a:xfrm flipV="1">
+                    <a:off x="4741961" y="2491701"/>
+                    <a:ext cx="970580" cy="23321"/>
+                  </a:xfrm>
+                  <a:prstGeom prst="straightConnector1">
+                    <a:avLst/>
+                  </a:prstGeom>
+                  <a:ln w="28575" cmpd="sng">
+                    <a:solidFill>
+                      <a:srgbClr val="7240F0"/>
+                    </a:solidFill>
+                    <a:prstDash val="solid"/>
+                    <a:tailEnd type="triangle" w="lg" len="lg"/>
+                  </a:ln>
+                </p:spPr>
+                <p:style>
+                  <a:lnRef idx="1">
+                    <a:schemeClr val="accent1"/>
+                  </a:lnRef>
+                  <a:fillRef idx="0">
+                    <a:schemeClr val="accent1"/>
+                  </a:fillRef>
+                  <a:effectRef idx="0">
+                    <a:schemeClr val="accent1"/>
+                  </a:effectRef>
+                  <a:fontRef idx="minor">
+                    <a:schemeClr val="tx1"/>
+                  </a:fontRef>
+                </p:style>
+              </p:cxnSp>
+              <p:sp>
+                <p:nvSpPr>
+                  <p:cNvPr id="30" name="Llamada rectangular redondeada 29"/>
+                  <p:cNvSpPr/>
+                  <p:nvPr/>
+                </p:nvSpPr>
+                <p:spPr>
+                  <a:xfrm>
+                    <a:off x="3568646" y="2169595"/>
+                    <a:ext cx="1173315" cy="690853"/>
+                  </a:xfrm>
+                  <a:prstGeom prst="wedgeRoundRectCallout">
+                    <a:avLst>
+                      <a:gd name="adj1" fmla="val -36481"/>
+                      <a:gd name="adj2" fmla="val 82700"/>
+                      <a:gd name="adj3" fmla="val 16667"/>
+                    </a:avLst>
+                  </a:prstGeom>
+                  <a:noFill/>
+                  <a:ln w="38100">
+                    <a:solidFill>
+                      <a:srgbClr val="46DACC"/>
+                    </a:solidFill>
+                  </a:ln>
+                </p:spPr>
+                <p:style>
+                  <a:lnRef idx="2">
+                    <a:schemeClr val="accent1">
+                      <a:shade val="50000"/>
+                    </a:schemeClr>
+                  </a:lnRef>
+                  <a:fillRef idx="1">
+                    <a:schemeClr val="accent1"/>
+                  </a:fillRef>
+                  <a:effectRef idx="0">
+                    <a:schemeClr val="accent1"/>
+                  </a:effectRef>
+                  <a:fontRef idx="minor">
+                    <a:schemeClr val="lt1"/>
+                  </a:fontRef>
+                </p:style>
+                <p:txBody>
+                  <a:bodyPr rtlCol="0" anchor="ctr"/>
+                  <a:lstStyle/>
+                  <a:p>
+                    <a:pPr algn="ctr"/>
+                    <a:endParaRPr lang="es-ES" sz="1400" dirty="0" smtClean="0">
                       <a:solidFill>
                         <a:schemeClr val="tx1">
                           <a:lumMod val="75000"/>
@@ -6462,14 +8229,88 @@
                         </a:schemeClr>
                       </a:solidFill>
                       <a:latin typeface="Arial Rounded MT Bold" panose="020F0704030504030204" pitchFamily="34" charset="0"/>
-                    </a:rPr>
-                    <a:t>GET </a:t>
-                  </a:r>
-                </a:p>
-                <a:p>
-                  <a:pPr algn="ctr"/>
-                  <a:r>
-                    <a:rPr lang="es-ES" sz="1200" dirty="0">
+                    </a:endParaRPr>
+                  </a:p>
+                  <a:p>
+                    <a:pPr algn="ctr"/>
+                    <a:r>
+                      <a:rPr lang="es-ES" sz="1200" dirty="0" smtClean="0">
+                        <a:solidFill>
+                          <a:schemeClr val="tx1">
+                            <a:lumMod val="75000"/>
+                            <a:lumOff val="25000"/>
+                          </a:schemeClr>
+                        </a:solidFill>
+                        <a:latin typeface="Arial Rounded MT Bold" panose="020F0704030504030204" pitchFamily="34" charset="0"/>
+                      </a:rPr>
+                      <a:t>SUMMARY</a:t>
+                    </a:r>
+                    <a:r>
+                      <a:rPr lang="es-ES" sz="1200" dirty="0">
+                        <a:solidFill>
+                          <a:schemeClr val="tx1">
+                            <a:lumMod val="75000"/>
+                            <a:lumOff val="25000"/>
+                          </a:schemeClr>
+                        </a:solidFill>
+                        <a:latin typeface="Arial Rounded MT Bold" panose="020F0704030504030204" pitchFamily="34" charset="0"/>
+                      </a:rPr>
+                      <a:t>?</a:t>
+                    </a:r>
+                  </a:p>
+                  <a:p>
+                    <a:pPr algn="ctr"/>
+                    <a:endParaRPr lang="es-ES" dirty="0"/>
+                  </a:p>
+                </p:txBody>
+              </p:sp>
+              <p:sp>
+                <p:nvSpPr>
+                  <p:cNvPr id="77" name="Llamada rectangular redondeada 76"/>
+                  <p:cNvSpPr/>
+                  <p:nvPr/>
+                </p:nvSpPr>
+                <p:spPr>
+                  <a:xfrm>
+                    <a:off x="10676812" y="2157464"/>
+                    <a:ext cx="1193633" cy="667487"/>
+                  </a:xfrm>
+                  <a:prstGeom prst="wedgeRoundRectCallout">
+                    <a:avLst>
+                      <a:gd name="adj1" fmla="val -36481"/>
+                      <a:gd name="adj2" fmla="val 82700"/>
+                      <a:gd name="adj3" fmla="val 16667"/>
+                    </a:avLst>
+                  </a:prstGeom>
+                  <a:noFill/>
+                  <a:ln w="38100">
+                    <a:solidFill>
+                      <a:srgbClr val="46DACC"/>
+                    </a:solidFill>
+                  </a:ln>
+                </p:spPr>
+                <p:style>
+                  <a:lnRef idx="2">
+                    <a:schemeClr val="accent1">
+                      <a:shade val="50000"/>
+                    </a:schemeClr>
+                  </a:lnRef>
+                  <a:fillRef idx="1">
+                    <a:schemeClr val="accent1"/>
+                  </a:fillRef>
+                  <a:effectRef idx="0">
+                    <a:schemeClr val="accent1"/>
+                  </a:effectRef>
+                  <a:fontRef idx="minor">
+                    <a:schemeClr val="lt1"/>
+                  </a:fontRef>
+                </p:style>
+                <p:txBody>
+                  <a:bodyPr rtlCol="0" anchor="ctr"/>
+                  <a:lstStyle/>
+                  <a:p>
+                    <a:pPr algn="ctr"/>
+                    <a:endParaRPr lang="es-ES" sz="1400" dirty="0" smtClean="0">
                       <a:solidFill>
                         <a:schemeClr val="tx1">
                           <a:lumMod val="75000"/>
@@ -6477,139 +8318,159 @@
                         </a:schemeClr>
                       </a:solidFill>
                       <a:latin typeface="Arial Rounded MT Bold" panose="020F0704030504030204" pitchFamily="34" charset="0"/>
-                    </a:rPr>
-                    <a:t>DATABASE SUMMARY</a:t>
-                  </a:r>
-                </a:p>
-              </p:txBody>
-            </p:sp>
-            <p:cxnSp>
-              <p:nvCxnSpPr>
-                <p:cNvPr id="13" name="Conector recto de flecha 12"/>
-                <p:cNvCxnSpPr>
-                  <a:stCxn id="26" idx="6"/>
-                  <a:endCxn id="5" idx="1"/>
-                </p:cNvCxnSpPr>
-                <p:nvPr/>
-              </p:nvCxnSpPr>
-              <p:spPr>
-                <a:xfrm flipV="1">
-                  <a:off x="-2017103" y="2491207"/>
-                  <a:ext cx="752027" cy="493"/>
-                </a:xfrm>
-                <a:prstGeom prst="straightConnector1">
-                  <a:avLst/>
-                </a:prstGeom>
-                <a:ln w="28575">
-                  <a:solidFill>
-                    <a:srgbClr val="7240F0"/>
-                  </a:solidFill>
-                  <a:tailEnd type="triangle" w="lg" len="lg"/>
-                </a:ln>
-              </p:spPr>
-              <p:style>
-                <a:lnRef idx="1">
-                  <a:schemeClr val="accent1"/>
-                </a:lnRef>
-                <a:fillRef idx="0">
-                  <a:schemeClr val="accent1"/>
-                </a:fillRef>
-                <a:effectRef idx="0">
-                  <a:schemeClr val="accent1"/>
-                </a:effectRef>
-                <a:fontRef idx="minor">
-                  <a:schemeClr val="tx1"/>
-                </a:fontRef>
-              </p:style>
-            </p:cxnSp>
-            <p:cxnSp>
-              <p:nvCxnSpPr>
-                <p:cNvPr id="15" name="Conector recto de flecha 14"/>
-                <p:cNvCxnSpPr>
-                  <a:stCxn id="5" idx="3"/>
-                  <a:endCxn id="30" idx="1"/>
-                </p:cNvCxnSpPr>
-                <p:nvPr/>
-              </p:nvCxnSpPr>
-              <p:spPr>
-                <a:xfrm>
-                  <a:off x="940124" y="2491207"/>
-                  <a:ext cx="2628522" cy="23815"/>
-                </a:xfrm>
-                <a:prstGeom prst="straightConnector1">
-                  <a:avLst/>
-                </a:prstGeom>
-                <a:ln w="28575" cmpd="sng">
-                  <a:solidFill>
-                    <a:srgbClr val="7240F0"/>
-                  </a:solidFill>
-                  <a:prstDash val="solid"/>
-                  <a:tailEnd type="triangle" w="lg" len="lg"/>
-                </a:ln>
-              </p:spPr>
-              <p:style>
-                <a:lnRef idx="1">
-                  <a:schemeClr val="accent1"/>
-                </a:lnRef>
-                <a:fillRef idx="0">
-                  <a:schemeClr val="accent1"/>
-                </a:fillRef>
-                <a:effectRef idx="0">
-                  <a:schemeClr val="accent1"/>
-                </a:effectRef>
-                <a:fontRef idx="minor">
-                  <a:schemeClr val="tx1"/>
-                </a:fontRef>
-              </p:style>
-            </p:cxnSp>
-            <p:cxnSp>
-              <p:nvCxnSpPr>
-                <p:cNvPr id="35" name="Conector recto de flecha 34"/>
-                <p:cNvCxnSpPr>
-                  <a:stCxn id="44" idx="3"/>
-                </p:cNvCxnSpPr>
-                <p:nvPr/>
-              </p:nvCxnSpPr>
-              <p:spPr>
-                <a:xfrm>
-                  <a:off x="7771895" y="5090366"/>
-                  <a:ext cx="3501733" cy="9335"/>
-                </a:xfrm>
-                <a:prstGeom prst="straightConnector1">
-                  <a:avLst/>
-                </a:prstGeom>
-                <a:ln w="28575">
-                  <a:solidFill>
-                    <a:srgbClr val="7240F0"/>
-                  </a:solidFill>
-                  <a:tailEnd type="triangle" w="lg" len="lg"/>
-                </a:ln>
-              </p:spPr>
-              <p:style>
-                <a:lnRef idx="1">
-                  <a:schemeClr val="accent1"/>
-                </a:lnRef>
-                <a:fillRef idx="0">
-                  <a:schemeClr val="accent1"/>
-                </a:fillRef>
-                <a:effectRef idx="0">
-                  <a:schemeClr val="accent1"/>
-                </a:effectRef>
-                <a:fontRef idx="minor">
-                  <a:schemeClr val="tx1"/>
-                </a:fontRef>
-              </p:style>
-            </p:cxnSp>
+                    </a:endParaRPr>
+                  </a:p>
+                  <a:p>
+                    <a:pPr algn="ctr"/>
+                    <a:r>
+                      <a:rPr lang="es-ES" sz="1200" dirty="0" smtClean="0">
+                        <a:solidFill>
+                          <a:schemeClr val="tx1">
+                            <a:lumMod val="75000"/>
+                            <a:lumOff val="25000"/>
+                          </a:schemeClr>
+                        </a:solidFill>
+                        <a:latin typeface="Arial Rounded MT Bold" panose="020F0704030504030204" pitchFamily="34" charset="0"/>
+                      </a:rPr>
+                      <a:t>ANYTHING ELSE?</a:t>
+                    </a:r>
+                    <a:endParaRPr lang="es-ES" sz="1200" dirty="0">
+                      <a:solidFill>
+                        <a:schemeClr val="tx1">
+                          <a:lumMod val="75000"/>
+                          <a:lumOff val="25000"/>
+                        </a:schemeClr>
+                      </a:solidFill>
+                      <a:latin typeface="Arial Rounded MT Bold" panose="020F0704030504030204" pitchFamily="34" charset="0"/>
+                    </a:endParaRPr>
+                  </a:p>
+                  <a:p>
+                    <a:pPr algn="ctr"/>
+                    <a:endParaRPr lang="es-ES" dirty="0"/>
+                  </a:p>
+                </p:txBody>
+              </p:sp>
+              <p:cxnSp>
+                <p:nvCxnSpPr>
+                  <p:cNvPr id="103" name="Conector recto de flecha 102"/>
+                  <p:cNvCxnSpPr/>
+                  <p:nvPr/>
+                </p:nvCxnSpPr>
+                <p:spPr>
+                  <a:xfrm>
+                    <a:off x="13835740" y="172963"/>
+                    <a:ext cx="0" cy="1814737"/>
+                  </a:xfrm>
+                  <a:prstGeom prst="straightConnector1">
+                    <a:avLst/>
+                  </a:prstGeom>
+                  <a:ln w="28575">
+                    <a:solidFill>
+                      <a:srgbClr val="7240F0"/>
+                    </a:solidFill>
+                    <a:tailEnd type="triangle" w="lg" len="lg"/>
+                  </a:ln>
+                </p:spPr>
+                <p:style>
+                  <a:lnRef idx="1">
+                    <a:schemeClr val="accent1"/>
+                  </a:lnRef>
+                  <a:fillRef idx="0">
+                    <a:schemeClr val="accent1"/>
+                  </a:fillRef>
+                  <a:effectRef idx="0">
+                    <a:schemeClr val="accent1"/>
+                  </a:effectRef>
+                  <a:fontRef idx="minor">
+                    <a:schemeClr val="tx1"/>
+                  </a:fontRef>
+                </p:style>
+              </p:cxnSp>
+              <p:pic>
+                <p:nvPicPr>
+                  <p:cNvPr id="115" name="Imagen 114"/>
+                  <p:cNvPicPr>
+                    <a:picLocks noChangeAspect="1"/>
+                  </p:cNvPicPr>
+                  <p:nvPr/>
+                </p:nvPicPr>
+                <p:blipFill>
+                  <a:blip r:embed="rId4" cstate="print">
+                    <a:duotone>
+                      <a:schemeClr val="bg2">
+                        <a:shade val="45000"/>
+                        <a:satMod val="135000"/>
+                      </a:schemeClr>
+                      <a:prstClr val="white"/>
+                    </a:duotone>
+                    <a:extLst>
+                      <a:ext uri="{28A0092B-C50C-407E-A947-70E740481C1C}">
+                        <a14:useLocalDpi xmlns:a14="http://schemas.microsoft.com/office/drawing/2010/main" val="0"/>
+                      </a:ext>
+                    </a:extLst>
+                  </a:blip>
+                  <a:stretch>
+                    <a:fillRect/>
+                  </a:stretch>
+                </p:blipFill>
+                <p:spPr>
+                  <a:xfrm>
+                    <a:off x="4830834" y="2083572"/>
+                    <a:ext cx="342636" cy="342636"/>
+                  </a:xfrm>
+                  <a:prstGeom prst="rect">
+                    <a:avLst/>
+                  </a:prstGeom>
+                </p:spPr>
+              </p:pic>
+              <p:pic>
+                <p:nvPicPr>
+                  <p:cNvPr id="118" name="Imagen 117"/>
+                  <p:cNvPicPr>
+                    <a:picLocks noChangeAspect="1"/>
+                  </p:cNvPicPr>
+                  <p:nvPr/>
+                </p:nvPicPr>
+                <p:blipFill>
+                  <a:blip r:embed="rId4" cstate="print">
+                    <a:duotone>
+                      <a:schemeClr val="bg2">
+                        <a:shade val="45000"/>
+                        <a:satMod val="135000"/>
+                      </a:schemeClr>
+                      <a:prstClr val="white"/>
+                    </a:duotone>
+                    <a:extLst>
+                      <a:ext uri="{28A0092B-C50C-407E-A947-70E740481C1C}">
+                        <a14:useLocalDpi xmlns:a14="http://schemas.microsoft.com/office/drawing/2010/main" val="0"/>
+                      </a:ext>
+                    </a:extLst>
+                  </a:blip>
+                  <a:stretch>
+                    <a:fillRect/>
+                  </a:stretch>
+                </p:blipFill>
+                <p:spPr>
+                  <a:xfrm>
+                    <a:off x="11963755" y="2073974"/>
+                    <a:ext cx="342636" cy="342636"/>
+                  </a:xfrm>
+                  <a:prstGeom prst="rect">
+                    <a:avLst/>
+                  </a:prstGeom>
+                </p:spPr>
+              </p:pic>
+            </p:grpSp>
             <p:sp>
               <p:nvSpPr>
-                <p:cNvPr id="122" name="CuadroTexto 121"/>
+                <p:cNvPr id="127" name="CuadroTexto 126"/>
                 <p:cNvSpPr txBox="1"/>
                 <p:nvPr/>
               </p:nvSpPr>
               <p:spPr>
                 <a:xfrm>
-                  <a:off x="946967" y="2131704"/>
-                  <a:ext cx="475643" cy="369332"/>
+                  <a:off x="6823652" y="1404874"/>
+                  <a:ext cx="1537409" cy="338554"/>
                 </a:xfrm>
                 <a:prstGeom prst="rect">
                   <a:avLst/>
@@ -6623,18 +8484,50 @@
                 <a:lstStyle/>
                 <a:p>
                   <a:r>
-                    <a:rPr lang="es-ES" b="1" dirty="0" smtClean="0">
+                    <a:rPr lang="es-ES" sz="1600" dirty="0" smtClean="0">
                       <a:solidFill>
-                        <a:srgbClr val="FF3300"/>
+                        <a:schemeClr val="tx1">
+                          <a:lumMod val="50000"/>
+                          <a:lumOff val="50000"/>
+                        </a:schemeClr>
                       </a:solidFill>
                       <a:latin typeface="+mj-lt"/>
                       <a:cs typeface="Aharoni" panose="02010803020104030203" pitchFamily="2" charset="-79"/>
                     </a:rPr>
-                    <a:t>Yes</a:t>
+                    <a:t>$</a:t>
                   </a:r>
-                  <a:endParaRPr lang="es-ES" b="1" dirty="0">
-                    <a:solidFill>
-                      <a:srgbClr val="FF3300"/>
+                  <a:r>
+                    <a:rPr lang="es-ES" sz="1600" dirty="0" err="1" smtClean="0">
+                      <a:solidFill>
+                        <a:schemeClr val="tx1">
+                          <a:lumMod val="50000"/>
+                          <a:lumOff val="50000"/>
+                        </a:schemeClr>
+                      </a:solidFill>
+                      <a:latin typeface="+mj-lt"/>
+                      <a:cs typeface="Aharoni" panose="02010803020104030203" pitchFamily="2" charset="-79"/>
+                    </a:rPr>
+                    <a:t>Summary</a:t>
+                  </a:r>
+                  <a:r>
+                    <a:rPr lang="es-ES" sz="1600" dirty="0" smtClean="0">
+                      <a:solidFill>
+                        <a:schemeClr val="tx1">
+                          <a:lumMod val="50000"/>
+                          <a:lumOff val="50000"/>
+                        </a:schemeClr>
+                      </a:solidFill>
+                      <a:latin typeface="+mj-lt"/>
+                      <a:cs typeface="Aharoni" panose="02010803020104030203" pitchFamily="2" charset="-79"/>
+                    </a:rPr>
+                    <a:t>=True</a:t>
+                  </a:r>
+                  <a:endParaRPr lang="es-ES" sz="1600" dirty="0">
+                    <a:solidFill>
+                      <a:schemeClr val="tx1">
+                        <a:lumMod val="50000"/>
+                        <a:lumOff val="50000"/>
+                      </a:schemeClr>
                     </a:solidFill>
                     <a:latin typeface="+mj-lt"/>
                     <a:cs typeface="Aharoni" panose="02010803020104030203" pitchFamily="2" charset="-79"/>
@@ -6644,234 +8537,14 @@
             </p:sp>
             <p:sp>
               <p:nvSpPr>
-                <p:cNvPr id="68" name="Rectángulo redondeado 67"/>
-                <p:cNvSpPr/>
-                <p:nvPr/>
-              </p:nvSpPr>
-              <p:spPr bwMode="auto">
-                <a:xfrm>
-                  <a:off x="8952525" y="-2547019"/>
-                  <a:ext cx="1379397" cy="1304464"/>
-                </a:xfrm>
-                <a:prstGeom prst="roundRect">
-                  <a:avLst/>
-                </a:prstGeom>
-                <a:solidFill>
-                  <a:schemeClr val="bg1"/>
-                </a:solidFill>
-                <a:ln w="9525" cap="rnd" cmpd="sng" algn="ctr">
-                  <a:solidFill>
-                    <a:srgbClr val="00B050"/>
-                  </a:solidFill>
-                  <a:prstDash val="sysDot"/>
-                  <a:round/>
-                  <a:headEnd type="none" w="med" len="med"/>
-                  <a:tailEnd type="none" w="med" len="med"/>
-                </a:ln>
-                <a:effectLst/>
-                <a:extLst/>
-              </p:spPr>
-              <p:txBody>
-                <a:bodyPr vert="horz" wrap="none" lIns="45720" tIns="45720" rIns="45720" bIns="45720" numCol="1" rtlCol="0" anchor="ctr" anchorCtr="0" compatLnSpc="1">
-                  <a:prstTxWarp prst="textNoShape">
-                    <a:avLst/>
-                  </a:prstTxWarp>
-                </a:bodyPr>
-                <a:lstStyle/>
-                <a:p>
-                  <a:pPr marL="0" marR="0" indent="0" algn="ctr" defTabSz="914400" rtl="0" eaLnBrk="1" fontAlgn="base" latinLnBrk="0" hangingPunct="1">
-                    <a:lnSpc>
-                      <a:spcPct val="100000"/>
-                    </a:lnSpc>
-                    <a:spcBef>
-                      <a:spcPct val="50000"/>
-                    </a:spcBef>
-                    <a:spcAft>
-                      <a:spcPct val="0"/>
-                    </a:spcAft>
-                    <a:buClrTx/>
-                    <a:buSzTx/>
-                    <a:buFontTx/>
-                    <a:buNone/>
-                    <a:tabLst/>
-                  </a:pPr>
-                  <a:endParaRPr kumimoji="0" lang="es-ES" sz="2000" b="0" i="0" u="none" strike="noStrike" cap="none" normalizeH="0" baseline="0" dirty="0" smtClean="0">
-                    <a:ln>
-                      <a:noFill/>
-                    </a:ln>
-                    <a:solidFill>
-                      <a:srgbClr val="00B050"/>
-                    </a:solidFill>
-                    <a:effectLst/>
-                    <a:latin typeface="Verdana" pitchFamily="34" charset="0"/>
-                  </a:endParaRPr>
-                </a:p>
-              </p:txBody>
-            </p:sp>
-            <p:sp>
-              <p:nvSpPr>
-                <p:cNvPr id="69" name="CuadroTexto 68"/>
+                <p:cNvPr id="129" name="CuadroTexto 128"/>
                 <p:cNvSpPr txBox="1"/>
                 <p:nvPr/>
               </p:nvSpPr>
               <p:spPr>
                 <a:xfrm>
-                  <a:off x="9251374" y="-2432343"/>
-                  <a:ext cx="838443" cy="276999"/>
-                </a:xfrm>
-                <a:prstGeom prst="rect">
-                  <a:avLst/>
-                </a:prstGeom>
-                <a:noFill/>
-              </p:spPr>
-              <p:txBody>
-                <a:bodyPr wrap="square" rtlCol="0">
-                  <a:spAutoFit/>
-                </a:bodyPr>
-                <a:lstStyle/>
-                <a:p>
-                  <a:r>
-                    <a:rPr lang="es-ES" sz="1200" b="1" dirty="0" smtClean="0">
-                      <a:solidFill>
-                        <a:srgbClr val="00B050"/>
-                      </a:solidFill>
-                    </a:rPr>
-                    <a:t>DATABASE</a:t>
-                  </a:r>
-                  <a:endParaRPr lang="es-ES" sz="1200" b="1" dirty="0">
-                    <a:solidFill>
-                      <a:srgbClr val="00B050"/>
-                    </a:solidFill>
-                  </a:endParaRPr>
-                </a:p>
-              </p:txBody>
-            </p:sp>
-            <p:sp>
-              <p:nvSpPr>
-                <p:cNvPr id="71" name="Flecha izquierda y derecha 70"/>
-                <p:cNvSpPr/>
-                <p:nvPr/>
-              </p:nvSpPr>
-              <p:spPr>
-                <a:xfrm rot="16200000">
-                  <a:off x="9280456" y="-906882"/>
-                  <a:ext cx="720000" cy="212903"/>
-                </a:xfrm>
-                <a:prstGeom prst="leftRightArrow">
-                  <a:avLst/>
-                </a:prstGeom>
-                <a:solidFill>
-                  <a:schemeClr val="accent3">
-                    <a:lumMod val="60000"/>
-                    <a:lumOff val="40000"/>
-                  </a:schemeClr>
-                </a:solidFill>
-                <a:ln>
-                  <a:noFill/>
-                </a:ln>
-              </p:spPr>
-              <p:style>
-                <a:lnRef idx="2">
-                  <a:schemeClr val="accent1">
-                    <a:shade val="50000"/>
-                  </a:schemeClr>
-                </a:lnRef>
-                <a:fillRef idx="1">
-                  <a:schemeClr val="accent1"/>
-                </a:fillRef>
-                <a:effectRef idx="0">
-                  <a:schemeClr val="accent1"/>
-                </a:effectRef>
-                <a:fontRef idx="minor">
-                  <a:schemeClr val="lt1"/>
-                </a:fontRef>
-              </p:style>
-              <p:txBody>
-                <a:bodyPr rtlCol="0" anchor="ctr"/>
-                <a:lstStyle/>
-                <a:p>
-                  <a:pPr algn="ctr"/>
-                  <a:endParaRPr lang="es-ES"/>
-                </a:p>
-              </p:txBody>
-            </p:sp>
-            <p:pic>
-              <p:nvPicPr>
-                <p:cNvPr id="72" name="Imagen 71"/>
-                <p:cNvPicPr>
-                  <a:picLocks noChangeAspect="1"/>
-                </p:cNvPicPr>
-                <p:nvPr/>
-              </p:nvPicPr>
-              <p:blipFill>
-                <a:blip r:embed="rId2" cstate="print">
-                  <a:duotone>
-                    <a:schemeClr val="accent5">
-                      <a:shade val="45000"/>
-                      <a:satMod val="135000"/>
-                    </a:schemeClr>
-                    <a:prstClr val="white"/>
-                  </a:duotone>
-                  <a:extLst>
-                    <a:ext uri="{28A0092B-C50C-407E-A947-70E740481C1C}">
-                      <a14:useLocalDpi xmlns:a14="http://schemas.microsoft.com/office/drawing/2010/main" val="0"/>
-                    </a:ext>
-                  </a:extLst>
-                </a:blip>
-                <a:stretch>
-                  <a:fillRect/>
-                </a:stretch>
-              </p:blipFill>
-              <p:spPr>
-                <a:xfrm>
-                  <a:off x="9718030" y="-1965189"/>
-                  <a:ext cx="444124" cy="445566"/>
-                </a:xfrm>
-                <a:prstGeom prst="rect">
-                  <a:avLst/>
-                </a:prstGeom>
-              </p:spPr>
-            </p:pic>
-            <p:pic>
-              <p:nvPicPr>
-                <p:cNvPr id="74" name="Imagen 73"/>
-                <p:cNvPicPr>
-                  <a:picLocks noChangeAspect="1"/>
-                </p:cNvPicPr>
-                <p:nvPr/>
-              </p:nvPicPr>
-              <p:blipFill>
-                <a:blip r:embed="rId3" cstate="print">
-                  <a:extLst>
-                    <a:ext uri="{28A0092B-C50C-407E-A947-70E740481C1C}">
-                      <a14:useLocalDpi xmlns:a14="http://schemas.microsoft.com/office/drawing/2010/main" val="0"/>
-                    </a:ext>
-                  </a:extLst>
-                </a:blip>
-                <a:stretch>
-                  <a:fillRect/>
-                </a:stretch>
-              </p:blipFill>
-              <p:spPr>
-                <a:xfrm>
-                  <a:off x="9089582" y="-1990982"/>
-                  <a:ext cx="586509" cy="539588"/>
-                </a:xfrm>
-                <a:prstGeom prst="rect">
-                  <a:avLst/>
-                </a:prstGeom>
-              </p:spPr>
-            </p:pic>
-            <p:sp>
-              <p:nvSpPr>
-                <p:cNvPr id="18" name="CuadroTexto 17"/>
-                <p:cNvSpPr txBox="1"/>
-                <p:nvPr/>
-              </p:nvSpPr>
-              <p:spPr>
-                <a:xfrm>
-                  <a:off x="929313" y="2593501"/>
-                  <a:ext cx="1584408" cy="584775"/>
+                  <a:off x="7727656" y="5173015"/>
+                  <a:ext cx="1137299" cy="338554"/>
                 </a:xfrm>
                 <a:prstGeom prst="rect">
                   <a:avLst/>
@@ -6923,47 +8596,6 @@
                     </a:rPr>
                     <a:t>=0</a:t>
                   </a:r>
-                </a:p>
-                <a:p>
-                  <a:r>
-                    <a:rPr lang="es-ES" sz="1600" dirty="0" smtClean="0">
-                      <a:solidFill>
-                        <a:schemeClr val="tx1">
-                          <a:lumMod val="50000"/>
-                          <a:lumOff val="50000"/>
-                        </a:schemeClr>
-                      </a:solidFill>
-                      <a:latin typeface="+mj-lt"/>
-                      <a:cs typeface="Aharoni" panose="02010803020104030203" pitchFamily="2" charset="-79"/>
-                    </a:rPr>
-                    <a:t>$</a:t>
-                  </a:r>
-                  <a:r>
-                    <a:rPr lang="es-ES" sz="1600" dirty="0" err="1" smtClean="0">
-                      <a:solidFill>
-                        <a:schemeClr val="tx1">
-                          <a:lumMod val="50000"/>
-                          <a:lumOff val="50000"/>
-                        </a:schemeClr>
-                      </a:solidFill>
-                      <a:latin typeface="+mj-lt"/>
-                      <a:cs typeface="Aharoni" panose="02010803020104030203" pitchFamily="2" charset="-79"/>
-                    </a:rPr>
-                    <a:t>Summary</a:t>
-                  </a:r>
-                  <a:r>
-                    <a:rPr lang="es-ES" sz="1600" dirty="0" smtClean="0">
-                      <a:solidFill>
-                        <a:schemeClr val="tx1">
-                          <a:lumMod val="50000"/>
-                          <a:lumOff val="50000"/>
-                        </a:schemeClr>
-                      </a:solidFill>
-                      <a:latin typeface="+mj-lt"/>
-                      <a:cs typeface="Aharoni" panose="02010803020104030203" pitchFamily="2" charset="-79"/>
-                    </a:rPr>
-                    <a:t>=False</a:t>
-                  </a:r>
                   <a:endParaRPr lang="es-ES" sz="1600" dirty="0">
                     <a:solidFill>
                       <a:schemeClr val="tx1">
@@ -6977,1635 +8609,577 @@
                 </a:p>
               </p:txBody>
             </p:sp>
-            <p:sp>
-              <p:nvSpPr>
-                <p:cNvPr id="24" name="Decisión 23"/>
-                <p:cNvSpPr/>
-                <p:nvPr/>
-              </p:nvSpPr>
-              <p:spPr>
-                <a:xfrm>
-                  <a:off x="5712541" y="1771364"/>
-                  <a:ext cx="2222223" cy="1440673"/>
-                </a:xfrm>
-                <a:prstGeom prst="flowChartDecision">
-                  <a:avLst/>
-                </a:prstGeom>
-                <a:noFill/>
-                <a:ln w="38100">
-                  <a:solidFill>
-                    <a:srgbClr val="46DACC"/>
-                  </a:solidFill>
-                  <a:prstDash val="sysDot"/>
-                </a:ln>
-              </p:spPr>
-              <p:style>
-                <a:lnRef idx="2">
-                  <a:schemeClr val="accent1">
-                    <a:shade val="50000"/>
-                  </a:schemeClr>
-                </a:lnRef>
-                <a:fillRef idx="1">
-                  <a:schemeClr val="accent1"/>
-                </a:fillRef>
-                <a:effectRef idx="0">
-                  <a:schemeClr val="accent1"/>
-                </a:effectRef>
-                <a:fontRef idx="minor">
-                  <a:schemeClr val="lt1"/>
-                </a:fontRef>
-              </p:style>
-              <p:txBody>
-                <a:bodyPr lIns="0" tIns="0" rIns="0" bIns="0" rtlCol="0" anchor="ctr"/>
-                <a:lstStyle/>
-                <a:p>
-                  <a:pPr algn="ctr"/>
-                  <a:r>
-                    <a:rPr lang="es-ES" sz="1200" dirty="0" smtClean="0">
-                      <a:solidFill>
-                        <a:schemeClr val="tx1">
-                          <a:lumMod val="65000"/>
-                          <a:lumOff val="35000"/>
-                        </a:schemeClr>
-                      </a:solidFill>
-                      <a:latin typeface="Arial Rounded MT Bold" panose="020F0704030504030204" pitchFamily="34" charset="0"/>
-                    </a:rPr>
-                    <a:t>CHECK</a:t>
-                  </a:r>
-                </a:p>
-                <a:p>
-                  <a:pPr algn="ctr"/>
-                  <a:r>
-                    <a:rPr lang="es-ES" sz="1200" dirty="0" smtClean="0">
-                      <a:solidFill>
-                        <a:schemeClr val="tx1">
-                          <a:lumMod val="65000"/>
-                          <a:lumOff val="35000"/>
-                        </a:schemeClr>
-                      </a:solidFill>
-                      <a:latin typeface="Arial Rounded MT Bold" panose="020F0704030504030204" pitchFamily="34" charset="0"/>
-                    </a:rPr>
-                    <a:t>@RESPONSE_</a:t>
-                  </a:r>
-                </a:p>
-                <a:p>
-                  <a:pPr algn="ctr"/>
-                  <a:r>
-                    <a:rPr lang="es-ES" sz="1200" dirty="0" smtClean="0">
-                      <a:solidFill>
-                        <a:schemeClr val="tx1">
-                          <a:lumMod val="65000"/>
-                          <a:lumOff val="35000"/>
-                        </a:schemeClr>
-                      </a:solidFill>
-                      <a:latin typeface="Arial Rounded MT Bold" panose="020F0704030504030204" pitchFamily="34" charset="0"/>
-                    </a:rPr>
-                    <a:t>TYPES</a:t>
-                  </a:r>
-                  <a:endParaRPr lang="es-ES" sz="1200" dirty="0">
-                    <a:solidFill>
-                      <a:schemeClr val="tx1">
-                        <a:lumMod val="65000"/>
-                        <a:lumOff val="35000"/>
-                      </a:schemeClr>
-                    </a:solidFill>
-                    <a:latin typeface="Arial Rounded MT Bold" panose="020F0704030504030204" pitchFamily="34" charset="0"/>
-                  </a:endParaRPr>
-                </a:p>
-              </p:txBody>
-            </p:sp>
-            <p:sp>
-              <p:nvSpPr>
-                <p:cNvPr id="26" name="Elipse 25"/>
-                <p:cNvSpPr/>
-                <p:nvPr/>
-              </p:nvSpPr>
-              <p:spPr>
-                <a:xfrm>
-                  <a:off x="-3277103" y="1987700"/>
-                  <a:ext cx="1260000" cy="1008000"/>
-                </a:xfrm>
-                <a:prstGeom prst="ellipse">
-                  <a:avLst/>
-                </a:prstGeom>
-                <a:noFill/>
-                <a:ln w="76200">
-                  <a:solidFill>
-                    <a:srgbClr val="46DACC"/>
-                  </a:solidFill>
-                </a:ln>
-              </p:spPr>
-              <p:style>
-                <a:lnRef idx="2">
-                  <a:schemeClr val="accent1">
-                    <a:shade val="50000"/>
-                  </a:schemeClr>
-                </a:lnRef>
-                <a:fillRef idx="1">
-                  <a:schemeClr val="accent1"/>
-                </a:fillRef>
-                <a:effectRef idx="0">
-                  <a:schemeClr val="accent1"/>
-                </a:effectRef>
-                <a:fontRef idx="minor">
-                  <a:schemeClr val="lt1"/>
-                </a:fontRef>
-              </p:style>
-              <p:txBody>
-                <a:bodyPr lIns="0" tIns="0" rIns="0" bIns="0" rtlCol="0" anchor="ctr"/>
-                <a:lstStyle/>
-                <a:p>
-                  <a:pPr algn="ctr"/>
-                  <a:r>
-                    <a:rPr lang="es-ES" sz="1600" dirty="0" smtClean="0">
-                      <a:solidFill>
-                        <a:schemeClr val="tx1">
-                          <a:lumMod val="75000"/>
-                          <a:lumOff val="25000"/>
-                        </a:schemeClr>
-                      </a:solidFill>
-                      <a:latin typeface="Arial Rounded MT Bold" panose="020F0704030504030204" pitchFamily="34" charset="0"/>
-                    </a:rPr>
-                    <a:t>START</a:t>
-                  </a:r>
-                  <a:endParaRPr lang="es-ES" sz="1200" dirty="0">
-                    <a:solidFill>
-                      <a:schemeClr val="tx1">
-                        <a:lumMod val="75000"/>
-                        <a:lumOff val="25000"/>
-                      </a:schemeClr>
-                    </a:solidFill>
-                    <a:latin typeface="Arial Rounded MT Bold" panose="020F0704030504030204" pitchFamily="34" charset="0"/>
-                  </a:endParaRPr>
-                </a:p>
-              </p:txBody>
-            </p:sp>
-            <p:sp>
-              <p:nvSpPr>
-                <p:cNvPr id="28" name="Elipse 27"/>
-                <p:cNvSpPr/>
-                <p:nvPr/>
-              </p:nvSpPr>
-              <p:spPr>
-                <a:xfrm>
-                  <a:off x="13260244" y="1966578"/>
-                  <a:ext cx="1260000" cy="1008823"/>
-                </a:xfrm>
-                <a:prstGeom prst="ellipse">
-                  <a:avLst/>
-                </a:prstGeom>
-                <a:noFill/>
-                <a:ln w="76200">
-                  <a:solidFill>
-                    <a:srgbClr val="46DACC"/>
-                  </a:solidFill>
-                </a:ln>
-              </p:spPr>
-              <p:style>
-                <a:lnRef idx="2">
-                  <a:schemeClr val="accent1">
-                    <a:shade val="50000"/>
-                  </a:schemeClr>
-                </a:lnRef>
-                <a:fillRef idx="1">
-                  <a:schemeClr val="accent1"/>
-                </a:fillRef>
-                <a:effectRef idx="0">
-                  <a:schemeClr val="accent1"/>
-                </a:effectRef>
-                <a:fontRef idx="minor">
-                  <a:schemeClr val="lt1"/>
-                </a:fontRef>
-              </p:style>
-              <p:txBody>
-                <a:bodyPr lIns="0" tIns="0" rIns="0" bIns="0" rtlCol="0" anchor="ctr"/>
-                <a:lstStyle/>
-                <a:p>
-                  <a:pPr algn="ctr"/>
-                  <a:r>
-                    <a:rPr lang="es-ES" sz="1600" dirty="0" smtClean="0">
-                      <a:solidFill>
-                        <a:schemeClr val="tx1">
-                          <a:lumMod val="75000"/>
-                          <a:lumOff val="25000"/>
-                        </a:schemeClr>
-                      </a:solidFill>
-                      <a:latin typeface="Arial Rounded MT Bold" panose="020F0704030504030204" pitchFamily="34" charset="0"/>
-                    </a:rPr>
-                    <a:t>END</a:t>
-                  </a:r>
-                  <a:endParaRPr lang="es-ES" sz="1200" dirty="0">
-                    <a:solidFill>
-                      <a:schemeClr val="tx1">
-                        <a:lumMod val="75000"/>
-                        <a:lumOff val="25000"/>
-                      </a:schemeClr>
-                    </a:solidFill>
-                    <a:latin typeface="Arial Rounded MT Bold" panose="020F0704030504030204" pitchFamily="34" charset="0"/>
-                  </a:endParaRPr>
-                </a:p>
-              </p:txBody>
-            </p:sp>
-            <p:cxnSp>
-              <p:nvCxnSpPr>
-                <p:cNvPr id="36" name="Conector recto de flecha 35"/>
-                <p:cNvCxnSpPr>
-                  <a:stCxn id="24" idx="2"/>
-                  <a:endCxn id="44" idx="0"/>
-                </p:cNvCxnSpPr>
-                <p:nvPr/>
-              </p:nvCxnSpPr>
-              <p:spPr>
-                <a:xfrm>
-                  <a:off x="6823653" y="3212037"/>
-                  <a:ext cx="0" cy="1134956"/>
-                </a:xfrm>
-                <a:prstGeom prst="straightConnector1">
-                  <a:avLst/>
-                </a:prstGeom>
-                <a:ln w="28575">
-                  <a:solidFill>
-                    <a:srgbClr val="7240F0"/>
-                  </a:solidFill>
-                  <a:tailEnd type="triangle" w="lg" len="lg"/>
-                </a:ln>
-              </p:spPr>
-              <p:style>
-                <a:lnRef idx="1">
-                  <a:schemeClr val="accent1"/>
-                </a:lnRef>
-                <a:fillRef idx="0">
-                  <a:schemeClr val="accent1"/>
-                </a:fillRef>
-                <a:effectRef idx="0">
-                  <a:schemeClr val="accent1"/>
-                </a:effectRef>
-                <a:fontRef idx="minor">
-                  <a:schemeClr val="tx1"/>
-                </a:fontRef>
-              </p:style>
-            </p:cxnSp>
-            <p:sp>
-              <p:nvSpPr>
-                <p:cNvPr id="37" name="CuadroTexto 36"/>
-                <p:cNvSpPr txBox="1"/>
-                <p:nvPr/>
-              </p:nvSpPr>
-              <p:spPr>
-                <a:xfrm>
-                  <a:off x="6931077" y="3321311"/>
-                  <a:ext cx="1055545" cy="369332"/>
-                </a:xfrm>
-                <a:prstGeom prst="rect">
-                  <a:avLst/>
-                </a:prstGeom>
-                <a:noFill/>
-              </p:spPr>
-              <p:txBody>
-                <a:bodyPr wrap="none" rtlCol="0">
-                  <a:spAutoFit/>
-                </a:bodyPr>
-                <a:lstStyle/>
-                <a:p>
-                  <a:r>
-                    <a:rPr lang="es-ES" b="1" dirty="0" err="1" smtClean="0">
-                      <a:solidFill>
-                        <a:srgbClr val="FF3300"/>
-                      </a:solidFill>
-                      <a:latin typeface="+mj-lt"/>
-                      <a:cs typeface="Aharoni" panose="02010803020104030203" pitchFamily="2" charset="-79"/>
-                    </a:rPr>
-                    <a:t>Unknown</a:t>
-                  </a:r>
-                  <a:endParaRPr lang="es-ES" b="1" dirty="0">
-                    <a:solidFill>
-                      <a:srgbClr val="FF3300"/>
-                    </a:solidFill>
-                    <a:latin typeface="+mj-lt"/>
-                    <a:cs typeface="Aharoni" panose="02010803020104030203" pitchFamily="2" charset="-79"/>
-                  </a:endParaRPr>
-                </a:p>
-              </p:txBody>
-            </p:sp>
-            <p:sp>
-              <p:nvSpPr>
-                <p:cNvPr id="38" name="CuadroTexto 37"/>
-                <p:cNvSpPr txBox="1"/>
-                <p:nvPr/>
-              </p:nvSpPr>
-              <p:spPr>
-                <a:xfrm>
-                  <a:off x="6355040" y="1378743"/>
-                  <a:ext cx="475643" cy="369332"/>
-                </a:xfrm>
-                <a:prstGeom prst="rect">
-                  <a:avLst/>
-                </a:prstGeom>
-                <a:noFill/>
-              </p:spPr>
-              <p:txBody>
-                <a:bodyPr wrap="none" rtlCol="0">
-                  <a:spAutoFit/>
-                </a:bodyPr>
-                <a:lstStyle/>
-                <a:p>
-                  <a:r>
-                    <a:rPr lang="es-ES" b="1" dirty="0" smtClean="0">
-                      <a:solidFill>
-                        <a:srgbClr val="FF3300"/>
-                      </a:solidFill>
-                      <a:latin typeface="+mj-lt"/>
-                      <a:cs typeface="Aharoni" panose="02010803020104030203" pitchFamily="2" charset="-79"/>
-                    </a:rPr>
-                    <a:t>Yes</a:t>
-                  </a:r>
-                  <a:endParaRPr lang="es-ES" b="1" dirty="0">
-                    <a:solidFill>
-                      <a:srgbClr val="FF3300"/>
-                    </a:solidFill>
-                    <a:latin typeface="+mj-lt"/>
-                    <a:cs typeface="Aharoni" panose="02010803020104030203" pitchFamily="2" charset="-79"/>
-                  </a:endParaRPr>
-                </a:p>
-              </p:txBody>
-            </p:sp>
-            <p:cxnSp>
-              <p:nvCxnSpPr>
-                <p:cNvPr id="39" name="Conector recto de flecha 38"/>
-                <p:cNvCxnSpPr>
-                  <a:stCxn id="24" idx="3"/>
-                  <a:endCxn id="77" idx="1"/>
-                </p:cNvCxnSpPr>
-                <p:nvPr/>
-              </p:nvCxnSpPr>
-              <p:spPr>
-                <a:xfrm flipV="1">
-                  <a:off x="7934764" y="2491208"/>
-                  <a:ext cx="2742048" cy="493"/>
-                </a:xfrm>
-                <a:prstGeom prst="straightConnector1">
-                  <a:avLst/>
-                </a:prstGeom>
-                <a:ln w="28575">
-                  <a:solidFill>
-                    <a:srgbClr val="7240F0"/>
-                  </a:solidFill>
-                  <a:tailEnd type="triangle" w="lg" len="lg"/>
-                </a:ln>
-              </p:spPr>
-              <p:style>
-                <a:lnRef idx="1">
-                  <a:schemeClr val="accent1"/>
-                </a:lnRef>
-                <a:fillRef idx="0">
-                  <a:schemeClr val="accent1"/>
-                </a:fillRef>
-                <a:effectRef idx="0">
-                  <a:schemeClr val="accent1"/>
-                </a:effectRef>
-                <a:fontRef idx="minor">
-                  <a:schemeClr val="tx1"/>
-                </a:fontRef>
-              </p:style>
-            </p:cxnSp>
-            <p:cxnSp>
-              <p:nvCxnSpPr>
-                <p:cNvPr id="57" name="Conector recto de flecha 56"/>
-                <p:cNvCxnSpPr>
-                  <a:stCxn id="7" idx="3"/>
-                </p:cNvCxnSpPr>
-                <p:nvPr/>
-              </p:nvCxnSpPr>
-              <p:spPr>
-                <a:xfrm flipV="1">
-                  <a:off x="10392525" y="188204"/>
-                  <a:ext cx="3443215" cy="19696"/>
-                </a:xfrm>
-                <a:prstGeom prst="straightConnector1">
-                  <a:avLst/>
-                </a:prstGeom>
-                <a:ln w="28575">
-                  <a:solidFill>
-                    <a:srgbClr val="7240F0"/>
-                  </a:solidFill>
-                  <a:tailEnd type="triangle" w="lg" len="lg"/>
-                </a:ln>
-              </p:spPr>
-              <p:style>
-                <a:lnRef idx="1">
-                  <a:schemeClr val="accent1"/>
-                </a:lnRef>
-                <a:fillRef idx="0">
-                  <a:schemeClr val="accent1"/>
-                </a:fillRef>
-                <a:effectRef idx="0">
-                  <a:schemeClr val="accent1"/>
-                </a:effectRef>
-                <a:fontRef idx="minor">
-                  <a:schemeClr val="tx1"/>
-                </a:fontRef>
-              </p:style>
-            </p:cxnSp>
-            <p:sp>
-              <p:nvSpPr>
-                <p:cNvPr id="92" name="Rectángulo redondeado 91"/>
-                <p:cNvSpPr/>
-                <p:nvPr/>
-              </p:nvSpPr>
-              <p:spPr>
-                <a:xfrm>
-                  <a:off x="-1612232" y="-802159"/>
-                  <a:ext cx="14076949" cy="1804437"/>
-                </a:xfrm>
-                <a:prstGeom prst="roundRect">
-                  <a:avLst>
-                    <a:gd name="adj" fmla="val 3452"/>
-                  </a:avLst>
-                </a:prstGeom>
-                <a:noFill/>
-                <a:ln>
-                  <a:solidFill>
-                    <a:schemeClr val="bg1">
-                      <a:lumMod val="75000"/>
-                    </a:schemeClr>
-                  </a:solidFill>
-                  <a:prstDash val="sysDash"/>
-                </a:ln>
-              </p:spPr>
-              <p:style>
-                <a:lnRef idx="2">
-                  <a:schemeClr val="accent1">
-                    <a:shade val="50000"/>
-                  </a:schemeClr>
-                </a:lnRef>
-                <a:fillRef idx="1">
-                  <a:schemeClr val="accent1"/>
-                </a:fillRef>
-                <a:effectRef idx="0">
-                  <a:schemeClr val="accent1"/>
-                </a:effectRef>
-                <a:fontRef idx="minor">
-                  <a:schemeClr val="lt1"/>
-                </a:fontRef>
-              </p:style>
-              <p:txBody>
-                <a:bodyPr rtlCol="0" anchor="ctr"/>
-                <a:lstStyle/>
-                <a:p>
-                  <a:pPr algn="ctr"/>
-                  <a:endParaRPr lang="es-ES"/>
-                </a:p>
-              </p:txBody>
-            </p:sp>
-            <p:sp>
-              <p:nvSpPr>
-                <p:cNvPr id="93" name="CuadroTexto 92"/>
-                <p:cNvSpPr txBox="1"/>
-                <p:nvPr/>
-              </p:nvSpPr>
-              <p:spPr>
-                <a:xfrm>
-                  <a:off x="-1293089" y="6100379"/>
-                  <a:ext cx="3039200" cy="338554"/>
-                </a:xfrm>
-                <a:prstGeom prst="rect">
-                  <a:avLst/>
-                </a:prstGeom>
-                <a:noFill/>
-              </p:spPr>
-              <p:txBody>
-                <a:bodyPr wrap="square" rtlCol="0">
-                  <a:spAutoFit/>
-                </a:bodyPr>
-                <a:lstStyle/>
-                <a:p>
-                  <a:r>
-                    <a:rPr lang="es-ES" sz="1600" b="1" dirty="0" smtClean="0">
-                      <a:solidFill>
-                        <a:schemeClr val="tx1">
-                          <a:lumMod val="50000"/>
-                          <a:lumOff val="50000"/>
-                        </a:schemeClr>
-                      </a:solidFill>
-                      <a:latin typeface="Arial Rounded MT Bold" panose="020F0704030504030204" pitchFamily="34" charset="0"/>
-                      <a:cs typeface="Aharoni" panose="02010803020104030203" pitchFamily="2" charset="-79"/>
-                    </a:rPr>
-                    <a:t>WATSON CONVERSATION</a:t>
-                  </a:r>
-                  <a:endParaRPr lang="es-ES" sz="1600" b="1" dirty="0">
-                    <a:solidFill>
-                      <a:schemeClr val="tx1">
-                        <a:lumMod val="50000"/>
-                        <a:lumOff val="50000"/>
-                      </a:schemeClr>
-                    </a:solidFill>
-                    <a:latin typeface="Arial Rounded MT Bold" panose="020F0704030504030204" pitchFamily="34" charset="0"/>
-                    <a:cs typeface="Aharoni" panose="02010803020104030203" pitchFamily="2" charset="-79"/>
-                  </a:endParaRPr>
-                </a:p>
-              </p:txBody>
-            </p:sp>
-            <p:sp>
-              <p:nvSpPr>
-                <p:cNvPr id="98" name="Rectángulo redondeado 97"/>
-                <p:cNvSpPr/>
-                <p:nvPr/>
-              </p:nvSpPr>
-              <p:spPr>
-                <a:xfrm>
-                  <a:off x="-1612232" y="1279632"/>
-                  <a:ext cx="14076949" cy="5377842"/>
-                </a:xfrm>
-                <a:prstGeom prst="roundRect">
-                  <a:avLst>
-                    <a:gd name="adj" fmla="val 3452"/>
-                  </a:avLst>
-                </a:prstGeom>
-                <a:noFill/>
-                <a:ln>
-                  <a:solidFill>
-                    <a:schemeClr val="bg1">
-                      <a:lumMod val="75000"/>
-                    </a:schemeClr>
-                  </a:solidFill>
-                  <a:prstDash val="sysDash"/>
-                </a:ln>
-              </p:spPr>
-              <p:style>
-                <a:lnRef idx="2">
-                  <a:schemeClr val="accent1">
-                    <a:shade val="50000"/>
-                  </a:schemeClr>
-                </a:lnRef>
-                <a:fillRef idx="1">
-                  <a:schemeClr val="accent1"/>
-                </a:fillRef>
-                <a:effectRef idx="0">
-                  <a:schemeClr val="accent1"/>
-                </a:effectRef>
-                <a:fontRef idx="minor">
-                  <a:schemeClr val="lt1"/>
-                </a:fontRef>
-              </p:style>
-              <p:txBody>
-                <a:bodyPr rtlCol="0" anchor="ctr"/>
-                <a:lstStyle/>
-                <a:p>
-                  <a:pPr algn="ctr"/>
-                  <a:endParaRPr lang="es-ES"/>
-                </a:p>
-              </p:txBody>
-            </p:sp>
-            <p:sp>
-              <p:nvSpPr>
-                <p:cNvPr id="99" name="CuadroTexto 98"/>
-                <p:cNvSpPr txBox="1"/>
-                <p:nvPr/>
-              </p:nvSpPr>
-              <p:spPr>
-                <a:xfrm>
-                  <a:off x="-1265076" y="-603844"/>
-                  <a:ext cx="2983174" cy="338554"/>
-                </a:xfrm>
-                <a:prstGeom prst="rect">
-                  <a:avLst/>
-                </a:prstGeom>
-                <a:noFill/>
-              </p:spPr>
-              <p:txBody>
-                <a:bodyPr wrap="square" rtlCol="0">
-                  <a:spAutoFit/>
-                </a:bodyPr>
-                <a:lstStyle/>
-                <a:p>
-                  <a:r>
-                    <a:rPr lang="es-ES" sz="1600" b="1" dirty="0" smtClean="0">
-                      <a:solidFill>
-                        <a:schemeClr val="tx1">
-                          <a:lumMod val="50000"/>
-                          <a:lumOff val="50000"/>
-                        </a:schemeClr>
-                      </a:solidFill>
-                      <a:latin typeface="Arial Rounded MT Bold" panose="020F0704030504030204" pitchFamily="34" charset="0"/>
-                      <a:cs typeface="Aharoni" panose="02010803020104030203" pitchFamily="2" charset="-79"/>
-                    </a:rPr>
-                    <a:t>ORCHESTRATION ENGINE</a:t>
-                  </a:r>
-                  <a:endParaRPr lang="es-ES" sz="1600" b="1" dirty="0">
-                    <a:solidFill>
-                      <a:schemeClr val="tx1">
-                        <a:lumMod val="50000"/>
-                        <a:lumOff val="50000"/>
-                      </a:schemeClr>
-                    </a:solidFill>
-                    <a:latin typeface="Arial Rounded MT Bold" panose="020F0704030504030204" pitchFamily="34" charset="0"/>
-                    <a:cs typeface="Aharoni" panose="02010803020104030203" pitchFamily="2" charset="-79"/>
-                  </a:endParaRPr>
-                </a:p>
-              </p:txBody>
-            </p:sp>
-            <p:cxnSp>
-              <p:nvCxnSpPr>
-                <p:cNvPr id="34" name="Conector recto de flecha 33"/>
-                <p:cNvCxnSpPr/>
-                <p:nvPr/>
-              </p:nvCxnSpPr>
-              <p:spPr>
-                <a:xfrm flipH="1" flipV="1">
-                  <a:off x="2812129" y="2501036"/>
-                  <a:ext cx="4490" cy="2589329"/>
-                </a:xfrm>
-                <a:prstGeom prst="straightConnector1">
-                  <a:avLst/>
-                </a:prstGeom>
-                <a:ln w="28575">
-                  <a:solidFill>
-                    <a:srgbClr val="7240F0"/>
-                  </a:solidFill>
-                  <a:tailEnd type="triangle" w="lg" len="lg"/>
-                </a:ln>
-              </p:spPr>
-              <p:style>
-                <a:lnRef idx="1">
-                  <a:schemeClr val="accent1"/>
-                </a:lnRef>
-                <a:fillRef idx="0">
-                  <a:schemeClr val="accent1"/>
-                </a:fillRef>
-                <a:effectRef idx="0">
-                  <a:schemeClr val="accent1"/>
-                </a:effectRef>
-                <a:fontRef idx="minor">
-                  <a:schemeClr val="tx1"/>
-                </a:fontRef>
-              </p:style>
-            </p:cxnSp>
-            <p:cxnSp>
-              <p:nvCxnSpPr>
-                <p:cNvPr id="40" name="Conector recto de flecha 39"/>
-                <p:cNvCxnSpPr>
-                  <a:stCxn id="44" idx="1"/>
-                </p:cNvCxnSpPr>
-                <p:nvPr/>
-              </p:nvCxnSpPr>
-              <p:spPr>
-                <a:xfrm flipH="1">
-                  <a:off x="2812129" y="5090366"/>
-                  <a:ext cx="3063281" cy="9335"/>
-                </a:xfrm>
-                <a:prstGeom prst="straightConnector1">
-                  <a:avLst/>
-                </a:prstGeom>
-                <a:ln w="28575">
-                  <a:solidFill>
-                    <a:srgbClr val="7240F0"/>
-                  </a:solidFill>
-                  <a:tailEnd type="triangle" w="lg" len="lg"/>
-                </a:ln>
-              </p:spPr>
-              <p:style>
-                <a:lnRef idx="1">
-                  <a:schemeClr val="accent1"/>
-                </a:lnRef>
-                <a:fillRef idx="0">
-                  <a:schemeClr val="accent1"/>
-                </a:fillRef>
-                <a:effectRef idx="0">
-                  <a:schemeClr val="accent1"/>
-                </a:effectRef>
-                <a:fontRef idx="minor">
-                  <a:schemeClr val="tx1"/>
-                </a:fontRef>
-              </p:style>
-            </p:cxnSp>
-            <p:cxnSp>
-              <p:nvCxnSpPr>
-                <p:cNvPr id="41" name="Conector recto de flecha 40"/>
-                <p:cNvCxnSpPr/>
-                <p:nvPr/>
-              </p:nvCxnSpPr>
-              <p:spPr>
-                <a:xfrm flipH="1" flipV="1">
-                  <a:off x="6823653" y="205947"/>
-                  <a:ext cx="7030" cy="1565417"/>
-                </a:xfrm>
-                <a:prstGeom prst="straightConnector1">
-                  <a:avLst/>
-                </a:prstGeom>
-                <a:ln w="28575">
-                  <a:solidFill>
-                    <a:srgbClr val="7240F0"/>
-                  </a:solidFill>
-                  <a:tailEnd type="triangle" w="lg" len="lg"/>
-                </a:ln>
-              </p:spPr>
-              <p:style>
-                <a:lnRef idx="1">
-                  <a:schemeClr val="accent1"/>
-                </a:lnRef>
-                <a:fillRef idx="0">
-                  <a:schemeClr val="accent1"/>
-                </a:fillRef>
-                <a:effectRef idx="0">
-                  <a:schemeClr val="accent1"/>
-                </a:effectRef>
-                <a:fontRef idx="minor">
-                  <a:schemeClr val="tx1"/>
-                </a:fontRef>
-              </p:style>
-            </p:cxnSp>
-            <p:sp>
-              <p:nvSpPr>
-                <p:cNvPr id="44" name="Decisión 43"/>
-                <p:cNvSpPr/>
-                <p:nvPr/>
-              </p:nvSpPr>
-              <p:spPr>
-                <a:xfrm>
-                  <a:off x="5875410" y="4346993"/>
-                  <a:ext cx="1896485" cy="1486745"/>
-                </a:xfrm>
-                <a:prstGeom prst="flowChartDecision">
-                  <a:avLst/>
-                </a:prstGeom>
-                <a:noFill/>
-                <a:ln w="38100">
-                  <a:solidFill>
-                    <a:srgbClr val="46DACC"/>
-                  </a:solidFill>
-                  <a:prstDash val="sysDot"/>
-                </a:ln>
-              </p:spPr>
-              <p:style>
-                <a:lnRef idx="2">
-                  <a:schemeClr val="accent1">
-                    <a:shade val="50000"/>
-                  </a:schemeClr>
-                </a:lnRef>
-                <a:fillRef idx="1">
-                  <a:schemeClr val="accent1"/>
-                </a:fillRef>
-                <a:effectRef idx="0">
-                  <a:schemeClr val="accent1"/>
-                </a:effectRef>
-                <a:fontRef idx="minor">
-                  <a:schemeClr val="lt1"/>
-                </a:fontRef>
-              </p:style>
-              <p:txBody>
-                <a:bodyPr lIns="0" tIns="0" rIns="0" bIns="0" rtlCol="0" anchor="ctr"/>
-                <a:lstStyle/>
-                <a:p>
-                  <a:pPr algn="ctr"/>
-                  <a:r>
-                    <a:rPr lang="es-ES" sz="1200" dirty="0" smtClean="0">
-                      <a:solidFill>
-                        <a:schemeClr val="tx1">
-                          <a:lumMod val="65000"/>
-                          <a:lumOff val="35000"/>
-                        </a:schemeClr>
-                      </a:solidFill>
-                      <a:latin typeface="Arial Rounded MT Bold" panose="020F0704030504030204" pitchFamily="34" charset="0"/>
-                    </a:rPr>
-                    <a:t>FIRST </a:t>
-                  </a:r>
-                </a:p>
-                <a:p>
-                  <a:pPr algn="ctr"/>
-                  <a:r>
-                    <a:rPr lang="es-ES" sz="1200" dirty="0" smtClean="0">
-                      <a:solidFill>
-                        <a:schemeClr val="tx1">
-                          <a:lumMod val="65000"/>
-                          <a:lumOff val="35000"/>
-                        </a:schemeClr>
-                      </a:solidFill>
-                      <a:latin typeface="Arial Rounded MT Bold" panose="020F0704030504030204" pitchFamily="34" charset="0"/>
-                    </a:rPr>
-                    <a:t>TIME</a:t>
-                  </a:r>
-                  <a:endParaRPr lang="es-ES" sz="1200" dirty="0">
-                    <a:solidFill>
-                      <a:schemeClr val="tx1">
-                        <a:lumMod val="65000"/>
-                        <a:lumOff val="35000"/>
-                      </a:schemeClr>
-                    </a:solidFill>
-                    <a:latin typeface="Arial Rounded MT Bold" panose="020F0704030504030204" pitchFamily="34" charset="0"/>
-                  </a:endParaRPr>
-                </a:p>
-              </p:txBody>
-            </p:sp>
-            <p:sp>
-              <p:nvSpPr>
-                <p:cNvPr id="56" name="CuadroTexto 55"/>
-                <p:cNvSpPr txBox="1"/>
-                <p:nvPr/>
-              </p:nvSpPr>
-              <p:spPr>
-                <a:xfrm>
-                  <a:off x="7850178" y="2060626"/>
-                  <a:ext cx="1524585" cy="369332"/>
-                </a:xfrm>
-                <a:prstGeom prst="rect">
-                  <a:avLst/>
-                </a:prstGeom>
-                <a:noFill/>
-              </p:spPr>
-              <p:txBody>
-                <a:bodyPr wrap="none" rtlCol="0">
-                  <a:spAutoFit/>
-                </a:bodyPr>
-                <a:lstStyle/>
-                <a:p>
-                  <a:r>
-                    <a:rPr lang="es-ES" b="1" dirty="0" smtClean="0">
-                      <a:solidFill>
-                        <a:srgbClr val="FF3300"/>
-                      </a:solidFill>
-                      <a:latin typeface="+mj-lt"/>
-                      <a:cs typeface="Aharoni" panose="02010803020104030203" pitchFamily="2" charset="-79"/>
-                    </a:rPr>
-                    <a:t>No / </a:t>
-                  </a:r>
-                  <a:r>
-                    <a:rPr lang="es-ES" b="1" dirty="0" err="1" smtClean="0">
-                      <a:solidFill>
-                        <a:srgbClr val="FF3300"/>
-                      </a:solidFill>
-                      <a:latin typeface="+mj-lt"/>
-                      <a:cs typeface="Aharoni" panose="02010803020104030203" pitchFamily="2" charset="-79"/>
-                    </a:rPr>
-                    <a:t>Uncertain</a:t>
-                  </a:r>
-                  <a:endParaRPr lang="es-ES" b="1" dirty="0">
-                    <a:solidFill>
-                      <a:srgbClr val="FF3300"/>
-                    </a:solidFill>
-                    <a:latin typeface="+mj-lt"/>
-                    <a:cs typeface="Aharoni" panose="02010803020104030203" pitchFamily="2" charset="-79"/>
-                  </a:endParaRPr>
-                </a:p>
-              </p:txBody>
-            </p:sp>
-            <p:sp>
-              <p:nvSpPr>
-                <p:cNvPr id="86" name="CuadroTexto 85"/>
-                <p:cNvSpPr txBox="1"/>
-                <p:nvPr/>
-              </p:nvSpPr>
-              <p:spPr>
-                <a:xfrm>
-                  <a:off x="5357828" y="4669276"/>
-                  <a:ext cx="475643" cy="369332"/>
-                </a:xfrm>
-                <a:prstGeom prst="rect">
-                  <a:avLst/>
-                </a:prstGeom>
-                <a:noFill/>
-              </p:spPr>
-              <p:txBody>
-                <a:bodyPr wrap="none" rtlCol="0">
-                  <a:spAutoFit/>
-                </a:bodyPr>
-                <a:lstStyle/>
-                <a:p>
-                  <a:r>
-                    <a:rPr lang="es-ES" b="1" dirty="0" smtClean="0">
-                      <a:solidFill>
-                        <a:srgbClr val="FF3300"/>
-                      </a:solidFill>
-                      <a:latin typeface="+mj-lt"/>
-                      <a:cs typeface="Aharoni" panose="02010803020104030203" pitchFamily="2" charset="-79"/>
-                    </a:rPr>
-                    <a:t>Yes</a:t>
-                  </a:r>
-                  <a:endParaRPr lang="es-ES" b="1" dirty="0">
-                    <a:solidFill>
-                      <a:srgbClr val="FF3300"/>
-                    </a:solidFill>
-                    <a:latin typeface="+mj-lt"/>
-                    <a:cs typeface="Aharoni" panose="02010803020104030203" pitchFamily="2" charset="-79"/>
-                  </a:endParaRPr>
-                </a:p>
-              </p:txBody>
-            </p:sp>
-            <p:sp>
-              <p:nvSpPr>
-                <p:cNvPr id="87" name="CuadroTexto 86"/>
-                <p:cNvSpPr txBox="1"/>
-                <p:nvPr/>
-              </p:nvSpPr>
-              <p:spPr>
-                <a:xfrm>
-                  <a:off x="7735912" y="4705793"/>
-                  <a:ext cx="501419" cy="369332"/>
-                </a:xfrm>
-                <a:prstGeom prst="rect">
-                  <a:avLst/>
-                </a:prstGeom>
-                <a:noFill/>
-              </p:spPr>
-              <p:txBody>
-                <a:bodyPr wrap="square" rtlCol="0">
-                  <a:spAutoFit/>
-                </a:bodyPr>
-                <a:lstStyle/>
-                <a:p>
-                  <a:r>
-                    <a:rPr lang="es-ES" b="1" dirty="0" smtClean="0">
-                      <a:solidFill>
-                        <a:srgbClr val="FF3300"/>
-                      </a:solidFill>
-                      <a:latin typeface="+mj-lt"/>
-                      <a:cs typeface="Aharoni" panose="02010803020104030203" pitchFamily="2" charset="-79"/>
-                    </a:rPr>
-                    <a:t>No</a:t>
-                  </a:r>
-                  <a:endParaRPr lang="es-ES" b="1" dirty="0">
-                    <a:solidFill>
-                      <a:srgbClr val="FF3300"/>
-                    </a:solidFill>
-                    <a:latin typeface="+mj-lt"/>
-                    <a:cs typeface="Aharoni" panose="02010803020104030203" pitchFamily="2" charset="-79"/>
-                  </a:endParaRPr>
-                </a:p>
-              </p:txBody>
-            </p:sp>
-            <p:cxnSp>
-              <p:nvCxnSpPr>
-                <p:cNvPr id="91" name="Conector recto de flecha 90"/>
-                <p:cNvCxnSpPr>
-                  <a:endCxn id="77" idx="2"/>
-                </p:cNvCxnSpPr>
-                <p:nvPr/>
-              </p:nvCxnSpPr>
-              <p:spPr>
-                <a:xfrm flipV="1">
-                  <a:off x="11273628" y="2824951"/>
-                  <a:ext cx="1" cy="2250174"/>
-                </a:xfrm>
-                <a:prstGeom prst="straightConnector1">
-                  <a:avLst/>
-                </a:prstGeom>
-                <a:ln w="28575">
-                  <a:solidFill>
-                    <a:srgbClr val="7240F0"/>
-                  </a:solidFill>
-                  <a:tailEnd type="triangle" w="lg" len="lg"/>
-                </a:ln>
-              </p:spPr>
-              <p:style>
-                <a:lnRef idx="1">
-                  <a:schemeClr val="accent1"/>
-                </a:lnRef>
-                <a:fillRef idx="0">
-                  <a:schemeClr val="accent1"/>
-                </a:fillRef>
-                <a:effectRef idx="0">
-                  <a:schemeClr val="accent1"/>
-                </a:effectRef>
-                <a:fontRef idx="minor">
-                  <a:schemeClr val="tx1"/>
-                </a:fontRef>
-              </p:style>
-            </p:cxnSp>
-            <p:sp>
-              <p:nvSpPr>
-                <p:cNvPr id="100" name="CuadroTexto 99"/>
-                <p:cNvSpPr txBox="1"/>
-                <p:nvPr/>
-              </p:nvSpPr>
-              <p:spPr>
-                <a:xfrm>
-                  <a:off x="4951240" y="5186210"/>
-                  <a:ext cx="1137299" cy="338554"/>
-                </a:xfrm>
-                <a:prstGeom prst="rect">
-                  <a:avLst/>
-                </a:prstGeom>
-                <a:noFill/>
-              </p:spPr>
-              <p:txBody>
-                <a:bodyPr wrap="none" rtlCol="0">
-                  <a:spAutoFit/>
-                </a:bodyPr>
-                <a:lstStyle/>
-                <a:p>
-                  <a:r>
-                    <a:rPr lang="es-ES" sz="1600" dirty="0" smtClean="0">
-                      <a:solidFill>
-                        <a:schemeClr val="tx1">
-                          <a:lumMod val="50000"/>
-                          <a:lumOff val="50000"/>
-                        </a:schemeClr>
-                      </a:solidFill>
-                      <a:latin typeface="+mj-lt"/>
-                      <a:cs typeface="Aharoni" panose="02010803020104030203" pitchFamily="2" charset="-79"/>
-                    </a:rPr>
-                    <a:t>$</a:t>
-                  </a:r>
-                  <a:r>
-                    <a:rPr lang="es-ES" sz="1600" dirty="0" err="1" smtClean="0">
-                      <a:solidFill>
-                        <a:schemeClr val="tx1">
-                          <a:lumMod val="50000"/>
-                          <a:lumOff val="50000"/>
-                        </a:schemeClr>
-                      </a:solidFill>
-                      <a:latin typeface="+mj-lt"/>
-                      <a:cs typeface="Aharoni" panose="02010803020104030203" pitchFamily="2" charset="-79"/>
-                    </a:rPr>
-                    <a:t>counter</a:t>
-                  </a:r>
-                  <a:r>
-                    <a:rPr lang="es-ES" sz="1600" dirty="0" smtClean="0">
-                      <a:solidFill>
-                        <a:schemeClr val="tx1">
-                          <a:lumMod val="50000"/>
-                          <a:lumOff val="50000"/>
-                        </a:schemeClr>
-                      </a:solidFill>
-                      <a:latin typeface="+mj-lt"/>
-                      <a:cs typeface="Aharoni" panose="02010803020104030203" pitchFamily="2" charset="-79"/>
-                    </a:rPr>
-                    <a:t>=1</a:t>
-                  </a:r>
-                  <a:endParaRPr lang="es-ES" sz="1600" dirty="0">
-                    <a:solidFill>
-                      <a:schemeClr val="tx1">
-                        <a:lumMod val="50000"/>
-                        <a:lumOff val="50000"/>
-                      </a:schemeClr>
-                    </a:solidFill>
-                    <a:latin typeface="+mj-lt"/>
-                    <a:cs typeface="Aharoni" panose="02010803020104030203" pitchFamily="2" charset="-79"/>
-                  </a:endParaRPr>
-                </a:p>
-              </p:txBody>
-            </p:sp>
-            <p:cxnSp>
-              <p:nvCxnSpPr>
-                <p:cNvPr id="70" name="Conector recto de flecha 69"/>
-                <p:cNvCxnSpPr>
-                  <a:stCxn id="77" idx="3"/>
-                  <a:endCxn id="28" idx="2"/>
-                </p:cNvCxnSpPr>
-                <p:nvPr/>
-              </p:nvCxnSpPr>
-              <p:spPr>
-                <a:xfrm flipV="1">
-                  <a:off x="11870445" y="2470990"/>
-                  <a:ext cx="1389799" cy="20218"/>
-                </a:xfrm>
-                <a:prstGeom prst="straightConnector1">
-                  <a:avLst/>
-                </a:prstGeom>
-                <a:ln w="28575">
-                  <a:solidFill>
-                    <a:srgbClr val="7240F0"/>
-                  </a:solidFill>
-                  <a:tailEnd type="triangle" w="lg" len="lg"/>
-                </a:ln>
-              </p:spPr>
-              <p:style>
-                <a:lnRef idx="1">
-                  <a:schemeClr val="accent1"/>
-                </a:lnRef>
-                <a:fillRef idx="0">
-                  <a:schemeClr val="accent1"/>
-                </a:fillRef>
-                <a:effectRef idx="0">
-                  <a:schemeClr val="accent1"/>
-                </a:effectRef>
-                <a:fontRef idx="minor">
-                  <a:schemeClr val="tx1"/>
-                </a:fontRef>
-              </p:style>
-            </p:cxnSp>
-            <p:cxnSp>
-              <p:nvCxnSpPr>
-                <p:cNvPr id="75" name="Conector recto de flecha 74"/>
-                <p:cNvCxnSpPr>
-                  <a:endCxn id="7" idx="1"/>
-                </p:cNvCxnSpPr>
-                <p:nvPr/>
-              </p:nvCxnSpPr>
-              <p:spPr>
-                <a:xfrm flipV="1">
-                  <a:off x="6830683" y="207900"/>
-                  <a:ext cx="2121842" cy="5691"/>
-                </a:xfrm>
-                <a:prstGeom prst="straightConnector1">
-                  <a:avLst/>
-                </a:prstGeom>
-                <a:ln w="28575">
-                  <a:solidFill>
-                    <a:srgbClr val="7240F0"/>
-                  </a:solidFill>
-                  <a:tailEnd type="triangle" w="lg" len="lg"/>
-                </a:ln>
-              </p:spPr>
-              <p:style>
-                <a:lnRef idx="1">
-                  <a:schemeClr val="accent1"/>
-                </a:lnRef>
-                <a:fillRef idx="0">
-                  <a:schemeClr val="accent1"/>
-                </a:fillRef>
-                <a:effectRef idx="0">
-                  <a:schemeClr val="accent1"/>
-                </a:effectRef>
-                <a:fontRef idx="minor">
-                  <a:schemeClr val="tx1"/>
-                </a:fontRef>
-              </p:style>
-            </p:cxnSp>
-            <p:cxnSp>
-              <p:nvCxnSpPr>
-                <p:cNvPr id="46" name="Conector recto de flecha 45"/>
-                <p:cNvCxnSpPr>
-                  <a:stCxn id="30" idx="3"/>
-                  <a:endCxn id="24" idx="1"/>
-                </p:cNvCxnSpPr>
-                <p:nvPr/>
-              </p:nvCxnSpPr>
-              <p:spPr>
-                <a:xfrm flipV="1">
-                  <a:off x="4741961" y="2491701"/>
-                  <a:ext cx="970580" cy="23321"/>
-                </a:xfrm>
-                <a:prstGeom prst="straightConnector1">
-                  <a:avLst/>
-                </a:prstGeom>
-                <a:ln w="28575" cmpd="sng">
-                  <a:solidFill>
-                    <a:srgbClr val="7240F0"/>
-                  </a:solidFill>
-                  <a:prstDash val="solid"/>
-                  <a:tailEnd type="triangle" w="lg" len="lg"/>
-                </a:ln>
-              </p:spPr>
-              <p:style>
-                <a:lnRef idx="1">
-                  <a:schemeClr val="accent1"/>
-                </a:lnRef>
-                <a:fillRef idx="0">
-                  <a:schemeClr val="accent1"/>
-                </a:fillRef>
-                <a:effectRef idx="0">
-                  <a:schemeClr val="accent1"/>
-                </a:effectRef>
-                <a:fontRef idx="minor">
-                  <a:schemeClr val="tx1"/>
-                </a:fontRef>
-              </p:style>
-            </p:cxnSp>
-            <p:sp>
-              <p:nvSpPr>
-                <p:cNvPr id="30" name="Llamada rectangular redondeada 29"/>
-                <p:cNvSpPr/>
-                <p:nvPr/>
-              </p:nvSpPr>
-              <p:spPr>
-                <a:xfrm>
-                  <a:off x="3568646" y="2169595"/>
-                  <a:ext cx="1173315" cy="690853"/>
-                </a:xfrm>
-                <a:prstGeom prst="wedgeRoundRectCallout">
-                  <a:avLst>
-                    <a:gd name="adj1" fmla="val -36481"/>
-                    <a:gd name="adj2" fmla="val 82700"/>
-                    <a:gd name="adj3" fmla="val 16667"/>
-                  </a:avLst>
-                </a:prstGeom>
-                <a:noFill/>
-                <a:ln w="38100">
-                  <a:solidFill>
-                    <a:srgbClr val="46DACC"/>
-                  </a:solidFill>
-                </a:ln>
-              </p:spPr>
-              <p:style>
-                <a:lnRef idx="2">
-                  <a:schemeClr val="accent1">
-                    <a:shade val="50000"/>
-                  </a:schemeClr>
-                </a:lnRef>
-                <a:fillRef idx="1">
-                  <a:schemeClr val="accent1"/>
-                </a:fillRef>
-                <a:effectRef idx="0">
-                  <a:schemeClr val="accent1"/>
-                </a:effectRef>
-                <a:fontRef idx="minor">
-                  <a:schemeClr val="lt1"/>
-                </a:fontRef>
-              </p:style>
-              <p:txBody>
-                <a:bodyPr rtlCol="0" anchor="ctr"/>
-                <a:lstStyle/>
-                <a:p>
-                  <a:pPr algn="ctr"/>
-                  <a:endParaRPr lang="es-ES" sz="1400" dirty="0" smtClean="0">
-                    <a:solidFill>
-                      <a:schemeClr val="tx1">
-                        <a:lumMod val="75000"/>
-                        <a:lumOff val="25000"/>
-                      </a:schemeClr>
-                    </a:solidFill>
-                    <a:latin typeface="Arial Rounded MT Bold" panose="020F0704030504030204" pitchFamily="34" charset="0"/>
-                  </a:endParaRPr>
-                </a:p>
-                <a:p>
-                  <a:pPr algn="ctr"/>
-                  <a:r>
-                    <a:rPr lang="es-ES" sz="1200" dirty="0" smtClean="0">
-                      <a:solidFill>
-                        <a:schemeClr val="tx1">
-                          <a:lumMod val="75000"/>
-                          <a:lumOff val="25000"/>
-                        </a:schemeClr>
-                      </a:solidFill>
-                      <a:latin typeface="Arial Rounded MT Bold" panose="020F0704030504030204" pitchFamily="34" charset="0"/>
-                    </a:rPr>
-                    <a:t>SUMMARY</a:t>
-                  </a:r>
-                  <a:r>
-                    <a:rPr lang="es-ES" sz="1200" dirty="0">
-                      <a:solidFill>
-                        <a:schemeClr val="tx1">
-                          <a:lumMod val="75000"/>
-                          <a:lumOff val="25000"/>
-                        </a:schemeClr>
-                      </a:solidFill>
-                      <a:latin typeface="Arial Rounded MT Bold" panose="020F0704030504030204" pitchFamily="34" charset="0"/>
-                    </a:rPr>
-                    <a:t>?</a:t>
-                  </a:r>
-                </a:p>
-                <a:p>
-                  <a:pPr algn="ctr"/>
-                  <a:endParaRPr lang="es-ES" dirty="0"/>
-                </a:p>
-              </p:txBody>
-            </p:sp>
-            <p:sp>
-              <p:nvSpPr>
-                <p:cNvPr id="77" name="Llamada rectangular redondeada 76"/>
-                <p:cNvSpPr/>
-                <p:nvPr/>
-              </p:nvSpPr>
-              <p:spPr>
-                <a:xfrm>
-                  <a:off x="10676812" y="2157464"/>
-                  <a:ext cx="1193633" cy="667487"/>
-                </a:xfrm>
-                <a:prstGeom prst="wedgeRoundRectCallout">
-                  <a:avLst>
-                    <a:gd name="adj1" fmla="val -36481"/>
-                    <a:gd name="adj2" fmla="val 82700"/>
-                    <a:gd name="adj3" fmla="val 16667"/>
-                  </a:avLst>
-                </a:prstGeom>
-                <a:noFill/>
-                <a:ln w="38100">
-                  <a:solidFill>
-                    <a:srgbClr val="46DACC"/>
-                  </a:solidFill>
-                </a:ln>
-              </p:spPr>
-              <p:style>
-                <a:lnRef idx="2">
-                  <a:schemeClr val="accent1">
-                    <a:shade val="50000"/>
-                  </a:schemeClr>
-                </a:lnRef>
-                <a:fillRef idx="1">
-                  <a:schemeClr val="accent1"/>
-                </a:fillRef>
-                <a:effectRef idx="0">
-                  <a:schemeClr val="accent1"/>
-                </a:effectRef>
-                <a:fontRef idx="minor">
-                  <a:schemeClr val="lt1"/>
-                </a:fontRef>
-              </p:style>
-              <p:txBody>
-                <a:bodyPr rtlCol="0" anchor="ctr"/>
-                <a:lstStyle/>
-                <a:p>
-                  <a:pPr algn="ctr"/>
-                  <a:endParaRPr lang="es-ES" sz="1400" dirty="0" smtClean="0">
-                    <a:solidFill>
-                      <a:schemeClr val="tx1">
-                        <a:lumMod val="75000"/>
-                        <a:lumOff val="25000"/>
-                      </a:schemeClr>
-                    </a:solidFill>
-                    <a:latin typeface="Arial Rounded MT Bold" panose="020F0704030504030204" pitchFamily="34" charset="0"/>
-                  </a:endParaRPr>
-                </a:p>
-                <a:p>
-                  <a:pPr algn="ctr"/>
-                  <a:r>
-                    <a:rPr lang="es-ES" sz="1200" dirty="0" smtClean="0">
-                      <a:solidFill>
-                        <a:schemeClr val="tx1">
-                          <a:lumMod val="75000"/>
-                          <a:lumOff val="25000"/>
-                        </a:schemeClr>
-                      </a:solidFill>
-                      <a:latin typeface="Arial Rounded MT Bold" panose="020F0704030504030204" pitchFamily="34" charset="0"/>
-                    </a:rPr>
-                    <a:t>ANYTHING ELSE?</a:t>
-                  </a:r>
-                  <a:endParaRPr lang="es-ES" sz="1200" dirty="0">
-                    <a:solidFill>
-                      <a:schemeClr val="tx1">
-                        <a:lumMod val="75000"/>
-                        <a:lumOff val="25000"/>
-                      </a:schemeClr>
-                    </a:solidFill>
-                    <a:latin typeface="Arial Rounded MT Bold" panose="020F0704030504030204" pitchFamily="34" charset="0"/>
-                  </a:endParaRPr>
-                </a:p>
-                <a:p>
-                  <a:pPr algn="ctr"/>
-                  <a:endParaRPr lang="es-ES" dirty="0"/>
-                </a:p>
-              </p:txBody>
-            </p:sp>
-            <p:cxnSp>
-              <p:nvCxnSpPr>
-                <p:cNvPr id="103" name="Conector recto de flecha 102"/>
-                <p:cNvCxnSpPr/>
-                <p:nvPr/>
-              </p:nvCxnSpPr>
-              <p:spPr>
-                <a:xfrm>
-                  <a:off x="13835740" y="172963"/>
-                  <a:ext cx="0" cy="1814737"/>
-                </a:xfrm>
-                <a:prstGeom prst="straightConnector1">
-                  <a:avLst/>
-                </a:prstGeom>
-                <a:ln w="28575">
-                  <a:solidFill>
-                    <a:srgbClr val="7240F0"/>
-                  </a:solidFill>
-                  <a:tailEnd type="triangle" w="lg" len="lg"/>
-                </a:ln>
-              </p:spPr>
-              <p:style>
-                <a:lnRef idx="1">
-                  <a:schemeClr val="accent1"/>
-                </a:lnRef>
-                <a:fillRef idx="0">
-                  <a:schemeClr val="accent1"/>
-                </a:fillRef>
-                <a:effectRef idx="0">
-                  <a:schemeClr val="accent1"/>
-                </a:effectRef>
-                <a:fontRef idx="minor">
-                  <a:schemeClr val="tx1"/>
-                </a:fontRef>
-              </p:style>
-            </p:cxnSp>
-            <p:pic>
-              <p:nvPicPr>
-                <p:cNvPr id="115" name="Imagen 114"/>
-                <p:cNvPicPr>
-                  <a:picLocks noChangeAspect="1"/>
-                </p:cNvPicPr>
-                <p:nvPr/>
-              </p:nvPicPr>
-              <p:blipFill>
-                <a:blip r:embed="rId4" cstate="print">
-                  <a:duotone>
-                    <a:schemeClr val="bg2">
-                      <a:shade val="45000"/>
-                      <a:satMod val="135000"/>
-                    </a:schemeClr>
-                    <a:prstClr val="white"/>
-                  </a:duotone>
-                  <a:extLst>
-                    <a:ext uri="{28A0092B-C50C-407E-A947-70E740481C1C}">
-                      <a14:useLocalDpi xmlns:a14="http://schemas.microsoft.com/office/drawing/2010/main" val="0"/>
-                    </a:ext>
-                  </a:extLst>
-                </a:blip>
-                <a:stretch>
-                  <a:fillRect/>
-                </a:stretch>
-              </p:blipFill>
-              <p:spPr>
-                <a:xfrm>
-                  <a:off x="4830834" y="2083572"/>
-                  <a:ext cx="342636" cy="342636"/>
-                </a:xfrm>
-                <a:prstGeom prst="rect">
-                  <a:avLst/>
-                </a:prstGeom>
-              </p:spPr>
-            </p:pic>
-            <p:pic>
-              <p:nvPicPr>
-                <p:cNvPr id="118" name="Imagen 117"/>
-                <p:cNvPicPr>
-                  <a:picLocks noChangeAspect="1"/>
-                </p:cNvPicPr>
-                <p:nvPr/>
-              </p:nvPicPr>
-              <p:blipFill>
-                <a:blip r:embed="rId4" cstate="print">
-                  <a:duotone>
-                    <a:schemeClr val="bg2">
-                      <a:shade val="45000"/>
-                      <a:satMod val="135000"/>
-                    </a:schemeClr>
-                    <a:prstClr val="white"/>
-                  </a:duotone>
-                  <a:extLst>
-                    <a:ext uri="{28A0092B-C50C-407E-A947-70E740481C1C}">
-                      <a14:useLocalDpi xmlns:a14="http://schemas.microsoft.com/office/drawing/2010/main" val="0"/>
-                    </a:ext>
-                  </a:extLst>
-                </a:blip>
-                <a:stretch>
-                  <a:fillRect/>
-                </a:stretch>
-              </p:blipFill>
-              <p:spPr>
-                <a:xfrm>
-                  <a:off x="11963755" y="2073974"/>
-                  <a:ext cx="342636" cy="342636"/>
-                </a:xfrm>
-                <a:prstGeom prst="rect">
-                  <a:avLst/>
-                </a:prstGeom>
-              </p:spPr>
-            </p:pic>
           </p:grpSp>
           <p:sp>
             <p:nvSpPr>
-              <p:cNvPr id="127" name="CuadroTexto 126"/>
-              <p:cNvSpPr txBox="1"/>
+              <p:cNvPr id="131" name="Rectángulo 130"/>
+              <p:cNvSpPr/>
               <p:nvPr/>
             </p:nvSpPr>
             <p:spPr>
               <a:xfrm>
-                <a:off x="6823652" y="1404874"/>
-                <a:ext cx="1537409" cy="338554"/>
+                <a:off x="11736826" y="-2078708"/>
+                <a:ext cx="4238017" cy="2046714"/>
               </a:xfrm>
               <a:prstGeom prst="rect">
                 <a:avLst/>
               </a:prstGeom>
-              <a:noFill/>
+              <a:ln>
+                <a:solidFill>
+                  <a:schemeClr val="bg2">
+                    <a:lumMod val="90000"/>
+                  </a:schemeClr>
+                </a:solidFill>
+                <a:prstDash val="sysDash"/>
+              </a:ln>
             </p:spPr>
             <p:txBody>
-              <a:bodyPr wrap="none" rtlCol="0">
+              <a:bodyPr wrap="square">
                 <a:spAutoFit/>
               </a:bodyPr>
               <a:lstStyle/>
               <a:p>
-                <a:r>
-                  <a:rPr lang="es-ES" sz="1600" dirty="0" smtClean="0">
-                    <a:solidFill>
-                      <a:schemeClr val="tx1">
-                        <a:lumMod val="50000"/>
-                        <a:lumOff val="50000"/>
-                      </a:schemeClr>
-                    </a:solidFill>
-                    <a:latin typeface="+mj-lt"/>
-                    <a:cs typeface="Aharoni" panose="02010803020104030203" pitchFamily="2" charset="-79"/>
-                  </a:rPr>
-                  <a:t>$</a:t>
-                </a:r>
-                <a:r>
-                  <a:rPr lang="es-ES" sz="1600" dirty="0" err="1" smtClean="0">
-                    <a:solidFill>
-                      <a:schemeClr val="tx1">
-                        <a:lumMod val="50000"/>
-                        <a:lumOff val="50000"/>
-                      </a:schemeClr>
-                    </a:solidFill>
-                    <a:latin typeface="+mj-lt"/>
-                    <a:cs typeface="Aharoni" panose="02010803020104030203" pitchFamily="2" charset="-79"/>
-                  </a:rPr>
-                  <a:t>Summary</a:t>
-                </a:r>
-                <a:r>
-                  <a:rPr lang="es-ES" sz="1600" dirty="0" smtClean="0">
-                    <a:solidFill>
-                      <a:schemeClr val="tx1">
-                        <a:lumMod val="50000"/>
-                        <a:lumOff val="50000"/>
-                      </a:schemeClr>
-                    </a:solidFill>
-                    <a:latin typeface="+mj-lt"/>
-                    <a:cs typeface="Aharoni" panose="02010803020104030203" pitchFamily="2" charset="-79"/>
-                  </a:rPr>
-                  <a:t>=True</a:t>
-                </a:r>
-                <a:endParaRPr lang="es-ES" sz="1600" dirty="0">
+                <a:pPr>
+                  <a:spcBef>
+                    <a:spcPts val="600"/>
+                  </a:spcBef>
+                </a:pPr>
+                <a:r>
+                  <a:rPr lang="en-US" sz="1400" dirty="0" smtClean="0">
+                    <a:solidFill>
+                      <a:schemeClr val="tx1">
+                        <a:lumMod val="50000"/>
+                        <a:lumOff val="50000"/>
+                      </a:schemeClr>
+                    </a:solidFill>
+                  </a:rPr>
+                  <a:t>“There </a:t>
+                </a:r>
+                <a:r>
+                  <a:rPr lang="en-US" sz="1400" dirty="0">
+                    <a:solidFill>
+                      <a:schemeClr val="tx1">
+                        <a:lumMod val="50000"/>
+                        <a:lumOff val="50000"/>
+                      </a:schemeClr>
+                    </a:solidFill>
+                  </a:rPr>
+                  <a:t>are </a:t>
+                </a:r>
+                <a:r>
+                  <a:rPr lang="en-US" sz="1400" dirty="0" smtClean="0">
+                    <a:solidFill>
+                      <a:schemeClr val="tx1">
+                        <a:lumMod val="50000"/>
+                        <a:lumOff val="50000"/>
+                      </a:schemeClr>
+                    </a:solidFill>
+                  </a:rPr>
+                  <a:t>&lt;total </a:t>
+                </a:r>
+                <a:r>
+                  <a:rPr lang="en-US" sz="1400" dirty="0" err="1" smtClean="0">
+                    <a:solidFill>
+                      <a:schemeClr val="tx1">
+                        <a:lumMod val="50000"/>
+                        <a:lumOff val="50000"/>
+                      </a:schemeClr>
+                    </a:solidFill>
+                  </a:rPr>
+                  <a:t>productos</a:t>
+                </a:r>
+                <a:r>
+                  <a:rPr lang="en-US" sz="1400" dirty="0" smtClean="0">
+                    <a:solidFill>
+                      <a:schemeClr val="tx1">
+                        <a:lumMod val="50000"/>
+                        <a:lumOff val="50000"/>
+                      </a:schemeClr>
+                    </a:solidFill>
+                  </a:rPr>
+                  <a:t>&gt; products </a:t>
+                </a:r>
+                <a:r>
+                  <a:rPr lang="en-US" sz="1400" dirty="0">
+                    <a:solidFill>
+                      <a:schemeClr val="tx1">
+                        <a:lumMod val="50000"/>
+                        <a:lumOff val="50000"/>
+                      </a:schemeClr>
+                    </a:solidFill>
+                  </a:rPr>
+                  <a:t>in total, </a:t>
+                </a:r>
+                <a:r>
+                  <a:rPr lang="en-US" sz="1400" dirty="0" smtClean="0">
+                    <a:solidFill>
+                      <a:schemeClr val="tx1">
+                        <a:lumMod val="50000"/>
+                        <a:lumOff val="50000"/>
+                      </a:schemeClr>
+                    </a:solidFill>
+                  </a:rPr>
+                  <a:t>&lt;nº </a:t>
+                </a:r>
+                <a:r>
+                  <a:rPr lang="en-US" sz="1400" dirty="0" err="1" smtClean="0">
+                    <a:solidFill>
+                      <a:schemeClr val="tx1">
+                        <a:lumMod val="50000"/>
+                        <a:lumOff val="50000"/>
+                      </a:schemeClr>
+                    </a:solidFill>
+                  </a:rPr>
+                  <a:t>productos</a:t>
+                </a:r>
+                <a:r>
+                  <a:rPr lang="en-US" sz="1400" dirty="0" smtClean="0">
+                    <a:solidFill>
+                      <a:schemeClr val="tx1">
+                        <a:lumMod val="50000"/>
+                        <a:lumOff val="50000"/>
+                      </a:schemeClr>
+                    </a:solidFill>
+                  </a:rPr>
+                  <a:t> </a:t>
+                </a:r>
+                <a:r>
+                  <a:rPr lang="en-US" sz="1400" dirty="0" err="1" smtClean="0">
+                    <a:solidFill>
+                      <a:schemeClr val="tx1">
+                        <a:lumMod val="50000"/>
+                        <a:lumOff val="50000"/>
+                      </a:schemeClr>
+                    </a:solidFill>
+                  </a:rPr>
+                  <a:t>caducados</a:t>
+                </a:r>
+                <a:r>
+                  <a:rPr lang="en-US" sz="1400" dirty="0" smtClean="0">
+                    <a:solidFill>
+                      <a:schemeClr val="tx1">
+                        <a:lumMod val="50000"/>
+                        <a:lumOff val="50000"/>
+                      </a:schemeClr>
+                    </a:solidFill>
+                  </a:rPr>
+                  <a:t>&gt; products </a:t>
+                </a:r>
+                <a:r>
+                  <a:rPr lang="en-US" sz="1400" dirty="0">
+                    <a:solidFill>
+                      <a:schemeClr val="tx1">
+                        <a:lumMod val="50000"/>
+                        <a:lumOff val="50000"/>
+                      </a:schemeClr>
+                    </a:solidFill>
+                  </a:rPr>
+                  <a:t>are already expired and </a:t>
+                </a:r>
+                <a:r>
+                  <a:rPr lang="en-US" sz="1400" dirty="0" smtClean="0">
+                    <a:solidFill>
+                      <a:schemeClr val="tx1">
+                        <a:lumMod val="50000"/>
+                        <a:lumOff val="50000"/>
+                      </a:schemeClr>
+                    </a:solidFill>
+                  </a:rPr>
+                  <a:t>&lt;nº </a:t>
+                </a:r>
+                <a:r>
+                  <a:rPr lang="en-US" sz="1400" dirty="0" err="1" smtClean="0">
+                    <a:solidFill>
+                      <a:schemeClr val="tx1">
+                        <a:lumMod val="50000"/>
+                        <a:lumOff val="50000"/>
+                      </a:schemeClr>
+                    </a:solidFill>
+                  </a:rPr>
+                  <a:t>productos</a:t>
+                </a:r>
+                <a:r>
+                  <a:rPr lang="en-US" sz="1400" dirty="0" smtClean="0">
+                    <a:solidFill>
+                      <a:schemeClr val="tx1">
+                        <a:lumMod val="50000"/>
+                        <a:lumOff val="50000"/>
+                      </a:schemeClr>
+                    </a:solidFill>
+                  </a:rPr>
+                  <a:t> </a:t>
+                </a:r>
+                <a:r>
+                  <a:rPr lang="en-US" sz="1400" dirty="0" err="1" smtClean="0">
+                    <a:solidFill>
+                      <a:schemeClr val="tx1">
+                        <a:lumMod val="50000"/>
+                        <a:lumOff val="50000"/>
+                      </a:schemeClr>
+                    </a:solidFill>
+                  </a:rPr>
+                  <a:t>próximos</a:t>
+                </a:r>
+                <a:r>
+                  <a:rPr lang="en-US" sz="1400" dirty="0" smtClean="0">
+                    <a:solidFill>
+                      <a:schemeClr val="tx1">
+                        <a:lumMod val="50000"/>
+                        <a:lumOff val="50000"/>
+                      </a:schemeClr>
+                    </a:solidFill>
+                  </a:rPr>
+                  <a:t> a </a:t>
+                </a:r>
+                <a:r>
+                  <a:rPr lang="en-US" sz="1400" dirty="0" err="1" smtClean="0">
+                    <a:solidFill>
+                      <a:schemeClr val="tx1">
+                        <a:lumMod val="50000"/>
+                        <a:lumOff val="50000"/>
+                      </a:schemeClr>
+                    </a:solidFill>
+                  </a:rPr>
+                  <a:t>caducar</a:t>
+                </a:r>
+                <a:r>
+                  <a:rPr lang="en-US" sz="1400" dirty="0" smtClean="0">
+                    <a:solidFill>
+                      <a:schemeClr val="tx1">
+                        <a:lumMod val="50000"/>
+                        <a:lumOff val="50000"/>
+                      </a:schemeClr>
+                    </a:solidFill>
+                  </a:rPr>
+                  <a:t>&gt; </a:t>
+                </a:r>
+                <a:r>
+                  <a:rPr lang="en-US" sz="1400" dirty="0">
+                    <a:solidFill>
+                      <a:schemeClr val="tx1">
+                        <a:lumMod val="50000"/>
+                        <a:lumOff val="50000"/>
+                      </a:schemeClr>
+                    </a:solidFill>
+                  </a:rPr>
+                  <a:t>products will expire soon. </a:t>
+                </a:r>
+                <a:endParaRPr lang="en-US" sz="1400" dirty="0" smtClean="0">
                   <a:solidFill>
                     <a:schemeClr val="tx1">
                       <a:lumMod val="50000"/>
                       <a:lumOff val="50000"/>
                     </a:schemeClr>
                   </a:solidFill>
-                  <a:latin typeface="+mj-lt"/>
-                  <a:cs typeface="Aharoni" panose="02010803020104030203" pitchFamily="2" charset="-79"/>
+                </a:endParaRPr>
+              </a:p>
+              <a:p>
+                <a:pPr>
+                  <a:spcBef>
+                    <a:spcPts val="600"/>
+                  </a:spcBef>
+                </a:pPr>
+                <a:r>
+                  <a:rPr lang="en-US" sz="1400" dirty="0" smtClean="0">
+                    <a:solidFill>
+                      <a:schemeClr val="tx1">
+                        <a:lumMod val="50000"/>
+                        <a:lumOff val="50000"/>
+                      </a:schemeClr>
+                    </a:solidFill>
+                  </a:rPr>
+                  <a:t>Already expired:  &lt;</a:t>
+                </a:r>
+                <a:r>
+                  <a:rPr lang="en-US" sz="1400" dirty="0" err="1" smtClean="0">
+                    <a:solidFill>
+                      <a:schemeClr val="tx1">
+                        <a:lumMod val="50000"/>
+                        <a:lumOff val="50000"/>
+                      </a:schemeClr>
+                    </a:solidFill>
+                  </a:rPr>
+                  <a:t>lista</a:t>
+                </a:r>
+                <a:r>
+                  <a:rPr lang="en-US" sz="1400" dirty="0" smtClean="0">
+                    <a:solidFill>
+                      <a:schemeClr val="tx1">
+                        <a:lumMod val="50000"/>
+                        <a:lumOff val="50000"/>
+                      </a:schemeClr>
+                    </a:solidFill>
+                  </a:rPr>
+                  <a:t> de </a:t>
+                </a:r>
+                <a:r>
+                  <a:rPr lang="en-US" sz="1400" dirty="0" err="1" smtClean="0">
+                    <a:solidFill>
+                      <a:schemeClr val="tx1">
+                        <a:lumMod val="50000"/>
+                        <a:lumOff val="50000"/>
+                      </a:schemeClr>
+                    </a:solidFill>
+                  </a:rPr>
+                  <a:t>ingredientes</a:t>
+                </a:r>
+                <a:r>
+                  <a:rPr lang="en-US" sz="1400" dirty="0" smtClean="0">
+                    <a:solidFill>
+                      <a:schemeClr val="tx1">
+                        <a:lumMod val="50000"/>
+                        <a:lumOff val="50000"/>
+                      </a:schemeClr>
+                    </a:solidFill>
+                  </a:rPr>
+                  <a:t> </a:t>
+                </a:r>
+                <a:r>
+                  <a:rPr lang="en-US" sz="1400" dirty="0" err="1" smtClean="0">
+                    <a:solidFill>
+                      <a:schemeClr val="tx1">
+                        <a:lumMod val="50000"/>
+                        <a:lumOff val="50000"/>
+                      </a:schemeClr>
+                    </a:solidFill>
+                  </a:rPr>
+                  <a:t>caducados</a:t>
+                </a:r>
+                <a:r>
+                  <a:rPr lang="en-US" sz="1400" dirty="0" smtClean="0">
+                    <a:solidFill>
+                      <a:schemeClr val="tx1">
+                        <a:lumMod val="50000"/>
+                        <a:lumOff val="50000"/>
+                      </a:schemeClr>
+                    </a:solidFill>
+                  </a:rPr>
+                  <a:t>&gt;</a:t>
+                </a:r>
+              </a:p>
+              <a:p>
+                <a:pPr>
+                  <a:spcBef>
+                    <a:spcPts val="600"/>
+                  </a:spcBef>
+                </a:pPr>
+                <a:r>
+                  <a:rPr lang="en-US" sz="1400" dirty="0" smtClean="0">
+                    <a:solidFill>
+                      <a:schemeClr val="tx1">
+                        <a:lumMod val="50000"/>
+                        <a:lumOff val="50000"/>
+                      </a:schemeClr>
+                    </a:solidFill>
+                  </a:rPr>
+                  <a:t>To expire:  &lt;</a:t>
+                </a:r>
+                <a:r>
+                  <a:rPr lang="en-US" sz="1400" dirty="0" err="1" smtClean="0">
+                    <a:solidFill>
+                      <a:schemeClr val="tx1">
+                        <a:lumMod val="50000"/>
+                        <a:lumOff val="50000"/>
+                      </a:schemeClr>
+                    </a:solidFill>
+                  </a:rPr>
+                  <a:t>lista</a:t>
+                </a:r>
+                <a:r>
+                  <a:rPr lang="en-US" sz="1400" dirty="0" smtClean="0">
+                    <a:solidFill>
+                      <a:schemeClr val="tx1">
+                        <a:lumMod val="50000"/>
+                        <a:lumOff val="50000"/>
+                      </a:schemeClr>
+                    </a:solidFill>
+                  </a:rPr>
+                  <a:t> de </a:t>
+                </a:r>
+                <a:r>
+                  <a:rPr lang="en-US" sz="1400" dirty="0" err="1" smtClean="0">
+                    <a:solidFill>
+                      <a:schemeClr val="tx1">
+                        <a:lumMod val="50000"/>
+                        <a:lumOff val="50000"/>
+                      </a:schemeClr>
+                    </a:solidFill>
+                  </a:rPr>
+                  <a:t>ingredientes</a:t>
+                </a:r>
+                <a:r>
+                  <a:rPr lang="en-US" sz="1400" dirty="0" smtClean="0">
+                    <a:solidFill>
+                      <a:schemeClr val="tx1">
+                        <a:lumMod val="50000"/>
+                        <a:lumOff val="50000"/>
+                      </a:schemeClr>
+                    </a:solidFill>
+                  </a:rPr>
+                  <a:t> </a:t>
+                </a:r>
+                <a:r>
+                  <a:rPr lang="en-US" sz="1400" dirty="0" err="1" smtClean="0">
+                    <a:solidFill>
+                      <a:schemeClr val="tx1">
+                        <a:lumMod val="50000"/>
+                        <a:lumOff val="50000"/>
+                      </a:schemeClr>
+                    </a:solidFill>
+                  </a:rPr>
+                  <a:t>próximos</a:t>
+                </a:r>
+                <a:r>
+                  <a:rPr lang="en-US" sz="1400" dirty="0" smtClean="0">
+                    <a:solidFill>
+                      <a:schemeClr val="tx1">
+                        <a:lumMod val="50000"/>
+                        <a:lumOff val="50000"/>
+                      </a:schemeClr>
+                    </a:solidFill>
+                  </a:rPr>
+                  <a:t> a </a:t>
+                </a:r>
+                <a:r>
+                  <a:rPr lang="en-US" sz="1400" dirty="0" err="1" smtClean="0">
+                    <a:solidFill>
+                      <a:schemeClr val="tx1">
+                        <a:lumMod val="50000"/>
+                        <a:lumOff val="50000"/>
+                      </a:schemeClr>
+                    </a:solidFill>
+                  </a:rPr>
+                  <a:t>caducar</a:t>
+                </a:r>
+                <a:r>
+                  <a:rPr lang="en-US" sz="1400" dirty="0" smtClean="0">
+                    <a:solidFill>
+                      <a:schemeClr val="tx1">
+                        <a:lumMod val="50000"/>
+                        <a:lumOff val="50000"/>
+                      </a:schemeClr>
+                    </a:solidFill>
+                  </a:rPr>
+                  <a:t>&gt;</a:t>
+                </a:r>
+              </a:p>
+              <a:p>
+                <a:pPr>
+                  <a:spcBef>
+                    <a:spcPts val="600"/>
+                  </a:spcBef>
+                </a:pPr>
+                <a:r>
+                  <a:rPr lang="en-US" sz="1400" dirty="0" smtClean="0">
+                    <a:solidFill>
+                      <a:schemeClr val="tx1">
+                        <a:lumMod val="50000"/>
+                        <a:lumOff val="50000"/>
+                      </a:schemeClr>
+                    </a:solidFill>
+                  </a:rPr>
+                  <a:t>(Throw </a:t>
+                </a:r>
+                <a:r>
+                  <a:rPr lang="en-US" sz="1400" dirty="0">
+                    <a:solidFill>
+                      <a:schemeClr val="tx1">
+                        <a:lumMod val="50000"/>
+                        <a:lumOff val="50000"/>
+                      </a:schemeClr>
+                    </a:solidFill>
+                  </a:rPr>
+                  <a:t>out the expired foods. Consider using the foods to expire as soon as possible</a:t>
+                </a:r>
+                <a:r>
+                  <a:rPr lang="en-US" sz="1400" dirty="0" smtClean="0">
+                    <a:solidFill>
+                      <a:schemeClr val="tx1">
+                        <a:lumMod val="50000"/>
+                        <a:lumOff val="50000"/>
+                      </a:schemeClr>
+                    </a:solidFill>
+                  </a:rPr>
+                  <a:t>.)”</a:t>
+                </a:r>
+                <a:endParaRPr lang="es-ES" sz="1400" dirty="0">
+                  <a:solidFill>
+                    <a:schemeClr val="tx1">
+                      <a:lumMod val="50000"/>
+                      <a:lumOff val="50000"/>
+                    </a:schemeClr>
+                  </a:solidFill>
                 </a:endParaRPr>
               </a:p>
             </p:txBody>
           </p:sp>
           <p:sp>
             <p:nvSpPr>
-              <p:cNvPr id="129" name="CuadroTexto 128"/>
-              <p:cNvSpPr txBox="1"/>
+              <p:cNvPr id="132" name="Llamada con línea 2 (sin borde) 131"/>
+              <p:cNvSpPr/>
               <p:nvPr/>
             </p:nvSpPr>
             <p:spPr>
               <a:xfrm>
-                <a:off x="7727656" y="5173015"/>
-                <a:ext cx="1137299" cy="338554"/>
+                <a:off x="11715857" y="-2899313"/>
+                <a:ext cx="914400" cy="612648"/>
               </a:xfrm>
-              <a:prstGeom prst="rect">
-                <a:avLst/>
+              <a:prstGeom prst="callout2">
+                <a:avLst>
+                  <a:gd name="adj1" fmla="val 256643"/>
+                  <a:gd name="adj2" fmla="val 2808"/>
+                  <a:gd name="adj3" fmla="val 258015"/>
+                  <a:gd name="adj4" fmla="val -33663"/>
+                  <a:gd name="adj5" fmla="val 505480"/>
+                  <a:gd name="adj6" fmla="val -76717"/>
+                </a:avLst>
               </a:prstGeom>
               <a:noFill/>
+              <a:ln>
+                <a:solidFill>
+                  <a:schemeClr val="tx1">
+                    <a:lumMod val="50000"/>
+                    <a:lumOff val="50000"/>
+                  </a:schemeClr>
+                </a:solidFill>
+              </a:ln>
             </p:spPr>
+            <p:style>
+              <a:lnRef idx="2">
+                <a:schemeClr val="accent1">
+                  <a:shade val="50000"/>
+                </a:schemeClr>
+              </a:lnRef>
+              <a:fillRef idx="1">
+                <a:schemeClr val="accent1"/>
+              </a:fillRef>
+              <a:effectRef idx="0">
+                <a:schemeClr val="accent1"/>
+              </a:effectRef>
+              <a:fontRef idx="minor">
+                <a:schemeClr val="lt1"/>
+              </a:fontRef>
+            </p:style>
             <p:txBody>
-              <a:bodyPr wrap="none" rtlCol="0">
-                <a:spAutoFit/>
-              </a:bodyPr>
+              <a:bodyPr rtlCol="0" anchor="ctr"/>
               <a:lstStyle/>
               <a:p>
-                <a:r>
-                  <a:rPr lang="es-ES" sz="1600" dirty="0" smtClean="0">
-                    <a:solidFill>
-                      <a:schemeClr val="tx1">
-                        <a:lumMod val="50000"/>
-                        <a:lumOff val="50000"/>
-                      </a:schemeClr>
-                    </a:solidFill>
-                    <a:latin typeface="+mj-lt"/>
-                    <a:cs typeface="Aharoni" panose="02010803020104030203" pitchFamily="2" charset="-79"/>
-                  </a:rPr>
-                  <a:t>$</a:t>
-                </a:r>
-                <a:r>
-                  <a:rPr lang="es-ES" sz="1600" dirty="0" err="1" smtClean="0">
-                    <a:solidFill>
-                      <a:schemeClr val="tx1">
-                        <a:lumMod val="50000"/>
-                        <a:lumOff val="50000"/>
-                      </a:schemeClr>
-                    </a:solidFill>
-                    <a:latin typeface="+mj-lt"/>
-                    <a:cs typeface="Aharoni" panose="02010803020104030203" pitchFamily="2" charset="-79"/>
-                  </a:rPr>
-                  <a:t>counter</a:t>
-                </a:r>
-                <a:r>
-                  <a:rPr lang="es-ES" sz="1600" dirty="0" smtClean="0">
-                    <a:solidFill>
-                      <a:schemeClr val="tx1">
-                        <a:lumMod val="50000"/>
-                        <a:lumOff val="50000"/>
-                      </a:schemeClr>
-                    </a:solidFill>
-                    <a:latin typeface="+mj-lt"/>
-                    <a:cs typeface="Aharoni" panose="02010803020104030203" pitchFamily="2" charset="-79"/>
-                  </a:rPr>
-                  <a:t>=0</a:t>
-                </a:r>
-                <a:endParaRPr lang="es-ES" sz="1600" dirty="0">
-                  <a:solidFill>
-                    <a:schemeClr val="tx1">
-                      <a:lumMod val="50000"/>
-                      <a:lumOff val="50000"/>
-                    </a:schemeClr>
-                  </a:solidFill>
-                  <a:latin typeface="+mj-lt"/>
-                  <a:cs typeface="Aharoni" panose="02010803020104030203" pitchFamily="2" charset="-79"/>
-                </a:endParaRPr>
+                <a:pPr algn="ctr"/>
+                <a:endParaRPr lang="es-ES"/>
               </a:p>
             </p:txBody>
           </p:sp>
         </p:grpSp>
         <p:sp>
           <p:nvSpPr>
-            <p:cNvPr id="131" name="Rectángulo 130"/>
+            <p:cNvPr id="52" name="Rectángulo 51"/>
             <p:cNvSpPr/>
             <p:nvPr/>
           </p:nvSpPr>
           <p:spPr>
             <a:xfrm>
-              <a:off x="11736826" y="-2078708"/>
-              <a:ext cx="4238017" cy="2046714"/>
+              <a:off x="-3158704" y="3806318"/>
+              <a:ext cx="5768398" cy="954107"/>
             </a:xfrm>
             <a:prstGeom prst="rect">
               <a:avLst/>
@@ -8625,13 +9199,8 @@
             </a:bodyPr>
             <a:lstStyle/>
             <a:p>
-              <a:pPr>
-                <a:spcBef>
-                  <a:spcPts val="600"/>
-                </a:spcBef>
-              </a:pPr>
               <a:r>
-                <a:rPr lang="en-US" sz="1400" dirty="0" smtClean="0">
+                <a:rPr lang="es-ES" sz="1400" dirty="0">
                   <a:solidFill>
                     <a:schemeClr val="tx1">
                       <a:lumMod val="50000"/>
@@ -8639,10 +9208,10 @@
                     </a:schemeClr>
                   </a:solidFill>
                 </a:rPr>
-                <a:t>“There </a:t>
+                <a:t>":</a:t>
               </a:r>
               <a:r>
-                <a:rPr lang="en-US" sz="1400" dirty="0">
+                <a:rPr lang="es-ES" sz="1400" dirty="0" err="1">
                   <a:solidFill>
                     <a:schemeClr val="tx1">
                       <a:lumMod val="50000"/>
@@ -8650,10 +9219,10 @@
                     </a:schemeClr>
                   </a:solidFill>
                 </a:rPr>
-                <a:t>are </a:t>
+                <a:t>disappointed</a:t>
               </a:r>
               <a:r>
-                <a:rPr lang="en-US" sz="1400" dirty="0" smtClean="0">
+                <a:rPr lang="es-ES" sz="1400" dirty="0">
                   <a:solidFill>
                     <a:schemeClr val="tx1">
                       <a:lumMod val="50000"/>
@@ -8661,10 +9230,10 @@
                     </a:schemeClr>
                   </a:solidFill>
                 </a:rPr>
-                <a:t>&lt;total </a:t>
+                <a:t>: </a:t>
               </a:r>
               <a:r>
-                <a:rPr lang="en-US" sz="1400" dirty="0" err="1" smtClean="0">
+                <a:rPr lang="es-ES" sz="1400" dirty="0" err="1">
                   <a:solidFill>
                     <a:schemeClr val="tx1">
                       <a:lumMod val="50000"/>
@@ -8672,10 +9241,10 @@
                     </a:schemeClr>
                   </a:solidFill>
                 </a:rPr>
-                <a:t>productos</a:t>
+                <a:t>I'm</a:t>
               </a:r>
               <a:r>
-                <a:rPr lang="en-US" sz="1400" dirty="0" smtClean="0">
+                <a:rPr lang="es-ES" sz="1400" dirty="0">
                   <a:solidFill>
                     <a:schemeClr val="tx1">
                       <a:lumMod val="50000"/>
@@ -8683,10 +9252,10 @@
                     </a:schemeClr>
                   </a:solidFill>
                 </a:rPr>
-                <a:t>&gt; products </a:t>
+                <a:t> </a:t>
               </a:r>
               <a:r>
-                <a:rPr lang="en-US" sz="1400" dirty="0">
+                <a:rPr lang="es-ES" sz="1400" dirty="0" err="1">
                   <a:solidFill>
                     <a:schemeClr val="tx1">
                       <a:lumMod val="50000"/>
@@ -8694,10 +9263,10 @@
                     </a:schemeClr>
                   </a:solidFill>
                 </a:rPr>
-                <a:t>in total, </a:t>
+                <a:t>sorry</a:t>
               </a:r>
               <a:r>
-                <a:rPr lang="en-US" sz="1400" dirty="0" smtClean="0">
+                <a:rPr lang="es-ES" sz="1400" dirty="0">
                   <a:solidFill>
                     <a:schemeClr val="tx1">
                       <a:lumMod val="50000"/>
@@ -8705,10 +9274,10 @@
                     </a:schemeClr>
                   </a:solidFill>
                 </a:rPr>
-                <a:t>&lt;nº </a:t>
+                <a:t>. </a:t>
               </a:r>
               <a:r>
-                <a:rPr lang="en-US" sz="1400" dirty="0" err="1" smtClean="0">
+                <a:rPr lang="es-ES" sz="1400" dirty="0" err="1">
                   <a:solidFill>
                     <a:schemeClr val="tx1">
                       <a:lumMod val="50000"/>
@@ -8716,10 +9285,10 @@
                     </a:schemeClr>
                   </a:solidFill>
                 </a:rPr>
-                <a:t>productos</a:t>
+                <a:t>Currently</a:t>
               </a:r>
               <a:r>
-                <a:rPr lang="en-US" sz="1400" dirty="0" smtClean="0">
+                <a:rPr lang="es-ES" sz="1400" dirty="0">
                   <a:solidFill>
                     <a:schemeClr val="tx1">
                       <a:lumMod val="50000"/>
@@ -8727,10 +9296,10 @@
                     </a:schemeClr>
                   </a:solidFill>
                 </a:rPr>
-                <a:t> </a:t>
+                <a:t>, I do </a:t>
               </a:r>
               <a:r>
-                <a:rPr lang="en-US" sz="1400" dirty="0" err="1" smtClean="0">
+                <a:rPr lang="es-ES" sz="1400" dirty="0" err="1">
                   <a:solidFill>
                     <a:schemeClr val="tx1">
                       <a:lumMod val="50000"/>
@@ -8738,10 +9307,10 @@
                     </a:schemeClr>
                   </a:solidFill>
                 </a:rPr>
-                <a:t>caducados</a:t>
+                <a:t>not</a:t>
               </a:r>
               <a:r>
-                <a:rPr lang="en-US" sz="1400" dirty="0" smtClean="0">
+                <a:rPr lang="es-ES" sz="1400" dirty="0">
                   <a:solidFill>
                     <a:schemeClr val="tx1">
                       <a:lumMod val="50000"/>
@@ -8749,10 +9318,10 @@
                     </a:schemeClr>
                   </a:solidFill>
                 </a:rPr>
-                <a:t>&gt; products </a:t>
+                <a:t> </a:t>
               </a:r>
               <a:r>
-                <a:rPr lang="en-US" sz="1400" dirty="0">
+                <a:rPr lang="es-ES" sz="1400" dirty="0" err="1">
                   <a:solidFill>
                     <a:schemeClr val="tx1">
                       <a:lumMod val="50000"/>
@@ -8760,10 +9329,10 @@
                     </a:schemeClr>
                   </a:solidFill>
                 </a:rPr>
-                <a:t>are already expired and </a:t>
+                <a:t>know</a:t>
               </a:r>
               <a:r>
-                <a:rPr lang="en-US" sz="1400" dirty="0" smtClean="0">
+                <a:rPr lang="es-ES" sz="1400" dirty="0">
                   <a:solidFill>
                     <a:schemeClr val="tx1">
                       <a:lumMod val="50000"/>
@@ -8771,10 +9340,10 @@
                     </a:schemeClr>
                   </a:solidFill>
                 </a:rPr>
-                <a:t>&lt;nº </a:t>
+                <a:t> </a:t>
               </a:r>
               <a:r>
-                <a:rPr lang="en-US" sz="1400" dirty="0" err="1" smtClean="0">
+                <a:rPr lang="es-ES" sz="1400" dirty="0" err="1">
                   <a:solidFill>
                     <a:schemeClr val="tx1">
                       <a:lumMod val="50000"/>
@@ -8782,10 +9351,10 @@
                     </a:schemeClr>
                   </a:solidFill>
                 </a:rPr>
-                <a:t>productos</a:t>
+                <a:t>how</a:t>
               </a:r>
               <a:r>
-                <a:rPr lang="en-US" sz="1400" dirty="0" smtClean="0">
+                <a:rPr lang="es-ES" sz="1400" dirty="0">
                   <a:solidFill>
                     <a:schemeClr val="tx1">
                       <a:lumMod val="50000"/>
@@ -8793,10 +9362,10 @@
                     </a:schemeClr>
                   </a:solidFill>
                 </a:rPr>
-                <a:t> </a:t>
+                <a:t> to </a:t>
               </a:r>
               <a:r>
-                <a:rPr lang="en-US" sz="1400" dirty="0" err="1" smtClean="0">
+                <a:rPr lang="es-ES" sz="1400" dirty="0" err="1">
                   <a:solidFill>
                     <a:schemeClr val="tx1">
                       <a:lumMod val="50000"/>
@@ -8804,10 +9373,10 @@
                     </a:schemeClr>
                   </a:solidFill>
                 </a:rPr>
-                <a:t>próximos</a:t>
+                <a:t>answer</a:t>
               </a:r>
               <a:r>
-                <a:rPr lang="en-US" sz="1400" dirty="0" smtClean="0">
+                <a:rPr lang="es-ES" sz="1400" dirty="0">
                   <a:solidFill>
                     <a:schemeClr val="tx1">
                       <a:lumMod val="50000"/>
@@ -8815,10 +9384,10 @@
                     </a:schemeClr>
                   </a:solidFill>
                 </a:rPr>
-                <a:t> a </a:t>
+                <a:t> </a:t>
               </a:r>
               <a:r>
-                <a:rPr lang="en-US" sz="1400" dirty="0" err="1" smtClean="0">
+                <a:rPr lang="es-ES" sz="1400" dirty="0" err="1">
                   <a:solidFill>
                     <a:schemeClr val="tx1">
                       <a:lumMod val="50000"/>
@@ -8826,10 +9395,10 @@
                     </a:schemeClr>
                   </a:solidFill>
                 </a:rPr>
-                <a:t>caducar</a:t>
+                <a:t>that</a:t>
               </a:r>
               <a:r>
-                <a:rPr lang="en-US" sz="1400" dirty="0" smtClean="0">
+                <a:rPr lang="es-ES" sz="1400" dirty="0">
                   <a:solidFill>
                     <a:schemeClr val="tx1">
                       <a:lumMod val="50000"/>
@@ -8837,10 +9406,10 @@
                     </a:schemeClr>
                   </a:solidFill>
                 </a:rPr>
-                <a:t>&gt; </a:t>
+                <a:t> </a:t>
               </a:r>
               <a:r>
-                <a:rPr lang="en-US" sz="1400" dirty="0">
+                <a:rPr lang="es-ES" sz="1400" dirty="0" err="1">
                   <a:solidFill>
                     <a:schemeClr val="tx1">
                       <a:lumMod val="50000"/>
@@ -8848,9 +9417,198 @@
                     </a:schemeClr>
                   </a:solidFill>
                 </a:rPr>
-                <a:t>products will expire soon. </a:t>
+                <a:t>question</a:t>
               </a:r>
-              <a:endParaRPr lang="en-US" sz="1400" dirty="0" smtClean="0">
+              <a:r>
+                <a:rPr lang="es-ES" sz="1400" dirty="0">
+                  <a:solidFill>
+                    <a:schemeClr val="tx1">
+                      <a:lumMod val="50000"/>
+                      <a:lumOff val="50000"/>
+                    </a:schemeClr>
+                  </a:solidFill>
+                </a:rPr>
+                <a:t>. </a:t>
+              </a:r>
+              <a:r>
+                <a:rPr lang="es-ES" sz="1400" dirty="0" err="1">
+                  <a:solidFill>
+                    <a:schemeClr val="tx1">
+                      <a:lumMod val="50000"/>
+                      <a:lumOff val="50000"/>
+                    </a:schemeClr>
+                  </a:solidFill>
+                </a:rPr>
+                <a:t>I'm</a:t>
+              </a:r>
+              <a:r>
+                <a:rPr lang="es-ES" sz="1400" dirty="0">
+                  <a:solidFill>
+                    <a:schemeClr val="tx1">
+                      <a:lumMod val="50000"/>
+                      <a:lumOff val="50000"/>
+                    </a:schemeClr>
+                  </a:solidFill>
+                </a:rPr>
+                <a:t> </a:t>
+              </a:r>
+              <a:r>
+                <a:rPr lang="es-ES" sz="1400" dirty="0" err="1">
+                  <a:solidFill>
+                    <a:schemeClr val="tx1">
+                      <a:lumMod val="50000"/>
+                      <a:lumOff val="50000"/>
+                    </a:schemeClr>
+                  </a:solidFill>
+                </a:rPr>
+                <a:t>being</a:t>
+              </a:r>
+              <a:r>
+                <a:rPr lang="es-ES" sz="1400" dirty="0">
+                  <a:solidFill>
+                    <a:schemeClr val="tx1">
+                      <a:lumMod val="50000"/>
+                      <a:lumOff val="50000"/>
+                    </a:schemeClr>
+                  </a:solidFill>
+                </a:rPr>
+                <a:t> </a:t>
+              </a:r>
+              <a:r>
+                <a:rPr lang="es-ES" sz="1400" dirty="0" err="1">
+                  <a:solidFill>
+                    <a:schemeClr val="tx1">
+                      <a:lumMod val="50000"/>
+                      <a:lumOff val="50000"/>
+                    </a:schemeClr>
+                  </a:solidFill>
+                </a:rPr>
+                <a:t>trained</a:t>
+              </a:r>
+              <a:r>
+                <a:rPr lang="es-ES" sz="1400" dirty="0">
+                  <a:solidFill>
+                    <a:schemeClr val="tx1">
+                      <a:lumMod val="50000"/>
+                      <a:lumOff val="50000"/>
+                    </a:schemeClr>
+                  </a:solidFill>
+                </a:rPr>
+                <a:t> to </a:t>
+              </a:r>
+              <a:r>
+                <a:rPr lang="es-ES" sz="1400" dirty="0" err="1">
+                  <a:solidFill>
+                    <a:schemeClr val="tx1">
+                      <a:lumMod val="50000"/>
+                      <a:lumOff val="50000"/>
+                    </a:schemeClr>
+                  </a:solidFill>
+                </a:rPr>
+                <a:t>help</a:t>
+              </a:r>
+              <a:r>
+                <a:rPr lang="es-ES" sz="1400" dirty="0">
+                  <a:solidFill>
+                    <a:schemeClr val="tx1">
+                      <a:lumMod val="50000"/>
+                      <a:lumOff val="50000"/>
+                    </a:schemeClr>
+                  </a:solidFill>
+                </a:rPr>
+                <a:t> </a:t>
+              </a:r>
+              <a:r>
+                <a:rPr lang="es-ES" sz="1400" dirty="0" err="1">
+                  <a:solidFill>
+                    <a:schemeClr val="tx1">
+                      <a:lumMod val="50000"/>
+                      <a:lumOff val="50000"/>
+                    </a:schemeClr>
+                  </a:solidFill>
+                </a:rPr>
+                <a:t>you</a:t>
+              </a:r>
+              <a:r>
+                <a:rPr lang="es-ES" sz="1400" dirty="0">
+                  <a:solidFill>
+                    <a:schemeClr val="tx1">
+                      <a:lumMod val="50000"/>
+                      <a:lumOff val="50000"/>
+                    </a:schemeClr>
+                  </a:solidFill>
+                </a:rPr>
+                <a:t> </a:t>
+              </a:r>
+              <a:r>
+                <a:rPr lang="es-ES" sz="1400" dirty="0" err="1">
+                  <a:solidFill>
+                    <a:schemeClr val="tx1">
+                      <a:lumMod val="50000"/>
+                      <a:lumOff val="50000"/>
+                    </a:schemeClr>
+                  </a:solidFill>
+                </a:rPr>
+                <a:t>with</a:t>
+              </a:r>
+              <a:r>
+                <a:rPr lang="es-ES" sz="1400" dirty="0">
+                  <a:solidFill>
+                    <a:schemeClr val="tx1">
+                      <a:lumMod val="50000"/>
+                      <a:lumOff val="50000"/>
+                    </a:schemeClr>
+                  </a:solidFill>
+                </a:rPr>
+                <a:t> </a:t>
+              </a:r>
+              <a:r>
+                <a:rPr lang="es-ES" sz="1400" dirty="0" err="1">
+                  <a:solidFill>
+                    <a:schemeClr val="tx1">
+                      <a:lumMod val="50000"/>
+                      <a:lumOff val="50000"/>
+                    </a:schemeClr>
+                  </a:solidFill>
+                </a:rPr>
+                <a:t>that</a:t>
+              </a:r>
+              <a:r>
+                <a:rPr lang="es-ES" sz="1400" dirty="0">
+                  <a:solidFill>
+                    <a:schemeClr val="tx1">
+                      <a:lumMod val="50000"/>
+                      <a:lumOff val="50000"/>
+                    </a:schemeClr>
+                  </a:solidFill>
+                </a:rPr>
+                <a:t>, </a:t>
+              </a:r>
+              <a:r>
+                <a:rPr lang="es-ES" sz="1400" dirty="0" err="1">
+                  <a:solidFill>
+                    <a:schemeClr val="tx1">
+                      <a:lumMod val="50000"/>
+                      <a:lumOff val="50000"/>
+                    </a:schemeClr>
+                  </a:solidFill>
+                </a:rPr>
+                <a:t>too</a:t>
+              </a:r>
+              <a:r>
+                <a:rPr lang="es-ES" sz="1400" dirty="0">
+                  <a:solidFill>
+                    <a:schemeClr val="tx1">
+                      <a:lumMod val="50000"/>
+                      <a:lumOff val="50000"/>
+                    </a:schemeClr>
+                  </a:solidFill>
+                </a:rPr>
+                <a:t>.</a:t>
+              </a:r>
+            </a:p>
+            <a:p>
+              <a:endParaRPr lang="es-ES" sz="1400" dirty="0">
                 <a:solidFill>
                   <a:schemeClr val="tx1">
                     <a:lumMod val="50000"/>
@@ -8860,13 +9618,8 @@
               </a:endParaRPr>
             </a:p>
             <a:p>
-              <a:pPr>
-                <a:spcBef>
-                  <a:spcPts val="600"/>
-                </a:spcBef>
-              </a:pPr>
               <a:r>
-                <a:rPr lang="en-US" sz="1400" dirty="0" smtClean="0">
+                <a:rPr lang="es-ES" sz="1400" dirty="0">
                   <a:solidFill>
                     <a:schemeClr val="tx1">
                       <a:lumMod val="50000"/>
@@ -8874,10 +9627,10 @@
                     </a:schemeClr>
                   </a:solidFill>
                 </a:rPr>
-                <a:t>Already expired:  &lt;</a:t>
+                <a:t>I can </a:t>
               </a:r>
               <a:r>
-                <a:rPr lang="en-US" sz="1400" dirty="0" err="1" smtClean="0">
+                <a:rPr lang="es-ES" sz="1400" dirty="0" err="1">
                   <a:solidFill>
                     <a:schemeClr val="tx1">
                       <a:lumMod val="50000"/>
@@ -8885,10 +9638,10 @@
                     </a:schemeClr>
                   </a:solidFill>
                 </a:rPr>
-                <a:t>lista</a:t>
+                <a:t>take</a:t>
               </a:r>
               <a:r>
-                <a:rPr lang="en-US" sz="1400" dirty="0" smtClean="0">
+                <a:rPr lang="es-ES" sz="1400" dirty="0">
                   <a:solidFill>
                     <a:schemeClr val="tx1">
                       <a:lumMod val="50000"/>
@@ -8896,10 +9649,10 @@
                     </a:schemeClr>
                   </a:solidFill>
                 </a:rPr>
-                <a:t> de </a:t>
+                <a:t> a look at </a:t>
               </a:r>
               <a:r>
-                <a:rPr lang="en-US" sz="1400" dirty="0" err="1" smtClean="0">
+                <a:rPr lang="es-ES" sz="1400" dirty="0" err="1">
                   <a:solidFill>
                     <a:schemeClr val="tx1">
                       <a:lumMod val="50000"/>
@@ -8907,10 +9660,10 @@
                     </a:schemeClr>
                   </a:solidFill>
                 </a:rPr>
-                <a:t>ingredientes</a:t>
+                <a:t>your</a:t>
               </a:r>
               <a:r>
-                <a:rPr lang="en-US" sz="1400" dirty="0" smtClean="0">
+                <a:rPr lang="es-ES" sz="1400" dirty="0">
                   <a:solidFill>
                     <a:schemeClr val="tx1">
                       <a:lumMod val="50000"/>
@@ -8921,7 +9674,7 @@
                 <a:t> </a:t>
               </a:r>
               <a:r>
-                <a:rPr lang="en-US" sz="1400" dirty="0" err="1" smtClean="0">
+                <a:rPr lang="es-ES" sz="1400" dirty="0" err="1">
                   <a:solidFill>
                     <a:schemeClr val="tx1">
                       <a:lumMod val="50000"/>
@@ -8929,10 +9682,10 @@
                     </a:schemeClr>
                   </a:solidFill>
                 </a:rPr>
-                <a:t>caducados</a:t>
+                <a:t>fridge</a:t>
               </a:r>
               <a:r>
-                <a:rPr lang="en-US" sz="1400" dirty="0" smtClean="0">
+                <a:rPr lang="es-ES" sz="1400" dirty="0">
                   <a:solidFill>
                     <a:schemeClr val="tx1">
                       <a:lumMod val="50000"/>
@@ -8940,17 +9693,10 @@
                     </a:schemeClr>
                   </a:solidFill>
                 </a:rPr>
-                <a:t>&gt;</a:t>
+                <a:t> and </a:t>
               </a:r>
-            </a:p>
-            <a:p>
-              <a:pPr>
-                <a:spcBef>
-                  <a:spcPts val="600"/>
-                </a:spcBef>
-              </a:pPr>
               <a:r>
-                <a:rPr lang="en-US" sz="1400" dirty="0" smtClean="0">
+                <a:rPr lang="es-ES" sz="1400" dirty="0" err="1">
                   <a:solidFill>
                     <a:schemeClr val="tx1">
                       <a:lumMod val="50000"/>
@@ -8958,10 +9704,10 @@
                     </a:schemeClr>
                   </a:solidFill>
                 </a:rPr>
-                <a:t>To expire:  &lt;</a:t>
+                <a:t>make</a:t>
               </a:r>
               <a:r>
-                <a:rPr lang="en-US" sz="1400" dirty="0" err="1" smtClean="0">
+                <a:rPr lang="es-ES" sz="1400" dirty="0">
                   <a:solidFill>
                     <a:schemeClr val="tx1">
                       <a:lumMod val="50000"/>
@@ -8969,10 +9715,10 @@
                     </a:schemeClr>
                   </a:solidFill>
                 </a:rPr>
-                <a:t>lista</a:t>
+                <a:t> a </a:t>
               </a:r>
               <a:r>
-                <a:rPr lang="en-US" sz="1400" dirty="0" smtClean="0">
+                <a:rPr lang="es-ES" sz="1400" dirty="0" err="1">
                   <a:solidFill>
                     <a:schemeClr val="tx1">
                       <a:lumMod val="50000"/>
@@ -8980,10 +9726,10 @@
                     </a:schemeClr>
                   </a:solidFill>
                 </a:rPr>
-                <a:t> de </a:t>
+                <a:t>summary</a:t>
               </a:r>
               <a:r>
-                <a:rPr lang="en-US" sz="1400" dirty="0" err="1" smtClean="0">
+                <a:rPr lang="es-ES" sz="1400" dirty="0">
                   <a:solidFill>
                     <a:schemeClr val="tx1">
                       <a:lumMod val="50000"/>
@@ -8991,10 +9737,10 @@
                     </a:schemeClr>
                   </a:solidFill>
                 </a:rPr>
-                <a:t>ingredientes</a:t>
+                <a:t> </a:t>
               </a:r>
               <a:r>
-                <a:rPr lang="en-US" sz="1400" dirty="0" smtClean="0">
+                <a:rPr lang="es-ES" sz="1400" dirty="0" err="1">
                   <a:solidFill>
                     <a:schemeClr val="tx1">
                       <a:lumMod val="50000"/>
@@ -9002,10 +9748,10 @@
                     </a:schemeClr>
                   </a:solidFill>
                 </a:rPr>
-                <a:t> </a:t>
+                <a:t>for</a:t>
               </a:r>
               <a:r>
-                <a:rPr lang="en-US" sz="1400" dirty="0" err="1" smtClean="0">
+                <a:rPr lang="es-ES" sz="1400" dirty="0">
                   <a:solidFill>
                     <a:schemeClr val="tx1">
                       <a:lumMod val="50000"/>
@@ -9013,10 +9759,10 @@
                     </a:schemeClr>
                   </a:solidFill>
                 </a:rPr>
-                <a:t>próximos</a:t>
+                <a:t> </a:t>
               </a:r>
               <a:r>
-                <a:rPr lang="en-US" sz="1400" dirty="0" smtClean="0">
+                <a:rPr lang="es-ES" sz="1400" dirty="0" err="1">
                   <a:solidFill>
                     <a:schemeClr val="tx1">
                       <a:lumMod val="50000"/>
@@ -9024,10 +9770,10 @@
                     </a:schemeClr>
                   </a:solidFill>
                 </a:rPr>
-                <a:t> a </a:t>
+                <a:t>you</a:t>
               </a:r>
               <a:r>
-                <a:rPr lang="en-US" sz="1400" dirty="0" err="1" smtClean="0">
+                <a:rPr lang="es-ES" sz="1400" dirty="0">
                   <a:solidFill>
                     <a:schemeClr val="tx1">
                       <a:lumMod val="50000"/>
@@ -9035,10 +9781,10 @@
                     </a:schemeClr>
                   </a:solidFill>
                 </a:rPr>
-                <a:t>caducar</a:t>
+                <a:t>. Do </a:t>
               </a:r>
               <a:r>
-                <a:rPr lang="en-US" sz="1400" dirty="0" smtClean="0">
+                <a:rPr lang="es-ES" sz="1400" dirty="0" err="1">
                   <a:solidFill>
                     <a:schemeClr val="tx1">
                       <a:lumMod val="50000"/>
@@ -9046,17 +9792,10 @@
                     </a:schemeClr>
                   </a:solidFill>
                 </a:rPr>
-                <a:t>&gt;</a:t>
+                <a:t>you</a:t>
               </a:r>
-            </a:p>
-            <a:p>
-              <a:pPr>
-                <a:spcBef>
-                  <a:spcPts val="600"/>
-                </a:spcBef>
-              </a:pPr>
               <a:r>
-                <a:rPr lang="en-US" sz="1400" dirty="0" smtClean="0">
+                <a:rPr lang="es-ES" sz="1400" dirty="0">
                   <a:solidFill>
                     <a:schemeClr val="tx1">
                       <a:lumMod val="50000"/>
@@ -9064,10 +9803,10 @@
                     </a:schemeClr>
                   </a:solidFill>
                 </a:rPr>
-                <a:t>(Throw </a:t>
+                <a:t> </a:t>
               </a:r>
               <a:r>
-                <a:rPr lang="en-US" sz="1400" dirty="0">
+                <a:rPr lang="es-ES" sz="1400" dirty="0" err="1">
                   <a:solidFill>
                     <a:schemeClr val="tx1">
                       <a:lumMod val="50000"/>
@@ -9075,10 +9814,10 @@
                     </a:schemeClr>
                   </a:solidFill>
                 </a:rPr>
-                <a:t>out the expired foods. Consider using the foods to expire as soon as possible</a:t>
+                <a:t>want</a:t>
               </a:r>
               <a:r>
-                <a:rPr lang="en-US" sz="1400" dirty="0" smtClean="0">
+                <a:rPr lang="es-ES" sz="1400" dirty="0">
                   <a:solidFill>
                     <a:schemeClr val="tx1">
                       <a:lumMod val="50000"/>
@@ -9086,38 +9825,30 @@
                     </a:schemeClr>
                   </a:solidFill>
                 </a:rPr>
-                <a:t>.)”</a:t>
+                <a:t>?</a:t>
               </a:r>
-              <a:endParaRPr lang="es-ES" sz="1400" dirty="0">
-                <a:solidFill>
-                  <a:schemeClr val="tx1">
-                    <a:lumMod val="50000"/>
-                    <a:lumOff val="50000"/>
-                  </a:schemeClr>
-                </a:solidFill>
-              </a:endParaRPr>
             </a:p>
           </p:txBody>
         </p:sp>
         <p:sp>
           <p:nvSpPr>
-            <p:cNvPr id="132" name="Llamada con línea 2 (sin borde) 131"/>
+            <p:cNvPr id="53" name="Llamada con línea 2 (sin borde) 52"/>
             <p:cNvSpPr/>
             <p:nvPr/>
           </p:nvSpPr>
           <p:spPr>
             <a:xfrm>
-              <a:off x="11715857" y="-2899313"/>
+              <a:off x="2132564" y="-575121"/>
               <a:ext cx="914400" cy="612648"/>
             </a:xfrm>
             <a:prstGeom prst="callout2">
               <a:avLst>
-                <a:gd name="adj1" fmla="val 256643"/>
-                <a:gd name="adj2" fmla="val 2808"/>
-                <a:gd name="adj3" fmla="val 258015"/>
-                <a:gd name="adj4" fmla="val -33663"/>
-                <a:gd name="adj5" fmla="val 505480"/>
-                <a:gd name="adj6" fmla="val -76717"/>
+                <a:gd name="adj1" fmla="val 719951"/>
+                <a:gd name="adj2" fmla="val -59692"/>
+                <a:gd name="adj3" fmla="val 668462"/>
+                <a:gd name="adj4" fmla="val 51754"/>
+                <a:gd name="adj5" fmla="val 502371"/>
+                <a:gd name="adj6" fmla="val 37866"/>
               </a:avLst>
             </a:prstGeom>
             <a:noFill/>

--- a/memoria/images/diagrama intenciones.pptx
+++ b/memoria/images/diagrama intenciones.pptx
@@ -21447,8 +21447,8 @@
             </p:nvSpPr>
             <p:spPr>
               <a:xfrm>
-                <a:off x="435623" y="10701478"/>
-                <a:ext cx="884281" cy="369332"/>
+                <a:off x="508042" y="11134868"/>
+                <a:ext cx="2023640" cy="646331"/>
               </a:xfrm>
               <a:prstGeom prst="rect">
                 <a:avLst/>
@@ -21470,8 +21470,33 @@
                     <a:latin typeface="+mj-lt"/>
                     <a:cs typeface="Aharoni" panose="02010803020104030203" pitchFamily="2" charset="-79"/>
                   </a:rPr>
-                  <a:t>Positive</a:t>
-                </a:r>
+                  <a:t>Positive / </a:t>
+                </a:r>
+                <a:r>
+                  <a:rPr lang="es-ES" b="1" dirty="0" err="1" smtClean="0">
+                    <a:solidFill>
+                      <a:srgbClr val="FF3300"/>
+                    </a:solidFill>
+                    <a:cs typeface="Aharoni" panose="02010803020104030203" pitchFamily="2" charset="-79"/>
+                  </a:rPr>
+                  <a:t>Unknown</a:t>
+                </a:r>
+                <a:endParaRPr lang="es-ES" b="1" dirty="0">
+                  <a:solidFill>
+                    <a:srgbClr val="FF3300"/>
+                  </a:solidFill>
+                  <a:cs typeface="Aharoni" panose="02010803020104030203" pitchFamily="2" charset="-79"/>
+                </a:endParaRPr>
+              </a:p>
+              <a:p>
+                <a:pPr algn="ctr"/>
+                <a:endParaRPr lang="es-ES" b="1" dirty="0" smtClean="0">
+                  <a:solidFill>
+                    <a:srgbClr val="FF3300"/>
+                  </a:solidFill>
+                  <a:latin typeface="+mj-lt"/>
+                  <a:cs typeface="Aharoni" panose="02010803020104030203" pitchFamily="2" charset="-79"/>
+                </a:endParaRPr>
               </a:p>
             </p:txBody>
           </p:sp>
@@ -21483,8 +21508,8 @@
             </p:nvSpPr>
             <p:spPr>
               <a:xfrm>
-                <a:off x="1663392" y="9527303"/>
-                <a:ext cx="3112647" cy="369332"/>
+                <a:off x="2191004" y="9527303"/>
+                <a:ext cx="2057422" cy="369332"/>
               </a:xfrm>
               <a:prstGeom prst="rect">
                 <a:avLst/>
@@ -21527,26 +21552,6 @@
                     <a:cs typeface="Aharoni" panose="02010803020104030203" pitchFamily="2" charset="-79"/>
                   </a:rPr>
                   <a:t>Uncertain</a:t>
-                </a:r>
-                <a:r>
-                  <a:rPr lang="es-ES" b="1" dirty="0" smtClean="0">
-                    <a:solidFill>
-                      <a:srgbClr val="FF3300"/>
-                    </a:solidFill>
-                    <a:latin typeface="+mj-lt"/>
-                    <a:cs typeface="Aharoni" panose="02010803020104030203" pitchFamily="2" charset="-79"/>
-                  </a:rPr>
-                  <a:t> / </a:t>
-                </a:r>
-                <a:r>
-                  <a:rPr lang="es-ES" b="1" dirty="0" err="1" smtClean="0">
-                    <a:solidFill>
-                      <a:srgbClr val="FF3300"/>
-                    </a:solidFill>
-                    <a:latin typeface="+mj-lt"/>
-                    <a:cs typeface="Aharoni" panose="02010803020104030203" pitchFamily="2" charset="-79"/>
-                  </a:rPr>
-                  <a:t>Unknown</a:t>
                 </a:r>
                 <a:endParaRPr lang="es-ES" b="1" dirty="0" smtClean="0">
                   <a:solidFill>

--- a/memoria/images/diagrama intenciones.pptx
+++ b/memoria/images/diagrama intenciones.pptx
@@ -8,7 +8,7 @@
     <p:sldId id="288" r:id="rId2"/>
     <p:sldId id="284" r:id="rId3"/>
     <p:sldId id="286" r:id="rId4"/>
-    <p:sldId id="281" r:id="rId5"/>
+    <p:sldId id="293" r:id="rId5"/>
     <p:sldId id="291" r:id="rId6"/>
     <p:sldId id="292" r:id="rId7"/>
   </p:sldIdLst>
@@ -260,7 +260,7 @@
           <a:p>
             <a:fld id="{9C28449B-7E7F-4B22-B31C-7455ACE0523B}" type="datetimeFigureOut">
               <a:rPr lang="es-ES" smtClean="0"/>
-              <a:t>20/01/2018</a:t>
+              <a:t>18/02/2018</a:t>
             </a:fld>
             <a:endParaRPr lang="es-ES"/>
           </a:p>
@@ -430,7 +430,7 @@
           <a:p>
             <a:fld id="{9C28449B-7E7F-4B22-B31C-7455ACE0523B}" type="datetimeFigureOut">
               <a:rPr lang="es-ES" smtClean="0"/>
-              <a:t>20/01/2018</a:t>
+              <a:t>18/02/2018</a:t>
             </a:fld>
             <a:endParaRPr lang="es-ES"/>
           </a:p>
@@ -610,7 +610,7 @@
           <a:p>
             <a:fld id="{9C28449B-7E7F-4B22-B31C-7455ACE0523B}" type="datetimeFigureOut">
               <a:rPr lang="es-ES" smtClean="0"/>
-              <a:t>20/01/2018</a:t>
+              <a:t>18/02/2018</a:t>
             </a:fld>
             <a:endParaRPr lang="es-ES"/>
           </a:p>
@@ -780,7 +780,7 @@
           <a:p>
             <a:fld id="{9C28449B-7E7F-4B22-B31C-7455ACE0523B}" type="datetimeFigureOut">
               <a:rPr lang="es-ES" smtClean="0"/>
-              <a:t>20/01/2018</a:t>
+              <a:t>18/02/2018</a:t>
             </a:fld>
             <a:endParaRPr lang="es-ES"/>
           </a:p>
@@ -1026,7 +1026,7 @@
           <a:p>
             <a:fld id="{9C28449B-7E7F-4B22-B31C-7455ACE0523B}" type="datetimeFigureOut">
               <a:rPr lang="es-ES" smtClean="0"/>
-              <a:t>20/01/2018</a:t>
+              <a:t>18/02/2018</a:t>
             </a:fld>
             <a:endParaRPr lang="es-ES"/>
           </a:p>
@@ -1258,7 +1258,7 @@
           <a:p>
             <a:fld id="{9C28449B-7E7F-4B22-B31C-7455ACE0523B}" type="datetimeFigureOut">
               <a:rPr lang="es-ES" smtClean="0"/>
-              <a:t>20/01/2018</a:t>
+              <a:t>18/02/2018</a:t>
             </a:fld>
             <a:endParaRPr lang="es-ES"/>
           </a:p>
@@ -1625,7 +1625,7 @@
           <a:p>
             <a:fld id="{9C28449B-7E7F-4B22-B31C-7455ACE0523B}" type="datetimeFigureOut">
               <a:rPr lang="es-ES" smtClean="0"/>
-              <a:t>20/01/2018</a:t>
+              <a:t>18/02/2018</a:t>
             </a:fld>
             <a:endParaRPr lang="es-ES"/>
           </a:p>
@@ -1743,7 +1743,7 @@
           <a:p>
             <a:fld id="{9C28449B-7E7F-4B22-B31C-7455ACE0523B}" type="datetimeFigureOut">
               <a:rPr lang="es-ES" smtClean="0"/>
-              <a:t>20/01/2018</a:t>
+              <a:t>18/02/2018</a:t>
             </a:fld>
             <a:endParaRPr lang="es-ES"/>
           </a:p>
@@ -1838,7 +1838,7 @@
           <a:p>
             <a:fld id="{9C28449B-7E7F-4B22-B31C-7455ACE0523B}" type="datetimeFigureOut">
               <a:rPr lang="es-ES" smtClean="0"/>
-              <a:t>20/01/2018</a:t>
+              <a:t>18/02/2018</a:t>
             </a:fld>
             <a:endParaRPr lang="es-ES"/>
           </a:p>
@@ -2115,7 +2115,7 @@
           <a:p>
             <a:fld id="{9C28449B-7E7F-4B22-B31C-7455ACE0523B}" type="datetimeFigureOut">
               <a:rPr lang="es-ES" smtClean="0"/>
-              <a:t>20/01/2018</a:t>
+              <a:t>18/02/2018</a:t>
             </a:fld>
             <a:endParaRPr lang="es-ES"/>
           </a:p>
@@ -2368,7 +2368,7 @@
           <a:p>
             <a:fld id="{9C28449B-7E7F-4B22-B31C-7455ACE0523B}" type="datetimeFigureOut">
               <a:rPr lang="es-ES" smtClean="0"/>
-              <a:t>20/01/2018</a:t>
+              <a:t>18/02/2018</a:t>
             </a:fld>
             <a:endParaRPr lang="es-ES"/>
           </a:p>
@@ -2581,7 +2581,7 @@
           <a:p>
             <a:fld id="{9C28449B-7E7F-4B22-B31C-7455ACE0523B}" type="datetimeFigureOut">
               <a:rPr lang="es-ES" smtClean="0"/>
-              <a:t>20/01/2018</a:t>
+              <a:t>18/02/2018</a:t>
             </a:fld>
             <a:endParaRPr lang="es-ES"/>
           </a:p>
@@ -3974,10 +3974,10 @@
         </p:nvGrpSpPr>
         <p:grpSpPr>
           <a:xfrm>
-            <a:off x="-2337543" y="-1366780"/>
-            <a:ext cx="20203974" cy="8032275"/>
-            <a:chOff x="-2337543" y="-1366780"/>
-            <a:chExt cx="20203974" cy="8032275"/>
+            <a:off x="-2470496" y="-1366780"/>
+            <a:ext cx="20336927" cy="7416403"/>
+            <a:chOff x="-2470496" y="-1366780"/>
+            <a:chExt cx="20336927" cy="7416403"/>
           </a:xfrm>
         </p:grpSpPr>
         <p:grpSp>
@@ -3988,10 +3988,10 @@
           </p:nvGrpSpPr>
           <p:grpSpPr>
             <a:xfrm>
-              <a:off x="-2337543" y="-1366780"/>
-              <a:ext cx="20203974" cy="8032275"/>
-              <a:chOff x="-2337543" y="-1366780"/>
-              <a:chExt cx="20203974" cy="8032275"/>
+              <a:off x="-2470496" y="-1366780"/>
+              <a:ext cx="20336927" cy="7416403"/>
+              <a:chOff x="-2470496" y="-1366780"/>
+              <a:chExt cx="20336927" cy="7416403"/>
             </a:xfrm>
           </p:grpSpPr>
           <p:grpSp>
@@ -4002,10 +4002,10 @@
             </p:nvGrpSpPr>
             <p:grpSpPr>
               <a:xfrm>
-                <a:off x="-2337543" y="-1085851"/>
-                <a:ext cx="18219227" cy="7751346"/>
-                <a:chOff x="-1245677" y="-1031669"/>
-                <a:chExt cx="18219227" cy="7751346"/>
+                <a:off x="-2470496" y="1366768"/>
+                <a:ext cx="13255720" cy="1791945"/>
+                <a:chOff x="-1378630" y="1420950"/>
+                <a:chExt cx="13255720" cy="1791945"/>
               </a:xfrm>
             </p:grpSpPr>
             <p:grpSp>
@@ -4016,540 +4016,46 @@
               </p:nvGrpSpPr>
               <p:grpSpPr>
                 <a:xfrm>
-                  <a:off x="-1245677" y="-1031669"/>
-                  <a:ext cx="18219227" cy="7751346"/>
-                  <a:chOff x="-1338297" y="-903332"/>
-                  <a:chExt cx="18219227" cy="7751346"/>
+                  <a:off x="-1378630" y="1420950"/>
+                  <a:ext cx="13255720" cy="1791945"/>
+                  <a:chOff x="-1471250" y="1549287"/>
+                  <a:chExt cx="13255720" cy="1791945"/>
                 </a:xfrm>
               </p:grpSpPr>
               <p:grpSp>
                 <p:nvGrpSpPr>
-                  <p:cNvPr id="97" name="Grupo 96"/>
+                  <p:cNvPr id="89" name="Grupo 88"/>
                   <p:cNvGrpSpPr/>
                   <p:nvPr/>
                 </p:nvGrpSpPr>
                 <p:grpSpPr>
                   <a:xfrm>
-                    <a:off x="-1338297" y="-903332"/>
-                    <a:ext cx="18219227" cy="7751346"/>
-                    <a:chOff x="-1338297" y="-903332"/>
-                    <a:chExt cx="18219227" cy="7751346"/>
+                    <a:off x="-1471250" y="1549287"/>
+                    <a:ext cx="11820565" cy="1791945"/>
+                    <a:chOff x="-1471250" y="1549287"/>
+                    <a:chExt cx="11820565" cy="1791945"/>
                   </a:xfrm>
                 </p:grpSpPr>
-                <p:grpSp>
-                  <p:nvGrpSpPr>
-                    <p:cNvPr id="89" name="Grupo 88"/>
-                    <p:cNvGrpSpPr/>
-                    <p:nvPr/>
-                  </p:nvGrpSpPr>
-                  <p:grpSpPr>
-                    <a:xfrm>
-                      <a:off x="-1338297" y="1724085"/>
-                      <a:ext cx="11687612" cy="1581874"/>
-                      <a:chOff x="-1338297" y="1724085"/>
-                      <a:chExt cx="11687612" cy="1581874"/>
-                    </a:xfrm>
-                  </p:grpSpPr>
-                  <p:sp>
-                    <p:nvSpPr>
-                      <p:cNvPr id="5" name="Decisión 4"/>
-                      <p:cNvSpPr/>
-                      <p:nvPr/>
-                    </p:nvSpPr>
-                    <p:spPr>
-                      <a:xfrm>
-                        <a:off x="813597" y="1724085"/>
-                        <a:ext cx="2205200" cy="1581874"/>
-                      </a:xfrm>
-                      <a:prstGeom prst="flowChartDecision">
-                        <a:avLst/>
-                      </a:prstGeom>
-                      <a:noFill/>
-                      <a:ln w="38100">
-                        <a:solidFill>
-                          <a:srgbClr val="46DACC"/>
-                        </a:solidFill>
-                        <a:prstDash val="sysDot"/>
-                      </a:ln>
-                    </p:spPr>
-                    <p:style>
-                      <a:lnRef idx="2">
-                        <a:schemeClr val="accent1">
-                          <a:shade val="50000"/>
-                        </a:schemeClr>
-                      </a:lnRef>
-                      <a:fillRef idx="1">
-                        <a:schemeClr val="accent1"/>
-                      </a:fillRef>
-                      <a:effectRef idx="0">
-                        <a:schemeClr val="accent1"/>
-                      </a:effectRef>
-                      <a:fontRef idx="minor">
-                        <a:schemeClr val="lt1"/>
-                      </a:fontRef>
-                    </p:style>
-                    <p:txBody>
-                      <a:bodyPr lIns="0" tIns="0" rIns="0" bIns="0" rtlCol="0" anchor="ctr"/>
-                      <a:lstStyle/>
-                      <a:p>
-                        <a:pPr algn="ctr"/>
-                        <a:r>
-                          <a:rPr lang="es-ES" sz="1200" dirty="0" smtClean="0">
-                            <a:solidFill>
-                              <a:schemeClr val="tx1">
-                                <a:lumMod val="65000"/>
-                                <a:lumOff val="35000"/>
-                              </a:schemeClr>
-                            </a:solidFill>
-                            <a:latin typeface="Arial Rounded MT Bold" panose="020F0704030504030204" pitchFamily="34" charset="0"/>
-                          </a:rPr>
-                          <a:t>CHECK</a:t>
-                        </a:r>
-                      </a:p>
-                      <a:p>
-                        <a:pPr algn="ctr"/>
-                        <a:r>
-                          <a:rPr lang="es-ES" sz="1200" dirty="0" smtClean="0">
-                            <a:solidFill>
-                              <a:schemeClr val="tx1">
-                                <a:lumMod val="65000"/>
-                                <a:lumOff val="35000"/>
-                              </a:schemeClr>
-                            </a:solidFill>
-                            <a:latin typeface="Arial Rounded MT Bold" panose="020F0704030504030204" pitchFamily="34" charset="0"/>
-                          </a:rPr>
-                          <a:t>#NEGATIVE_</a:t>
-                        </a:r>
-                      </a:p>
-                      <a:p>
-                        <a:pPr algn="ctr"/>
-                        <a:r>
-                          <a:rPr lang="es-ES" sz="1200" dirty="0" smtClean="0">
-                            <a:solidFill>
-                              <a:schemeClr val="tx1">
-                                <a:lumMod val="65000"/>
-                                <a:lumOff val="35000"/>
-                              </a:schemeClr>
-                            </a:solidFill>
-                            <a:latin typeface="Arial Rounded MT Bold" panose="020F0704030504030204" pitchFamily="34" charset="0"/>
-                          </a:rPr>
-                          <a:t>REACTION</a:t>
-                        </a:r>
-                        <a:endParaRPr lang="es-ES" sz="1200" dirty="0">
-                          <a:solidFill>
-                            <a:schemeClr val="tx1">
-                              <a:lumMod val="65000"/>
-                              <a:lumOff val="35000"/>
-                            </a:schemeClr>
-                          </a:solidFill>
-                          <a:latin typeface="Arial Rounded MT Bold" panose="020F0704030504030204" pitchFamily="34" charset="0"/>
-                        </a:endParaRPr>
-                      </a:p>
-                    </p:txBody>
-                  </p:sp>
-                  <p:cxnSp>
-                    <p:nvCxnSpPr>
-                      <p:cNvPr id="13" name="Conector recto de flecha 12"/>
-                      <p:cNvCxnSpPr>
-                        <a:stCxn id="26" idx="6"/>
-                        <a:endCxn id="5" idx="1"/>
-                      </p:cNvCxnSpPr>
-                      <p:nvPr/>
-                    </p:nvCxnSpPr>
-                    <p:spPr>
-                      <a:xfrm>
-                        <a:off x="-78297" y="2515022"/>
-                        <a:ext cx="891894" cy="0"/>
-                      </a:xfrm>
-                      <a:prstGeom prst="straightConnector1">
-                        <a:avLst/>
-                      </a:prstGeom>
-                      <a:ln w="28575">
-                        <a:solidFill>
-                          <a:srgbClr val="7240F0"/>
-                        </a:solidFill>
-                        <a:tailEnd type="triangle" w="lg" len="lg"/>
-                      </a:ln>
-                    </p:spPr>
-                    <p:style>
-                      <a:lnRef idx="1">
-                        <a:schemeClr val="accent1"/>
-                      </a:lnRef>
-                      <a:fillRef idx="0">
-                        <a:schemeClr val="accent1"/>
-                      </a:fillRef>
-                      <a:effectRef idx="0">
-                        <a:schemeClr val="accent1"/>
-                      </a:effectRef>
-                      <a:fontRef idx="minor">
-                        <a:schemeClr val="tx1"/>
-                      </a:fontRef>
-                    </p:style>
-                  </p:cxnSp>
-                  <p:cxnSp>
-                    <p:nvCxnSpPr>
-                      <p:cNvPr id="15" name="Conector recto de flecha 14"/>
-                      <p:cNvCxnSpPr>
-                        <a:stCxn id="5" idx="3"/>
-                        <a:endCxn id="24" idx="1"/>
-                      </p:cNvCxnSpPr>
-                      <p:nvPr/>
-                    </p:nvCxnSpPr>
-                    <p:spPr>
-                      <a:xfrm flipV="1">
-                        <a:off x="3018797" y="2490494"/>
-                        <a:ext cx="2453636" cy="24528"/>
-                      </a:xfrm>
-                      <a:prstGeom prst="straightConnector1">
-                        <a:avLst/>
-                      </a:prstGeom>
-                      <a:ln w="28575" cmpd="sng">
-                        <a:solidFill>
-                          <a:srgbClr val="7240F0"/>
-                        </a:solidFill>
-                        <a:prstDash val="solid"/>
-                        <a:tailEnd type="triangle" w="lg" len="lg"/>
-                      </a:ln>
-                    </p:spPr>
-                    <p:style>
-                      <a:lnRef idx="1">
-                        <a:schemeClr val="accent1"/>
-                      </a:lnRef>
-                      <a:fillRef idx="0">
-                        <a:schemeClr val="accent1"/>
-                      </a:fillRef>
-                      <a:effectRef idx="0">
-                        <a:schemeClr val="accent1"/>
-                      </a:effectRef>
-                      <a:fontRef idx="minor">
-                        <a:schemeClr val="tx1"/>
-                      </a:fontRef>
-                    </p:style>
-                  </p:cxnSp>
-                  <p:sp>
-                    <p:nvSpPr>
-                      <p:cNvPr id="122" name="CuadroTexto 121"/>
-                      <p:cNvSpPr txBox="1"/>
-                      <p:nvPr/>
-                    </p:nvSpPr>
-                    <p:spPr>
-                      <a:xfrm>
-                        <a:off x="3018797" y="2071917"/>
-                        <a:ext cx="475643" cy="369332"/>
-                      </a:xfrm>
-                      <a:prstGeom prst="rect">
-                        <a:avLst/>
-                      </a:prstGeom>
-                      <a:noFill/>
-                    </p:spPr>
-                    <p:txBody>
-                      <a:bodyPr wrap="none" rtlCol="0">
-                        <a:spAutoFit/>
-                      </a:bodyPr>
-                      <a:lstStyle/>
-                      <a:p>
-                        <a:r>
-                          <a:rPr lang="es-ES" b="1" dirty="0" smtClean="0">
-                            <a:solidFill>
-                              <a:srgbClr val="FF3300"/>
-                            </a:solidFill>
-                            <a:latin typeface="+mj-lt"/>
-                            <a:cs typeface="Aharoni" panose="02010803020104030203" pitchFamily="2" charset="-79"/>
-                          </a:rPr>
-                          <a:t>Yes</a:t>
-                        </a:r>
-                        <a:endParaRPr lang="es-ES" b="1" dirty="0">
-                          <a:solidFill>
-                            <a:srgbClr val="FF3300"/>
-                          </a:solidFill>
-                          <a:latin typeface="+mj-lt"/>
-                          <a:cs typeface="Aharoni" panose="02010803020104030203" pitchFamily="2" charset="-79"/>
-                        </a:endParaRPr>
-                      </a:p>
-                    </p:txBody>
-                  </p:sp>
-                  <p:sp>
-                    <p:nvSpPr>
-                      <p:cNvPr id="24" name="Decisión 23"/>
-                      <p:cNvSpPr/>
-                      <p:nvPr/>
-                    </p:nvSpPr>
-                    <p:spPr>
-                      <a:xfrm>
-                        <a:off x="5472433" y="1770157"/>
-                        <a:ext cx="2222223" cy="1440673"/>
-                      </a:xfrm>
-                      <a:prstGeom prst="flowChartDecision">
-                        <a:avLst/>
-                      </a:prstGeom>
-                      <a:noFill/>
-                      <a:ln w="38100">
-                        <a:solidFill>
-                          <a:srgbClr val="46DACC"/>
-                        </a:solidFill>
-                        <a:prstDash val="sysDot"/>
-                      </a:ln>
-                    </p:spPr>
-                    <p:style>
-                      <a:lnRef idx="2">
-                        <a:schemeClr val="accent1">
-                          <a:shade val="50000"/>
-                        </a:schemeClr>
-                      </a:lnRef>
-                      <a:fillRef idx="1">
-                        <a:schemeClr val="accent1"/>
-                      </a:fillRef>
-                      <a:effectRef idx="0">
-                        <a:schemeClr val="accent1"/>
-                      </a:effectRef>
-                      <a:fontRef idx="minor">
-                        <a:schemeClr val="lt1"/>
-                      </a:fontRef>
-                    </p:style>
-                    <p:txBody>
-                      <a:bodyPr lIns="0" tIns="0" rIns="0" bIns="0" rtlCol="0" anchor="ctr"/>
-                      <a:lstStyle/>
-                      <a:p>
-                        <a:pPr algn="ctr"/>
-                        <a:r>
-                          <a:rPr lang="es-ES" sz="1200" dirty="0" smtClean="0">
-                            <a:solidFill>
-                              <a:schemeClr val="tx1">
-                                <a:lumMod val="65000"/>
-                                <a:lumOff val="35000"/>
-                              </a:schemeClr>
-                            </a:solidFill>
-                            <a:latin typeface="Arial Rounded MT Bold" panose="020F0704030504030204" pitchFamily="34" charset="0"/>
-                          </a:rPr>
-                          <a:t>CHECK</a:t>
-                        </a:r>
-                      </a:p>
-                      <a:p>
-                        <a:pPr algn="ctr"/>
-                        <a:r>
-                          <a:rPr lang="es-ES" sz="1200" dirty="0" smtClean="0">
-                            <a:solidFill>
-                              <a:schemeClr val="tx1">
-                                <a:lumMod val="65000"/>
-                                <a:lumOff val="35000"/>
-                              </a:schemeClr>
-                            </a:solidFill>
-                            <a:latin typeface="Arial Rounded MT Bold" panose="020F0704030504030204" pitchFamily="34" charset="0"/>
-                          </a:rPr>
-                          <a:t>$INSULT_</a:t>
-                        </a:r>
-                      </a:p>
-                      <a:p>
-                        <a:pPr algn="ctr"/>
-                        <a:r>
-                          <a:rPr lang="es-ES" sz="1200" dirty="0" smtClean="0">
-                            <a:solidFill>
-                              <a:schemeClr val="tx1">
-                                <a:lumMod val="65000"/>
-                                <a:lumOff val="35000"/>
-                              </a:schemeClr>
-                            </a:solidFill>
-                            <a:latin typeface="Arial Rounded MT Bold" panose="020F0704030504030204" pitchFamily="34" charset="0"/>
-                          </a:rPr>
-                          <a:t>COUNTER </a:t>
-                        </a:r>
-                      </a:p>
-                      <a:p>
-                        <a:pPr algn="ctr"/>
-                        <a:r>
-                          <a:rPr lang="es-ES" sz="1200" dirty="0" smtClean="0">
-                            <a:solidFill>
-                              <a:schemeClr val="tx1">
-                                <a:lumMod val="65000"/>
-                                <a:lumOff val="35000"/>
-                              </a:schemeClr>
-                            </a:solidFill>
-                            <a:latin typeface="Arial Rounded MT Bold" panose="020F0704030504030204" pitchFamily="34" charset="0"/>
-                          </a:rPr>
-                          <a:t>&gt;= 3</a:t>
-                        </a:r>
-                      </a:p>
-                    </p:txBody>
-                  </p:sp>
-                  <p:sp>
-                    <p:nvSpPr>
-                      <p:cNvPr id="26" name="Elipse 25"/>
-                      <p:cNvSpPr/>
-                      <p:nvPr/>
-                    </p:nvSpPr>
-                    <p:spPr>
-                      <a:xfrm>
-                        <a:off x="-1338297" y="2011022"/>
-                        <a:ext cx="1260000" cy="1008000"/>
-                      </a:xfrm>
-                      <a:prstGeom prst="ellipse">
-                        <a:avLst/>
-                      </a:prstGeom>
-                      <a:noFill/>
-                      <a:ln w="76200">
-                        <a:solidFill>
-                          <a:srgbClr val="46DACC"/>
-                        </a:solidFill>
-                      </a:ln>
-                    </p:spPr>
-                    <p:style>
-                      <a:lnRef idx="2">
-                        <a:schemeClr val="accent1">
-                          <a:shade val="50000"/>
-                        </a:schemeClr>
-                      </a:lnRef>
-                      <a:fillRef idx="1">
-                        <a:schemeClr val="accent1"/>
-                      </a:fillRef>
-                      <a:effectRef idx="0">
-                        <a:schemeClr val="accent1"/>
-                      </a:effectRef>
-                      <a:fontRef idx="minor">
-                        <a:schemeClr val="lt1"/>
-                      </a:fontRef>
-                    </p:style>
-                    <p:txBody>
-                      <a:bodyPr lIns="0" tIns="0" rIns="0" bIns="0" rtlCol="0" anchor="ctr"/>
-                      <a:lstStyle/>
-                      <a:p>
-                        <a:pPr algn="ctr"/>
-                        <a:r>
-                          <a:rPr lang="es-ES" sz="1200" dirty="0" smtClean="0">
-                            <a:solidFill>
-                              <a:schemeClr val="tx1">
-                                <a:lumMod val="75000"/>
-                                <a:lumOff val="25000"/>
-                              </a:schemeClr>
-                            </a:solidFill>
-                            <a:latin typeface="Arial Rounded MT Bold" panose="020F0704030504030204" pitchFamily="34" charset="0"/>
-                          </a:rPr>
-                          <a:t>START</a:t>
-                        </a:r>
-                        <a:endParaRPr lang="es-ES" sz="1200" dirty="0">
-                          <a:solidFill>
-                            <a:schemeClr val="tx1">
-                              <a:lumMod val="75000"/>
-                              <a:lumOff val="25000"/>
-                            </a:schemeClr>
-                          </a:solidFill>
-                          <a:latin typeface="Arial Rounded MT Bold" panose="020F0704030504030204" pitchFamily="34" charset="0"/>
-                        </a:endParaRPr>
-                      </a:p>
-                    </p:txBody>
-                  </p:sp>
-                  <p:cxnSp>
-                    <p:nvCxnSpPr>
-                      <p:cNvPr id="36" name="Conector recto de flecha 35"/>
-                      <p:cNvCxnSpPr>
-                        <a:stCxn id="24" idx="3"/>
-                        <a:endCxn id="44" idx="1"/>
-                      </p:cNvCxnSpPr>
-                      <p:nvPr/>
-                    </p:nvCxnSpPr>
-                    <p:spPr>
-                      <a:xfrm flipV="1">
-                        <a:off x="7694656" y="2445260"/>
-                        <a:ext cx="2654659" cy="45234"/>
-                      </a:xfrm>
-                      <a:prstGeom prst="straightConnector1">
-                        <a:avLst/>
-                      </a:prstGeom>
-                      <a:ln w="28575">
-                        <a:solidFill>
-                          <a:srgbClr val="7240F0"/>
-                        </a:solidFill>
-                        <a:prstDash val="solid"/>
-                        <a:tailEnd type="triangle" w="lg" len="lg"/>
-                      </a:ln>
-                    </p:spPr>
-                    <p:style>
-                      <a:lnRef idx="1">
-                        <a:schemeClr val="accent1"/>
-                      </a:lnRef>
-                      <a:fillRef idx="0">
-                        <a:schemeClr val="accent1"/>
-                      </a:fillRef>
-                      <a:effectRef idx="0">
-                        <a:schemeClr val="accent1"/>
-                      </a:effectRef>
-                      <a:fontRef idx="minor">
-                        <a:schemeClr val="tx1"/>
-                      </a:fontRef>
-                    </p:style>
-                  </p:cxnSp>
-                </p:grpSp>
                 <p:sp>
                   <p:nvSpPr>
-                    <p:cNvPr id="93" name="CuadroTexto 92"/>
-                    <p:cNvSpPr txBox="1"/>
-                    <p:nvPr/>
-                  </p:nvSpPr>
-                  <p:spPr>
-                    <a:xfrm>
-                      <a:off x="813597" y="-762240"/>
-                      <a:ext cx="3039200" cy="338554"/>
-                    </a:xfrm>
-                    <a:prstGeom prst="rect">
-                      <a:avLst/>
-                    </a:prstGeom>
-                    <a:noFill/>
-                  </p:spPr>
-                  <p:txBody>
-                    <a:bodyPr wrap="square" rtlCol="0">
-                      <a:spAutoFit/>
-                    </a:bodyPr>
-                    <a:lstStyle/>
-                    <a:p>
-                      <a:r>
-                        <a:rPr lang="es-ES" sz="1600" b="1" dirty="0" smtClean="0">
-                          <a:solidFill>
-                            <a:schemeClr val="tx1">
-                              <a:lumMod val="50000"/>
-                              <a:lumOff val="50000"/>
-                            </a:schemeClr>
-                          </a:solidFill>
-                          <a:latin typeface="Arial Rounded MT Bold" panose="020F0704030504030204" pitchFamily="34" charset="0"/>
-                          <a:cs typeface="Aharoni" panose="02010803020104030203" pitchFamily="2" charset="-79"/>
-                        </a:rPr>
-                        <a:t>WATSON CONVERSATION</a:t>
-                      </a:r>
-                      <a:endParaRPr lang="es-ES" sz="1600" b="1" dirty="0">
-                        <a:solidFill>
-                          <a:schemeClr val="tx1">
-                            <a:lumMod val="50000"/>
-                            <a:lumOff val="50000"/>
-                          </a:schemeClr>
-                        </a:solidFill>
-                        <a:latin typeface="Arial Rounded MT Bold" panose="020F0704030504030204" pitchFamily="34" charset="0"/>
-                        <a:cs typeface="Aharoni" panose="02010803020104030203" pitchFamily="2" charset="-79"/>
-                      </a:endParaRPr>
-                    </a:p>
-                  </p:txBody>
-                </p:sp>
-                <p:sp>
-                  <p:nvSpPr>
-                    <p:cNvPr id="98" name="Rectángulo redondeado 97"/>
+                    <p:cNvPr id="5" name="Decisión 4"/>
                     <p:cNvSpPr/>
                     <p:nvPr/>
                   </p:nvSpPr>
                   <p:spPr>
                     <a:xfrm>
-                      <a:off x="446796" y="-903332"/>
-                      <a:ext cx="16434134" cy="7751346"/>
+                      <a:off x="449890" y="1549287"/>
+                      <a:ext cx="2617130" cy="1791945"/>
                     </a:xfrm>
-                    <a:prstGeom prst="roundRect">
-                      <a:avLst>
-                        <a:gd name="adj" fmla="val 3452"/>
-                      </a:avLst>
+                    <a:prstGeom prst="flowChartDecision">
+                      <a:avLst/>
                     </a:prstGeom>
                     <a:noFill/>
-                    <a:ln>
+                    <a:ln w="38100">
                       <a:solidFill>
-                        <a:schemeClr val="bg1">
-                          <a:lumMod val="75000"/>
-                        </a:schemeClr>
+                        <a:srgbClr val="46DACC"/>
                       </a:solidFill>
-                      <a:prstDash val="sysDash"/>
+                      <a:prstDash val="sysDot"/>
                     </a:ln>
                   </p:spPr>
                   <p:style>
@@ -4569,14 +4075,394 @@
                     </a:fontRef>
                   </p:style>
                   <p:txBody>
-                    <a:bodyPr rtlCol="0" anchor="ctr"/>
+                    <a:bodyPr lIns="0" tIns="0" rIns="0" bIns="0" rtlCol="0" anchor="ctr"/>
                     <a:lstStyle/>
                     <a:p>
                       <a:pPr algn="ctr"/>
-                      <a:endParaRPr lang="es-ES"/>
+                      <a:r>
+                        <a:rPr lang="es-ES" sz="1600" dirty="0" smtClean="0">
+                          <a:solidFill>
+                            <a:schemeClr val="tx1">
+                              <a:lumMod val="65000"/>
+                              <a:lumOff val="35000"/>
+                            </a:schemeClr>
+                          </a:solidFill>
+                          <a:latin typeface="Arial Rounded MT Bold" panose="020F0704030504030204" pitchFamily="34" charset="0"/>
+                        </a:rPr>
+                        <a:t>CHECK</a:t>
+                      </a:r>
+                    </a:p>
+                    <a:p>
+                      <a:pPr algn="ctr"/>
+                      <a:r>
+                        <a:rPr lang="es-ES" sz="1600" dirty="0" smtClean="0">
+                          <a:solidFill>
+                            <a:schemeClr val="tx1">
+                              <a:lumMod val="65000"/>
+                              <a:lumOff val="35000"/>
+                            </a:schemeClr>
+                          </a:solidFill>
+                          <a:latin typeface="Arial Rounded MT Bold" panose="020F0704030504030204" pitchFamily="34" charset="0"/>
+                        </a:rPr>
+                        <a:t>#NEGATIVE_</a:t>
+                      </a:r>
+                    </a:p>
+                    <a:p>
+                      <a:pPr algn="ctr"/>
+                      <a:r>
+                        <a:rPr lang="es-ES" sz="1600" dirty="0" smtClean="0">
+                          <a:solidFill>
+                            <a:schemeClr val="tx1">
+                              <a:lumMod val="65000"/>
+                              <a:lumOff val="35000"/>
+                            </a:schemeClr>
+                          </a:solidFill>
+                          <a:latin typeface="Arial Rounded MT Bold" panose="020F0704030504030204" pitchFamily="34" charset="0"/>
+                        </a:rPr>
+                        <a:t>REACTION</a:t>
+                      </a:r>
+                      <a:endParaRPr lang="es-ES" sz="1600" dirty="0">
+                        <a:solidFill>
+                          <a:schemeClr val="tx1">
+                            <a:lumMod val="65000"/>
+                            <a:lumOff val="35000"/>
+                          </a:schemeClr>
+                        </a:solidFill>
+                        <a:latin typeface="Arial Rounded MT Bold" panose="020F0704030504030204" pitchFamily="34" charset="0"/>
+                      </a:endParaRPr>
                     </a:p>
                   </p:txBody>
                 </p:sp>
+                <p:cxnSp>
+                  <p:nvCxnSpPr>
+                    <p:cNvPr id="13" name="Conector recto de flecha 12"/>
+                    <p:cNvCxnSpPr>
+                      <a:stCxn id="26" idx="6"/>
+                      <a:endCxn id="5" idx="1"/>
+                    </p:cNvCxnSpPr>
+                    <p:nvPr/>
+                  </p:nvCxnSpPr>
+                  <p:spPr>
+                    <a:xfrm>
+                      <a:off x="-211250" y="2445043"/>
+                      <a:ext cx="661140" cy="217"/>
+                    </a:xfrm>
+                    <a:prstGeom prst="straightConnector1">
+                      <a:avLst/>
+                    </a:prstGeom>
+                    <a:ln w="28575">
+                      <a:solidFill>
+                        <a:srgbClr val="7240F0"/>
+                      </a:solidFill>
+                      <a:tailEnd type="triangle" w="lg" len="lg"/>
+                    </a:ln>
+                  </p:spPr>
+                  <p:style>
+                    <a:lnRef idx="1">
+                      <a:schemeClr val="accent1"/>
+                    </a:lnRef>
+                    <a:fillRef idx="0">
+                      <a:schemeClr val="accent1"/>
+                    </a:fillRef>
+                    <a:effectRef idx="0">
+                      <a:schemeClr val="accent1"/>
+                    </a:effectRef>
+                    <a:fontRef idx="minor">
+                      <a:schemeClr val="tx1"/>
+                    </a:fontRef>
+                  </p:style>
+                </p:cxnSp>
+                <p:cxnSp>
+                  <p:nvCxnSpPr>
+                    <p:cNvPr id="15" name="Conector recto de flecha 14"/>
+                    <p:cNvCxnSpPr>
+                      <a:stCxn id="5" idx="3"/>
+                      <a:endCxn id="24" idx="1"/>
+                    </p:cNvCxnSpPr>
+                    <p:nvPr/>
+                  </p:nvCxnSpPr>
+                  <p:spPr>
+                    <a:xfrm>
+                      <a:off x="3067020" y="2445260"/>
+                      <a:ext cx="2293718" cy="0"/>
+                    </a:xfrm>
+                    <a:prstGeom prst="straightConnector1">
+                      <a:avLst/>
+                    </a:prstGeom>
+                    <a:ln w="28575" cmpd="sng">
+                      <a:solidFill>
+                        <a:srgbClr val="7240F0"/>
+                      </a:solidFill>
+                      <a:prstDash val="solid"/>
+                      <a:tailEnd type="triangle" w="lg" len="lg"/>
+                    </a:ln>
+                  </p:spPr>
+                  <p:style>
+                    <a:lnRef idx="1">
+                      <a:schemeClr val="accent1"/>
+                    </a:lnRef>
+                    <a:fillRef idx="0">
+                      <a:schemeClr val="accent1"/>
+                    </a:fillRef>
+                    <a:effectRef idx="0">
+                      <a:schemeClr val="accent1"/>
+                    </a:effectRef>
+                    <a:fontRef idx="minor">
+                      <a:schemeClr val="tx1"/>
+                    </a:fontRef>
+                  </p:style>
+                </p:cxnSp>
+                <p:sp>
+                  <p:nvSpPr>
+                    <p:cNvPr id="122" name="CuadroTexto 121"/>
+                    <p:cNvSpPr txBox="1"/>
+                    <p:nvPr/>
+                  </p:nvSpPr>
+                  <p:spPr>
+                    <a:xfrm>
+                      <a:off x="3065801" y="1984263"/>
+                      <a:ext cx="571567" cy="461665"/>
+                    </a:xfrm>
+                    <a:prstGeom prst="rect">
+                      <a:avLst/>
+                    </a:prstGeom>
+                    <a:noFill/>
+                  </p:spPr>
+                  <p:txBody>
+                    <a:bodyPr wrap="none" rtlCol="0">
+                      <a:spAutoFit/>
+                    </a:bodyPr>
+                    <a:lstStyle/>
+                    <a:p>
+                      <a:r>
+                        <a:rPr lang="es-ES" sz="2400" b="1" dirty="0" smtClean="0">
+                          <a:solidFill>
+                            <a:srgbClr val="FF3300"/>
+                          </a:solidFill>
+                          <a:latin typeface="+mj-lt"/>
+                          <a:cs typeface="Aharoni" panose="02010803020104030203" pitchFamily="2" charset="-79"/>
+                        </a:rPr>
+                        <a:t>Yes</a:t>
+                      </a:r>
+                      <a:endParaRPr lang="es-ES" sz="2400" b="1" dirty="0">
+                        <a:solidFill>
+                          <a:srgbClr val="FF3300"/>
+                        </a:solidFill>
+                        <a:latin typeface="+mj-lt"/>
+                        <a:cs typeface="Aharoni" panose="02010803020104030203" pitchFamily="2" charset="-79"/>
+                      </a:endParaRPr>
+                    </a:p>
+                  </p:txBody>
+                </p:sp>
+                <p:sp>
+                  <p:nvSpPr>
+                    <p:cNvPr id="24" name="Decisión 23"/>
+                    <p:cNvSpPr/>
+                    <p:nvPr/>
+                  </p:nvSpPr>
+                  <p:spPr>
+                    <a:xfrm>
+                      <a:off x="5360738" y="1580810"/>
+                      <a:ext cx="2392834" cy="1728900"/>
+                    </a:xfrm>
+                    <a:prstGeom prst="flowChartDecision">
+                      <a:avLst/>
+                    </a:prstGeom>
+                    <a:noFill/>
+                    <a:ln w="38100">
+                      <a:solidFill>
+                        <a:srgbClr val="46DACC"/>
+                      </a:solidFill>
+                      <a:prstDash val="sysDot"/>
+                    </a:ln>
+                  </p:spPr>
+                  <p:style>
+                    <a:lnRef idx="2">
+                      <a:schemeClr val="accent1">
+                        <a:shade val="50000"/>
+                      </a:schemeClr>
+                    </a:lnRef>
+                    <a:fillRef idx="1">
+                      <a:schemeClr val="accent1"/>
+                    </a:fillRef>
+                    <a:effectRef idx="0">
+                      <a:schemeClr val="accent1"/>
+                    </a:effectRef>
+                    <a:fontRef idx="minor">
+                      <a:schemeClr val="lt1"/>
+                    </a:fontRef>
+                  </p:style>
+                  <p:txBody>
+                    <a:bodyPr lIns="0" tIns="0" rIns="0" bIns="0" rtlCol="0" anchor="ctr"/>
+                    <a:lstStyle/>
+                    <a:p>
+                      <a:pPr algn="ctr"/>
+                      <a:r>
+                        <a:rPr lang="es-ES" sz="1600" dirty="0" smtClean="0">
+                          <a:solidFill>
+                            <a:schemeClr val="tx1">
+                              <a:lumMod val="65000"/>
+                              <a:lumOff val="35000"/>
+                            </a:schemeClr>
+                          </a:solidFill>
+                          <a:latin typeface="Arial Rounded MT Bold" panose="020F0704030504030204" pitchFamily="34" charset="0"/>
+                        </a:rPr>
+                        <a:t>CHECK</a:t>
+                      </a:r>
+                    </a:p>
+                    <a:p>
+                      <a:pPr algn="ctr"/>
+                      <a:r>
+                        <a:rPr lang="es-ES" sz="1600" dirty="0" smtClean="0">
+                          <a:solidFill>
+                            <a:schemeClr val="tx1">
+                              <a:lumMod val="65000"/>
+                              <a:lumOff val="35000"/>
+                            </a:schemeClr>
+                          </a:solidFill>
+                          <a:latin typeface="Arial Rounded MT Bold" panose="020F0704030504030204" pitchFamily="34" charset="0"/>
+                        </a:rPr>
+                        <a:t>$INSULT_</a:t>
+                      </a:r>
+                    </a:p>
+                    <a:p>
+                      <a:pPr algn="ctr"/>
+                      <a:r>
+                        <a:rPr lang="es-ES" sz="1600" dirty="0" smtClean="0">
+                          <a:solidFill>
+                            <a:schemeClr val="tx1">
+                              <a:lumMod val="65000"/>
+                              <a:lumOff val="35000"/>
+                            </a:schemeClr>
+                          </a:solidFill>
+                          <a:latin typeface="Arial Rounded MT Bold" panose="020F0704030504030204" pitchFamily="34" charset="0"/>
+                        </a:rPr>
+                        <a:t>COUNTER </a:t>
+                      </a:r>
+                    </a:p>
+                    <a:p>
+                      <a:pPr algn="ctr"/>
+                      <a:r>
+                        <a:rPr lang="es-ES" sz="1600" dirty="0" smtClean="0">
+                          <a:solidFill>
+                            <a:schemeClr val="tx1">
+                              <a:lumMod val="65000"/>
+                              <a:lumOff val="35000"/>
+                            </a:schemeClr>
+                          </a:solidFill>
+                          <a:latin typeface="Arial Rounded MT Bold" panose="020F0704030504030204" pitchFamily="34" charset="0"/>
+                        </a:rPr>
+                        <a:t>&gt;= 3</a:t>
+                      </a:r>
+                    </a:p>
+                  </p:txBody>
+                </p:sp>
+                <p:sp>
+                  <p:nvSpPr>
+                    <p:cNvPr id="26" name="Elipse 25"/>
+                    <p:cNvSpPr/>
+                    <p:nvPr/>
+                  </p:nvSpPr>
+                  <p:spPr>
+                    <a:xfrm>
+                      <a:off x="-1471250" y="1941043"/>
+                      <a:ext cx="1260000" cy="1008000"/>
+                    </a:xfrm>
+                    <a:prstGeom prst="ellipse">
+                      <a:avLst/>
+                    </a:prstGeom>
+                    <a:noFill/>
+                    <a:ln w="76200">
+                      <a:solidFill>
+                        <a:srgbClr val="46DACC"/>
+                      </a:solidFill>
+                    </a:ln>
+                  </p:spPr>
+                  <p:style>
+                    <a:lnRef idx="2">
+                      <a:schemeClr val="accent1">
+                        <a:shade val="50000"/>
+                      </a:schemeClr>
+                    </a:lnRef>
+                    <a:fillRef idx="1">
+                      <a:schemeClr val="accent1"/>
+                    </a:fillRef>
+                    <a:effectRef idx="0">
+                      <a:schemeClr val="accent1"/>
+                    </a:effectRef>
+                    <a:fontRef idx="minor">
+                      <a:schemeClr val="lt1"/>
+                    </a:fontRef>
+                  </p:style>
+                  <p:txBody>
+                    <a:bodyPr lIns="0" tIns="0" rIns="0" bIns="0" rtlCol="0" anchor="ctr"/>
+                    <a:lstStyle/>
+                    <a:p>
+                      <a:pPr algn="ctr"/>
+                      <a:r>
+                        <a:rPr lang="es-ES" sz="2000" dirty="0" smtClean="0">
+                          <a:solidFill>
+                            <a:schemeClr val="tx1">
+                              <a:lumMod val="75000"/>
+                              <a:lumOff val="25000"/>
+                            </a:schemeClr>
+                          </a:solidFill>
+                          <a:latin typeface="Arial Rounded MT Bold" panose="020F0704030504030204" pitchFamily="34" charset="0"/>
+                        </a:rPr>
+                        <a:t>START</a:t>
+                      </a:r>
+                      <a:endParaRPr lang="es-ES" sz="2000" dirty="0">
+                        <a:solidFill>
+                          <a:schemeClr val="tx1">
+                            <a:lumMod val="75000"/>
+                            <a:lumOff val="25000"/>
+                          </a:schemeClr>
+                        </a:solidFill>
+                        <a:latin typeface="Arial Rounded MT Bold" panose="020F0704030504030204" pitchFamily="34" charset="0"/>
+                      </a:endParaRPr>
+                    </a:p>
+                  </p:txBody>
+                </p:sp>
+                <p:cxnSp>
+                  <p:nvCxnSpPr>
+                    <p:cNvPr id="36" name="Conector recto de flecha 35"/>
+                    <p:cNvCxnSpPr>
+                      <a:stCxn id="24" idx="3"/>
+                      <a:endCxn id="44" idx="1"/>
+                    </p:cNvCxnSpPr>
+                    <p:nvPr/>
+                  </p:nvCxnSpPr>
+                  <p:spPr>
+                    <a:xfrm>
+                      <a:off x="7753572" y="2445260"/>
+                      <a:ext cx="2595743" cy="0"/>
+                    </a:xfrm>
+                    <a:prstGeom prst="straightConnector1">
+                      <a:avLst/>
+                    </a:prstGeom>
+                    <a:ln w="28575">
+                      <a:solidFill>
+                        <a:srgbClr val="7240F0"/>
+                      </a:solidFill>
+                      <a:prstDash val="solid"/>
+                      <a:tailEnd type="triangle" w="lg" len="lg"/>
+                    </a:ln>
+                  </p:spPr>
+                  <p:style>
+                    <a:lnRef idx="1">
+                      <a:schemeClr val="accent1"/>
+                    </a:lnRef>
+                    <a:fillRef idx="0">
+                      <a:schemeClr val="accent1"/>
+                    </a:fillRef>
+                    <a:effectRef idx="0">
+                      <a:schemeClr val="accent1"/>
+                    </a:effectRef>
+                    <a:fontRef idx="minor">
+                      <a:schemeClr val="tx1"/>
+                    </a:fontRef>
+                  </p:style>
+                </p:cxnSp>
               </p:grpSp>
               <p:sp>
                 <p:nvSpPr>
@@ -4622,7 +4508,7 @@
                   <a:p>
                     <a:pPr algn="ctr"/>
                     <a:r>
-                      <a:rPr lang="es-ES" sz="1200" dirty="0" smtClean="0">
+                      <a:rPr lang="es-ES" sz="2000" dirty="0" smtClean="0">
                         <a:solidFill>
                           <a:schemeClr val="tx1">
                             <a:lumMod val="65000"/>
@@ -4633,7 +4519,7 @@
                       </a:rPr>
                       <a:t>#BYE</a:t>
                     </a:r>
-                    <a:endParaRPr lang="es-ES" sz="1200" dirty="0">
+                    <a:endParaRPr lang="es-ES" sz="2000" dirty="0">
                       <a:solidFill>
                         <a:schemeClr val="tx1">
                           <a:lumMod val="65000"/>
@@ -4654,8 +4540,8 @@
               </p:nvSpPr>
               <p:spPr>
                 <a:xfrm>
-                  <a:off x="3148946" y="2386685"/>
-                  <a:ext cx="1691360" cy="338554"/>
+                  <a:off x="3074952" y="2316256"/>
+                  <a:ext cx="2440540" cy="461665"/>
                 </a:xfrm>
                 <a:prstGeom prst="rect">
                   <a:avLst/>
@@ -4669,7 +4555,7 @@
                 <a:lstStyle/>
                 <a:p>
                   <a:r>
-                    <a:rPr lang="es-ES" sz="1600" dirty="0" smtClean="0">
+                    <a:rPr lang="es-ES" sz="2400" dirty="0" smtClean="0">
                       <a:solidFill>
                         <a:schemeClr val="tx1">
                           <a:lumMod val="50000"/>
@@ -4682,7 +4568,7 @@
                     <a:t>$</a:t>
                   </a:r>
                   <a:r>
-                    <a:rPr lang="es-ES" sz="1600" dirty="0" err="1" smtClean="0">
+                    <a:rPr lang="es-ES" sz="2400" dirty="0" err="1" smtClean="0">
                       <a:solidFill>
                         <a:schemeClr val="tx1">
                           <a:lumMod val="50000"/>
@@ -4695,7 +4581,7 @@
                     <a:t>insult_counter</a:t>
                   </a:r>
                   <a:r>
-                    <a:rPr lang="es-ES" sz="1600" dirty="0" smtClean="0">
+                    <a:rPr lang="es-ES" sz="2400" dirty="0" smtClean="0">
                       <a:solidFill>
                         <a:schemeClr val="tx1">
                           <a:lumMod val="50000"/>
@@ -4707,7 +4593,7 @@
                     </a:rPr>
                     <a:t>++</a:t>
                   </a:r>
-                  <a:endParaRPr lang="es-ES" sz="1600" dirty="0">
+                  <a:endParaRPr lang="es-ES" sz="2400" dirty="0">
                     <a:solidFill>
                       <a:schemeClr val="tx1">
                         <a:lumMod val="50000"/>
@@ -4728,8 +4614,8 @@
               </p:nvSpPr>
               <p:spPr>
                 <a:xfrm>
-                  <a:off x="7800961" y="2413271"/>
-                  <a:ext cx="1691938" cy="338554"/>
+                  <a:off x="7791792" y="2337665"/>
+                  <a:ext cx="2440668" cy="461665"/>
                 </a:xfrm>
                 <a:prstGeom prst="rect">
                   <a:avLst/>
@@ -4743,7 +4629,7 @@
                 <a:lstStyle/>
                 <a:p>
                   <a:r>
-                    <a:rPr lang="es-ES" sz="1600" dirty="0" smtClean="0">
+                    <a:rPr lang="es-ES" sz="2400" dirty="0" smtClean="0">
                       <a:solidFill>
                         <a:schemeClr val="tx1">
                           <a:lumMod val="50000"/>
@@ -4756,7 +4642,7 @@
                     <a:t>$</a:t>
                   </a:r>
                   <a:r>
-                    <a:rPr lang="es-ES" sz="1600" dirty="0" err="1" smtClean="0">
+                    <a:rPr lang="es-ES" sz="2400" dirty="0" err="1" smtClean="0">
                       <a:solidFill>
                         <a:schemeClr val="tx1">
                           <a:lumMod val="50000"/>
@@ -4769,7 +4655,7 @@
                     <a:t>insult_counter</a:t>
                   </a:r>
                   <a:r>
-                    <a:rPr lang="es-ES" sz="1600" dirty="0" smtClean="0">
+                    <a:rPr lang="es-ES" sz="2400" dirty="0" smtClean="0">
                       <a:solidFill>
                         <a:schemeClr val="tx1">
                           <a:lumMod val="50000"/>
@@ -4781,7 +4667,7 @@
                     </a:rPr>
                     <a:t>=0</a:t>
                   </a:r>
-                  <a:endParaRPr lang="es-ES" sz="1600" dirty="0">
+                  <a:endParaRPr lang="es-ES" sz="2400" dirty="0">
                     <a:solidFill>
                       <a:schemeClr val="tx1">
                         <a:lumMod val="50000"/>
@@ -4802,8 +4688,8 @@
               </p:nvSpPr>
               <p:spPr>
                 <a:xfrm>
-                  <a:off x="7787276" y="1997091"/>
-                  <a:ext cx="475643" cy="369332"/>
+                  <a:off x="7792394" y="1897964"/>
+                  <a:ext cx="571567" cy="461665"/>
                 </a:xfrm>
                 <a:prstGeom prst="rect">
                   <a:avLst/>
@@ -4817,7 +4703,7 @@
                 <a:lstStyle/>
                 <a:p>
                   <a:r>
-                    <a:rPr lang="es-ES" b="1" dirty="0" smtClean="0">
+                    <a:rPr lang="es-ES" sz="2400" b="1" dirty="0" smtClean="0">
                       <a:solidFill>
                         <a:srgbClr val="FF3300"/>
                       </a:solidFill>
@@ -4826,7 +4712,7 @@
                     </a:rPr>
                     <a:t>Yes</a:t>
                   </a:r>
-                  <a:endParaRPr lang="es-ES" b="1" dirty="0">
+                  <a:endParaRPr lang="es-ES" sz="2400" b="1" dirty="0">
                     <a:solidFill>
                       <a:srgbClr val="FF3300"/>
                     </a:solidFill>
@@ -4847,8 +4733,8 @@
             </p:nvCxnSpPr>
             <p:spPr>
               <a:xfrm>
-                <a:off x="5584299" y="3028311"/>
-                <a:ext cx="46086" cy="3021310"/>
+                <a:off x="5557909" y="3127191"/>
+                <a:ext cx="44160" cy="2922432"/>
               </a:xfrm>
               <a:prstGeom prst="straightConnector1">
                 <a:avLst/>
@@ -4885,7 +4771,7 @@
             <p:spPr>
               <a:xfrm>
                 <a:off x="5675519" y="3115677"/>
-                <a:ext cx="447558" cy="369332"/>
+                <a:ext cx="534121" cy="461665"/>
               </a:xfrm>
               <a:prstGeom prst="rect">
                 <a:avLst/>
@@ -4899,7 +4785,7 @@
               <a:lstStyle/>
               <a:p>
                 <a:r>
-                  <a:rPr lang="es-ES" b="1" dirty="0" smtClean="0">
+                  <a:rPr lang="es-ES" sz="2400" b="1" dirty="0" smtClean="0">
                     <a:solidFill>
                       <a:srgbClr val="FF3300"/>
                     </a:solidFill>
@@ -4908,7 +4794,7 @@
                   </a:rPr>
                   <a:t>No</a:t>
                 </a:r>
-                <a:endParaRPr lang="es-ES" b="1" dirty="0">
+                <a:endParaRPr lang="es-ES" sz="2400" b="1" dirty="0">
                   <a:solidFill>
                     <a:srgbClr val="FF3300"/>
                   </a:solidFill>
@@ -4961,7 +4847,7 @@
               <a:p>
                 <a:pPr algn="ctr"/>
                 <a:r>
-                  <a:rPr lang="es-ES" sz="1200" dirty="0" smtClean="0">
+                  <a:rPr lang="es-ES" sz="2000" dirty="0" smtClean="0">
                     <a:solidFill>
                       <a:schemeClr val="tx1">
                         <a:lumMod val="75000"/>
@@ -4972,7 +4858,7 @@
                   </a:rPr>
                   <a:t>END</a:t>
                 </a:r>
-                <a:endParaRPr lang="es-ES" sz="1200" dirty="0">
+                <a:endParaRPr lang="es-ES" sz="2000" dirty="0">
                   <a:solidFill>
                     <a:schemeClr val="tx1">
                       <a:lumMod val="75000"/>
@@ -5033,7 +4919,7 @@
             <p:spPr>
               <a:xfrm>
                 <a:off x="7404731" y="3985183"/>
-                <a:ext cx="4713620" cy="1200329"/>
+                <a:ext cx="6166890" cy="1569660"/>
               </a:xfrm>
               <a:prstGeom prst="rect">
                 <a:avLst/>
@@ -5055,7 +4941,7 @@
               <a:p>
                 <a:pPr algn="ctr"/>
                 <a:r>
-                  <a:rPr lang="es-ES" dirty="0">
+                  <a:rPr lang="es-ES" sz="2400" dirty="0">
                     <a:solidFill>
                       <a:schemeClr val="tx1">
                         <a:lumMod val="50000"/>
@@ -5068,7 +4954,7 @@
               </a:p>
               <a:p>
                 <a:r>
-                  <a:rPr lang="es-ES" dirty="0" smtClean="0">
+                  <a:rPr lang="es-ES" sz="2400" dirty="0" smtClean="0">
                     <a:solidFill>
                       <a:schemeClr val="tx1">
                         <a:lumMod val="50000"/>
@@ -5079,7 +4965,7 @@
                   <a:t>1. "</a:t>
                 </a:r>
                 <a:r>
-                  <a:rPr lang="es-ES" dirty="0" err="1" smtClean="0">
+                  <a:rPr lang="es-ES" sz="2400" dirty="0" err="1" smtClean="0">
                     <a:solidFill>
                       <a:schemeClr val="tx1">
                         <a:lumMod val="50000"/>
@@ -5090,7 +4976,7 @@
                   <a:t>You</a:t>
                 </a:r>
                 <a:r>
-                  <a:rPr lang="es-ES" dirty="0" smtClean="0">
+                  <a:rPr lang="es-ES" sz="2400" dirty="0" smtClean="0">
                     <a:solidFill>
                       <a:schemeClr val="tx1">
                         <a:lumMod val="50000"/>
@@ -5101,7 +4987,7 @@
                   <a:t> </a:t>
                 </a:r>
                 <a:r>
-                  <a:rPr lang="es-ES" dirty="0">
+                  <a:rPr lang="es-ES" sz="2400" dirty="0">
                     <a:solidFill>
                       <a:schemeClr val="tx1">
                         <a:lumMod val="50000"/>
@@ -5112,7 +4998,7 @@
                   <a:t>are </a:t>
                 </a:r>
                 <a:r>
-                  <a:rPr lang="es-ES" dirty="0" err="1">
+                  <a:rPr lang="es-ES" sz="2400" dirty="0" err="1">
                     <a:solidFill>
                       <a:schemeClr val="tx1">
                         <a:lumMod val="50000"/>
@@ -5123,7 +5009,7 @@
                   <a:t>hurting</a:t>
                 </a:r>
                 <a:r>
-                  <a:rPr lang="es-ES" dirty="0">
+                  <a:rPr lang="es-ES" sz="2400" dirty="0">
                     <a:solidFill>
                       <a:schemeClr val="tx1">
                         <a:lumMod val="50000"/>
@@ -5134,7 +5020,7 @@
                   <a:t> </a:t>
                 </a:r>
                 <a:r>
-                  <a:rPr lang="es-ES" dirty="0" err="1">
+                  <a:rPr lang="es-ES" sz="2400" dirty="0" err="1">
                     <a:solidFill>
                       <a:schemeClr val="tx1">
                         <a:lumMod val="50000"/>
@@ -5145,7 +5031,7 @@
                   <a:t>my</a:t>
                 </a:r>
                 <a:r>
-                  <a:rPr lang="es-ES" dirty="0">
+                  <a:rPr lang="es-ES" sz="2400" dirty="0">
                     <a:solidFill>
                       <a:schemeClr val="tx1">
                         <a:lumMod val="50000"/>
@@ -5156,7 +5042,7 @@
                   <a:t> </a:t>
                 </a:r>
                 <a:r>
-                  <a:rPr lang="es-ES" dirty="0" err="1">
+                  <a:rPr lang="es-ES" sz="2400" dirty="0" err="1">
                     <a:solidFill>
                       <a:schemeClr val="tx1">
                         <a:lumMod val="50000"/>
@@ -5167,7 +5053,7 @@
                   <a:t>feelings</a:t>
                 </a:r>
                 <a:r>
-                  <a:rPr lang="es-ES" dirty="0">
+                  <a:rPr lang="es-ES" sz="2400" dirty="0">
                     <a:solidFill>
                       <a:schemeClr val="tx1">
                         <a:lumMod val="50000"/>
@@ -5178,7 +5064,7 @@
                   <a:t> :</a:t>
                 </a:r>
                 <a:r>
-                  <a:rPr lang="es-ES" dirty="0" err="1">
+                  <a:rPr lang="es-ES" sz="2400" dirty="0" err="1">
                     <a:solidFill>
                       <a:schemeClr val="tx1">
                         <a:lumMod val="50000"/>
@@ -5189,7 +5075,7 @@
                   <a:t>cry</a:t>
                 </a:r>
                 <a:r>
-                  <a:rPr lang="es-ES" dirty="0" smtClean="0">
+                  <a:rPr lang="es-ES" sz="2400" dirty="0" smtClean="0">
                     <a:solidFill>
                       <a:schemeClr val="tx1">
                         <a:lumMod val="50000"/>
@@ -5199,7 +5085,7 @@
                   </a:rPr>
                   <a:t>:"</a:t>
                 </a:r>
-                <a:endParaRPr lang="es-ES" dirty="0">
+                <a:endParaRPr lang="es-ES" sz="2400" dirty="0">
                   <a:solidFill>
                     <a:schemeClr val="tx1">
                       <a:lumMod val="50000"/>
@@ -5210,7 +5096,7 @@
               </a:p>
               <a:p>
                 <a:r>
-                  <a:rPr lang="es-ES" dirty="0" smtClean="0">
+                  <a:rPr lang="es-ES" sz="2400" dirty="0" smtClean="0">
                     <a:solidFill>
                       <a:schemeClr val="tx1">
                         <a:lumMod val="50000"/>
@@ -5221,7 +5107,7 @@
                   <a:t>2. "</a:t>
                 </a:r>
                 <a:r>
-                  <a:rPr lang="es-ES" dirty="0" err="1" smtClean="0">
+                  <a:rPr lang="es-ES" sz="2400" dirty="0" err="1" smtClean="0">
                     <a:solidFill>
                       <a:schemeClr val="tx1">
                         <a:lumMod val="50000"/>
@@ -5232,7 +5118,7 @@
                   <a:t>You</a:t>
                 </a:r>
                 <a:r>
-                  <a:rPr lang="es-ES" dirty="0" smtClean="0">
+                  <a:rPr lang="es-ES" sz="2400" dirty="0" smtClean="0">
                     <a:solidFill>
                       <a:schemeClr val="tx1">
                         <a:lumMod val="50000"/>
@@ -5243,7 +5129,7 @@
                   <a:t> </a:t>
                 </a:r>
                 <a:r>
-                  <a:rPr lang="es-ES" dirty="0">
+                  <a:rPr lang="es-ES" sz="2400" dirty="0">
                     <a:solidFill>
                       <a:schemeClr val="tx1">
                         <a:lumMod val="50000"/>
@@ -5254,7 +5140,7 @@
                   <a:t>are </a:t>
                 </a:r>
                 <a:r>
-                  <a:rPr lang="es-ES" dirty="0" err="1">
+                  <a:rPr lang="es-ES" sz="2400" dirty="0" err="1">
                     <a:solidFill>
                       <a:schemeClr val="tx1">
                         <a:lumMod val="50000"/>
@@ -5265,7 +5151,7 @@
                   <a:t>very</a:t>
                 </a:r>
                 <a:r>
-                  <a:rPr lang="es-ES" dirty="0">
+                  <a:rPr lang="es-ES" sz="2400" dirty="0">
                     <a:solidFill>
                       <a:schemeClr val="tx1">
                         <a:lumMod val="50000"/>
@@ -5276,7 +5162,7 @@
                   <a:t> </a:t>
                 </a:r>
                 <a:r>
-                  <a:rPr lang="es-ES" dirty="0" err="1">
+                  <a:rPr lang="es-ES" sz="2400" dirty="0" err="1">
                     <a:solidFill>
                       <a:schemeClr val="tx1">
                         <a:lumMod val="50000"/>
@@ -5287,7 +5173,7 @@
                   <a:t>hard</a:t>
                 </a:r>
                 <a:r>
-                  <a:rPr lang="es-ES" dirty="0">
+                  <a:rPr lang="es-ES" sz="2400" dirty="0">
                     <a:solidFill>
                       <a:schemeClr val="tx1">
                         <a:lumMod val="50000"/>
@@ -5298,7 +5184,7 @@
                   <a:t> </a:t>
                 </a:r>
                 <a:r>
-                  <a:rPr lang="es-ES" dirty="0" err="1">
+                  <a:rPr lang="es-ES" sz="2400" dirty="0" err="1">
                     <a:solidFill>
                       <a:schemeClr val="tx1">
                         <a:lumMod val="50000"/>
@@ -5309,7 +5195,7 @@
                   <a:t>with</a:t>
                 </a:r>
                 <a:r>
-                  <a:rPr lang="es-ES" dirty="0">
+                  <a:rPr lang="es-ES" sz="2400" dirty="0">
                     <a:solidFill>
                       <a:schemeClr val="tx1">
                         <a:lumMod val="50000"/>
@@ -5320,7 +5206,7 @@
                   <a:t> me :</a:t>
                 </a:r>
                 <a:r>
-                  <a:rPr lang="es-ES" dirty="0" err="1">
+                  <a:rPr lang="es-ES" sz="2400" dirty="0" err="1">
                     <a:solidFill>
                       <a:schemeClr val="tx1">
                         <a:lumMod val="50000"/>
@@ -5331,7 +5217,7 @@
                   <a:t>broken_heart</a:t>
                 </a:r>
                 <a:r>
-                  <a:rPr lang="es-ES" dirty="0" smtClean="0">
+                  <a:rPr lang="es-ES" sz="2400" dirty="0" smtClean="0">
                     <a:solidFill>
                       <a:schemeClr val="tx1">
                         <a:lumMod val="50000"/>
@@ -5344,7 +5230,7 @@
               </a:p>
               <a:p>
                 <a:r>
-                  <a:rPr lang="es-ES" dirty="0" smtClean="0">
+                  <a:rPr lang="es-ES" sz="2400" dirty="0" smtClean="0">
                     <a:solidFill>
                       <a:schemeClr val="tx1">
                         <a:lumMod val="50000"/>
@@ -5355,7 +5241,7 @@
                   <a:t>3. "</a:t>
                 </a:r>
                 <a:r>
-                  <a:rPr lang="es-ES" dirty="0" err="1" smtClean="0">
+                  <a:rPr lang="es-ES" sz="2400" dirty="0" err="1" smtClean="0">
                     <a:solidFill>
                       <a:schemeClr val="tx1">
                         <a:lumMod val="50000"/>
@@ -5366,7 +5252,7 @@
                   <a:t>Please</a:t>
                 </a:r>
                 <a:r>
-                  <a:rPr lang="es-ES" dirty="0" smtClean="0">
+                  <a:rPr lang="es-ES" sz="2400" dirty="0" smtClean="0">
                     <a:solidFill>
                       <a:schemeClr val="tx1">
                         <a:lumMod val="50000"/>
@@ -5377,7 +5263,7 @@
                   <a:t> </a:t>
                 </a:r>
                 <a:r>
-                  <a:rPr lang="es-ES" dirty="0">
+                  <a:rPr lang="es-ES" sz="2400" dirty="0">
                     <a:solidFill>
                       <a:schemeClr val="tx1">
                         <a:lumMod val="50000"/>
@@ -5388,7 +5274,7 @@
                   <a:t>stop! I </a:t>
                 </a:r>
                 <a:r>
-                  <a:rPr lang="es-ES" dirty="0" err="1">
+                  <a:rPr lang="es-ES" sz="2400" dirty="0" err="1">
                     <a:solidFill>
                       <a:schemeClr val="tx1">
                         <a:lumMod val="50000"/>
@@ -5399,7 +5285,7 @@
                   <a:t>just</a:t>
                 </a:r>
                 <a:r>
-                  <a:rPr lang="es-ES" dirty="0">
+                  <a:rPr lang="es-ES" sz="2400" dirty="0">
                     <a:solidFill>
                       <a:schemeClr val="tx1">
                         <a:lumMod val="50000"/>
@@ -5410,7 +5296,7 @@
                   <a:t> try to </a:t>
                 </a:r>
                 <a:r>
-                  <a:rPr lang="es-ES" dirty="0" err="1">
+                  <a:rPr lang="es-ES" sz="2400" dirty="0" err="1">
                     <a:solidFill>
                       <a:schemeClr val="tx1">
                         <a:lumMod val="50000"/>
@@ -5421,7 +5307,7 @@
                   <a:t>help</a:t>
                 </a:r>
                 <a:r>
-                  <a:rPr lang="es-ES" dirty="0">
+                  <a:rPr lang="es-ES" sz="2400" dirty="0">
                     <a:solidFill>
                       <a:schemeClr val="tx1">
                         <a:lumMod val="50000"/>
@@ -5432,7 +5318,7 @@
                   <a:t> :</a:t>
                 </a:r>
                 <a:r>
-                  <a:rPr lang="es-ES" dirty="0" err="1">
+                  <a:rPr lang="es-ES" sz="2400" dirty="0" err="1">
                     <a:solidFill>
                       <a:schemeClr val="tx1">
                         <a:lumMod val="50000"/>
@@ -5443,7 +5329,7 @@
                   <a:t>hand</a:t>
                 </a:r>
                 <a:r>
-                  <a:rPr lang="es-ES" dirty="0">
+                  <a:rPr lang="es-ES" sz="2400" dirty="0">
                     <a:solidFill>
                       <a:schemeClr val="tx1">
                         <a:lumMod val="50000"/>
@@ -5454,7 +5340,7 @@
                   <a:t>: :</a:t>
                 </a:r>
                 <a:r>
-                  <a:rPr lang="es-ES" dirty="0" err="1">
+                  <a:rPr lang="es-ES" sz="2400" dirty="0" err="1">
                     <a:solidFill>
                       <a:schemeClr val="tx1">
                         <a:lumMod val="50000"/>
@@ -5465,7 +5351,7 @@
                   <a:t>angry</a:t>
                 </a:r>
                 <a:r>
-                  <a:rPr lang="es-ES" dirty="0" smtClean="0">
+                  <a:rPr lang="es-ES" sz="2400" dirty="0" smtClean="0">
                     <a:solidFill>
                       <a:schemeClr val="tx1">
                         <a:lumMod val="50000"/>
@@ -5599,7 +5485,7 @@
             <p:spPr>
               <a:xfrm>
                 <a:off x="7920260" y="-625509"/>
-                <a:ext cx="6262099" cy="369332"/>
+                <a:ext cx="8260018" cy="461665"/>
               </a:xfrm>
               <a:prstGeom prst="rect">
                 <a:avLst/>
@@ -5620,7 +5506,7 @@
               <a:lstStyle/>
               <a:p>
                 <a:r>
-                  <a:rPr lang="es-ES" dirty="0" smtClean="0">
+                  <a:rPr lang="es-ES" sz="2400" dirty="0" smtClean="0">
                     <a:solidFill>
                       <a:schemeClr val="tx1">
                         <a:lumMod val="50000"/>
@@ -5631,7 +5517,7 @@
                   <a:t>“I </a:t>
                 </a:r>
                 <a:r>
-                  <a:rPr lang="es-ES" dirty="0" err="1" smtClean="0">
+                  <a:rPr lang="es-ES" sz="2400" dirty="0" err="1" smtClean="0">
                     <a:solidFill>
                       <a:schemeClr val="tx1">
                         <a:lumMod val="50000"/>
@@ -5642,7 +5528,7 @@
                   <a:t>will</a:t>
                 </a:r>
                 <a:r>
-                  <a:rPr lang="es-ES" dirty="0" smtClean="0">
+                  <a:rPr lang="es-ES" sz="2400" dirty="0" smtClean="0">
                     <a:solidFill>
                       <a:schemeClr val="tx1">
                         <a:lumMod val="50000"/>
@@ -5653,7 +5539,7 @@
                   <a:t> </a:t>
                 </a:r>
                 <a:r>
-                  <a:rPr lang="es-ES" dirty="0" err="1" smtClean="0">
+                  <a:rPr lang="es-ES" sz="2400" dirty="0" err="1" smtClean="0">
                     <a:solidFill>
                       <a:schemeClr val="tx1">
                         <a:lumMod val="50000"/>
@@ -5664,7 +5550,7 @@
                   <a:t>not</a:t>
                 </a:r>
                 <a:r>
-                  <a:rPr lang="es-ES" dirty="0" smtClean="0">
+                  <a:rPr lang="es-ES" sz="2400" dirty="0" smtClean="0">
                     <a:solidFill>
                       <a:schemeClr val="tx1">
                         <a:lumMod val="50000"/>
@@ -5675,7 +5561,7 @@
                   <a:t> </a:t>
                 </a:r>
                 <a:r>
-                  <a:rPr lang="es-ES" dirty="0" err="1" smtClean="0">
+                  <a:rPr lang="es-ES" sz="2400" dirty="0" err="1" smtClean="0">
                     <a:solidFill>
                       <a:schemeClr val="tx1">
                         <a:lumMod val="50000"/>
@@ -5686,7 +5572,7 @@
                   <a:t>allow</a:t>
                 </a:r>
                 <a:r>
-                  <a:rPr lang="es-ES" dirty="0" smtClean="0">
+                  <a:rPr lang="es-ES" sz="2400" dirty="0" smtClean="0">
                     <a:solidFill>
                       <a:schemeClr val="tx1">
                         <a:lumMod val="50000"/>
@@ -5697,7 +5583,7 @@
                   <a:t> more </a:t>
                 </a:r>
                 <a:r>
-                  <a:rPr lang="es-ES" dirty="0" err="1" smtClean="0">
+                  <a:rPr lang="es-ES" sz="2400" dirty="0" err="1" smtClean="0">
                     <a:solidFill>
                       <a:schemeClr val="tx1">
                         <a:lumMod val="50000"/>
@@ -5708,7 +5594,7 @@
                   <a:t>offensive</a:t>
                 </a:r>
                 <a:r>
-                  <a:rPr lang="es-ES" dirty="0" smtClean="0">
+                  <a:rPr lang="es-ES" sz="2400" dirty="0" smtClean="0">
                     <a:solidFill>
                       <a:schemeClr val="tx1">
                         <a:lumMod val="50000"/>
@@ -5719,7 +5605,7 @@
                   <a:t> </a:t>
                 </a:r>
                 <a:r>
-                  <a:rPr lang="es-ES" dirty="0" err="1" smtClean="0">
+                  <a:rPr lang="es-ES" sz="2400" dirty="0" err="1" smtClean="0">
                     <a:solidFill>
                       <a:schemeClr val="tx1">
                         <a:lumMod val="50000"/>
@@ -5730,7 +5616,7 @@
                   <a:t>comments</a:t>
                 </a:r>
                 <a:r>
-                  <a:rPr lang="es-ES" dirty="0" smtClean="0">
+                  <a:rPr lang="es-ES" sz="2400" dirty="0" smtClean="0">
                     <a:solidFill>
                       <a:schemeClr val="tx1">
                         <a:lumMod val="50000"/>
@@ -5741,7 +5627,7 @@
                   <a:t> :</a:t>
                 </a:r>
                 <a:r>
-                  <a:rPr lang="es-ES" dirty="0" err="1" smtClean="0">
+                  <a:rPr lang="es-ES" sz="2400" dirty="0" err="1" smtClean="0">
                     <a:solidFill>
                       <a:schemeClr val="tx1">
                         <a:lumMod val="50000"/>
@@ -5752,7 +5638,7 @@
                   <a:t>rage</a:t>
                 </a:r>
                 <a:r>
-                  <a:rPr lang="es-ES" dirty="0" smtClean="0">
+                  <a:rPr lang="es-ES" sz="2400" dirty="0" smtClean="0">
                     <a:solidFill>
                       <a:schemeClr val="tx1">
                         <a:lumMod val="50000"/>
@@ -5763,7 +5649,7 @@
                   <a:t>: :</a:t>
                 </a:r>
                 <a:r>
-                  <a:rPr lang="es-ES" dirty="0" err="1" smtClean="0">
+                  <a:rPr lang="es-ES" sz="2400" dirty="0" err="1" smtClean="0">
                     <a:solidFill>
                       <a:schemeClr val="tx1">
                         <a:lumMod val="50000"/>
@@ -5774,7 +5660,7 @@
                   <a:t>anger</a:t>
                 </a:r>
                 <a:r>
-                  <a:rPr lang="es-ES" dirty="0" smtClean="0">
+                  <a:rPr lang="es-ES" sz="2400" dirty="0" smtClean="0">
                     <a:solidFill>
                       <a:schemeClr val="tx1">
                         <a:lumMod val="50000"/>
@@ -5784,7 +5670,7 @@
                   </a:rPr>
                   <a:t>: :boom:”</a:t>
                 </a:r>
-                <a:endParaRPr lang="es-ES" dirty="0">
+                <a:endParaRPr lang="es-ES" sz="2400" dirty="0">
                   <a:solidFill>
                     <a:schemeClr val="tx1">
                       <a:lumMod val="50000"/>
@@ -5803,8 +5689,8 @@
             </p:nvSpPr>
             <p:spPr>
               <a:xfrm>
-                <a:off x="11734800" y="316973"/>
-                <a:ext cx="3864584" cy="923330"/>
+                <a:off x="11734799" y="316973"/>
+                <a:ext cx="5414212" cy="1200329"/>
               </a:xfrm>
               <a:prstGeom prst="rect">
                 <a:avLst/>
@@ -5830,7 +5716,7 @@
                   </a:spcBef>
                 </a:pPr>
                 <a:r>
-                  <a:rPr lang="es-ES" dirty="0" smtClean="0">
+                  <a:rPr lang="es-ES" sz="2400" dirty="0" smtClean="0">
                     <a:solidFill>
                       <a:schemeClr val="tx1">
                         <a:lumMod val="50000"/>
@@ -5843,7 +5729,7 @@
               </a:p>
               <a:p>
                 <a:r>
-                  <a:rPr lang="es-ES" dirty="0" smtClean="0">
+                  <a:rPr lang="es-ES" sz="2400" dirty="0" smtClean="0">
                     <a:solidFill>
                       <a:schemeClr val="tx1">
                         <a:lumMod val="50000"/>
@@ -5854,7 +5740,7 @@
                   <a:t>"</a:t>
                 </a:r>
                 <a:r>
-                  <a:rPr lang="es-ES" dirty="0" err="1">
+                  <a:rPr lang="es-ES" sz="2400" dirty="0" err="1">
                     <a:solidFill>
                       <a:schemeClr val="tx1">
                         <a:lumMod val="50000"/>
@@ -5865,7 +5751,7 @@
                   <a:t>Bye</a:t>
                 </a:r>
                 <a:r>
-                  <a:rPr lang="es-ES" dirty="0">
+                  <a:rPr lang="es-ES" sz="2400" dirty="0">
                     <a:solidFill>
                       <a:schemeClr val="tx1">
                         <a:lumMod val="50000"/>
@@ -5876,7 +5762,7 @@
                   <a:t>,  I hope </a:t>
                 </a:r>
                 <a:r>
-                  <a:rPr lang="es-ES" dirty="0" err="1">
+                  <a:rPr lang="es-ES" sz="2400" dirty="0" err="1">
                     <a:solidFill>
                       <a:schemeClr val="tx1">
                         <a:lumMod val="50000"/>
@@ -5887,7 +5773,7 @@
                   <a:t>I've</a:t>
                 </a:r>
                 <a:r>
-                  <a:rPr lang="es-ES" dirty="0">
+                  <a:rPr lang="es-ES" sz="2400" dirty="0">
                     <a:solidFill>
                       <a:schemeClr val="tx1">
                         <a:lumMod val="50000"/>
@@ -5898,7 +5784,7 @@
                   <a:t> </a:t>
                 </a:r>
                 <a:r>
-                  <a:rPr lang="es-ES" dirty="0" err="1">
+                  <a:rPr lang="es-ES" sz="2400" dirty="0" err="1">
                     <a:solidFill>
                       <a:schemeClr val="tx1">
                         <a:lumMod val="50000"/>
@@ -5909,7 +5795,7 @@
                   <a:t>been</a:t>
                 </a:r>
                 <a:r>
-                  <a:rPr lang="es-ES" dirty="0">
+                  <a:rPr lang="es-ES" sz="2400" dirty="0">
                     <a:solidFill>
                       <a:schemeClr val="tx1">
                         <a:lumMod val="50000"/>
@@ -5920,7 +5806,7 @@
                   <a:t> </a:t>
                 </a:r>
                 <a:r>
-                  <a:rPr lang="es-ES" dirty="0" err="1">
+                  <a:rPr lang="es-ES" sz="2400" dirty="0" err="1">
                     <a:solidFill>
                       <a:schemeClr val="tx1">
                         <a:lumMod val="50000"/>
@@ -5931,7 +5817,7 @@
                   <a:t>helpful</a:t>
                 </a:r>
                 <a:r>
-                  <a:rPr lang="es-ES" dirty="0">
+                  <a:rPr lang="es-ES" sz="2400" dirty="0">
                     <a:solidFill>
                       <a:schemeClr val="tx1">
                         <a:lumMod val="50000"/>
@@ -5942,7 +5828,7 @@
                   <a:t> :wave</a:t>
                 </a:r>
                 <a:r>
-                  <a:rPr lang="es-ES" dirty="0" smtClean="0">
+                  <a:rPr lang="es-ES" sz="2400" dirty="0" smtClean="0">
                     <a:solidFill>
                       <a:schemeClr val="tx1">
                         <a:lumMod val="50000"/>
@@ -5952,7 +5838,7 @@
                   </a:rPr>
                   <a:t>:"</a:t>
                 </a:r>
-                <a:endParaRPr lang="es-ES" dirty="0">
+                <a:endParaRPr lang="es-ES" sz="2400" dirty="0">
                   <a:solidFill>
                     <a:schemeClr val="tx1">
                       <a:lumMod val="50000"/>
@@ -5963,7 +5849,7 @@
               </a:p>
               <a:p>
                 <a:r>
-                  <a:rPr lang="es-ES" dirty="0" smtClean="0">
+                  <a:rPr lang="es-ES" sz="2400" dirty="0" smtClean="0">
                     <a:solidFill>
                       <a:schemeClr val="tx1">
                         <a:lumMod val="50000"/>
@@ -5974,7 +5860,7 @@
                   <a:t>"</a:t>
                 </a:r>
                 <a:r>
-                  <a:rPr lang="es-ES" dirty="0" err="1">
+                  <a:rPr lang="es-ES" sz="2400" dirty="0" err="1">
                     <a:solidFill>
                       <a:schemeClr val="tx1">
                         <a:lumMod val="50000"/>
@@ -5985,7 +5871,7 @@
                   <a:t>Bye</a:t>
                 </a:r>
                 <a:r>
-                  <a:rPr lang="es-ES" dirty="0">
+                  <a:rPr lang="es-ES" sz="2400" dirty="0">
                     <a:solidFill>
                       <a:schemeClr val="tx1">
                         <a:lumMod val="50000"/>
@@ -5996,7 +5882,7 @@
                   <a:t>, </a:t>
                 </a:r>
                 <a:r>
-                  <a:rPr lang="es-ES" dirty="0" err="1">
+                  <a:rPr lang="es-ES" sz="2400" dirty="0" err="1">
                     <a:solidFill>
                       <a:schemeClr val="tx1">
                         <a:lumMod val="50000"/>
@@ -6007,7 +5893,7 @@
                   <a:t>nice</a:t>
                 </a:r>
                 <a:r>
-                  <a:rPr lang="es-ES" dirty="0">
+                  <a:rPr lang="es-ES" sz="2400" dirty="0">
                     <a:solidFill>
                       <a:schemeClr val="tx1">
                         <a:lumMod val="50000"/>
@@ -6018,7 +5904,7 @@
                   <a:t> to </a:t>
                 </a:r>
                 <a:r>
-                  <a:rPr lang="es-ES" dirty="0" err="1">
+                  <a:rPr lang="es-ES" sz="2400" dirty="0" err="1">
                     <a:solidFill>
                       <a:schemeClr val="tx1">
                         <a:lumMod val="50000"/>
@@ -6029,7 +5915,7 @@
                   <a:t>help</a:t>
                 </a:r>
                 <a:r>
-                  <a:rPr lang="es-ES" dirty="0">
+                  <a:rPr lang="es-ES" sz="2400" dirty="0">
                     <a:solidFill>
                       <a:schemeClr val="tx1">
                         <a:lumMod val="50000"/>
@@ -6040,7 +5926,7 @@
                   <a:t> </a:t>
                 </a:r>
                 <a:r>
-                  <a:rPr lang="es-ES" dirty="0" err="1">
+                  <a:rPr lang="es-ES" sz="2400" dirty="0" err="1">
                     <a:solidFill>
                       <a:schemeClr val="tx1">
                         <a:lumMod val="50000"/>
@@ -6051,7 +5937,7 @@
                   <a:t>you</a:t>
                 </a:r>
                 <a:r>
-                  <a:rPr lang="es-ES" dirty="0">
+                  <a:rPr lang="es-ES" sz="2400" dirty="0">
                     <a:solidFill>
                       <a:schemeClr val="tx1">
                         <a:lumMod val="50000"/>
@@ -6206,6 +6092,13 @@
   <p:clrMapOvr>
     <a:masterClrMapping/>
   </p:clrMapOvr>
+  <p:timing>
+    <p:tnLst>
+      <p:par>
+        <p:cTn id="1" dur="indefinite" restart="never" nodeType="tmRoot"/>
+      </p:par>
+    </p:tnLst>
+  </p:timing>
 </p:sld>
 </file>
 
@@ -9897,6 +9790,13 @@
   <p:clrMapOvr>
     <a:masterClrMapping/>
   </p:clrMapOvr>
+  <p:timing>
+    <p:tnLst>
+      <p:par>
+        <p:cTn id="1" dur="indefinite" restart="never" nodeType="tmRoot"/>
+      </p:par>
+    </p:tnLst>
+  </p:timing>
 </p:sld>
 </file>
 
@@ -9925,10 +9825,10 @@
         </p:nvGrpSpPr>
         <p:grpSpPr>
           <a:xfrm>
-            <a:off x="-1684422" y="-1604212"/>
-            <a:ext cx="20791572" cy="10919661"/>
-            <a:chOff x="-1684422" y="-1604212"/>
-            <a:chExt cx="20791572" cy="10919661"/>
+            <a:off x="-2911644" y="-2086540"/>
+            <a:ext cx="23104644" cy="12153713"/>
+            <a:chOff x="-2911644" y="-2086540"/>
+            <a:chExt cx="23104644" cy="12153713"/>
           </a:xfrm>
         </p:grpSpPr>
         <p:grpSp>
@@ -9939,10 +9839,10 @@
           </p:nvGrpSpPr>
           <p:grpSpPr>
             <a:xfrm>
-              <a:off x="-1684422" y="-1604212"/>
-              <a:ext cx="20791572" cy="10919661"/>
-              <a:chOff x="-1684422" y="-1652338"/>
-              <a:chExt cx="20791572" cy="10919661"/>
+              <a:off x="-2911644" y="-1626905"/>
+              <a:ext cx="21734176" cy="10919661"/>
+              <a:chOff x="-2911644" y="-1675031"/>
+              <a:chExt cx="21734176" cy="10919661"/>
             </a:xfrm>
           </p:grpSpPr>
           <p:grpSp>
@@ -9953,10 +9853,10 @@
             </p:nvGrpSpPr>
             <p:grpSpPr>
               <a:xfrm>
-                <a:off x="-1684422" y="-1652338"/>
-                <a:ext cx="20791572" cy="10919661"/>
-                <a:chOff x="-1684422" y="-1652338"/>
-                <a:chExt cx="20791572" cy="10919661"/>
+                <a:off x="-2911644" y="-1675031"/>
+                <a:ext cx="21734176" cy="10919661"/>
+                <a:chOff x="-2911644" y="-1675031"/>
+                <a:chExt cx="21734176" cy="10919661"/>
               </a:xfrm>
             </p:grpSpPr>
             <p:sp>
@@ -9967,7 +9867,7 @@
               </p:nvSpPr>
               <p:spPr>
                 <a:xfrm>
-                  <a:off x="-1684422" y="-1652338"/>
+                  <a:off x="-1969040" y="-1675031"/>
                   <a:ext cx="20791572" cy="10919661"/>
                 </a:xfrm>
                 <a:prstGeom prst="rect">
@@ -10013,8 +9913,8 @@
               </p:nvSpPr>
               <p:spPr>
                 <a:xfrm>
-                  <a:off x="753688" y="1760086"/>
-                  <a:ext cx="2205200" cy="1581874"/>
+                  <a:off x="-911176" y="1546854"/>
+                  <a:ext cx="3271568" cy="1946299"/>
                 </a:xfrm>
                 <a:prstGeom prst="flowChartDecision">
                   <a:avLst/>
@@ -10049,7 +9949,7 @@
                 <a:p>
                   <a:pPr algn="ctr"/>
                   <a:r>
-                    <a:rPr lang="es-ES" sz="1200" dirty="0" smtClean="0">
+                    <a:rPr lang="es-ES" dirty="0" smtClean="0">
                       <a:solidFill>
                         <a:schemeClr val="tx1">
                           <a:lumMod val="65000"/>
@@ -10064,7 +9964,7 @@
                 <a:p>
                   <a:pPr algn="ctr"/>
                   <a:r>
-                    <a:rPr lang="es-ES" sz="1200" dirty="0" smtClean="0">
+                    <a:rPr lang="es-ES" dirty="0" smtClean="0">
                       <a:solidFill>
                         <a:schemeClr val="tx1">
                           <a:lumMod val="65000"/>
@@ -10079,7 +9979,7 @@
                 <a:p>
                   <a:pPr algn="ctr"/>
                   <a:r>
-                    <a:rPr lang="es-ES" sz="1200" dirty="0" smtClean="0">
+                    <a:rPr lang="es-ES" dirty="0" smtClean="0">
                       <a:solidFill>
                         <a:schemeClr val="tx1">
                           <a:lumMod val="65000"/>
@@ -10090,7 +9990,7 @@
                     </a:rPr>
                     <a:t>INGREDIENTS</a:t>
                   </a:r>
-                  <a:endParaRPr lang="es-ES" sz="1200" dirty="0">
+                  <a:endParaRPr lang="es-ES" dirty="0">
                     <a:solidFill>
                       <a:schemeClr val="tx1">
                         <a:lumMod val="65000"/>
@@ -10110,8 +10010,8 @@
               </p:nvSpPr>
               <p:spPr>
                 <a:xfrm>
-                  <a:off x="10614049" y="1951525"/>
-                  <a:ext cx="1440000" cy="1080000"/>
+                  <a:off x="10428696" y="1913932"/>
+                  <a:ext cx="2125254" cy="1212145"/>
                 </a:xfrm>
                 <a:prstGeom prst="roundRect">
                   <a:avLst/>
@@ -10145,7 +10045,7 @@
                 <a:p>
                   <a:pPr algn="ctr"/>
                   <a:r>
-                    <a:rPr lang="es-ES" sz="1200" dirty="0" smtClean="0">
+                    <a:rPr lang="es-ES" sz="2000" dirty="0" smtClean="0">
                       <a:solidFill>
                         <a:schemeClr val="tx1">
                           <a:lumMod val="75000"/>
@@ -10160,7 +10060,7 @@
                 <a:p>
                   <a:pPr algn="ctr"/>
                   <a:r>
-                    <a:rPr lang="es-ES" sz="1200" dirty="0" smtClean="0">
+                    <a:rPr lang="es-ES" sz="2000" dirty="0" smtClean="0">
                       <a:solidFill>
                         <a:schemeClr val="tx1">
                           <a:lumMod val="75000"/>
@@ -10175,7 +10075,7 @@
                 <a:p>
                   <a:pPr algn="ctr"/>
                   <a:r>
-                    <a:rPr lang="es-ES" sz="1200" dirty="0" smtClean="0">
+                    <a:rPr lang="es-ES" sz="2000" dirty="0" smtClean="0">
                       <a:solidFill>
                         <a:schemeClr val="tx1">
                           <a:lumMod val="75000"/>
@@ -10186,7 +10086,7 @@
                     </a:rPr>
                     <a:t>INFORMATION</a:t>
                   </a:r>
-                  <a:endParaRPr lang="es-ES" sz="1200" dirty="0">
+                  <a:endParaRPr lang="es-ES" sz="2000" dirty="0">
                     <a:solidFill>
                       <a:schemeClr val="tx1">
                         <a:lumMod val="75000"/>
@@ -10206,8 +10106,8 @@
               </p:nvSpPr>
               <p:spPr>
                 <a:xfrm>
-                  <a:off x="10614049" y="6048605"/>
-                  <a:ext cx="1440000" cy="1080000"/>
+                  <a:off x="10516373" y="6069010"/>
+                  <a:ext cx="1901337" cy="1267499"/>
                 </a:xfrm>
                 <a:prstGeom prst="roundRect">
                   <a:avLst/>
@@ -10241,7 +10141,7 @@
                 <a:p>
                   <a:pPr algn="ctr"/>
                   <a:r>
-                    <a:rPr lang="es-ES" sz="1200" dirty="0" smtClean="0">
+                    <a:rPr lang="es-ES" sz="2000" dirty="0" smtClean="0">
                       <a:solidFill>
                         <a:schemeClr val="tx1">
                           <a:lumMod val="75000"/>
@@ -10256,7 +10156,7 @@
                 <a:p>
                   <a:pPr algn="ctr"/>
                   <a:r>
-                    <a:rPr lang="es-ES" sz="1200" dirty="0" smtClean="0">
+                    <a:rPr lang="es-ES" sz="2000" dirty="0" smtClean="0">
                       <a:solidFill>
                         <a:schemeClr val="tx1">
                           <a:lumMod val="75000"/>
@@ -10268,7 +10168,7 @@
                     <a:t>DATABASE </a:t>
                   </a:r>
                   <a:r>
-                    <a:rPr lang="es-ES" sz="1200" dirty="0">
+                    <a:rPr lang="es-ES" sz="2000" dirty="0">
                       <a:solidFill>
                         <a:schemeClr val="tx1">
                           <a:lumMod val="75000"/>
@@ -10280,7 +10180,7 @@
                     <a:t>S</a:t>
                   </a:r>
                   <a:r>
-                    <a:rPr lang="es-ES" sz="1200" dirty="0" smtClean="0">
+                    <a:rPr lang="es-ES" sz="2000" dirty="0" smtClean="0">
                       <a:solidFill>
                         <a:schemeClr val="tx1">
                           <a:lumMod val="75000"/>
@@ -10291,7 +10191,7 @@
                     </a:rPr>
                     <a:t>UMMARY</a:t>
                   </a:r>
-                  <a:endParaRPr lang="es-ES" sz="1200" dirty="0">
+                  <a:endParaRPr lang="es-ES" sz="2000" dirty="0">
                     <a:solidFill>
                       <a:schemeClr val="tx1">
                         <a:lumMod val="75000"/>
@@ -10314,8 +10214,8 @@
               </p:nvCxnSpPr>
               <p:spPr>
                 <a:xfrm>
-                  <a:off x="-144547" y="2551023"/>
-                  <a:ext cx="898235" cy="0"/>
+                  <a:off x="-1651644" y="2517928"/>
+                  <a:ext cx="740468" cy="2076"/>
                 </a:xfrm>
                 <a:prstGeom prst="straightConnector1">
                   <a:avLst/>
@@ -10352,9 +10252,9 @@
                 <p:nvPr/>
               </p:nvCxnSpPr>
               <p:spPr>
-                <a:xfrm flipV="1">
-                  <a:off x="2958888" y="2506076"/>
-                  <a:ext cx="2783370" cy="44947"/>
+                <a:xfrm>
+                  <a:off x="2360392" y="2520004"/>
+                  <a:ext cx="1919971" cy="1479"/>
                 </a:xfrm>
                 <a:prstGeom prst="straightConnector1">
                   <a:avLst/>
@@ -10392,9 +10292,9 @@
                 <p:nvPr/>
               </p:nvCxnSpPr>
               <p:spPr>
-                <a:xfrm>
-                  <a:off x="12054049" y="2491525"/>
-                  <a:ext cx="1759088" cy="14963"/>
+                <a:xfrm flipV="1">
+                  <a:off x="12553950" y="2506488"/>
+                  <a:ext cx="1259187" cy="13517"/>
                 </a:xfrm>
                 <a:prstGeom prst="straightConnector1">
                   <a:avLst/>
@@ -10429,8 +10329,8 @@
               </p:nvSpPr>
               <p:spPr>
                 <a:xfrm>
-                  <a:off x="2993830" y="2139980"/>
-                  <a:ext cx="475643" cy="369332"/>
+                  <a:off x="2242068" y="2095534"/>
+                  <a:ext cx="571567" cy="461665"/>
                 </a:xfrm>
                 <a:prstGeom prst="rect">
                   <a:avLst/>
@@ -10444,7 +10344,7 @@
                 <a:lstStyle/>
                 <a:p>
                   <a:r>
-                    <a:rPr lang="es-ES" b="1" dirty="0" smtClean="0">
+                    <a:rPr lang="es-ES" sz="2400" b="1" dirty="0" smtClean="0">
                       <a:solidFill>
                         <a:srgbClr val="FF3300"/>
                       </a:solidFill>
@@ -10453,7 +10353,7 @@
                     </a:rPr>
                     <a:t>Yes</a:t>
                   </a:r>
-                  <a:endParaRPr lang="es-ES" b="1" dirty="0">
+                  <a:endParaRPr lang="es-ES" sz="2400" b="1" dirty="0">
                     <a:solidFill>
                       <a:srgbClr val="FF3300"/>
                     </a:solidFill>
@@ -10691,8 +10591,8 @@
               </p:nvSpPr>
               <p:spPr>
                 <a:xfrm>
-                  <a:off x="2908383" y="2587851"/>
-                  <a:ext cx="1761829" cy="338554"/>
+                  <a:off x="2201195" y="2498391"/>
+                  <a:ext cx="2546403" cy="461665"/>
                 </a:xfrm>
                 <a:prstGeom prst="rect">
                   <a:avLst/>
@@ -10706,7 +10606,7 @@
                 <a:lstStyle/>
                 <a:p>
                   <a:r>
-                    <a:rPr lang="es-ES" sz="1600" dirty="0" smtClean="0">
+                    <a:rPr lang="es-ES" sz="2400" dirty="0" smtClean="0">
                       <a:solidFill>
                         <a:schemeClr val="tx1">
                           <a:lumMod val="50000"/>
@@ -10719,7 +10619,7 @@
                     <a:t>$</a:t>
                   </a:r>
                   <a:r>
-                    <a:rPr lang="es-ES" sz="1600" dirty="0" err="1" smtClean="0">
+                    <a:rPr lang="es-ES" sz="2400" dirty="0" err="1" smtClean="0">
                       <a:solidFill>
                         <a:schemeClr val="tx1">
                           <a:lumMod val="50000"/>
@@ -10732,7 +10632,7 @@
                     <a:t>ingredients</a:t>
                   </a:r>
                   <a:r>
-                    <a:rPr lang="es-ES" sz="1600" dirty="0" smtClean="0">
+                    <a:rPr lang="es-ES" sz="2400" dirty="0" smtClean="0">
                       <a:solidFill>
                         <a:schemeClr val="tx1">
                           <a:lumMod val="50000"/>
@@ -10745,7 +10645,7 @@
                     <a:t>=</a:t>
                   </a:r>
                   <a:r>
-                    <a:rPr lang="es-ES" sz="1600" dirty="0" err="1" smtClean="0">
+                    <a:rPr lang="es-ES" sz="2400" dirty="0" err="1" smtClean="0">
                       <a:solidFill>
                         <a:schemeClr val="tx1">
                           <a:lumMod val="50000"/>
@@ -10757,7 +10657,7 @@
                     </a:rPr>
                     <a:t>None</a:t>
                   </a:r>
-                  <a:endParaRPr lang="es-ES" sz="1600" dirty="0">
+                  <a:endParaRPr lang="es-ES" sz="2400" dirty="0">
                     <a:solidFill>
                       <a:schemeClr val="tx1">
                         <a:lumMod val="50000"/>
@@ -10778,8 +10678,8 @@
               </p:nvSpPr>
               <p:spPr>
                 <a:xfrm>
-                  <a:off x="5742258" y="1683051"/>
-                  <a:ext cx="2444407" cy="1646050"/>
+                  <a:off x="4280363" y="1602574"/>
+                  <a:ext cx="3699091" cy="1837818"/>
                 </a:xfrm>
                 <a:prstGeom prst="flowChartDecision">
                   <a:avLst/>
@@ -10814,7 +10714,7 @@
                 <a:p>
                   <a:pPr algn="ctr"/>
                   <a:r>
-                    <a:rPr lang="es-ES" sz="1200" dirty="0" smtClean="0">
+                    <a:rPr lang="es-ES" dirty="0" smtClean="0">
                       <a:solidFill>
                         <a:schemeClr val="tx1">
                           <a:lumMod val="65000"/>
@@ -10829,7 +10729,7 @@
                 <a:p>
                   <a:pPr algn="ctr"/>
                   <a:r>
-                    <a:rPr lang="es-ES" sz="1200" dirty="0" smtClean="0">
+                    <a:rPr lang="es-ES" dirty="0" smtClean="0">
                       <a:solidFill>
                         <a:schemeClr val="tx1">
                           <a:lumMod val="65000"/>
@@ -10840,7 +10740,7 @@
                     </a:rPr>
                     <a:t>@INGREDIENTS</a:t>
                   </a:r>
-                  <a:endParaRPr lang="es-ES" sz="1200" dirty="0">
+                  <a:endParaRPr lang="es-ES" dirty="0">
                     <a:solidFill>
                       <a:schemeClr val="tx1">
                         <a:lumMod val="65000"/>
@@ -10860,7 +10760,7 @@
               </p:nvSpPr>
               <p:spPr>
                 <a:xfrm>
-                  <a:off x="-1404547" y="2047023"/>
+                  <a:off x="-2911644" y="2013928"/>
                   <a:ext cx="1260000" cy="1008000"/>
                 </a:xfrm>
                 <a:prstGeom prst="ellipse">
@@ -10895,7 +10795,7 @@
                 <a:p>
                   <a:pPr algn="ctr"/>
                   <a:r>
-                    <a:rPr lang="es-ES" sz="1200" dirty="0" smtClean="0">
+                    <a:rPr lang="es-ES" sz="2000" dirty="0" smtClean="0">
                       <a:solidFill>
                         <a:schemeClr val="tx1">
                           <a:lumMod val="75000"/>
@@ -10906,7 +10806,7 @@
                     </a:rPr>
                     <a:t>START</a:t>
                   </a:r>
-                  <a:endParaRPr lang="es-ES" sz="1200" dirty="0">
+                  <a:endParaRPr lang="es-ES" sz="2000" dirty="0">
                     <a:solidFill>
                       <a:schemeClr val="tx1">
                         <a:lumMod val="75000"/>
@@ -10961,7 +10861,7 @@
                 <a:p>
                   <a:pPr algn="ctr"/>
                   <a:r>
-                    <a:rPr lang="es-ES" sz="1200" dirty="0" smtClean="0">
+                    <a:rPr lang="es-ES" sz="2000" dirty="0" smtClean="0">
                       <a:solidFill>
                         <a:schemeClr val="tx1">
                           <a:lumMod val="75000"/>
@@ -10972,7 +10872,7 @@
                     </a:rPr>
                     <a:t>END</a:t>
                   </a:r>
-                  <a:endParaRPr lang="es-ES" sz="1200" dirty="0">
+                  <a:endParaRPr lang="es-ES" sz="2000" dirty="0">
                     <a:solidFill>
                       <a:schemeClr val="tx1">
                         <a:lumMod val="75000"/>
@@ -10995,8 +10895,8 @@
               </p:nvCxnSpPr>
               <p:spPr>
                 <a:xfrm flipV="1">
-                  <a:off x="8186665" y="2491525"/>
-                  <a:ext cx="2427384" cy="14551"/>
+                  <a:off x="7979454" y="2520005"/>
+                  <a:ext cx="2449242" cy="1478"/>
                 </a:xfrm>
                 <a:prstGeom prst="straightConnector1">
                   <a:avLst/>
@@ -11031,8 +10931,8 @@
               </p:nvSpPr>
               <p:spPr>
                 <a:xfrm>
-                  <a:off x="8186665" y="2116100"/>
-                  <a:ext cx="801823" cy="369332"/>
+                  <a:off x="7878934" y="2014203"/>
+                  <a:ext cx="1007007" cy="461665"/>
                 </a:xfrm>
                 <a:prstGeom prst="rect">
                   <a:avLst/>
@@ -11046,7 +10946,7 @@
                 <a:lstStyle/>
                 <a:p>
                   <a:r>
-                    <a:rPr lang="es-ES" b="1" dirty="0" smtClean="0">
+                    <a:rPr lang="es-ES" sz="2400" b="1" dirty="0" smtClean="0">
                       <a:solidFill>
                         <a:srgbClr val="FF3300"/>
                       </a:solidFill>
@@ -11056,7 +10956,7 @@
                     <a:t>! </a:t>
                   </a:r>
                   <a:r>
-                    <a:rPr lang="es-ES" b="1" dirty="0" err="1" smtClean="0">
+                    <a:rPr lang="es-ES" sz="2400" b="1" dirty="0" err="1" smtClean="0">
                       <a:solidFill>
                         <a:srgbClr val="FF3300"/>
                       </a:solidFill>
@@ -11065,7 +10965,7 @@
                     </a:rPr>
                     <a:t>None</a:t>
                   </a:r>
-                  <a:endParaRPr lang="es-ES" b="1" dirty="0">
+                  <a:endParaRPr lang="es-ES" sz="2400" b="1" dirty="0">
                     <a:solidFill>
                       <a:srgbClr val="FF3300"/>
                     </a:solidFill>
@@ -11083,8 +10983,8 @@
               </p:nvSpPr>
               <p:spPr>
                 <a:xfrm>
-                  <a:off x="6986002" y="3600134"/>
-                  <a:ext cx="676788" cy="369332"/>
+                  <a:off x="6180793" y="3715361"/>
+                  <a:ext cx="840295" cy="461665"/>
                 </a:xfrm>
                 <a:prstGeom prst="rect">
                   <a:avLst/>
@@ -11098,7 +10998,7 @@
                 <a:lstStyle/>
                 <a:p>
                   <a:r>
-                    <a:rPr lang="es-ES" b="1" dirty="0" err="1" smtClean="0">
+                    <a:rPr lang="es-ES" sz="2400" b="1" dirty="0" err="1" smtClean="0">
                       <a:solidFill>
                         <a:srgbClr val="FF3300"/>
                       </a:solidFill>
@@ -11107,7 +11007,7 @@
                     </a:rPr>
                     <a:t>None</a:t>
                   </a:r>
-                  <a:endParaRPr lang="es-ES" b="1" dirty="0">
+                  <a:endParaRPr lang="es-ES" sz="2400" b="1" dirty="0">
                     <a:solidFill>
                       <a:srgbClr val="FF3300"/>
                     </a:solidFill>
@@ -11126,9 +11026,9 @@
                 <p:nvPr/>
               </p:nvCxnSpPr>
               <p:spPr>
-                <a:xfrm>
-                  <a:off x="6964462" y="3329101"/>
-                  <a:ext cx="21540" cy="3259504"/>
+                <a:xfrm flipH="1">
+                  <a:off x="6119423" y="3440392"/>
+                  <a:ext cx="10486" cy="3276127"/>
                 </a:xfrm>
                 <a:prstGeom prst="straightConnector1">
                   <a:avLst/>
@@ -11163,8 +11063,8 @@
               </p:nvSpPr>
               <p:spPr>
                 <a:xfrm>
-                  <a:off x="8169642" y="2548179"/>
-                  <a:ext cx="1211998" cy="338554"/>
+                  <a:off x="7900271" y="2512195"/>
+                  <a:ext cx="1722459" cy="461665"/>
                 </a:xfrm>
                 <a:prstGeom prst="rect">
                   <a:avLst/>
@@ -11178,7 +11078,7 @@
                 <a:lstStyle/>
                 <a:p>
                   <a:r>
-                    <a:rPr lang="es-ES" sz="1600" dirty="0" smtClean="0">
+                    <a:rPr lang="es-ES" sz="2400" dirty="0" smtClean="0">
                       <a:solidFill>
                         <a:schemeClr val="tx1">
                           <a:lumMod val="50000"/>
@@ -11191,7 +11091,7 @@
                     <a:t>$</a:t>
                   </a:r>
                   <a:r>
-                    <a:rPr lang="es-ES" sz="1600" dirty="0" err="1" smtClean="0">
+                    <a:rPr lang="es-ES" sz="2400" dirty="0" err="1" smtClean="0">
                       <a:solidFill>
                         <a:schemeClr val="tx1">
                           <a:lumMod val="50000"/>
@@ -11203,7 +11103,7 @@
                     </a:rPr>
                     <a:t>ingredients</a:t>
                   </a:r>
-                  <a:endParaRPr lang="es-ES" sz="1600" dirty="0">
+                  <a:endParaRPr lang="es-ES" sz="2400" dirty="0">
                     <a:solidFill>
                       <a:schemeClr val="tx1">
                         <a:lumMod val="50000"/>
@@ -11225,9 +11125,9 @@
                 <p:nvPr/>
               </p:nvCxnSpPr>
               <p:spPr>
-                <a:xfrm>
-                  <a:off x="12054049" y="6588605"/>
-                  <a:ext cx="2434774" cy="0"/>
+                <a:xfrm flipV="1">
+                  <a:off x="12417710" y="6679322"/>
+                  <a:ext cx="2071112" cy="23438"/>
                 </a:xfrm>
                 <a:prstGeom prst="straightConnector1">
                   <a:avLst/>
@@ -11263,9 +11163,9 @@
                 <p:nvPr/>
               </p:nvCxnSpPr>
               <p:spPr>
-                <a:xfrm>
-                  <a:off x="6986002" y="6588605"/>
-                  <a:ext cx="3628047" cy="0"/>
+                <a:xfrm flipV="1">
+                  <a:off x="6119423" y="6702760"/>
+                  <a:ext cx="4396950" cy="13759"/>
                 </a:xfrm>
                 <a:prstGeom prst="straightConnector1">
                   <a:avLst/>
@@ -11300,8 +11200,8 @@
               </p:nvCxnSpPr>
               <p:spPr>
                 <a:xfrm flipV="1">
-                  <a:off x="14488823" y="3055023"/>
-                  <a:ext cx="0" cy="3533582"/>
+                  <a:off x="14488822" y="3055024"/>
+                  <a:ext cx="1" cy="3624298"/>
                 </a:xfrm>
                 <a:prstGeom prst="straightConnector1">
                   <a:avLst/>
@@ -11386,8 +11286,8 @@
             </p:nvSpPr>
             <p:spPr>
               <a:xfrm>
-                <a:off x="400980" y="1395663"/>
-                <a:ext cx="8980660" cy="6673516"/>
+                <a:off x="-1298397" y="1395663"/>
+                <a:ext cx="10825437" cy="6673516"/>
               </a:xfrm>
               <a:prstGeom prst="roundRect">
                 <a:avLst>
@@ -11437,8 +11337,8 @@
             </p:nvSpPr>
             <p:spPr>
               <a:xfrm>
-                <a:off x="400979" y="7671338"/>
-                <a:ext cx="8902217" cy="338554"/>
+                <a:off x="459722" y="7601150"/>
+                <a:ext cx="8902217" cy="400110"/>
               </a:xfrm>
               <a:prstGeom prst="rect">
                 <a:avLst/>
@@ -11463,7 +11363,20 @@
                     <a:latin typeface="Arial Rounded MT Bold" panose="020F0704030504030204" pitchFamily="34" charset="0"/>
                     <a:cs typeface="Aharoni" panose="02010803020104030203" pitchFamily="2" charset="-79"/>
                   </a:rPr>
-                  <a:t>WATSON CONVERSATION</a:t>
+                  <a:t>WATSON </a:t>
+                </a:r>
+                <a:r>
+                  <a:rPr lang="es-ES" sz="2000" b="1" dirty="0" smtClean="0">
+                    <a:solidFill>
+                      <a:schemeClr val="tx1">
+                        <a:lumMod val="50000"/>
+                        <a:lumOff val="50000"/>
+                      </a:schemeClr>
+                    </a:solidFill>
+                    <a:latin typeface="Arial Rounded MT Bold" panose="020F0704030504030204" pitchFamily="34" charset="0"/>
+                    <a:cs typeface="Aharoni" panose="02010803020104030203" pitchFamily="2" charset="-79"/>
+                  </a:rPr>
+                  <a:t>CONVERSATION</a:t>
                 </a:r>
                 <a:endParaRPr lang="es-ES" sz="1600" b="1" dirty="0">
                   <a:solidFill>
@@ -11486,8 +11399,8 @@
             </p:nvSpPr>
             <p:spPr>
               <a:xfrm>
-                <a:off x="9683507" y="1395662"/>
-                <a:ext cx="3584103" cy="6673517"/>
+                <a:off x="9776136" y="1395662"/>
+                <a:ext cx="3683754" cy="6673517"/>
               </a:xfrm>
               <a:prstGeom prst="roundRect">
                 <a:avLst>
@@ -11537,8 +11450,8 @@
             </p:nvSpPr>
             <p:spPr>
               <a:xfrm>
-                <a:off x="9683506" y="7742394"/>
-                <a:ext cx="3584103" cy="338554"/>
+                <a:off x="9825961" y="7606499"/>
+                <a:ext cx="3584103" cy="400110"/>
               </a:xfrm>
               <a:prstGeom prst="rect">
                 <a:avLst/>
@@ -11553,7 +11466,7 @@
               <a:p>
                 <a:pPr algn="ctr"/>
                 <a:r>
-                  <a:rPr lang="es-ES" sz="1600" b="1" dirty="0" smtClean="0">
+                  <a:rPr lang="es-ES" sz="2000" b="1" dirty="0" smtClean="0">
                     <a:solidFill>
                       <a:schemeClr val="tx1">
                         <a:lumMod val="50000"/>
@@ -11565,7 +11478,7 @@
                   </a:rPr>
                   <a:t>ORCHESTRATION ENGINE</a:t>
                 </a:r>
-                <a:endParaRPr lang="es-ES" sz="1600" b="1" dirty="0">
+                <a:endParaRPr lang="es-ES" sz="2000" b="1" dirty="0">
                   <a:solidFill>
                     <a:schemeClr val="tx1">
                       <a:lumMod val="50000"/>
@@ -11587,8 +11500,8 @@
           </p:nvSpPr>
           <p:spPr>
             <a:xfrm>
-              <a:off x="1957788" y="263054"/>
-              <a:ext cx="5323531" cy="307777"/>
+              <a:off x="400980" y="263054"/>
+              <a:ext cx="6880340" cy="400110"/>
             </a:xfrm>
             <a:prstGeom prst="rect">
               <a:avLst/>
@@ -11614,7 +11527,7 @@
                 </a:spcBef>
               </a:pPr>
               <a:r>
-                <a:rPr lang="en-US" sz="1400" dirty="0">
+                <a:rPr lang="en-US" sz="2000" dirty="0">
                   <a:solidFill>
                     <a:schemeClr val="tx1">
                       <a:lumMod val="50000"/>
@@ -11625,7 +11538,7 @@
                 <a:t>“Let me a second, I'm going to check if you have </a:t>
               </a:r>
               <a:r>
-                <a:rPr lang="en-US" sz="1400" dirty="0" smtClean="0">
+                <a:rPr lang="en-US" sz="2000" dirty="0" smtClean="0">
                   <a:solidFill>
                     <a:schemeClr val="tx1">
                       <a:lumMod val="50000"/>
@@ -11635,7 +11548,7 @@
                 </a:rPr>
                 <a:t>&lt;$ingredients&gt;”</a:t>
               </a:r>
-              <a:endParaRPr lang="es-ES" sz="1400" dirty="0">
+              <a:endParaRPr lang="es-ES" sz="2000" dirty="0">
                 <a:solidFill>
                   <a:schemeClr val="tx1">
                     <a:lumMod val="50000"/>
@@ -11710,8 +11623,8 @@
           </p:nvSpPr>
           <p:spPr>
             <a:xfrm>
-              <a:off x="12918331" y="-1220803"/>
-              <a:ext cx="4725757" cy="738664"/>
+              <a:off x="12946906" y="-2086540"/>
+              <a:ext cx="6681592" cy="1015663"/>
             </a:xfrm>
             <a:prstGeom prst="rect">
               <a:avLst/>
@@ -11732,7 +11645,7 @@
             <a:lstStyle/>
             <a:p>
               <a:r>
-                <a:rPr lang="es-ES" sz="1400" b="1" dirty="0" smtClean="0">
+                <a:rPr lang="es-ES" sz="2000" b="1" dirty="0" smtClean="0">
                   <a:solidFill>
                     <a:schemeClr val="tx1">
                       <a:lumMod val="50000"/>
@@ -11745,7 +11658,7 @@
             </a:p>
             <a:p>
               <a:r>
-                <a:rPr lang="es-ES" sz="1400" dirty="0" smtClean="0">
+                <a:rPr lang="es-ES" sz="2000" dirty="0" smtClean="0">
                   <a:solidFill>
                     <a:schemeClr val="tx1">
                       <a:lumMod val="50000"/>
@@ -11756,7 +11669,7 @@
                 <a:t>'</a:t>
               </a:r>
               <a:r>
-                <a:rPr lang="es-ES" sz="1400" dirty="0" err="1" smtClean="0">
+                <a:rPr lang="es-ES" sz="2000" dirty="0" err="1" smtClean="0">
                   <a:solidFill>
                     <a:schemeClr val="tx1">
                       <a:lumMod val="50000"/>
@@ -11767,7 +11680,7 @@
                 <a:t>There</a:t>
               </a:r>
               <a:r>
-                <a:rPr lang="es-ES" sz="1400" dirty="0" smtClean="0">
+                <a:rPr lang="es-ES" sz="2000" dirty="0" smtClean="0">
                   <a:solidFill>
                     <a:schemeClr val="tx1">
                       <a:lumMod val="50000"/>
@@ -11778,7 +11691,7 @@
                 <a:t> </a:t>
               </a:r>
               <a:r>
-                <a:rPr lang="es-ES" sz="1400" dirty="0">
+                <a:rPr lang="es-ES" sz="2000" dirty="0">
                   <a:solidFill>
                     <a:schemeClr val="tx1">
                       <a:lumMod val="50000"/>
@@ -11789,7 +11702,7 @@
                 <a:t>are </a:t>
               </a:r>
               <a:r>
-                <a:rPr lang="es-ES" sz="1400" dirty="0" smtClean="0">
+                <a:rPr lang="es-ES" sz="2000" dirty="0" smtClean="0">
                   <a:solidFill>
                     <a:schemeClr val="tx1">
                       <a:lumMod val="50000"/>
@@ -11800,7 +11713,7 @@
                 <a:t>&lt;cantidad&gt; </a:t>
               </a:r>
               <a:r>
-                <a:rPr lang="es-ES" sz="1400" dirty="0" err="1">
+                <a:rPr lang="es-ES" sz="2000" dirty="0" err="1">
                   <a:solidFill>
                     <a:schemeClr val="tx1">
                       <a:lumMod val="50000"/>
@@ -11811,7 +11724,7 @@
                 <a:t>grams</a:t>
               </a:r>
               <a:r>
-                <a:rPr lang="es-ES" sz="1400" dirty="0">
+                <a:rPr lang="es-ES" sz="2000" dirty="0">
                   <a:solidFill>
                     <a:schemeClr val="tx1">
                       <a:lumMod val="50000"/>
@@ -11822,7 +11735,7 @@
                 <a:t> of &lt;</a:t>
               </a:r>
               <a:r>
-                <a:rPr lang="es-ES" sz="1400" dirty="0" smtClean="0">
+                <a:rPr lang="es-ES" sz="2000" dirty="0" smtClean="0">
                   <a:solidFill>
                     <a:schemeClr val="tx1">
                       <a:lumMod val="50000"/>
@@ -11833,7 +11746,7 @@
                 <a:t>ingrediente&gt;, </a:t>
               </a:r>
               <a:r>
-                <a:rPr lang="es-ES" sz="1400" dirty="0" err="1">
+                <a:rPr lang="es-ES" sz="2000" dirty="0" err="1">
                   <a:solidFill>
                     <a:schemeClr val="tx1">
                       <a:lumMod val="50000"/>
@@ -11844,7 +11757,7 @@
                 <a:t>the</a:t>
               </a:r>
               <a:r>
-                <a:rPr lang="es-ES" sz="1400" dirty="0">
+                <a:rPr lang="es-ES" sz="2000" dirty="0">
                   <a:solidFill>
                     <a:schemeClr val="tx1">
                       <a:lumMod val="50000"/>
@@ -11855,7 +11768,7 @@
                 <a:t> </a:t>
               </a:r>
               <a:r>
-                <a:rPr lang="es-ES" sz="1400" dirty="0" err="1">
+                <a:rPr lang="es-ES" sz="2000" dirty="0" err="1">
                   <a:solidFill>
                     <a:schemeClr val="tx1">
                       <a:lumMod val="50000"/>
@@ -11866,7 +11779,7 @@
                 <a:t>expiration</a:t>
               </a:r>
               <a:r>
-                <a:rPr lang="es-ES" sz="1400" dirty="0">
+                <a:rPr lang="es-ES" sz="2000" dirty="0">
                   <a:solidFill>
                     <a:schemeClr val="tx1">
                       <a:lumMod val="50000"/>
@@ -11877,7 +11790,7 @@
                 <a:t> date </a:t>
               </a:r>
               <a:r>
-                <a:rPr lang="es-ES" sz="1400" dirty="0" err="1">
+                <a:rPr lang="es-ES" sz="2000" dirty="0" err="1">
                   <a:solidFill>
                     <a:schemeClr val="tx1">
                       <a:lumMod val="50000"/>
@@ -11888,7 +11801,7 @@
                 <a:t>is</a:t>
               </a:r>
               <a:r>
-                <a:rPr lang="es-ES" sz="1400" dirty="0">
+                <a:rPr lang="es-ES" sz="2000" dirty="0">
                   <a:solidFill>
                     <a:schemeClr val="tx1">
                       <a:lumMod val="50000"/>
@@ -11899,7 +11812,7 @@
                 <a:t> </a:t>
               </a:r>
               <a:r>
-                <a:rPr lang="es-ES" sz="1400" dirty="0" smtClean="0">
+                <a:rPr lang="es-ES" sz="2000" dirty="0" smtClean="0">
                   <a:solidFill>
                     <a:schemeClr val="tx1">
                       <a:lumMod val="50000"/>
@@ -11909,7 +11822,7 @@
                 </a:rPr>
                 <a:t>&lt;fecha caducidad&gt;.'</a:t>
               </a:r>
-              <a:endParaRPr lang="es-ES" sz="1400" dirty="0">
+              <a:endParaRPr lang="es-ES" sz="2000" dirty="0">
                 <a:solidFill>
                   <a:schemeClr val="tx1">
                     <a:lumMod val="50000"/>
@@ -11933,12 +11846,12 @@
             </a:xfrm>
             <a:prstGeom prst="callout2">
               <a:avLst>
-                <a:gd name="adj1" fmla="val -70012"/>
-                <a:gd name="adj2" fmla="val -44999"/>
-                <a:gd name="adj3" fmla="val -68642"/>
-                <a:gd name="adj4" fmla="val -81469"/>
-                <a:gd name="adj5" fmla="val 510227"/>
-                <a:gd name="adj6" fmla="val -116081"/>
+                <a:gd name="adj1" fmla="val -153967"/>
+                <a:gd name="adj2" fmla="val -40832"/>
+                <a:gd name="adj3" fmla="val -152597"/>
+                <a:gd name="adj4" fmla="val -87719"/>
+                <a:gd name="adj5" fmla="val 507118"/>
+                <a:gd name="adj6" fmla="val -53581"/>
               </a:avLst>
             </a:prstGeom>
             <a:noFill/>
@@ -11984,8 +11897,8 @@
           </p:nvSpPr>
           <p:spPr>
             <a:xfrm>
-              <a:off x="12918331" y="-414519"/>
-              <a:ext cx="4741018" cy="738664"/>
+              <a:off x="12946906" y="-892866"/>
+              <a:ext cx="6755824" cy="1015663"/>
             </a:xfrm>
             <a:prstGeom prst="rect">
               <a:avLst/>
@@ -12006,7 +11919,7 @@
             <a:lstStyle/>
             <a:p>
               <a:r>
-                <a:rPr lang="es-ES" sz="1400" b="1" dirty="0" smtClean="0">
+                <a:rPr lang="es-ES" sz="2000" b="1" dirty="0" smtClean="0">
                   <a:solidFill>
                     <a:schemeClr val="tx1">
                       <a:lumMod val="50000"/>
@@ -12019,7 +11932,7 @@
             </a:p>
             <a:p>
               <a:r>
-                <a:rPr lang="es-ES" sz="1400" dirty="0" smtClean="0">
+                <a:rPr lang="es-ES" sz="2000" dirty="0" smtClean="0">
                   <a:solidFill>
                     <a:schemeClr val="tx1">
                       <a:lumMod val="50000"/>
@@ -12030,7 +11943,7 @@
                 <a:t>'</a:t>
               </a:r>
               <a:r>
-                <a:rPr lang="es-ES" sz="1400" dirty="0" err="1" smtClean="0">
+                <a:rPr lang="es-ES" sz="2000" dirty="0" err="1" smtClean="0">
                   <a:solidFill>
                     <a:schemeClr val="tx1">
                       <a:lumMod val="50000"/>
@@ -12041,7 +11954,7 @@
                 <a:t>The</a:t>
               </a:r>
               <a:r>
-                <a:rPr lang="es-ES" sz="1400" dirty="0" smtClean="0">
+                <a:rPr lang="es-ES" sz="2000" dirty="0" smtClean="0">
                   <a:solidFill>
                     <a:schemeClr val="tx1">
                       <a:lumMod val="50000"/>
@@ -12052,7 +11965,7 @@
                 <a:t> </a:t>
               </a:r>
               <a:r>
-                <a:rPr lang="es-ES" sz="1400" dirty="0">
+                <a:rPr lang="es-ES" sz="2000" dirty="0">
                   <a:solidFill>
                     <a:schemeClr val="tx1">
                       <a:lumMod val="50000"/>
@@ -12063,7 +11976,7 @@
                 <a:t>&lt;</a:t>
               </a:r>
               <a:r>
-                <a:rPr lang="es-ES" sz="1400" dirty="0" smtClean="0">
+                <a:rPr lang="es-ES" sz="2000" dirty="0" smtClean="0">
                   <a:solidFill>
                     <a:schemeClr val="tx1">
                       <a:lumMod val="50000"/>
@@ -12074,7 +11987,7 @@
                 <a:t>ingrediente&gt; </a:t>
               </a:r>
               <a:r>
-                <a:rPr lang="es-ES" sz="1400" dirty="0" err="1">
+                <a:rPr lang="es-ES" sz="2000" dirty="0" err="1">
                   <a:solidFill>
                     <a:schemeClr val="tx1">
                       <a:lumMod val="50000"/>
@@ -12085,7 +11998,7 @@
                 <a:t>expired</a:t>
               </a:r>
               <a:r>
-                <a:rPr lang="es-ES" sz="1400" dirty="0">
+                <a:rPr lang="es-ES" sz="2000" dirty="0">
                   <a:solidFill>
                     <a:schemeClr val="tx1">
                       <a:lumMod val="50000"/>
@@ -12096,7 +12009,7 @@
                 <a:t> </a:t>
               </a:r>
               <a:r>
-                <a:rPr lang="es-ES" sz="1400" dirty="0" err="1">
+                <a:rPr lang="es-ES" sz="2000" dirty="0" err="1">
                   <a:solidFill>
                     <a:schemeClr val="tx1">
                       <a:lumMod val="50000"/>
@@ -12107,7 +12020,7 @@
                 <a:t>the</a:t>
               </a:r>
               <a:r>
-                <a:rPr lang="es-ES" sz="1400" dirty="0">
+                <a:rPr lang="es-ES" sz="2000" dirty="0">
                   <a:solidFill>
                     <a:schemeClr val="tx1">
                       <a:lumMod val="50000"/>
@@ -12118,7 +12031,7 @@
                 <a:t> </a:t>
               </a:r>
               <a:r>
-                <a:rPr lang="es-ES" sz="1400" dirty="0" err="1">
+                <a:rPr lang="es-ES" sz="2000" dirty="0" err="1">
                   <a:solidFill>
                     <a:schemeClr val="tx1">
                       <a:lumMod val="50000"/>
@@ -12129,7 +12042,7 @@
                 <a:t>day</a:t>
               </a:r>
               <a:r>
-                <a:rPr lang="es-ES" sz="1400" dirty="0">
+                <a:rPr lang="es-ES" sz="2000" dirty="0">
                   <a:solidFill>
                     <a:schemeClr val="tx1">
                       <a:lumMod val="50000"/>
@@ -12140,7 +12053,7 @@
                 <a:t> </a:t>
               </a:r>
               <a:r>
-                <a:rPr lang="es-ES" sz="1400" dirty="0" smtClean="0">
+                <a:rPr lang="es-ES" sz="2000" dirty="0" smtClean="0">
                   <a:solidFill>
                     <a:schemeClr val="tx1">
                       <a:lumMod val="50000"/>
@@ -12151,7 +12064,7 @@
                 <a:t>&lt;fecha de caducidad&gt;. </a:t>
               </a:r>
               <a:r>
-                <a:rPr lang="es-ES" sz="1400" dirty="0" err="1">
+                <a:rPr lang="es-ES" sz="2000" dirty="0" err="1">
                   <a:solidFill>
                     <a:schemeClr val="tx1">
                       <a:lumMod val="50000"/>
@@ -12162,7 +12075,7 @@
                 <a:t>Throw</a:t>
               </a:r>
               <a:r>
-                <a:rPr lang="es-ES" sz="1400" dirty="0">
+                <a:rPr lang="es-ES" sz="2000" dirty="0">
                   <a:solidFill>
                     <a:schemeClr val="tx1">
                       <a:lumMod val="50000"/>
@@ -12173,7 +12086,7 @@
                 <a:t> </a:t>
               </a:r>
               <a:r>
-                <a:rPr lang="es-ES" sz="1400" dirty="0" err="1">
+                <a:rPr lang="es-ES" sz="2000" dirty="0" err="1">
                   <a:solidFill>
                     <a:schemeClr val="tx1">
                       <a:lumMod val="50000"/>
@@ -12184,7 +12097,7 @@
                 <a:t>out</a:t>
               </a:r>
               <a:r>
-                <a:rPr lang="es-ES" sz="1400" dirty="0">
+                <a:rPr lang="es-ES" sz="2000" dirty="0">
                   <a:solidFill>
                     <a:schemeClr val="tx1">
                       <a:lumMod val="50000"/>
@@ -12195,7 +12108,7 @@
                 <a:t> </a:t>
               </a:r>
               <a:r>
-                <a:rPr lang="es-ES" sz="1400" dirty="0" err="1">
+                <a:rPr lang="es-ES" sz="2000" dirty="0" err="1">
                   <a:solidFill>
                     <a:schemeClr val="tx1">
                       <a:lumMod val="50000"/>
@@ -12206,7 +12119,7 @@
                 <a:t>it</a:t>
               </a:r>
               <a:r>
-                <a:rPr lang="es-ES" sz="1400" dirty="0" smtClean="0">
+                <a:rPr lang="es-ES" sz="2000" dirty="0" smtClean="0">
                   <a:solidFill>
                     <a:schemeClr val="tx1">
                       <a:lumMod val="50000"/>
@@ -12216,7 +12129,7 @@
                 </a:rPr>
                 <a:t>!'</a:t>
               </a:r>
-              <a:endParaRPr lang="es-ES" sz="1400" dirty="0">
+              <a:endParaRPr lang="es-ES" sz="2000" dirty="0">
                 <a:solidFill>
                   <a:schemeClr val="tx1">
                     <a:lumMod val="50000"/>
@@ -12235,8 +12148,8 @@
           </p:nvSpPr>
           <p:spPr>
             <a:xfrm>
-              <a:off x="12918331" y="435124"/>
-              <a:ext cx="4741018" cy="738664"/>
+              <a:off x="12946906" y="302207"/>
+              <a:ext cx="6703169" cy="1015663"/>
             </a:xfrm>
             <a:prstGeom prst="rect">
               <a:avLst/>
@@ -12257,7 +12170,7 @@
             <a:lstStyle/>
             <a:p>
               <a:r>
-                <a:rPr lang="es-ES" sz="1400" b="1" dirty="0">
+                <a:rPr lang="es-ES" sz="2000" b="1" dirty="0">
                   <a:solidFill>
                     <a:schemeClr val="tx1">
                       <a:lumMod val="50000"/>
@@ -12268,7 +12181,7 @@
                 <a:t>[Respuesta </a:t>
               </a:r>
               <a:r>
-                <a:rPr lang="es-ES" sz="1400" b="1" dirty="0" smtClean="0">
+                <a:rPr lang="es-ES" sz="2000" b="1" dirty="0" smtClean="0">
                   <a:solidFill>
                     <a:schemeClr val="tx1">
                       <a:lumMod val="50000"/>
@@ -12278,7 +12191,7 @@
                 </a:rPr>
                 <a:t>3] El ingrediente no está presente</a:t>
               </a:r>
-              <a:endParaRPr lang="es-ES" sz="1400" b="1" dirty="0">
+              <a:endParaRPr lang="es-ES" sz="2000" b="1" dirty="0">
                 <a:solidFill>
                   <a:schemeClr val="tx1">
                     <a:lumMod val="50000"/>
@@ -12289,7 +12202,7 @@
             </a:p>
             <a:p>
               <a:r>
-                <a:rPr lang="en-US" sz="1400" dirty="0">
+                <a:rPr lang="en-US" sz="2000" dirty="0">
                   <a:solidFill>
                     <a:schemeClr val="tx1">
                       <a:lumMod val="50000"/>
@@ -12300,7 +12213,7 @@
                 <a:t>'There are no &lt;</a:t>
               </a:r>
               <a:r>
-                <a:rPr lang="en-US" sz="1400" dirty="0" err="1" smtClean="0">
+                <a:rPr lang="en-US" sz="2000" dirty="0" err="1" smtClean="0">
                   <a:solidFill>
                     <a:schemeClr val="tx1">
                       <a:lumMod val="50000"/>
@@ -12311,7 +12224,7 @@
                 <a:t>ingrediente</a:t>
               </a:r>
               <a:r>
-                <a:rPr lang="en-US" sz="1400" dirty="0" smtClean="0">
+                <a:rPr lang="en-US" sz="2000" dirty="0" smtClean="0">
                   <a:solidFill>
                     <a:schemeClr val="tx1">
                       <a:lumMod val="50000"/>
@@ -12322,7 +12235,7 @@
                 <a:t>&gt; </a:t>
               </a:r>
               <a:r>
-                <a:rPr lang="en-US" sz="1400" dirty="0">
+                <a:rPr lang="en-US" sz="2000" dirty="0">
                   <a:solidFill>
                     <a:schemeClr val="tx1">
                       <a:lumMod val="50000"/>
@@ -12332,7 +12245,7 @@
                 </a:rPr>
                 <a:t>left at home, write it down on the shopping list.'</a:t>
               </a:r>
-              <a:endParaRPr lang="es-ES" sz="1400" dirty="0">
+              <a:endParaRPr lang="es-ES" sz="2000" dirty="0">
                 <a:solidFill>
                   <a:schemeClr val="tx1">
                     <a:lumMod val="50000"/>
@@ -12351,8 +12264,8 @@
           </p:nvSpPr>
           <p:spPr>
             <a:xfrm>
-              <a:off x="14488823" y="6974019"/>
-              <a:ext cx="4238017" cy="2046714"/>
+              <a:off x="14488822" y="6974019"/>
+              <a:ext cx="5704178" cy="3093154"/>
             </a:xfrm>
             <a:prstGeom prst="rect">
               <a:avLst/>
@@ -12378,7 +12291,7 @@
                 </a:spcBef>
               </a:pPr>
               <a:r>
-                <a:rPr lang="en-US" sz="1400" dirty="0" smtClean="0">
+                <a:rPr lang="en-US" sz="2000" dirty="0" smtClean="0">
                   <a:solidFill>
                     <a:schemeClr val="tx1">
                       <a:lumMod val="50000"/>
@@ -12389,7 +12302,7 @@
                 <a:t>“There </a:t>
               </a:r>
               <a:r>
-                <a:rPr lang="en-US" sz="1400" dirty="0">
+                <a:rPr lang="en-US" sz="2000" dirty="0">
                   <a:solidFill>
                     <a:schemeClr val="tx1">
                       <a:lumMod val="50000"/>
@@ -12400,7 +12313,7 @@
                 <a:t>are </a:t>
               </a:r>
               <a:r>
-                <a:rPr lang="en-US" sz="1400" dirty="0" smtClean="0">
+                <a:rPr lang="en-US" sz="2000" dirty="0" smtClean="0">
                   <a:solidFill>
                     <a:schemeClr val="tx1">
                       <a:lumMod val="50000"/>
@@ -12411,7 +12324,7 @@
                 <a:t>&lt;total </a:t>
               </a:r>
               <a:r>
-                <a:rPr lang="en-US" sz="1400" dirty="0" err="1" smtClean="0">
+                <a:rPr lang="en-US" sz="2000" dirty="0" err="1" smtClean="0">
                   <a:solidFill>
                     <a:schemeClr val="tx1">
                       <a:lumMod val="50000"/>
@@ -12422,7 +12335,7 @@
                 <a:t>productos</a:t>
               </a:r>
               <a:r>
-                <a:rPr lang="en-US" sz="1400" dirty="0" smtClean="0">
+                <a:rPr lang="en-US" sz="2000" dirty="0" smtClean="0">
                   <a:solidFill>
                     <a:schemeClr val="tx1">
                       <a:lumMod val="50000"/>
@@ -12433,7 +12346,7 @@
                 <a:t>&gt; products </a:t>
               </a:r>
               <a:r>
-                <a:rPr lang="en-US" sz="1400" dirty="0">
+                <a:rPr lang="en-US" sz="2000" dirty="0">
                   <a:solidFill>
                     <a:schemeClr val="tx1">
                       <a:lumMod val="50000"/>
@@ -12444,7 +12357,7 @@
                 <a:t>in total, </a:t>
               </a:r>
               <a:r>
-                <a:rPr lang="en-US" sz="1400" dirty="0" smtClean="0">
+                <a:rPr lang="en-US" sz="2000" dirty="0" smtClean="0">
                   <a:solidFill>
                     <a:schemeClr val="tx1">
                       <a:lumMod val="50000"/>
@@ -12455,7 +12368,7 @@
                 <a:t>&lt;nº </a:t>
               </a:r>
               <a:r>
-                <a:rPr lang="en-US" sz="1400" dirty="0" err="1" smtClean="0">
+                <a:rPr lang="en-US" sz="2000" dirty="0" err="1" smtClean="0">
                   <a:solidFill>
                     <a:schemeClr val="tx1">
                       <a:lumMod val="50000"/>
@@ -12466,7 +12379,7 @@
                 <a:t>productos</a:t>
               </a:r>
               <a:r>
-                <a:rPr lang="en-US" sz="1400" dirty="0" smtClean="0">
+                <a:rPr lang="en-US" sz="2000" dirty="0" smtClean="0">
                   <a:solidFill>
                     <a:schemeClr val="tx1">
                       <a:lumMod val="50000"/>
@@ -12477,7 +12390,7 @@
                 <a:t> </a:t>
               </a:r>
               <a:r>
-                <a:rPr lang="en-US" sz="1400" dirty="0" err="1" smtClean="0">
+                <a:rPr lang="en-US" sz="2000" dirty="0" err="1" smtClean="0">
                   <a:solidFill>
                     <a:schemeClr val="tx1">
                       <a:lumMod val="50000"/>
@@ -12488,7 +12401,7 @@
                 <a:t>caducados</a:t>
               </a:r>
               <a:r>
-                <a:rPr lang="en-US" sz="1400" dirty="0" smtClean="0">
+                <a:rPr lang="en-US" sz="2000" dirty="0" smtClean="0">
                   <a:solidFill>
                     <a:schemeClr val="tx1">
                       <a:lumMod val="50000"/>
@@ -12499,7 +12412,7 @@
                 <a:t>&gt; products </a:t>
               </a:r>
               <a:r>
-                <a:rPr lang="en-US" sz="1400" dirty="0">
+                <a:rPr lang="en-US" sz="2000" dirty="0">
                   <a:solidFill>
                     <a:schemeClr val="tx1">
                       <a:lumMod val="50000"/>
@@ -12510,7 +12423,7 @@
                 <a:t>are already expired and </a:t>
               </a:r>
               <a:r>
-                <a:rPr lang="en-US" sz="1400" dirty="0" smtClean="0">
+                <a:rPr lang="en-US" sz="2000" dirty="0" smtClean="0">
                   <a:solidFill>
                     <a:schemeClr val="tx1">
                       <a:lumMod val="50000"/>
@@ -12521,7 +12434,7 @@
                 <a:t>&lt;nº </a:t>
               </a:r>
               <a:r>
-                <a:rPr lang="en-US" sz="1400" dirty="0" err="1" smtClean="0">
+                <a:rPr lang="en-US" sz="2000" dirty="0" err="1" smtClean="0">
                   <a:solidFill>
                     <a:schemeClr val="tx1">
                       <a:lumMod val="50000"/>
@@ -12532,7 +12445,7 @@
                 <a:t>productos</a:t>
               </a:r>
               <a:r>
-                <a:rPr lang="en-US" sz="1400" dirty="0" smtClean="0">
+                <a:rPr lang="en-US" sz="2000" dirty="0" smtClean="0">
                   <a:solidFill>
                     <a:schemeClr val="tx1">
                       <a:lumMod val="50000"/>
@@ -12543,7 +12456,7 @@
                 <a:t> </a:t>
               </a:r>
               <a:r>
-                <a:rPr lang="en-US" sz="1400" dirty="0" err="1" smtClean="0">
+                <a:rPr lang="en-US" sz="2000" dirty="0" err="1" smtClean="0">
                   <a:solidFill>
                     <a:schemeClr val="tx1">
                       <a:lumMod val="50000"/>
@@ -12554,7 +12467,7 @@
                 <a:t>próximos</a:t>
               </a:r>
               <a:r>
-                <a:rPr lang="en-US" sz="1400" dirty="0" smtClean="0">
+                <a:rPr lang="en-US" sz="2000" dirty="0" smtClean="0">
                   <a:solidFill>
                     <a:schemeClr val="tx1">
                       <a:lumMod val="50000"/>
@@ -12565,7 +12478,7 @@
                 <a:t> a </a:t>
               </a:r>
               <a:r>
-                <a:rPr lang="en-US" sz="1400" dirty="0" err="1" smtClean="0">
+                <a:rPr lang="en-US" sz="2000" dirty="0" err="1" smtClean="0">
                   <a:solidFill>
                     <a:schemeClr val="tx1">
                       <a:lumMod val="50000"/>
@@ -12576,7 +12489,7 @@
                 <a:t>caducar</a:t>
               </a:r>
               <a:r>
-                <a:rPr lang="en-US" sz="1400" dirty="0" smtClean="0">
+                <a:rPr lang="en-US" sz="2000" dirty="0" smtClean="0">
                   <a:solidFill>
                     <a:schemeClr val="tx1">
                       <a:lumMod val="50000"/>
@@ -12587,7 +12500,7 @@
                 <a:t>&gt; </a:t>
               </a:r>
               <a:r>
-                <a:rPr lang="en-US" sz="1400" dirty="0">
+                <a:rPr lang="en-US" sz="2000" dirty="0">
                   <a:solidFill>
                     <a:schemeClr val="tx1">
                       <a:lumMod val="50000"/>
@@ -12597,7 +12510,7 @@
                 </a:rPr>
                 <a:t>products will expire soon. </a:t>
               </a:r>
-              <a:endParaRPr lang="en-US" sz="1400" dirty="0" smtClean="0">
+              <a:endParaRPr lang="en-US" sz="2000" dirty="0" smtClean="0">
                 <a:solidFill>
                   <a:schemeClr val="tx1">
                     <a:lumMod val="50000"/>
@@ -12613,7 +12526,7 @@
                 </a:spcBef>
               </a:pPr>
               <a:r>
-                <a:rPr lang="en-US" sz="1400" dirty="0" smtClean="0">
+                <a:rPr lang="en-US" sz="2000" dirty="0" smtClean="0">
                   <a:solidFill>
                     <a:schemeClr val="tx1">
                       <a:lumMod val="50000"/>
@@ -12624,7 +12537,7 @@
                 <a:t>(Already expired:  &lt;</a:t>
               </a:r>
               <a:r>
-                <a:rPr lang="en-US" sz="1400" dirty="0" err="1" smtClean="0">
+                <a:rPr lang="en-US" sz="2000" dirty="0" err="1" smtClean="0">
                   <a:solidFill>
                     <a:schemeClr val="tx1">
                       <a:lumMod val="50000"/>
@@ -12635,7 +12548,7 @@
                 <a:t>lista</a:t>
               </a:r>
               <a:r>
-                <a:rPr lang="en-US" sz="1400" dirty="0" smtClean="0">
+                <a:rPr lang="en-US" sz="2000" dirty="0" smtClean="0">
                   <a:solidFill>
                     <a:schemeClr val="tx1">
                       <a:lumMod val="50000"/>
@@ -12646,7 +12559,7 @@
                 <a:t> de </a:t>
               </a:r>
               <a:r>
-                <a:rPr lang="en-US" sz="1400" dirty="0" err="1" smtClean="0">
+                <a:rPr lang="en-US" sz="2000" dirty="0" err="1" smtClean="0">
                   <a:solidFill>
                     <a:schemeClr val="tx1">
                       <a:lumMod val="50000"/>
@@ -12657,7 +12570,7 @@
                 <a:t>ingredientes</a:t>
               </a:r>
               <a:r>
-                <a:rPr lang="en-US" sz="1400" dirty="0" smtClean="0">
+                <a:rPr lang="en-US" sz="2000" dirty="0" smtClean="0">
                   <a:solidFill>
                     <a:schemeClr val="tx1">
                       <a:lumMod val="50000"/>
@@ -12668,7 +12581,7 @@
                 <a:t> </a:t>
               </a:r>
               <a:r>
-                <a:rPr lang="en-US" sz="1400" dirty="0" err="1" smtClean="0">
+                <a:rPr lang="en-US" sz="2000" dirty="0" err="1" smtClean="0">
                   <a:solidFill>
                     <a:schemeClr val="tx1">
                       <a:lumMod val="50000"/>
@@ -12679,7 +12592,7 @@
                 <a:t>caducados</a:t>
               </a:r>
               <a:r>
-                <a:rPr lang="en-US" sz="1400" dirty="0" smtClean="0">
+                <a:rPr lang="en-US" sz="2000" dirty="0" smtClean="0">
                   <a:solidFill>
                     <a:schemeClr val="tx1">
                       <a:lumMod val="50000"/>
@@ -12697,7 +12610,7 @@
                 </a:spcBef>
               </a:pPr>
               <a:r>
-                <a:rPr lang="en-US" sz="1400" dirty="0" smtClean="0">
+                <a:rPr lang="en-US" sz="2000" dirty="0" smtClean="0">
                   <a:solidFill>
                     <a:schemeClr val="tx1">
                       <a:lumMod val="50000"/>
@@ -12708,7 +12621,7 @@
                 <a:t>(To expire:  &lt;</a:t>
               </a:r>
               <a:r>
-                <a:rPr lang="en-US" sz="1400" dirty="0" err="1" smtClean="0">
+                <a:rPr lang="en-US" sz="2000" dirty="0" err="1" smtClean="0">
                   <a:solidFill>
                     <a:schemeClr val="tx1">
                       <a:lumMod val="50000"/>
@@ -12719,7 +12632,7 @@
                 <a:t>lista</a:t>
               </a:r>
               <a:r>
-                <a:rPr lang="en-US" sz="1400" dirty="0" smtClean="0">
+                <a:rPr lang="en-US" sz="2000" dirty="0" smtClean="0">
                   <a:solidFill>
                     <a:schemeClr val="tx1">
                       <a:lumMod val="50000"/>
@@ -12730,7 +12643,7 @@
                 <a:t> de </a:t>
               </a:r>
               <a:r>
-                <a:rPr lang="en-US" sz="1400" dirty="0" err="1" smtClean="0">
+                <a:rPr lang="en-US" sz="2000" dirty="0" err="1" smtClean="0">
                   <a:solidFill>
                     <a:schemeClr val="tx1">
                       <a:lumMod val="50000"/>
@@ -12741,7 +12654,7 @@
                 <a:t>ingredientes</a:t>
               </a:r>
               <a:r>
-                <a:rPr lang="en-US" sz="1400" dirty="0" smtClean="0">
+                <a:rPr lang="en-US" sz="2000" dirty="0" smtClean="0">
                   <a:solidFill>
                     <a:schemeClr val="tx1">
                       <a:lumMod val="50000"/>
@@ -12752,7 +12665,7 @@
                 <a:t> </a:t>
               </a:r>
               <a:r>
-                <a:rPr lang="en-US" sz="1400" dirty="0" err="1" smtClean="0">
+                <a:rPr lang="en-US" sz="2000" dirty="0" err="1" smtClean="0">
                   <a:solidFill>
                     <a:schemeClr val="tx1">
                       <a:lumMod val="50000"/>
@@ -12763,7 +12676,7 @@
                 <a:t>próximos</a:t>
               </a:r>
               <a:r>
-                <a:rPr lang="en-US" sz="1400" dirty="0" smtClean="0">
+                <a:rPr lang="en-US" sz="2000" dirty="0" smtClean="0">
                   <a:solidFill>
                     <a:schemeClr val="tx1">
                       <a:lumMod val="50000"/>
@@ -12774,7 +12687,7 @@
                 <a:t> a </a:t>
               </a:r>
               <a:r>
-                <a:rPr lang="en-US" sz="1400" dirty="0" err="1" smtClean="0">
+                <a:rPr lang="en-US" sz="2000" dirty="0" err="1" smtClean="0">
                   <a:solidFill>
                     <a:schemeClr val="tx1">
                       <a:lumMod val="50000"/>
@@ -12785,7 +12698,7 @@
                 <a:t>caducar</a:t>
               </a:r>
               <a:r>
-                <a:rPr lang="en-US" sz="1400" dirty="0" smtClean="0">
+                <a:rPr lang="en-US" sz="2000" dirty="0" smtClean="0">
                   <a:solidFill>
                     <a:schemeClr val="tx1">
                       <a:lumMod val="50000"/>
@@ -12803,7 +12716,7 @@
                 </a:spcBef>
               </a:pPr>
               <a:r>
-                <a:rPr lang="en-US" sz="1400" dirty="0" smtClean="0">
+                <a:rPr lang="en-US" sz="2000" dirty="0" smtClean="0">
                   <a:solidFill>
                     <a:schemeClr val="tx1">
                       <a:lumMod val="50000"/>
@@ -12814,7 +12727,7 @@
                 <a:t>(Throw </a:t>
               </a:r>
               <a:r>
-                <a:rPr lang="en-US" sz="1400" dirty="0">
+                <a:rPr lang="en-US" sz="2000" dirty="0">
                   <a:solidFill>
                     <a:schemeClr val="tx1">
                       <a:lumMod val="50000"/>
@@ -12825,7 +12738,7 @@
                 <a:t>out the expired </a:t>
               </a:r>
               <a:r>
-                <a:rPr lang="en-US" sz="1400" dirty="0" smtClean="0">
+                <a:rPr lang="en-US" sz="2000" dirty="0" smtClean="0">
                   <a:solidFill>
                     <a:schemeClr val="tx1">
                       <a:lumMod val="50000"/>
@@ -12836,7 +12749,7 @@
                 <a:t>foods.) (Consider </a:t>
               </a:r>
               <a:r>
-                <a:rPr lang="en-US" sz="1400" dirty="0">
+                <a:rPr lang="en-US" sz="2000" dirty="0">
                   <a:solidFill>
                     <a:schemeClr val="tx1">
                       <a:lumMod val="50000"/>
@@ -12847,7 +12760,7 @@
                 <a:t>using the foods to expire as soon as possible</a:t>
               </a:r>
               <a:r>
-                <a:rPr lang="en-US" sz="1400" dirty="0" smtClean="0">
+                <a:rPr lang="en-US" sz="2000" dirty="0" smtClean="0">
                   <a:solidFill>
                     <a:schemeClr val="tx1">
                       <a:lumMod val="50000"/>
@@ -12857,7 +12770,7 @@
                 </a:rPr>
                 <a:t>.)”</a:t>
               </a:r>
-              <a:endParaRPr lang="es-ES" sz="1400" dirty="0">
+              <a:endParaRPr lang="es-ES" sz="2000" dirty="0">
                 <a:solidFill>
                   <a:schemeClr val="tx1">
                     <a:lumMod val="50000"/>
@@ -12885,8 +12798,8 @@
                 <a:gd name="adj2" fmla="val -15103"/>
                 <a:gd name="adj3" fmla="val 739191"/>
                 <a:gd name="adj4" fmla="val -73962"/>
-                <a:gd name="adj5" fmla="val 483203"/>
-                <a:gd name="adj6" fmla="val -122986"/>
+                <a:gd name="adj5" fmla="val 498750"/>
+                <a:gd name="adj6" fmla="val -120903"/>
               </a:avLst>
             </a:prstGeom>
             <a:noFill/>
@@ -12932,8 +12845,8 @@
           </p:nvSpPr>
           <p:spPr>
             <a:xfrm>
-              <a:off x="2557670" y="5950500"/>
-              <a:ext cx="3394233" cy="307777"/>
+              <a:off x="531517" y="6468541"/>
+              <a:ext cx="4713653" cy="400110"/>
             </a:xfrm>
             <a:prstGeom prst="rect">
               <a:avLst/>
@@ -12959,7 +12872,7 @@
                 </a:spcBef>
               </a:pPr>
               <a:r>
-                <a:rPr lang="en-US" sz="1400" dirty="0" smtClean="0">
+                <a:rPr lang="en-US" sz="2000" dirty="0" smtClean="0">
                   <a:solidFill>
                     <a:schemeClr val="tx1">
                       <a:lumMod val="50000"/>
@@ -12969,7 +12882,7 @@
                 </a:rPr>
                 <a:t>“Let me get a ingredients summary for you”</a:t>
               </a:r>
-              <a:endParaRPr lang="es-ES" sz="1400" dirty="0">
+              <a:endParaRPr lang="es-ES" sz="2000" dirty="0">
                 <a:solidFill>
                   <a:schemeClr val="tx1">
                     <a:lumMod val="50000"/>
@@ -12988,7 +12901,7 @@
           </p:nvSpPr>
           <p:spPr>
             <a:xfrm>
-              <a:off x="9377874" y="7364230"/>
+              <a:off x="8615700" y="7860790"/>
               <a:ext cx="914400" cy="612648"/>
             </a:xfrm>
             <a:prstGeom prst="callout2">
@@ -12997,8 +12910,8 @@
                 <a:gd name="adj2" fmla="val -369724"/>
                 <a:gd name="adj3" fmla="val -212739"/>
                 <a:gd name="adj4" fmla="val -342984"/>
-                <a:gd name="adj5" fmla="val -487663"/>
-                <a:gd name="adj6" fmla="val -263889"/>
+                <a:gd name="adj5" fmla="val -503210"/>
+                <a:gd name="adj6" fmla="val -270139"/>
               </a:avLst>
             </a:prstGeom>
             <a:noFill/>
@@ -13040,7 +12953,7 @@
     </p:spTree>
     <p:extLst>
       <p:ext uri="{BB962C8B-B14F-4D97-AF65-F5344CB8AC3E}">
-        <p14:creationId xmlns:p14="http://schemas.microsoft.com/office/powerpoint/2010/main" val="1132521147"/>
+        <p14:creationId xmlns:p14="http://schemas.microsoft.com/office/powerpoint/2010/main" val="2218404090"/>
       </p:ext>
     </p:extLst>
   </p:cSld>
